--- a/docs/Presentations/DayPlan/Full Presentation.pptx
+++ b/docs/Presentations/DayPlan/Full Presentation.pptx
@@ -6608,7 +6608,7 @@
           <a:p>
             <a:fld id="{56DA6BE2-F309-C145-93AC-13335DCF7E2A}" type="datetimeFigureOut">
               <a:rPr lang="en-US" smtClean="0"/>
-              <a:t>1/7/25</a:t>
+              <a:t>1/13/25</a:t>
             </a:fld>
             <a:endParaRPr lang="en-US"/>
           </a:p>
@@ -7027,7 +7027,7 @@
           <a:p>
             <a:fld id="{6581E878-A43D-DD47-B90D-8C10E2AB5A0F}" type="datetime1">
               <a:rPr lang="en-GB" smtClean="0"/>
-              <a:t>07/01/2025</a:t>
+              <a:t>13/01/2025</a:t>
             </a:fld>
             <a:endParaRPr lang="en-US"/>
           </a:p>
@@ -7230,7 +7230,7 @@
           <a:p>
             <a:fld id="{93A1A8E1-ED4C-3447-B601-7E74B3C5BD79}" type="datetime1">
               <a:rPr lang="en-GB" smtClean="0"/>
-              <a:t>07/01/2025</a:t>
+              <a:t>13/01/2025</a:t>
             </a:fld>
             <a:endParaRPr lang="en-US"/>
           </a:p>
@@ -7451,7 +7451,7 @@
           <a:p>
             <a:fld id="{9C9E4095-BE22-7247-B913-F934B361C0A6}" type="datetime1">
               <a:rPr lang="en-GB" smtClean="0"/>
-              <a:t>07/01/2025</a:t>
+              <a:t>13/01/2025</a:t>
             </a:fld>
             <a:endParaRPr lang="en-US"/>
           </a:p>
@@ -7604,7 +7604,7 @@
           <a:p>
             <a:fld id="{44400636-3EE2-674F-A4D3-0BAC6EBA81F4}" type="datetime1">
               <a:rPr lang="en-GB" smtClean="0"/>
-              <a:t>07/01/2025</a:t>
+              <a:t>13/01/2025</a:t>
             </a:fld>
             <a:endParaRPr lang="en-US"/>
           </a:p>
@@ -7805,7 +7805,7 @@
           <a:p>
             <a:fld id="{328A6CFB-8076-FF4C-901A-2D349C2F3CE8}" type="datetime1">
               <a:rPr lang="en-GB" smtClean="0"/>
-              <a:t>07/01/2025</a:t>
+              <a:t>13/01/2025</a:t>
             </a:fld>
             <a:endParaRPr lang="en-US"/>
           </a:p>
@@ -8065,7 +8065,7 @@
           <a:p>
             <a:fld id="{BC95F4EA-D634-624D-B6F4-F469819D4D97}" type="datetime1">
               <a:rPr lang="en-GB" smtClean="0"/>
-              <a:t>07/01/2025</a:t>
+              <a:t>13/01/2025</a:t>
             </a:fld>
             <a:endParaRPr lang="en-US"/>
           </a:p>
@@ -8352,7 +8352,7 @@
           <a:p>
             <a:fld id="{5153266D-035E-9246-9488-656C43B991F3}" type="datetime1">
               <a:rPr lang="en-GB" smtClean="0"/>
-              <a:t>07/01/2025</a:t>
+              <a:t>13/01/2025</a:t>
             </a:fld>
             <a:endParaRPr lang="en-US"/>
           </a:p>
@@ -8631,7 +8631,7 @@
           <a:p>
             <a:fld id="{9F570B4D-C3E7-C64B-ACB3-A5A270B6F24D}" type="datetime1">
               <a:rPr lang="en-GB" smtClean="0"/>
-              <a:t>07/01/2025</a:t>
+              <a:t>13/01/2025</a:t>
             </a:fld>
             <a:endParaRPr lang="en-US"/>
           </a:p>
@@ -9057,7 +9057,7 @@
           <a:p>
             <a:fld id="{6D5C9D7B-1A39-1C41-8628-1E5F8A62C2E4}" type="datetime1">
               <a:rPr lang="en-GB" smtClean="0"/>
-              <a:t>07/01/2025</a:t>
+              <a:t>13/01/2025</a:t>
             </a:fld>
             <a:endParaRPr lang="en-US"/>
           </a:p>
@@ -9210,7 +9210,7 @@
           <a:p>
             <a:fld id="{136132D7-E3DF-4C4A-B20C-0C58814F08AB}" type="datetime1">
               <a:rPr lang="en-GB" smtClean="0"/>
-              <a:t>07/01/2025</a:t>
+              <a:t>13/01/2025</a:t>
             </a:fld>
             <a:endParaRPr lang="en-US"/>
           </a:p>
@@ -9334,7 +9334,7 @@
           <a:p>
             <a:fld id="{5CDE504E-BA97-F546-8DF8-B07BB1857424}" type="datetime1">
               <a:rPr lang="en-GB" smtClean="0"/>
-              <a:t>07/01/2025</a:t>
+              <a:t>13/01/2025</a:t>
             </a:fld>
             <a:endParaRPr lang="en-US"/>
           </a:p>
@@ -9658,7 +9658,7 @@
           <a:p>
             <a:fld id="{A5CD632E-FAB4-B143-A22A-60CCE47B0D6C}" type="datetime1">
               <a:rPr lang="en-GB" smtClean="0"/>
-              <a:t>07/01/2025</a:t>
+              <a:t>13/01/2025</a:t>
             </a:fld>
             <a:endParaRPr lang="en-US"/>
           </a:p>
@@ -9962,7 +9962,7 @@
           <a:p>
             <a:fld id="{6D529D7B-00FC-FE44-9E4E-9C5D6F13486F}" type="datetime1">
               <a:rPr lang="en-GB" smtClean="0"/>
-              <a:t>07/01/2025</a:t>
+              <a:t>13/01/2025</a:t>
             </a:fld>
             <a:endParaRPr lang="en-US"/>
           </a:p>
@@ -10247,7 +10247,7 @@
           <a:p>
             <a:fld id="{6581E878-A43D-DD47-B90D-8C10E2AB5A0F}" type="datetime1">
               <a:rPr lang="en-GB" smtClean="0"/>
-              <a:t>07/01/2025</a:t>
+              <a:t>13/01/2025</a:t>
             </a:fld>
             <a:endParaRPr lang="en-US"/>
           </a:p>
@@ -11040,7 +11040,7 @@
             <p:ph idx="1"/>
             <p:extLst>
               <p:ext uri="{D42A27DB-BD31-4B8C-83A1-F6EECF244321}">
-                <p14:modId xmlns:p14="http://schemas.microsoft.com/office/powerpoint/2010/main" val="964380156"/>
+                <p14:modId xmlns:p14="http://schemas.microsoft.com/office/powerpoint/2010/main" val="2042996110"/>
               </p:ext>
             </p:extLst>
           </p:nvPr>
@@ -11077,6 +11077,7 @@
                     <a:bodyPr/>
                     <a:lstStyle/>
                     <a:p>
+                      <a:pPr algn="l"/>
                       <a:endParaRPr lang="en-GB" dirty="0">
                         <a:solidFill>
                           <a:schemeClr val="tx1"/>
@@ -11115,16 +11116,84 @@
                     <a:bodyPr/>
                     <a:lstStyle/>
                     <a:p>
+                      <a:pPr algn="l"/>
                       <a:r>
-                        <a:rPr lang="en-GB" b="0" dirty="0">
+                        <a:rPr lang="en-GB" b="1" dirty="0">
                           <a:solidFill>
-                            <a:schemeClr val="tx1"/>
+                            <a:srgbClr val="004D9E"/>
                           </a:solidFill>
                           <a:latin typeface="Arial" panose="020B0604020202020204" pitchFamily="34" charset="0"/>
                           <a:cs typeface="Arial" panose="020B0604020202020204" pitchFamily="34" charset="0"/>
                         </a:rPr>
-                        <a:t>tbc</a:t>
+                        <a:t>Dr </a:t>
                       </a:r>
+                      <a:r>
+                        <a:rPr lang="en-GB" sz="1800" b="1" i="0" kern="1200" dirty="0">
+                          <a:solidFill>
+                            <a:srgbClr val="004D9E"/>
+                          </a:solidFill>
+                          <a:effectLst/>
+                          <a:latin typeface="+mn-lt"/>
+                          <a:ea typeface="+mn-ea"/>
+                          <a:cs typeface="+mn-cs"/>
+                        </a:rPr>
+                        <a:t>Hannah Rose </a:t>
+                      </a:r>
+                      <a:r>
+                        <a:rPr lang="en-GB" sz="1800" b="1" i="0" kern="1200" dirty="0" err="1">
+                          <a:solidFill>
+                            <a:srgbClr val="004D9E"/>
+                          </a:solidFill>
+                          <a:effectLst/>
+                          <a:latin typeface="+mn-lt"/>
+                          <a:ea typeface="+mn-ea"/>
+                          <a:cs typeface="+mn-cs"/>
+                        </a:rPr>
+                        <a:t>Vineer</a:t>
+                      </a:r>
+                      <a:r>
+                        <a:rPr lang="en-GB" sz="1800" b="1" i="0" kern="1200" dirty="0">
+                          <a:solidFill>
+                            <a:srgbClr val="004D9E"/>
+                          </a:solidFill>
+                          <a:effectLst/>
+                          <a:latin typeface="+mn-lt"/>
+                          <a:ea typeface="+mn-ea"/>
+                          <a:cs typeface="+mn-cs"/>
+                        </a:rPr>
+                        <a:t> </a:t>
+                      </a:r>
+                      <a:r>
+                        <a:rPr lang="en-GB" sz="1800" b="0" i="0" kern="1200" dirty="0">
+                          <a:solidFill>
+                            <a:schemeClr val="tx1"/>
+                          </a:solidFill>
+                          <a:effectLst/>
+                          <a:latin typeface="+mn-lt"/>
+                          <a:ea typeface="+mn-ea"/>
+                          <a:cs typeface="+mn-cs"/>
+                        </a:rPr>
+                        <a:t>– </a:t>
+                      </a:r>
+                      <a:r>
+                        <a:rPr lang="en-GB" sz="1800" b="0" i="1" kern="1200" dirty="0">
+                          <a:solidFill>
+                            <a:srgbClr val="00BB64"/>
+                          </a:solidFill>
+                          <a:effectLst/>
+                          <a:latin typeface="+mn-lt"/>
+                          <a:ea typeface="+mn-ea"/>
+                          <a:cs typeface="+mn-cs"/>
+                        </a:rPr>
+                        <a:t>University of Liverpool &amp; VBD Hub</a:t>
+                      </a:r>
+                      <a:endParaRPr lang="en-GB" b="1" i="1" dirty="0">
+                        <a:solidFill>
+                          <a:srgbClr val="00BB64"/>
+                        </a:solidFill>
+                        <a:latin typeface="Arial" panose="020B0604020202020204" pitchFamily="34" charset="0"/>
+                        <a:cs typeface="Arial" panose="020B0604020202020204" pitchFamily="34" charset="0"/>
+                      </a:endParaRPr>
                     </a:p>
                   </a:txBody>
                   <a:tcPr>
@@ -11163,6 +11232,7 @@
                     <a:bodyPr/>
                     <a:lstStyle/>
                     <a:p>
+                      <a:pPr algn="l"/>
                       <a:endParaRPr lang="en-GB" dirty="0">
                         <a:solidFill>
                           <a:schemeClr val="tx1"/>
@@ -11201,6 +11271,7 @@
                     <a:bodyPr/>
                     <a:lstStyle/>
                     <a:p>
+                      <a:pPr algn="l"/>
                       <a:r>
                         <a:rPr lang="en-GB" b="1" dirty="0">
                           <a:solidFill>
@@ -11269,7 +11340,8 @@
                     <a:bodyPr/>
                     <a:lstStyle/>
                     <a:p>
-                      <a:endParaRPr lang="en-GB">
+                      <a:pPr algn="l"/>
+                      <a:endParaRPr lang="en-GB" dirty="0">
                         <a:solidFill>
                           <a:schemeClr val="tx1"/>
                         </a:solidFill>
@@ -11307,6 +11379,7 @@
                     <a:bodyPr/>
                     <a:lstStyle/>
                     <a:p>
+                      <a:pPr algn="l"/>
                       <a:r>
                         <a:rPr lang="en-GB" b="1" dirty="0">
                           <a:solidFill>
@@ -13923,31 +13996,6 @@
       </p:sp>
       <p:sp>
         <p:nvSpPr>
-          <p:cNvPr id="3" name="Content Placeholder 2">
-            <a:extLst>
-              <a:ext uri="{FF2B5EF4-FFF2-40B4-BE49-F238E27FC236}">
-                <a16:creationId xmlns:a16="http://schemas.microsoft.com/office/drawing/2014/main" id="{92B076A6-E40A-FC1B-0EF6-30B336C80617}"/>
-              </a:ext>
-            </a:extLst>
-          </p:cNvPr>
-          <p:cNvSpPr>
-            <a:spLocks noGrp="1"/>
-          </p:cNvSpPr>
-          <p:nvPr>
-            <p:ph idx="1"/>
-          </p:nvPr>
-        </p:nvSpPr>
-        <p:spPr/>
-        <p:txBody>
-          <a:bodyPr/>
-          <a:lstStyle/>
-          <a:p>
-            <a:endParaRPr lang="en-GB"/>
-          </a:p>
-        </p:txBody>
-      </p:sp>
-      <p:sp>
-        <p:nvSpPr>
           <p:cNvPr id="4" name="Footer Placeholder 3">
             <a:extLst>
               <a:ext uri="{FF2B5EF4-FFF2-40B4-BE49-F238E27FC236}">
@@ -13975,6 +14023,281 @@
           </a:p>
         </p:txBody>
       </p:sp>
+      <p:graphicFrame>
+        <p:nvGraphicFramePr>
+          <p:cNvPr id="5" name="Table 4">
+            <a:extLst>
+              <a:ext uri="{FF2B5EF4-FFF2-40B4-BE49-F238E27FC236}">
+                <a16:creationId xmlns:a16="http://schemas.microsoft.com/office/drawing/2014/main" id="{4FDDF662-362E-F254-F544-19AD0D3AE94E}"/>
+              </a:ext>
+            </a:extLst>
+          </p:cNvPr>
+          <p:cNvGraphicFramePr>
+            <a:graphicFrameLocks noGrp="1"/>
+          </p:cNvGraphicFramePr>
+          <p:nvPr>
+            <p:extLst>
+              <p:ext uri="{D42A27DB-BD31-4B8C-83A1-F6EECF244321}">
+                <p14:modId xmlns:p14="http://schemas.microsoft.com/office/powerpoint/2010/main" val="3945348015"/>
+              </p:ext>
+            </p:extLst>
+          </p:nvPr>
+        </p:nvGraphicFramePr>
+        <p:xfrm>
+          <a:off x="838200" y="1636091"/>
+          <a:ext cx="10439400" cy="3353745"/>
+        </p:xfrm>
+        <a:graphic>
+          <a:graphicData uri="http://schemas.openxmlformats.org/drawingml/2006/table">
+            <a:tbl>
+              <a:tblPr firstRow="1" firstCol="1" bandRow="1">
+                <a:tableStyleId>{5C22544A-7EE6-4342-B048-85BDC9FD1C3A}</a:tableStyleId>
+              </a:tblPr>
+              <a:tblGrid>
+                <a:gridCol w="2949107">
+                  <a:extLst>
+                    <a:ext uri="{9D8B030D-6E8A-4147-A177-3AD203B41FA5}">
+                      <a16:colId xmlns:a16="http://schemas.microsoft.com/office/drawing/2014/main" val="2095981149"/>
+                    </a:ext>
+                  </a:extLst>
+                </a:gridCol>
+                <a:gridCol w="7490293">
+                  <a:extLst>
+                    <a:ext uri="{9D8B030D-6E8A-4147-A177-3AD203B41FA5}">
+                      <a16:colId xmlns:a16="http://schemas.microsoft.com/office/drawing/2014/main" val="3870827945"/>
+                    </a:ext>
+                  </a:extLst>
+                </a:gridCol>
+              </a:tblGrid>
+              <a:tr h="670749">
+                <a:tc>
+                  <a:txBody>
+                    <a:bodyPr/>
+                    <a:lstStyle/>
+                    <a:p>
+                      <a:pPr algn="ctr"/>
+                      <a:r>
+                        <a:rPr lang="en-GB" sz="2000" kern="100" dirty="0">
+                          <a:effectLst/>
+                        </a:rPr>
+                        <a:t>Key Challenge</a:t>
+                      </a:r>
+                      <a:endParaRPr lang="en-GB" sz="2000" kern="100" dirty="0">
+                        <a:effectLst/>
+                        <a:latin typeface="Aptos" panose="020B0004020202020204" pitchFamily="34" charset="0"/>
+                        <a:ea typeface="Aptos" panose="020B0004020202020204" pitchFamily="34" charset="0"/>
+                        <a:cs typeface="Times New Roman" panose="02020603050405020304" pitchFamily="18" charset="0"/>
+                      </a:endParaRPr>
+                    </a:p>
+                  </a:txBody>
+                  <a:tcPr marL="36261" marR="36261" marT="0" marB="0" anchor="ctr"/>
+                </a:tc>
+                <a:tc>
+                  <a:txBody>
+                    <a:bodyPr/>
+                    <a:lstStyle/>
+                    <a:p>
+                      <a:pPr algn="ctr"/>
+                      <a:endParaRPr lang="en-GB" sz="1800" kern="100" dirty="0">
+                        <a:effectLst/>
+                        <a:latin typeface="Aptos" panose="020B0004020202020204" pitchFamily="34" charset="0"/>
+                        <a:ea typeface="Aptos" panose="020B0004020202020204" pitchFamily="34" charset="0"/>
+                        <a:cs typeface="Times New Roman" panose="02020603050405020304" pitchFamily="18" charset="0"/>
+                      </a:endParaRPr>
+                    </a:p>
+                  </a:txBody>
+                  <a:tcPr marL="36261" marR="36261" marT="0" marB="0" anchor="ctr"/>
+                </a:tc>
+                <a:extLst>
+                  <a:ext uri="{0D108BD9-81ED-4DB2-BD59-A6C34878D82A}">
+                    <a16:rowId xmlns:a16="http://schemas.microsoft.com/office/drawing/2014/main" val="3538822886"/>
+                  </a:ext>
+                </a:extLst>
+              </a:tr>
+              <a:tr h="670749">
+                <a:tc>
+                  <a:txBody>
+                    <a:bodyPr/>
+                    <a:lstStyle/>
+                    <a:p>
+                      <a:pPr algn="ctr"/>
+                      <a:r>
+                        <a:rPr lang="en-GB" sz="2000" kern="100" dirty="0">
+                          <a:effectLst/>
+                        </a:rPr>
+                        <a:t>Exam Question</a:t>
+                      </a:r>
+                      <a:endParaRPr lang="en-GB" sz="2000" kern="100" dirty="0">
+                        <a:effectLst/>
+                        <a:latin typeface="Aptos" panose="020B0004020202020204" pitchFamily="34" charset="0"/>
+                        <a:ea typeface="Aptos" panose="020B0004020202020204" pitchFamily="34" charset="0"/>
+                        <a:cs typeface="Times New Roman" panose="02020603050405020304" pitchFamily="18" charset="0"/>
+                      </a:endParaRPr>
+                    </a:p>
+                  </a:txBody>
+                  <a:tcPr marL="36261" marR="36261" marT="0" marB="0" anchor="ctr"/>
+                </a:tc>
+                <a:tc>
+                  <a:txBody>
+                    <a:bodyPr/>
+                    <a:lstStyle/>
+                    <a:p>
+                      <a:pPr algn="ctr"/>
+                      <a:endParaRPr lang="en-GB" sz="1800" kern="100" dirty="0">
+                        <a:effectLst/>
+                        <a:latin typeface="Aptos" panose="020B0004020202020204" pitchFamily="34" charset="0"/>
+                        <a:ea typeface="Aptos" panose="020B0004020202020204" pitchFamily="34" charset="0"/>
+                        <a:cs typeface="Times New Roman" panose="02020603050405020304" pitchFamily="18" charset="0"/>
+                      </a:endParaRPr>
+                    </a:p>
+                  </a:txBody>
+                  <a:tcPr marL="36261" marR="36261" marT="0" marB="0" anchor="ctr"/>
+                </a:tc>
+                <a:extLst>
+                  <a:ext uri="{0D108BD9-81ED-4DB2-BD59-A6C34878D82A}">
+                    <a16:rowId xmlns:a16="http://schemas.microsoft.com/office/drawing/2014/main" val="803328228"/>
+                  </a:ext>
+                </a:extLst>
+              </a:tr>
+              <a:tr h="670749">
+                <a:tc>
+                  <a:txBody>
+                    <a:bodyPr/>
+                    <a:lstStyle/>
+                    <a:p>
+                      <a:pPr algn="ctr"/>
+                      <a:r>
+                        <a:rPr lang="en-GB" sz="2000" kern="100" dirty="0">
+                          <a:effectLst/>
+                        </a:rPr>
+                        <a:t>Usable Data</a:t>
+                      </a:r>
+                      <a:endParaRPr lang="en-GB" sz="2000" kern="100" dirty="0">
+                        <a:effectLst/>
+                        <a:latin typeface="Aptos" panose="020B0004020202020204" pitchFamily="34" charset="0"/>
+                        <a:ea typeface="Aptos" panose="020B0004020202020204" pitchFamily="34" charset="0"/>
+                        <a:cs typeface="Times New Roman" panose="02020603050405020304" pitchFamily="18" charset="0"/>
+                      </a:endParaRPr>
+                    </a:p>
+                  </a:txBody>
+                  <a:tcPr marL="36261" marR="36261" marT="0" marB="0" anchor="ctr"/>
+                </a:tc>
+                <a:tc>
+                  <a:txBody>
+                    <a:bodyPr/>
+                    <a:lstStyle/>
+                    <a:p>
+                      <a:pPr algn="ctr"/>
+                      <a:endParaRPr lang="en-GB" sz="1800" kern="100" dirty="0">
+                        <a:effectLst/>
+                        <a:latin typeface="Aptos" panose="020B0004020202020204" pitchFamily="34" charset="0"/>
+                        <a:ea typeface="Aptos" panose="020B0004020202020204" pitchFamily="34" charset="0"/>
+                        <a:cs typeface="Times New Roman" panose="02020603050405020304" pitchFamily="18" charset="0"/>
+                      </a:endParaRPr>
+                    </a:p>
+                  </a:txBody>
+                  <a:tcPr marL="36261" marR="36261" marT="0" marB="0" anchor="ctr"/>
+                </a:tc>
+                <a:extLst>
+                  <a:ext uri="{0D108BD9-81ED-4DB2-BD59-A6C34878D82A}">
+                    <a16:rowId xmlns:a16="http://schemas.microsoft.com/office/drawing/2014/main" val="151121533"/>
+                  </a:ext>
+                </a:extLst>
+              </a:tr>
+              <a:tr h="670749">
+                <a:tc>
+                  <a:txBody>
+                    <a:bodyPr/>
+                    <a:lstStyle/>
+                    <a:p>
+                      <a:pPr algn="ctr"/>
+                      <a:r>
+                        <a:rPr lang="en-GB" sz="2000" kern="100" dirty="0">
+                          <a:effectLst/>
+                        </a:rPr>
+                        <a:t>Output Format</a:t>
+                      </a:r>
+                      <a:endParaRPr lang="en-GB" sz="2000" kern="100" dirty="0">
+                        <a:effectLst/>
+                        <a:latin typeface="Aptos" panose="020B0004020202020204" pitchFamily="34" charset="0"/>
+                        <a:ea typeface="Aptos" panose="020B0004020202020204" pitchFamily="34" charset="0"/>
+                        <a:cs typeface="Times New Roman" panose="02020603050405020304" pitchFamily="18" charset="0"/>
+                      </a:endParaRPr>
+                    </a:p>
+                  </a:txBody>
+                  <a:tcPr marL="36261" marR="36261" marT="0" marB="0" anchor="ctr"/>
+                </a:tc>
+                <a:tc>
+                  <a:txBody>
+                    <a:bodyPr/>
+                    <a:lstStyle/>
+                    <a:p>
+                      <a:pPr algn="ctr"/>
+                      <a:endParaRPr lang="en-GB" sz="1800" kern="100" dirty="0">
+                        <a:effectLst/>
+                        <a:latin typeface="Aptos" panose="020B0004020202020204" pitchFamily="34" charset="0"/>
+                        <a:ea typeface="Aptos" panose="020B0004020202020204" pitchFamily="34" charset="0"/>
+                        <a:cs typeface="Times New Roman" panose="02020603050405020304" pitchFamily="18" charset="0"/>
+                      </a:endParaRPr>
+                    </a:p>
+                  </a:txBody>
+                  <a:tcPr marL="36261" marR="36261" marT="0" marB="0" anchor="ctr"/>
+                </a:tc>
+                <a:extLst>
+                  <a:ext uri="{0D108BD9-81ED-4DB2-BD59-A6C34878D82A}">
+                    <a16:rowId xmlns:a16="http://schemas.microsoft.com/office/drawing/2014/main" val="2005488218"/>
+                  </a:ext>
+                </a:extLst>
+              </a:tr>
+              <a:tr h="670749">
+                <a:tc>
+                  <a:txBody>
+                    <a:bodyPr/>
+                    <a:lstStyle/>
+                    <a:p>
+                      <a:pPr algn="ctr"/>
+                      <a:r>
+                        <a:rPr lang="en-GB" sz="2000" kern="100" dirty="0">
+                          <a:effectLst/>
+                        </a:rPr>
+                        <a:t>Other Information</a:t>
+                      </a:r>
+                      <a:endParaRPr lang="en-GB" sz="2000" kern="100" dirty="0">
+                        <a:effectLst/>
+                        <a:latin typeface="Aptos" panose="020B0004020202020204" pitchFamily="34" charset="0"/>
+                        <a:ea typeface="Aptos" panose="020B0004020202020204" pitchFamily="34" charset="0"/>
+                        <a:cs typeface="Times New Roman" panose="02020603050405020304" pitchFamily="18" charset="0"/>
+                      </a:endParaRPr>
+                    </a:p>
+                  </a:txBody>
+                  <a:tcPr marL="36261" marR="36261" marT="0" marB="0" anchor="ctr"/>
+                </a:tc>
+                <a:tc>
+                  <a:txBody>
+                    <a:bodyPr/>
+                    <a:lstStyle/>
+                    <a:p>
+                      <a:pPr algn="ctr"/>
+                      <a:endParaRPr lang="en-GB" sz="1800" kern="100" dirty="0">
+                        <a:effectLst/>
+                        <a:latin typeface="Aptos" panose="020B0004020202020204" pitchFamily="34" charset="0"/>
+                        <a:ea typeface="Aptos" panose="020B0004020202020204" pitchFamily="34" charset="0"/>
+                        <a:cs typeface="Times New Roman" panose="02020603050405020304" pitchFamily="18" charset="0"/>
+                      </a:endParaRPr>
+                    </a:p>
+                  </a:txBody>
+                  <a:tcPr marL="36261" marR="36261" marT="0" marB="0" anchor="ctr"/>
+                </a:tc>
+                <a:extLst>
+                  <a:ext uri="{0D108BD9-81ED-4DB2-BD59-A6C34878D82A}">
+                    <a16:rowId xmlns:a16="http://schemas.microsoft.com/office/drawing/2014/main" val="3485862238"/>
+                  </a:ext>
+                </a:extLst>
+              </a:tr>
+            </a:tbl>
+          </a:graphicData>
+        </a:graphic>
+      </p:graphicFrame>
     </p:spTree>
     <p:extLst>
       <p:ext uri="{BB962C8B-B14F-4D97-AF65-F5344CB8AC3E}">

--- a/docs/Presentations/DayPlan/Full Presentation.pptx
+++ b/docs/Presentations/DayPlan/Full Presentation.pptx
@@ -5,44 +5,47 @@
     <p:sldMasterId id="2147483648" r:id="rId1"/>
   </p:sldMasterIdLst>
   <p:notesMasterIdLst>
-    <p:notesMasterId r:id="rId37"/>
+    <p:notesMasterId r:id="rId40"/>
   </p:notesMasterIdLst>
   <p:sldIdLst>
     <p:sldId id="256" r:id="rId2"/>
     <p:sldId id="257" r:id="rId3"/>
     <p:sldId id="258" r:id="rId4"/>
-    <p:sldId id="259" r:id="rId5"/>
-    <p:sldId id="261" r:id="rId6"/>
-    <p:sldId id="260" r:id="rId7"/>
-    <p:sldId id="262" r:id="rId8"/>
-    <p:sldId id="263" r:id="rId9"/>
-    <p:sldId id="264" r:id="rId10"/>
-    <p:sldId id="265" r:id="rId11"/>
-    <p:sldId id="266" r:id="rId12"/>
-    <p:sldId id="267" r:id="rId13"/>
-    <p:sldId id="268" r:id="rId14"/>
-    <p:sldId id="269" r:id="rId15"/>
-    <p:sldId id="270" r:id="rId16"/>
-    <p:sldId id="271" r:id="rId17"/>
-    <p:sldId id="272" r:id="rId18"/>
-    <p:sldId id="273" r:id="rId19"/>
-    <p:sldId id="274" r:id="rId20"/>
-    <p:sldId id="275" r:id="rId21"/>
-    <p:sldId id="276" r:id="rId22"/>
-    <p:sldId id="277" r:id="rId23"/>
-    <p:sldId id="278" r:id="rId24"/>
-    <p:sldId id="279" r:id="rId25"/>
-    <p:sldId id="280" r:id="rId26"/>
-    <p:sldId id="281" r:id="rId27"/>
-    <p:sldId id="282" r:id="rId28"/>
-    <p:sldId id="283" r:id="rId29"/>
-    <p:sldId id="284" r:id="rId30"/>
-    <p:sldId id="285" r:id="rId31"/>
-    <p:sldId id="286" r:id="rId32"/>
-    <p:sldId id="287" r:id="rId33"/>
-    <p:sldId id="288" r:id="rId34"/>
-    <p:sldId id="289" r:id="rId35"/>
-    <p:sldId id="290" r:id="rId36"/>
+    <p:sldId id="291" r:id="rId5"/>
+    <p:sldId id="292" r:id="rId6"/>
+    <p:sldId id="259" r:id="rId7"/>
+    <p:sldId id="261" r:id="rId8"/>
+    <p:sldId id="260" r:id="rId9"/>
+    <p:sldId id="262" r:id="rId10"/>
+    <p:sldId id="263" r:id="rId11"/>
+    <p:sldId id="264" r:id="rId12"/>
+    <p:sldId id="265" r:id="rId13"/>
+    <p:sldId id="266" r:id="rId14"/>
+    <p:sldId id="267" r:id="rId15"/>
+    <p:sldId id="268" r:id="rId16"/>
+    <p:sldId id="269" r:id="rId17"/>
+    <p:sldId id="270" r:id="rId18"/>
+    <p:sldId id="271" r:id="rId19"/>
+    <p:sldId id="272" r:id="rId20"/>
+    <p:sldId id="273" r:id="rId21"/>
+    <p:sldId id="274" r:id="rId22"/>
+    <p:sldId id="275" r:id="rId23"/>
+    <p:sldId id="276" r:id="rId24"/>
+    <p:sldId id="277" r:id="rId25"/>
+    <p:sldId id="278" r:id="rId26"/>
+    <p:sldId id="279" r:id="rId27"/>
+    <p:sldId id="280" r:id="rId28"/>
+    <p:sldId id="281" r:id="rId29"/>
+    <p:sldId id="282" r:id="rId30"/>
+    <p:sldId id="283" r:id="rId31"/>
+    <p:sldId id="284" r:id="rId32"/>
+    <p:sldId id="285" r:id="rId33"/>
+    <p:sldId id="286" r:id="rId34"/>
+    <p:sldId id="287" r:id="rId35"/>
+    <p:sldId id="288" r:id="rId36"/>
+    <p:sldId id="293" r:id="rId37"/>
+    <p:sldId id="289" r:id="rId38"/>
+    <p:sldId id="290" r:id="rId39"/>
   </p:sldIdLst>
   <p:sldSz cx="12192000" cy="6858000"/>
   <p:notesSz cx="6858000" cy="9144000"/>
@@ -153,6 +156,8 @@
           <p14:sldIdLst>
             <p14:sldId id="257"/>
             <p14:sldId id="258"/>
+            <p14:sldId id="291"/>
+            <p14:sldId id="292"/>
             <p14:sldId id="259"/>
             <p14:sldId id="261"/>
             <p14:sldId id="260"/>
@@ -211,6 +216,7 @@
             <p14:sldId id="286"/>
             <p14:sldId id="287"/>
             <p14:sldId id="288"/>
+            <p14:sldId id="293"/>
           </p14:sldIdLst>
         </p14:section>
         <p14:section name="Wrap-Up" id="{78DFCD89-0308-8D45-B893-1D7CCF2696A8}">
@@ -226,6 +232,54 @@
     </p:ext>
   </p:extLst>
 </p:presentation>
+</file>
+
+<file path=ppt/authors.xml><?xml version="1.0" encoding="utf-8"?>
+<p188:authorLst xmlns:a="http://schemas.openxmlformats.org/drawingml/2006/main" xmlns:r="http://schemas.openxmlformats.org/officeDocument/2006/relationships" xmlns:p188="http://schemas.microsoft.com/office/powerpoint/2018/8/main">
+  <p188:author id="{27501E81-3D38-E351-5C63-CF52B247D951}" name="Josh Tyler" initials="" userId="S::jtyler@turing.ac.uk::4f8e6e44-ed5e-436e-8c55-f7c46c5754c5" providerId="AD"/>
+</p188:authorLst>
+</file>
+
+<file path=ppt/comments/modernComment_107_C48E8765.xml><?xml version="1.0" encoding="utf-8"?>
+<p188:cmLst xmlns:a="http://schemas.openxmlformats.org/drawingml/2006/main" xmlns:r="http://schemas.openxmlformats.org/officeDocument/2006/relationships" xmlns:p188="http://schemas.microsoft.com/office/powerpoint/2018/8/main">
+  <p188:cm id="{327FE79B-55C6-C548-B3FB-B288137AF903}" authorId="{27501E81-3D38-E351-5C63-CF52B247D951}" created="2025-01-14T11:43:04.885">
+    <pc:sldMkLst xmlns:pc="http://schemas.microsoft.com/office/powerpoint/2013/main/command">
+      <pc:docMk/>
+      <pc:sldMk cId="3297675109" sldId="263"/>
+    </pc:sldMkLst>
+    <p188:txBody>
+      <a:bodyPr/>
+      <a:lstStyle/>
+      <a:p>
+        <a:r>
+          <a:rPr lang="en-GB"/>
+          <a:t>Need PI Input</a:t>
+        </a:r>
+      </a:p>
+    </p188:txBody>
+  </p188:cm>
+</p188:cmLst>
+</file>
+
+<file path=ppt/comments/modernComment_120_B1E60396.xml><?xml version="1.0" encoding="utf-8"?>
+<p188:cmLst xmlns:a="http://schemas.openxmlformats.org/drawingml/2006/main" xmlns:r="http://schemas.openxmlformats.org/officeDocument/2006/relationships" xmlns:p188="http://schemas.microsoft.com/office/powerpoint/2018/8/main">
+  <p188:cm id="{70A50346-8C64-D24D-B9CF-07053E3EDFBF}" authorId="{27501E81-3D38-E351-5C63-CF52B247D951}" created="2025-01-14T11:42:47.459">
+    <pc:sldMkLst xmlns:pc="http://schemas.microsoft.com/office/powerpoint/2013/main/command">
+      <pc:docMk/>
+      <pc:sldMk cId="2984641430" sldId="288"/>
+    </pc:sldMkLst>
+    <p188:txBody>
+      <a:bodyPr/>
+      <a:lstStyle/>
+      <a:p>
+        <a:r>
+          <a:rPr lang="en-GB"/>
+          <a:t>Need PI Input</a:t>
+        </a:r>
+      </a:p>
+    </p188:txBody>
+  </p188:cm>
+</p188:cmLst>
 </file>
 
 <file path=ppt/diagrams/colors1.xml><?xml version="1.0" encoding="utf-8"?>
@@ -6608,7 +6662,7 @@
           <a:p>
             <a:fld id="{56DA6BE2-F309-C145-93AC-13335DCF7E2A}" type="datetimeFigureOut">
               <a:rPr lang="en-US" smtClean="0"/>
-              <a:t>1/13/25</a:t>
+              <a:t>1/14/25</a:t>
             </a:fld>
             <a:endParaRPr lang="en-US"/>
           </a:p>
@@ -7027,7 +7081,7 @@
           <a:p>
             <a:fld id="{6581E878-A43D-DD47-B90D-8C10E2AB5A0F}" type="datetime1">
               <a:rPr lang="en-GB" smtClean="0"/>
-              <a:t>13/01/2025</a:t>
+              <a:t>14/01/2025</a:t>
             </a:fld>
             <a:endParaRPr lang="en-US"/>
           </a:p>
@@ -7230,7 +7284,7 @@
           <a:p>
             <a:fld id="{93A1A8E1-ED4C-3447-B601-7E74B3C5BD79}" type="datetime1">
               <a:rPr lang="en-GB" smtClean="0"/>
-              <a:t>13/01/2025</a:t>
+              <a:t>14/01/2025</a:t>
             </a:fld>
             <a:endParaRPr lang="en-US"/>
           </a:p>
@@ -7451,7 +7505,7 @@
           <a:p>
             <a:fld id="{9C9E4095-BE22-7247-B913-F934B361C0A6}" type="datetime1">
               <a:rPr lang="en-GB" smtClean="0"/>
-              <a:t>13/01/2025</a:t>
+              <a:t>14/01/2025</a:t>
             </a:fld>
             <a:endParaRPr lang="en-US"/>
           </a:p>
@@ -7604,7 +7658,7 @@
           <a:p>
             <a:fld id="{44400636-3EE2-674F-A4D3-0BAC6EBA81F4}" type="datetime1">
               <a:rPr lang="en-GB" smtClean="0"/>
-              <a:t>13/01/2025</a:t>
+              <a:t>14/01/2025</a:t>
             </a:fld>
             <a:endParaRPr lang="en-US"/>
           </a:p>
@@ -7805,7 +7859,7 @@
           <a:p>
             <a:fld id="{328A6CFB-8076-FF4C-901A-2D349C2F3CE8}" type="datetime1">
               <a:rPr lang="en-GB" smtClean="0"/>
-              <a:t>13/01/2025</a:t>
+              <a:t>14/01/2025</a:t>
             </a:fld>
             <a:endParaRPr lang="en-US"/>
           </a:p>
@@ -8065,7 +8119,7 @@
           <a:p>
             <a:fld id="{BC95F4EA-D634-624D-B6F4-F469819D4D97}" type="datetime1">
               <a:rPr lang="en-GB" smtClean="0"/>
-              <a:t>13/01/2025</a:t>
+              <a:t>14/01/2025</a:t>
             </a:fld>
             <a:endParaRPr lang="en-US"/>
           </a:p>
@@ -8352,7 +8406,7 @@
           <a:p>
             <a:fld id="{5153266D-035E-9246-9488-656C43B991F3}" type="datetime1">
               <a:rPr lang="en-GB" smtClean="0"/>
-              <a:t>13/01/2025</a:t>
+              <a:t>14/01/2025</a:t>
             </a:fld>
             <a:endParaRPr lang="en-US"/>
           </a:p>
@@ -8631,7 +8685,7 @@
           <a:p>
             <a:fld id="{9F570B4D-C3E7-C64B-ACB3-A5A270B6F24D}" type="datetime1">
               <a:rPr lang="en-GB" smtClean="0"/>
-              <a:t>13/01/2025</a:t>
+              <a:t>14/01/2025</a:t>
             </a:fld>
             <a:endParaRPr lang="en-US"/>
           </a:p>
@@ -9057,7 +9111,7 @@
           <a:p>
             <a:fld id="{6D5C9D7B-1A39-1C41-8628-1E5F8A62C2E4}" type="datetime1">
               <a:rPr lang="en-GB" smtClean="0"/>
-              <a:t>13/01/2025</a:t>
+              <a:t>14/01/2025</a:t>
             </a:fld>
             <a:endParaRPr lang="en-US"/>
           </a:p>
@@ -9210,7 +9264,7 @@
           <a:p>
             <a:fld id="{136132D7-E3DF-4C4A-B20C-0C58814F08AB}" type="datetime1">
               <a:rPr lang="en-GB" smtClean="0"/>
-              <a:t>13/01/2025</a:t>
+              <a:t>14/01/2025</a:t>
             </a:fld>
             <a:endParaRPr lang="en-US"/>
           </a:p>
@@ -9334,7 +9388,7 @@
           <a:p>
             <a:fld id="{5CDE504E-BA97-F546-8DF8-B07BB1857424}" type="datetime1">
               <a:rPr lang="en-GB" smtClean="0"/>
-              <a:t>13/01/2025</a:t>
+              <a:t>14/01/2025</a:t>
             </a:fld>
             <a:endParaRPr lang="en-US"/>
           </a:p>
@@ -9658,7 +9712,7 @@
           <a:p>
             <a:fld id="{A5CD632E-FAB4-B143-A22A-60CCE47B0D6C}" type="datetime1">
               <a:rPr lang="en-GB" smtClean="0"/>
-              <a:t>13/01/2025</a:t>
+              <a:t>14/01/2025</a:t>
             </a:fld>
             <a:endParaRPr lang="en-US"/>
           </a:p>
@@ -9962,7 +10016,7 @@
           <a:p>
             <a:fld id="{6D529D7B-00FC-FE44-9E4E-9C5D6F13486F}" type="datetime1">
               <a:rPr lang="en-GB" smtClean="0"/>
-              <a:t>13/01/2025</a:t>
+              <a:t>14/01/2025</a:t>
             </a:fld>
             <a:endParaRPr lang="en-US"/>
           </a:p>
@@ -10247,7 +10301,7 @@
           <a:p>
             <a:fld id="{6581E878-A43D-DD47-B90D-8C10E2AB5A0F}" type="datetime1">
               <a:rPr lang="en-GB" smtClean="0"/>
-              <a:t>13/01/2025</a:t>
+              <a:t>14/01/2025</a:t>
             </a:fld>
             <a:endParaRPr lang="en-US"/>
           </a:p>
@@ -10889,6 +10943,388 @@
           <p:cNvPr id="2" name="Title 1">
             <a:extLst>
               <a:ext uri="{FF2B5EF4-FFF2-40B4-BE49-F238E27FC236}">
+                <a16:creationId xmlns:a16="http://schemas.microsoft.com/office/drawing/2014/main" id="{C403EF1F-6B60-3AD9-1DBC-6FFA74907A84}"/>
+              </a:ext>
+            </a:extLst>
+          </p:cNvPr>
+          <p:cNvSpPr>
+            <a:spLocks noGrp="1"/>
+          </p:cNvSpPr>
+          <p:nvPr>
+            <p:ph type="title"/>
+          </p:nvPr>
+        </p:nvSpPr>
+        <p:spPr>
+          <a:xfrm>
+            <a:off x="838200" y="365125"/>
+            <a:ext cx="10515600" cy="1325563"/>
+          </a:xfrm>
+        </p:spPr>
+        <p:txBody>
+          <a:bodyPr anchor="ctr">
+            <a:normAutofit/>
+          </a:bodyPr>
+          <a:lstStyle/>
+          <a:p>
+            <a:r>
+              <a:rPr lang="en-GB" dirty="0"/>
+              <a:t>What is SPHERE-PPL?</a:t>
+            </a:r>
+          </a:p>
+        </p:txBody>
+      </p:sp>
+      <p:sp>
+        <p:nvSpPr>
+          <p:cNvPr id="3" name="Content Placeholder 2">
+            <a:extLst>
+              <a:ext uri="{FF2B5EF4-FFF2-40B4-BE49-F238E27FC236}">
+                <a16:creationId xmlns:a16="http://schemas.microsoft.com/office/drawing/2014/main" id="{5D4A1241-582B-26EE-3AA6-23E584A40065}"/>
+              </a:ext>
+            </a:extLst>
+          </p:cNvPr>
+          <p:cNvSpPr>
+            <a:spLocks noGrp="1"/>
+          </p:cNvSpPr>
+          <p:nvPr>
+            <p:ph sz="half" idx="1"/>
+          </p:nvPr>
+        </p:nvSpPr>
+        <p:spPr>
+          <a:xfrm>
+            <a:off x="838200" y="1825625"/>
+            <a:ext cx="5181600" cy="4351338"/>
+          </a:xfrm>
+        </p:spPr>
+        <p:txBody>
+          <a:bodyPr>
+            <a:normAutofit/>
+          </a:bodyPr>
+          <a:lstStyle/>
+          <a:p>
+            <a:pPr marL="0" indent="0">
+              <a:buNone/>
+            </a:pPr>
+            <a:r>
+              <a:rPr lang="en-GB" dirty="0" err="1">
+                <a:solidFill>
+                  <a:srgbClr val="FCAF00"/>
+                </a:solidFill>
+              </a:rPr>
+              <a:t>SPatial</a:t>
+            </a:r>
+            <a:r>
+              <a:rPr lang="en-GB" dirty="0">
+                <a:solidFill>
+                  <a:srgbClr val="FCAF00"/>
+                </a:solidFill>
+              </a:rPr>
+              <a:t>, Health and Environmental Research using Probabilistic Programming Languages</a:t>
+            </a:r>
+          </a:p>
+        </p:txBody>
+      </p:sp>
+      <p:pic>
+        <p:nvPicPr>
+          <p:cNvPr id="6" name="Picture 5" descr="A diagram of a diagram of the uk probabilistic programming community&#10;&#10;Description automatically generated">
+            <a:extLst>
+              <a:ext uri="{FF2B5EF4-FFF2-40B4-BE49-F238E27FC236}">
+                <a16:creationId xmlns:a16="http://schemas.microsoft.com/office/drawing/2014/main" id="{6EDEF028-139C-B38C-E332-7C77436D7E95}"/>
+              </a:ext>
+            </a:extLst>
+          </p:cNvPr>
+          <p:cNvPicPr>
+            <a:picLocks noChangeAspect="1"/>
+          </p:cNvPicPr>
+          <p:nvPr/>
+        </p:nvPicPr>
+        <p:blipFill>
+          <a:blip r:embed="rId3"/>
+          <a:stretch>
+            <a:fillRect/>
+          </a:stretch>
+        </p:blipFill>
+        <p:spPr>
+          <a:xfrm>
+            <a:off x="6297652" y="1825625"/>
+            <a:ext cx="4930695" cy="4351338"/>
+          </a:xfrm>
+          <a:prstGeom prst="rect">
+            <a:avLst/>
+          </a:prstGeom>
+          <a:noFill/>
+        </p:spPr>
+      </p:pic>
+      <p:sp>
+        <p:nvSpPr>
+          <p:cNvPr id="4" name="Footer Placeholder 3">
+            <a:extLst>
+              <a:ext uri="{FF2B5EF4-FFF2-40B4-BE49-F238E27FC236}">
+                <a16:creationId xmlns:a16="http://schemas.microsoft.com/office/drawing/2014/main" id="{2632374F-6974-9757-D328-EBA473C284CD}"/>
+              </a:ext>
+            </a:extLst>
+          </p:cNvPr>
+          <p:cNvSpPr>
+            <a:spLocks noGrp="1"/>
+          </p:cNvSpPr>
+          <p:nvPr>
+            <p:ph type="ftr" sz="quarter" idx="11"/>
+          </p:nvPr>
+        </p:nvSpPr>
+        <p:spPr>
+          <a:xfrm>
+            <a:off x="4038600" y="6356350"/>
+            <a:ext cx="4114800" cy="365125"/>
+          </a:xfrm>
+        </p:spPr>
+        <p:txBody>
+          <a:bodyPr anchor="ctr">
+            <a:normAutofit/>
+          </a:bodyPr>
+          <a:lstStyle/>
+          <a:p>
+            <a:pPr>
+              <a:lnSpc>
+                <a:spcPct val="90000"/>
+              </a:lnSpc>
+              <a:spcAft>
+                <a:spcPts val="600"/>
+              </a:spcAft>
+            </a:pPr>
+            <a:r>
+              <a:rPr lang="en-US" sz="900"/>
+              <a:t>Spatial, Health &amp; Environmental Research using Probabilistic Programming Languages</a:t>
+            </a:r>
+          </a:p>
+        </p:txBody>
+      </p:sp>
+    </p:spTree>
+    <p:extLst>
+      <p:ext uri="{BB962C8B-B14F-4D97-AF65-F5344CB8AC3E}">
+        <p14:creationId xmlns:p14="http://schemas.microsoft.com/office/powerpoint/2010/main" val="3297675109"/>
+      </p:ext>
+    </p:extLst>
+  </p:cSld>
+  <p:clrMapOvr>
+    <a:masterClrMapping/>
+  </p:clrMapOvr>
+  <p:extLst>
+    <p:ext uri="{6950BFC3-D8DA-4A85-94F7-54DA5524770B}">
+      <p188:commentRel xmlns:p188="http://schemas.microsoft.com/office/powerpoint/2018/8/main" r:id="rId2"/>
+    </p:ext>
+  </p:extLst>
+</p:sld>
+</file>
+
+<file path=ppt/slides/slide11.xml><?xml version="1.0" encoding="utf-8"?>
+<p:sld xmlns:a="http://schemas.openxmlformats.org/drawingml/2006/main" xmlns:r="http://schemas.openxmlformats.org/officeDocument/2006/relationships" xmlns:p="http://schemas.openxmlformats.org/presentationml/2006/main">
+  <p:cSld>
+    <p:spTree>
+      <p:nvGrpSpPr>
+        <p:cNvPr id="1" name=""/>
+        <p:cNvGrpSpPr/>
+        <p:nvPr/>
+      </p:nvGrpSpPr>
+      <p:grpSpPr>
+        <a:xfrm>
+          <a:off x="0" y="0"/>
+          <a:ext cx="0" cy="0"/>
+          <a:chOff x="0" y="0"/>
+          <a:chExt cx="0" cy="0"/>
+        </a:xfrm>
+      </p:grpSpPr>
+      <p:sp>
+        <p:nvSpPr>
+          <p:cNvPr id="2" name="Title 1">
+            <a:extLst>
+              <a:ext uri="{FF2B5EF4-FFF2-40B4-BE49-F238E27FC236}">
+                <a16:creationId xmlns:a16="http://schemas.microsoft.com/office/drawing/2014/main" id="{9F4C206E-5B76-5949-6C4A-1A228504E6AB}"/>
+              </a:ext>
+            </a:extLst>
+          </p:cNvPr>
+          <p:cNvSpPr>
+            <a:spLocks noGrp="1"/>
+          </p:cNvSpPr>
+          <p:nvPr>
+            <p:ph type="title"/>
+          </p:nvPr>
+        </p:nvSpPr>
+        <p:spPr/>
+        <p:txBody>
+          <a:bodyPr/>
+          <a:lstStyle/>
+          <a:p>
+            <a:r>
+              <a:rPr lang="en-GB" dirty="0"/>
+              <a:t>Outcomes of the Day</a:t>
+            </a:r>
+          </a:p>
+        </p:txBody>
+      </p:sp>
+      <p:sp>
+        <p:nvSpPr>
+          <p:cNvPr id="3" name="Content Placeholder 2">
+            <a:extLst>
+              <a:ext uri="{FF2B5EF4-FFF2-40B4-BE49-F238E27FC236}">
+                <a16:creationId xmlns:a16="http://schemas.microsoft.com/office/drawing/2014/main" id="{833BCCC9-9D50-FB43-0B29-D4843E46F9F8}"/>
+              </a:ext>
+            </a:extLst>
+          </p:cNvPr>
+          <p:cNvSpPr>
+            <a:spLocks noGrp="1"/>
+          </p:cNvSpPr>
+          <p:nvPr>
+            <p:ph idx="1"/>
+          </p:nvPr>
+        </p:nvSpPr>
+        <p:spPr/>
+        <p:txBody>
+          <a:bodyPr>
+            <a:normAutofit/>
+          </a:bodyPr>
+          <a:lstStyle/>
+          <a:p>
+            <a:pPr algn="l"/>
+            <a:r>
+              <a:rPr lang="en-GB" sz="2000" b="0" i="0" dirty="0">
+                <a:solidFill>
+                  <a:srgbClr val="212529"/>
+                </a:solidFill>
+                <a:effectLst/>
+                <a:latin typeface="Lato" panose="020F0502020204030203" pitchFamily="34" charset="0"/>
+              </a:rPr>
+              <a:t>This full-day event will bring together experts in a range of fields from industry, academia, and government to discuss cutting-edge research and explore collaborative opportunities within health.</a:t>
+            </a:r>
+          </a:p>
+          <a:p>
+            <a:pPr algn="l"/>
+            <a:r>
+              <a:rPr lang="en-GB" sz="2000" b="0" i="0" dirty="0">
+                <a:solidFill>
+                  <a:srgbClr val="212529"/>
+                </a:solidFill>
+                <a:effectLst/>
+                <a:latin typeface="Lato" panose="020F0502020204030203" pitchFamily="34" charset="0"/>
+              </a:rPr>
+              <a:t>Meeting participants will:</a:t>
+            </a:r>
+          </a:p>
+          <a:p>
+            <a:pPr lvl="1">
+              <a:buFont typeface="+mj-lt"/>
+              <a:buAutoNum type="arabicPeriod"/>
+            </a:pPr>
+            <a:r>
+              <a:rPr lang="en-GB" sz="1800" b="0" i="0" dirty="0">
+                <a:solidFill>
+                  <a:srgbClr val="212529"/>
+                </a:solidFill>
+                <a:effectLst/>
+                <a:latin typeface="Lato" panose="020F0502020204030203" pitchFamily="34" charset="0"/>
+              </a:rPr>
+              <a:t>Network with policy specialists and data scientists to discuss issues through a common language</a:t>
+            </a:r>
+          </a:p>
+          <a:p>
+            <a:pPr lvl="1">
+              <a:buFont typeface="+mj-lt"/>
+              <a:buAutoNum type="arabicPeriod"/>
+            </a:pPr>
+            <a:r>
+              <a:rPr lang="en-GB" sz="1800" b="0" i="0" dirty="0">
+                <a:solidFill>
+                  <a:srgbClr val="212529"/>
+                </a:solidFill>
+                <a:effectLst/>
+                <a:latin typeface="Lato" panose="020F0502020204030203" pitchFamily="34" charset="0"/>
+              </a:rPr>
+              <a:t>Identify forecasting challenges that the SPHERE-PPL Community will undertake and contribute to the design and outcomes of these endeavours to maximise their impact.</a:t>
+            </a:r>
+          </a:p>
+          <a:p>
+            <a:pPr lvl="1">
+              <a:buFont typeface="+mj-lt"/>
+              <a:buAutoNum type="arabicPeriod"/>
+            </a:pPr>
+            <a:r>
+              <a:rPr lang="en-GB" sz="1800" b="0" i="0" dirty="0">
+                <a:solidFill>
+                  <a:srgbClr val="212529"/>
+                </a:solidFill>
+                <a:effectLst/>
+                <a:latin typeface="Lato" panose="020F0502020204030203" pitchFamily="34" charset="0"/>
+              </a:rPr>
+              <a:t>Prioritise the training and support provided by SPHERE-PPL to the community to expedite the development of analytical capabilities where they are most urgently required</a:t>
+            </a:r>
+          </a:p>
+          <a:p>
+            <a:endParaRPr lang="en-GB" dirty="0"/>
+          </a:p>
+        </p:txBody>
+      </p:sp>
+      <p:sp>
+        <p:nvSpPr>
+          <p:cNvPr id="4" name="Footer Placeholder 3">
+            <a:extLst>
+              <a:ext uri="{FF2B5EF4-FFF2-40B4-BE49-F238E27FC236}">
+                <a16:creationId xmlns:a16="http://schemas.microsoft.com/office/drawing/2014/main" id="{0B509B2E-8623-AE30-32C8-1A64DC3E183F}"/>
+              </a:ext>
+            </a:extLst>
+          </p:cNvPr>
+          <p:cNvSpPr>
+            <a:spLocks noGrp="1"/>
+          </p:cNvSpPr>
+          <p:nvPr>
+            <p:ph type="ftr" sz="quarter" idx="11"/>
+          </p:nvPr>
+        </p:nvSpPr>
+        <p:spPr/>
+        <p:txBody>
+          <a:bodyPr/>
+          <a:lstStyle/>
+          <a:p>
+            <a:r>
+              <a:rPr lang="en-US"/>
+              <a:t>Spatial, Health &amp; Environmental Research using Probabilistic Programming Languages</a:t>
+            </a:r>
+            <a:endParaRPr lang="en-US" dirty="0"/>
+          </a:p>
+        </p:txBody>
+      </p:sp>
+    </p:spTree>
+    <p:extLst>
+      <p:ext uri="{BB962C8B-B14F-4D97-AF65-F5344CB8AC3E}">
+        <p14:creationId xmlns:p14="http://schemas.microsoft.com/office/powerpoint/2010/main" val="1918046935"/>
+      </p:ext>
+    </p:extLst>
+  </p:cSld>
+  <p:clrMapOvr>
+    <a:masterClrMapping/>
+  </p:clrMapOvr>
+</p:sld>
+</file>
+
+<file path=ppt/slides/slide12.xml><?xml version="1.0" encoding="utf-8"?>
+<p:sld xmlns:a="http://schemas.openxmlformats.org/drawingml/2006/main" xmlns:r="http://schemas.openxmlformats.org/officeDocument/2006/relationships" xmlns:p="http://schemas.openxmlformats.org/presentationml/2006/main">
+  <p:cSld>
+    <p:spTree>
+      <p:nvGrpSpPr>
+        <p:cNvPr id="1" name=""/>
+        <p:cNvGrpSpPr/>
+        <p:nvPr/>
+      </p:nvGrpSpPr>
+      <p:grpSpPr>
+        <a:xfrm>
+          <a:off x="0" y="0"/>
+          <a:ext cx="0" cy="0"/>
+          <a:chOff x="0" y="0"/>
+          <a:chExt cx="0" cy="0"/>
+        </a:xfrm>
+      </p:grpSpPr>
+      <p:sp>
+        <p:nvSpPr>
+          <p:cNvPr id="2" name="Title 1">
+            <a:extLst>
+              <a:ext uri="{FF2B5EF4-FFF2-40B4-BE49-F238E27FC236}">
                 <a16:creationId xmlns:a16="http://schemas.microsoft.com/office/drawing/2014/main" id="{E7C389B9-5992-C387-45D7-6D5F788C0CD4}"/>
               </a:ext>
             </a:extLst>
@@ -10979,7 +11415,7 @@
 </p:sld>
 </file>
 
-<file path=ppt/slides/slide11.xml><?xml version="1.0" encoding="utf-8"?>
+<file path=ppt/slides/slide13.xml><?xml version="1.0" encoding="utf-8"?>
 <p:sld xmlns:a="http://schemas.openxmlformats.org/drawingml/2006/main" xmlns:r="http://schemas.openxmlformats.org/officeDocument/2006/relationships" xmlns:p="http://schemas.openxmlformats.org/presentationml/2006/main">
   <p:cSld>
     <p:spTree>
@@ -11475,243 +11911,151 @@
           </a:p>
         </p:txBody>
       </p:sp>
+      <p:pic>
+        <p:nvPicPr>
+          <p:cNvPr id="1028" name="Picture 4">
+            <a:extLst>
+              <a:ext uri="{FF2B5EF4-FFF2-40B4-BE49-F238E27FC236}">
+                <a16:creationId xmlns:a16="http://schemas.microsoft.com/office/drawing/2014/main" id="{2F474156-F6F5-C716-B4CF-6AD272412E59}"/>
+              </a:ext>
+            </a:extLst>
+          </p:cNvPr>
+          <p:cNvPicPr>
+            <a:picLocks noChangeAspect="1" noChangeArrowheads="1"/>
+          </p:cNvPicPr>
+          <p:nvPr/>
+        </p:nvPicPr>
+        <p:blipFill>
+          <a:blip r:embed="rId2">
+            <a:extLst>
+              <a:ext uri="{28A0092B-C50C-407E-A947-70E740481C1C}">
+                <a14:useLocalDpi xmlns:a14="http://schemas.microsoft.com/office/drawing/2010/main" val="0"/>
+              </a:ext>
+            </a:extLst>
+          </a:blip>
+          <a:srcRect/>
+          <a:stretch>
+            <a:fillRect/>
+          </a:stretch>
+        </p:blipFill>
+        <p:spPr bwMode="auto">
+          <a:xfrm>
+            <a:off x="1050701" y="1561315"/>
+            <a:ext cx="1698723" cy="943735"/>
+          </a:xfrm>
+          <a:prstGeom prst="rect">
+            <a:avLst/>
+          </a:prstGeom>
+          <a:noFill/>
+          <a:extLst>
+            <a:ext uri="{909E8E84-426E-40DD-AFC4-6F175D3DCCD1}">
+              <a14:hiddenFill xmlns:a14="http://schemas.microsoft.com/office/drawing/2010/main">
+                <a:solidFill>
+                  <a:srgbClr val="FFFFFF"/>
+                </a:solidFill>
+              </a14:hiddenFill>
+            </a:ext>
+          </a:extLst>
+        </p:spPr>
+      </p:pic>
+      <p:pic>
+        <p:nvPicPr>
+          <p:cNvPr id="1032" name="Picture 8" descr="New Imperial logo">
+            <a:extLst>
+              <a:ext uri="{FF2B5EF4-FFF2-40B4-BE49-F238E27FC236}">
+                <a16:creationId xmlns:a16="http://schemas.microsoft.com/office/drawing/2014/main" id="{2A151004-36E1-9B76-E003-67A2DBF22F40}"/>
+              </a:ext>
+            </a:extLst>
+          </p:cNvPr>
+          <p:cNvPicPr>
+            <a:picLocks noChangeAspect="1" noChangeArrowheads="1"/>
+          </p:cNvPicPr>
+          <p:nvPr/>
+        </p:nvPicPr>
+        <p:blipFill>
+          <a:blip r:embed="rId3">
+            <a:extLst>
+              <a:ext uri="{28A0092B-C50C-407E-A947-70E740481C1C}">
+                <a14:useLocalDpi xmlns:a14="http://schemas.microsoft.com/office/drawing/2010/main" val="0"/>
+              </a:ext>
+            </a:extLst>
+          </a:blip>
+          <a:srcRect/>
+          <a:stretch>
+            <a:fillRect/>
+          </a:stretch>
+        </p:blipFill>
+        <p:spPr bwMode="auto">
+          <a:xfrm>
+            <a:off x="1125988" y="3119370"/>
+            <a:ext cx="1548148" cy="619259"/>
+          </a:xfrm>
+          <a:prstGeom prst="rect">
+            <a:avLst/>
+          </a:prstGeom>
+          <a:noFill/>
+          <a:extLst>
+            <a:ext uri="{909E8E84-426E-40DD-AFC4-6F175D3DCCD1}">
+              <a14:hiddenFill xmlns:a14="http://schemas.microsoft.com/office/drawing/2010/main">
+                <a:solidFill>
+                  <a:srgbClr val="FFFFFF"/>
+                </a:solidFill>
+              </a14:hiddenFill>
+            </a:ext>
+          </a:extLst>
+        </p:spPr>
+      </p:pic>
+      <p:pic>
+        <p:nvPicPr>
+          <p:cNvPr id="1034" name="Picture 10" descr="NHS BNSSG ICB">
+            <a:extLst>
+              <a:ext uri="{FF2B5EF4-FFF2-40B4-BE49-F238E27FC236}">
+                <a16:creationId xmlns:a16="http://schemas.microsoft.com/office/drawing/2014/main" id="{4264BD1A-8B6D-1561-CC4E-5D966CF9A6BD}"/>
+              </a:ext>
+            </a:extLst>
+          </p:cNvPr>
+          <p:cNvPicPr>
+            <a:picLocks noChangeAspect="1" noChangeArrowheads="1"/>
+          </p:cNvPicPr>
+          <p:nvPr/>
+        </p:nvPicPr>
+        <p:blipFill>
+          <a:blip r:embed="rId4">
+            <a:extLst>
+              <a:ext uri="{28A0092B-C50C-407E-A947-70E740481C1C}">
+                <a14:useLocalDpi xmlns:a14="http://schemas.microsoft.com/office/drawing/2010/main" val="0"/>
+              </a:ext>
+            </a:extLst>
+          </a:blip>
+          <a:srcRect/>
+          <a:stretch>
+            <a:fillRect/>
+          </a:stretch>
+        </p:blipFill>
+        <p:spPr bwMode="auto">
+          <a:xfrm>
+            <a:off x="1250052" y="4623182"/>
+            <a:ext cx="1300020" cy="476674"/>
+          </a:xfrm>
+          <a:prstGeom prst="rect">
+            <a:avLst/>
+          </a:prstGeom>
+          <a:noFill/>
+          <a:extLst>
+            <a:ext uri="{909E8E84-426E-40DD-AFC4-6F175D3DCCD1}">
+              <a14:hiddenFill xmlns:a14="http://schemas.microsoft.com/office/drawing/2010/main">
+                <a:solidFill>
+                  <a:srgbClr val="FFFFFF"/>
+                </a:solidFill>
+              </a14:hiddenFill>
+            </a:ext>
+          </a:extLst>
+        </p:spPr>
+      </p:pic>
     </p:spTree>
     <p:extLst>
       <p:ext uri="{BB962C8B-B14F-4D97-AF65-F5344CB8AC3E}">
         <p14:creationId xmlns:p14="http://schemas.microsoft.com/office/powerpoint/2010/main" val="319962775"/>
-      </p:ext>
-    </p:extLst>
-  </p:cSld>
-  <p:clrMapOvr>
-    <a:masterClrMapping/>
-  </p:clrMapOvr>
-</p:sld>
-</file>
-
-<file path=ppt/slides/slide12.xml><?xml version="1.0" encoding="utf-8"?>
-<p:sld xmlns:a="http://schemas.openxmlformats.org/drawingml/2006/main" xmlns:r="http://schemas.openxmlformats.org/officeDocument/2006/relationships" xmlns:p="http://schemas.openxmlformats.org/presentationml/2006/main">
-  <p:cSld>
-    <p:spTree>
-      <p:nvGrpSpPr>
-        <p:cNvPr id="1" name=""/>
-        <p:cNvGrpSpPr/>
-        <p:nvPr/>
-      </p:nvGrpSpPr>
-      <p:grpSpPr>
-        <a:xfrm>
-          <a:off x="0" y="0"/>
-          <a:ext cx="0" cy="0"/>
-          <a:chOff x="0" y="0"/>
-          <a:chExt cx="0" cy="0"/>
-        </a:xfrm>
-      </p:grpSpPr>
-      <p:sp>
-        <p:nvSpPr>
-          <p:cNvPr id="2" name="Title 1">
-            <a:extLst>
-              <a:ext uri="{FF2B5EF4-FFF2-40B4-BE49-F238E27FC236}">
-                <a16:creationId xmlns:a16="http://schemas.microsoft.com/office/drawing/2014/main" id="{4470AF29-1F8F-7CAE-8293-520E9B23D2F3}"/>
-              </a:ext>
-            </a:extLst>
-          </p:cNvPr>
-          <p:cNvSpPr>
-            <a:spLocks noGrp="1"/>
-          </p:cNvSpPr>
-          <p:nvPr>
-            <p:ph type="title"/>
-          </p:nvPr>
-        </p:nvSpPr>
-        <p:spPr/>
-        <p:txBody>
-          <a:bodyPr/>
-          <a:lstStyle/>
-          <a:p>
-            <a:r>
-              <a:rPr lang="en-GB" dirty="0"/>
-              <a:t>Coffee Break</a:t>
-            </a:r>
-          </a:p>
-        </p:txBody>
-      </p:sp>
-      <p:sp>
-        <p:nvSpPr>
-          <p:cNvPr id="3" name="Text Placeholder 2">
-            <a:extLst>
-              <a:ext uri="{FF2B5EF4-FFF2-40B4-BE49-F238E27FC236}">
-                <a16:creationId xmlns:a16="http://schemas.microsoft.com/office/drawing/2014/main" id="{31405319-34EC-A193-6554-B28289749739}"/>
-              </a:ext>
-            </a:extLst>
-          </p:cNvPr>
-          <p:cNvSpPr>
-            <a:spLocks noGrp="1"/>
-          </p:cNvSpPr>
-          <p:nvPr>
-            <p:ph type="body" idx="1"/>
-          </p:nvPr>
-        </p:nvSpPr>
-        <p:spPr/>
-        <p:txBody>
-          <a:bodyPr/>
-          <a:lstStyle/>
-          <a:p>
-            <a:r>
-              <a:rPr lang="en-GB" dirty="0"/>
-              <a:t>Refreshments are around the corner in the kitchen areas</a:t>
-            </a:r>
-          </a:p>
-        </p:txBody>
-      </p:sp>
-      <p:sp>
-        <p:nvSpPr>
-          <p:cNvPr id="4" name="Footer Placeholder 3">
-            <a:extLst>
-              <a:ext uri="{FF2B5EF4-FFF2-40B4-BE49-F238E27FC236}">
-                <a16:creationId xmlns:a16="http://schemas.microsoft.com/office/drawing/2014/main" id="{ECFD5390-E768-BC9B-3F48-8C0FE3B2685A}"/>
-              </a:ext>
-            </a:extLst>
-          </p:cNvPr>
-          <p:cNvSpPr>
-            <a:spLocks noGrp="1"/>
-          </p:cNvSpPr>
-          <p:nvPr>
-            <p:ph type="ftr" sz="quarter" idx="11"/>
-          </p:nvPr>
-        </p:nvSpPr>
-        <p:spPr/>
-        <p:txBody>
-          <a:bodyPr/>
-          <a:lstStyle/>
-          <a:p>
-            <a:r>
-              <a:rPr lang="en-US"/>
-              <a:t>Spatial, Health &amp; Environmental Research using Probabilistic Programming Languages</a:t>
-            </a:r>
-            <a:endParaRPr lang="en-US" dirty="0"/>
-          </a:p>
-        </p:txBody>
-      </p:sp>
-    </p:spTree>
-    <p:extLst>
-      <p:ext uri="{BB962C8B-B14F-4D97-AF65-F5344CB8AC3E}">
-        <p14:creationId xmlns:p14="http://schemas.microsoft.com/office/powerpoint/2010/main" val="485200137"/>
-      </p:ext>
-    </p:extLst>
-  </p:cSld>
-  <p:clrMapOvr>
-    <a:masterClrMapping/>
-  </p:clrMapOvr>
-</p:sld>
-</file>
-
-<file path=ppt/slides/slide13.xml><?xml version="1.0" encoding="utf-8"?>
-<p:sld xmlns:a="http://schemas.openxmlformats.org/drawingml/2006/main" xmlns:r="http://schemas.openxmlformats.org/officeDocument/2006/relationships" xmlns:p="http://schemas.openxmlformats.org/presentationml/2006/main">
-  <p:cSld>
-    <p:spTree>
-      <p:nvGrpSpPr>
-        <p:cNvPr id="1" name=""/>
-        <p:cNvGrpSpPr/>
-        <p:nvPr/>
-      </p:nvGrpSpPr>
-      <p:grpSpPr>
-        <a:xfrm>
-          <a:off x="0" y="0"/>
-          <a:ext cx="0" cy="0"/>
-          <a:chOff x="0" y="0"/>
-          <a:chExt cx="0" cy="0"/>
-        </a:xfrm>
-      </p:grpSpPr>
-      <p:sp>
-        <p:nvSpPr>
-          <p:cNvPr id="2" name="Title 1">
-            <a:extLst>
-              <a:ext uri="{FF2B5EF4-FFF2-40B4-BE49-F238E27FC236}">
-                <a16:creationId xmlns:a16="http://schemas.microsoft.com/office/drawing/2014/main" id="{F0E2E5C5-25AF-D20F-B530-BF9F9C69CE6D}"/>
-              </a:ext>
-            </a:extLst>
-          </p:cNvPr>
-          <p:cNvSpPr>
-            <a:spLocks noGrp="1"/>
-          </p:cNvSpPr>
-          <p:nvPr>
-            <p:ph type="title"/>
-          </p:nvPr>
-        </p:nvSpPr>
-        <p:spPr/>
-        <p:txBody>
-          <a:bodyPr/>
-          <a:lstStyle/>
-          <a:p>
-            <a:r>
-              <a:rPr lang="en-GB" i="0" dirty="0">
-                <a:solidFill>
-                  <a:srgbClr val="008AA5"/>
-                </a:solidFill>
-                <a:effectLst/>
-              </a:rPr>
-              <a:t>Activity 1 - Identifying Key Challenges in Health Policy</a:t>
-            </a:r>
-            <a:endParaRPr lang="en-GB" dirty="0"/>
-          </a:p>
-        </p:txBody>
-      </p:sp>
-      <p:sp>
-        <p:nvSpPr>
-          <p:cNvPr id="3" name="Text Placeholder 2">
-            <a:extLst>
-              <a:ext uri="{FF2B5EF4-FFF2-40B4-BE49-F238E27FC236}">
-                <a16:creationId xmlns:a16="http://schemas.microsoft.com/office/drawing/2014/main" id="{A12AACB3-AE7E-3C4E-88D2-59455D048297}"/>
-              </a:ext>
-            </a:extLst>
-          </p:cNvPr>
-          <p:cNvSpPr>
-            <a:spLocks noGrp="1"/>
-          </p:cNvSpPr>
-          <p:nvPr>
-            <p:ph type="body" idx="1"/>
-          </p:nvPr>
-        </p:nvSpPr>
-        <p:spPr/>
-        <p:txBody>
-          <a:bodyPr/>
-          <a:lstStyle/>
-          <a:p>
-            <a:endParaRPr lang="en-GB"/>
-          </a:p>
-        </p:txBody>
-      </p:sp>
-      <p:sp>
-        <p:nvSpPr>
-          <p:cNvPr id="4" name="Footer Placeholder 3">
-            <a:extLst>
-              <a:ext uri="{FF2B5EF4-FFF2-40B4-BE49-F238E27FC236}">
-                <a16:creationId xmlns:a16="http://schemas.microsoft.com/office/drawing/2014/main" id="{88B4E8ED-8A0D-C24B-C640-C0F51EC88538}"/>
-              </a:ext>
-            </a:extLst>
-          </p:cNvPr>
-          <p:cNvSpPr>
-            <a:spLocks noGrp="1"/>
-          </p:cNvSpPr>
-          <p:nvPr>
-            <p:ph type="ftr" sz="quarter" idx="11"/>
-          </p:nvPr>
-        </p:nvSpPr>
-        <p:spPr/>
-        <p:txBody>
-          <a:bodyPr/>
-          <a:lstStyle/>
-          <a:p>
-            <a:r>
-              <a:rPr lang="en-US"/>
-              <a:t>Spatial, Health &amp; Environmental Research using Probabilistic Programming Languages</a:t>
-            </a:r>
-            <a:endParaRPr lang="en-US" dirty="0"/>
-          </a:p>
-        </p:txBody>
-      </p:sp>
-    </p:spTree>
-    <p:extLst>
-      <p:ext uri="{BB962C8B-B14F-4D97-AF65-F5344CB8AC3E}">
-        <p14:creationId xmlns:p14="http://schemas.microsoft.com/office/powerpoint/2010/main" val="2416490278"/>
       </p:ext>
     </p:extLst>
   </p:cSld>
@@ -11743,6 +12087,239 @@
           <p:cNvPr id="2" name="Title 1">
             <a:extLst>
               <a:ext uri="{FF2B5EF4-FFF2-40B4-BE49-F238E27FC236}">
+                <a16:creationId xmlns:a16="http://schemas.microsoft.com/office/drawing/2014/main" id="{4470AF29-1F8F-7CAE-8293-520E9B23D2F3}"/>
+              </a:ext>
+            </a:extLst>
+          </p:cNvPr>
+          <p:cNvSpPr>
+            <a:spLocks noGrp="1"/>
+          </p:cNvSpPr>
+          <p:nvPr>
+            <p:ph type="title"/>
+          </p:nvPr>
+        </p:nvSpPr>
+        <p:spPr/>
+        <p:txBody>
+          <a:bodyPr/>
+          <a:lstStyle/>
+          <a:p>
+            <a:r>
+              <a:rPr lang="en-GB" dirty="0"/>
+              <a:t>Coffee Break</a:t>
+            </a:r>
+          </a:p>
+        </p:txBody>
+      </p:sp>
+      <p:sp>
+        <p:nvSpPr>
+          <p:cNvPr id="3" name="Text Placeholder 2">
+            <a:extLst>
+              <a:ext uri="{FF2B5EF4-FFF2-40B4-BE49-F238E27FC236}">
+                <a16:creationId xmlns:a16="http://schemas.microsoft.com/office/drawing/2014/main" id="{31405319-34EC-A193-6554-B28289749739}"/>
+              </a:ext>
+            </a:extLst>
+          </p:cNvPr>
+          <p:cNvSpPr>
+            <a:spLocks noGrp="1"/>
+          </p:cNvSpPr>
+          <p:nvPr>
+            <p:ph type="body" idx="1"/>
+          </p:nvPr>
+        </p:nvSpPr>
+        <p:spPr/>
+        <p:txBody>
+          <a:bodyPr/>
+          <a:lstStyle/>
+          <a:p>
+            <a:r>
+              <a:rPr lang="en-GB" dirty="0"/>
+              <a:t>Refreshments are around the corner in the kitchen areas</a:t>
+            </a:r>
+          </a:p>
+        </p:txBody>
+      </p:sp>
+      <p:sp>
+        <p:nvSpPr>
+          <p:cNvPr id="4" name="Footer Placeholder 3">
+            <a:extLst>
+              <a:ext uri="{FF2B5EF4-FFF2-40B4-BE49-F238E27FC236}">
+                <a16:creationId xmlns:a16="http://schemas.microsoft.com/office/drawing/2014/main" id="{ECFD5390-E768-BC9B-3F48-8C0FE3B2685A}"/>
+              </a:ext>
+            </a:extLst>
+          </p:cNvPr>
+          <p:cNvSpPr>
+            <a:spLocks noGrp="1"/>
+          </p:cNvSpPr>
+          <p:nvPr>
+            <p:ph type="ftr" sz="quarter" idx="11"/>
+          </p:nvPr>
+        </p:nvSpPr>
+        <p:spPr/>
+        <p:txBody>
+          <a:bodyPr/>
+          <a:lstStyle/>
+          <a:p>
+            <a:r>
+              <a:rPr lang="en-US"/>
+              <a:t>Spatial, Health &amp; Environmental Research using Probabilistic Programming Languages</a:t>
+            </a:r>
+            <a:endParaRPr lang="en-US" dirty="0"/>
+          </a:p>
+        </p:txBody>
+      </p:sp>
+    </p:spTree>
+    <p:extLst>
+      <p:ext uri="{BB962C8B-B14F-4D97-AF65-F5344CB8AC3E}">
+        <p14:creationId xmlns:p14="http://schemas.microsoft.com/office/powerpoint/2010/main" val="485200137"/>
+      </p:ext>
+    </p:extLst>
+  </p:cSld>
+  <p:clrMapOvr>
+    <a:masterClrMapping/>
+  </p:clrMapOvr>
+</p:sld>
+</file>
+
+<file path=ppt/slides/slide15.xml><?xml version="1.0" encoding="utf-8"?>
+<p:sld xmlns:a="http://schemas.openxmlformats.org/drawingml/2006/main" xmlns:r="http://schemas.openxmlformats.org/officeDocument/2006/relationships" xmlns:p="http://schemas.openxmlformats.org/presentationml/2006/main">
+  <p:cSld>
+    <p:spTree>
+      <p:nvGrpSpPr>
+        <p:cNvPr id="1" name=""/>
+        <p:cNvGrpSpPr/>
+        <p:nvPr/>
+      </p:nvGrpSpPr>
+      <p:grpSpPr>
+        <a:xfrm>
+          <a:off x="0" y="0"/>
+          <a:ext cx="0" cy="0"/>
+          <a:chOff x="0" y="0"/>
+          <a:chExt cx="0" cy="0"/>
+        </a:xfrm>
+      </p:grpSpPr>
+      <p:sp>
+        <p:nvSpPr>
+          <p:cNvPr id="2" name="Title 1">
+            <a:extLst>
+              <a:ext uri="{FF2B5EF4-FFF2-40B4-BE49-F238E27FC236}">
+                <a16:creationId xmlns:a16="http://schemas.microsoft.com/office/drawing/2014/main" id="{F0E2E5C5-25AF-D20F-B530-BF9F9C69CE6D}"/>
+              </a:ext>
+            </a:extLst>
+          </p:cNvPr>
+          <p:cNvSpPr>
+            <a:spLocks noGrp="1"/>
+          </p:cNvSpPr>
+          <p:nvPr>
+            <p:ph type="title"/>
+          </p:nvPr>
+        </p:nvSpPr>
+        <p:spPr/>
+        <p:txBody>
+          <a:bodyPr/>
+          <a:lstStyle/>
+          <a:p>
+            <a:r>
+              <a:rPr lang="en-GB" i="0" dirty="0">
+                <a:solidFill>
+                  <a:srgbClr val="008AA5"/>
+                </a:solidFill>
+                <a:effectLst/>
+              </a:rPr>
+              <a:t>Activity 1 - Identifying Key Challenges in Health Policy</a:t>
+            </a:r>
+            <a:endParaRPr lang="en-GB" dirty="0"/>
+          </a:p>
+        </p:txBody>
+      </p:sp>
+      <p:sp>
+        <p:nvSpPr>
+          <p:cNvPr id="3" name="Text Placeholder 2">
+            <a:extLst>
+              <a:ext uri="{FF2B5EF4-FFF2-40B4-BE49-F238E27FC236}">
+                <a16:creationId xmlns:a16="http://schemas.microsoft.com/office/drawing/2014/main" id="{A12AACB3-AE7E-3C4E-88D2-59455D048297}"/>
+              </a:ext>
+            </a:extLst>
+          </p:cNvPr>
+          <p:cNvSpPr>
+            <a:spLocks noGrp="1"/>
+          </p:cNvSpPr>
+          <p:nvPr>
+            <p:ph type="body" idx="1"/>
+          </p:nvPr>
+        </p:nvSpPr>
+        <p:spPr/>
+        <p:txBody>
+          <a:bodyPr/>
+          <a:lstStyle/>
+          <a:p>
+            <a:endParaRPr lang="en-GB"/>
+          </a:p>
+        </p:txBody>
+      </p:sp>
+      <p:sp>
+        <p:nvSpPr>
+          <p:cNvPr id="4" name="Footer Placeholder 3">
+            <a:extLst>
+              <a:ext uri="{FF2B5EF4-FFF2-40B4-BE49-F238E27FC236}">
+                <a16:creationId xmlns:a16="http://schemas.microsoft.com/office/drawing/2014/main" id="{88B4E8ED-8A0D-C24B-C640-C0F51EC88538}"/>
+              </a:ext>
+            </a:extLst>
+          </p:cNvPr>
+          <p:cNvSpPr>
+            <a:spLocks noGrp="1"/>
+          </p:cNvSpPr>
+          <p:nvPr>
+            <p:ph type="ftr" sz="quarter" idx="11"/>
+          </p:nvPr>
+        </p:nvSpPr>
+        <p:spPr/>
+        <p:txBody>
+          <a:bodyPr/>
+          <a:lstStyle/>
+          <a:p>
+            <a:r>
+              <a:rPr lang="en-US"/>
+              <a:t>Spatial, Health &amp; Environmental Research using Probabilistic Programming Languages</a:t>
+            </a:r>
+            <a:endParaRPr lang="en-US" dirty="0"/>
+          </a:p>
+        </p:txBody>
+      </p:sp>
+    </p:spTree>
+    <p:extLst>
+      <p:ext uri="{BB962C8B-B14F-4D97-AF65-F5344CB8AC3E}">
+        <p14:creationId xmlns:p14="http://schemas.microsoft.com/office/powerpoint/2010/main" val="2416490278"/>
+      </p:ext>
+    </p:extLst>
+  </p:cSld>
+  <p:clrMapOvr>
+    <a:masterClrMapping/>
+  </p:clrMapOvr>
+</p:sld>
+</file>
+
+<file path=ppt/slides/slide16.xml><?xml version="1.0" encoding="utf-8"?>
+<p:sld xmlns:a="http://schemas.openxmlformats.org/drawingml/2006/main" xmlns:r="http://schemas.openxmlformats.org/officeDocument/2006/relationships" xmlns:p="http://schemas.openxmlformats.org/presentationml/2006/main">
+  <p:cSld>
+    <p:spTree>
+      <p:nvGrpSpPr>
+        <p:cNvPr id="1" name=""/>
+        <p:cNvGrpSpPr/>
+        <p:nvPr/>
+      </p:nvGrpSpPr>
+      <p:grpSpPr>
+        <a:xfrm>
+          <a:off x="0" y="0"/>
+          <a:ext cx="0" cy="0"/>
+          <a:chOff x="0" y="0"/>
+          <a:chExt cx="0" cy="0"/>
+        </a:xfrm>
+      </p:grpSpPr>
+      <p:sp>
+        <p:nvSpPr>
+          <p:cNvPr id="2" name="Title 1">
+            <a:extLst>
+              <a:ext uri="{FF2B5EF4-FFF2-40B4-BE49-F238E27FC236}">
                 <a16:creationId xmlns:a16="http://schemas.microsoft.com/office/drawing/2014/main" id="{78B8B4CC-F587-0059-B04E-CFC9ED809E4A}"/>
               </a:ext>
             </a:extLst>
@@ -11802,14 +12379,7 @@
             <a:pPr lvl="1"/>
             <a:r>
               <a:rPr lang="en-GB" dirty="0"/>
-              <a:t>Split into teams of 8</a:t>
-            </a:r>
-          </a:p>
-          <a:p>
-            <a:pPr lvl="1"/>
-            <a:r>
-              <a:rPr lang="en-GB" dirty="0"/>
-              <a:t>Each team takes pens and A3 sheet</a:t>
+              <a:t>Split into teams </a:t>
             </a:r>
           </a:p>
           <a:p>
@@ -11817,6 +12387,13 @@
             <a:r>
               <a:rPr lang="en-GB" dirty="0"/>
               <a:t>45 minutes to talk about key challenges in Health Policy that relate to modelling &amp; forecasting</a:t>
+            </a:r>
+          </a:p>
+          <a:p>
+            <a:pPr lvl="1"/>
+            <a:r>
+              <a:rPr lang="en-GB" dirty="0"/>
+              <a:t>Add them to the Mural Board</a:t>
             </a:r>
           </a:p>
           <a:p>
@@ -11903,7 +12480,7 @@
 </p:sld>
 </file>
 
-<file path=ppt/slides/slide15.xml><?xml version="1.0" encoding="utf-8"?>
+<file path=ppt/slides/slide17.xml><?xml version="1.0" encoding="utf-8"?>
 <p:sld xmlns:a="http://schemas.openxmlformats.org/drawingml/2006/main" xmlns:r="http://schemas.openxmlformats.org/officeDocument/2006/relationships" xmlns:p="http://schemas.openxmlformats.org/presentationml/2006/main">
   <p:cSld>
     <p:spTree>
@@ -12027,7 +12604,7 @@
 </p:sld>
 </file>
 
-<file path=ppt/slides/slide16.xml><?xml version="1.0" encoding="utf-8"?>
+<file path=ppt/slides/slide18.xml><?xml version="1.0" encoding="utf-8"?>
 <p:sld xmlns:a="http://schemas.openxmlformats.org/drawingml/2006/main" xmlns:r="http://schemas.openxmlformats.org/officeDocument/2006/relationships" xmlns:p="http://schemas.openxmlformats.org/presentationml/2006/main">
   <p:cSld>
     <p:spTree>
@@ -12154,7 +12731,7 @@
 </p:sld>
 </file>
 
-<file path=ppt/slides/slide17.xml><?xml version="1.0" encoding="utf-8"?>
+<file path=ppt/slides/slide19.xml><?xml version="1.0" encoding="utf-8"?>
 <p:sld xmlns:a="http://schemas.openxmlformats.org/drawingml/2006/main" xmlns:r="http://schemas.openxmlformats.org/officeDocument/2006/relationships" xmlns:p="http://schemas.openxmlformats.org/presentationml/2006/main">
   <p:cSld>
     <p:spTree>
@@ -12848,7 +13425,122 @@
 </p:sld>
 </file>
 
-<file path=ppt/slides/slide18.xml><?xml version="1.0" encoding="utf-8"?>
+<file path=ppt/slides/slide2.xml><?xml version="1.0" encoding="utf-8"?>
+<p:sld xmlns:a="http://schemas.openxmlformats.org/drawingml/2006/main" xmlns:r="http://schemas.openxmlformats.org/officeDocument/2006/relationships" xmlns:p="http://schemas.openxmlformats.org/presentationml/2006/main">
+  <p:cSld>
+    <p:spTree>
+      <p:nvGrpSpPr>
+        <p:cNvPr id="1" name=""/>
+        <p:cNvGrpSpPr/>
+        <p:nvPr/>
+      </p:nvGrpSpPr>
+      <p:grpSpPr>
+        <a:xfrm>
+          <a:off x="0" y="0"/>
+          <a:ext cx="0" cy="0"/>
+          <a:chOff x="0" y="0"/>
+          <a:chExt cx="0" cy="0"/>
+        </a:xfrm>
+      </p:grpSpPr>
+      <p:sp>
+        <p:nvSpPr>
+          <p:cNvPr id="2" name="Title 1">
+            <a:extLst>
+              <a:ext uri="{FF2B5EF4-FFF2-40B4-BE49-F238E27FC236}">
+                <a16:creationId xmlns:a16="http://schemas.microsoft.com/office/drawing/2014/main" id="{BE13149E-C150-A650-FA00-2A562ECA269C}"/>
+              </a:ext>
+            </a:extLst>
+          </p:cNvPr>
+          <p:cNvSpPr>
+            <a:spLocks noGrp="1"/>
+          </p:cNvSpPr>
+          <p:nvPr>
+            <p:ph type="title"/>
+          </p:nvPr>
+        </p:nvSpPr>
+        <p:spPr/>
+        <p:txBody>
+          <a:bodyPr/>
+          <a:lstStyle/>
+          <a:p>
+            <a:r>
+              <a:rPr lang="en-GB" dirty="0">
+                <a:latin typeface="Arial" panose="020B0604020202020204" pitchFamily="34" charset="0"/>
+                <a:cs typeface="Arial" panose="020B0604020202020204" pitchFamily="34" charset="0"/>
+              </a:rPr>
+              <a:t>Welcome!</a:t>
+            </a:r>
+          </a:p>
+        </p:txBody>
+      </p:sp>
+      <p:sp>
+        <p:nvSpPr>
+          <p:cNvPr id="3" name="Text Placeholder 2">
+            <a:extLst>
+              <a:ext uri="{FF2B5EF4-FFF2-40B4-BE49-F238E27FC236}">
+                <a16:creationId xmlns:a16="http://schemas.microsoft.com/office/drawing/2014/main" id="{62F1B38E-1B70-7E5F-F6D2-27D28C26071B}"/>
+              </a:ext>
+            </a:extLst>
+          </p:cNvPr>
+          <p:cNvSpPr>
+            <a:spLocks noGrp="1"/>
+          </p:cNvSpPr>
+          <p:nvPr>
+            <p:ph type="body" idx="1"/>
+          </p:nvPr>
+        </p:nvSpPr>
+        <p:spPr/>
+        <p:txBody>
+          <a:bodyPr/>
+          <a:lstStyle/>
+          <a:p>
+            <a:endParaRPr lang="en-GB"/>
+          </a:p>
+        </p:txBody>
+      </p:sp>
+      <p:sp>
+        <p:nvSpPr>
+          <p:cNvPr id="4" name="Footer Placeholder 3">
+            <a:extLst>
+              <a:ext uri="{FF2B5EF4-FFF2-40B4-BE49-F238E27FC236}">
+                <a16:creationId xmlns:a16="http://schemas.microsoft.com/office/drawing/2014/main" id="{8641B529-CA9D-C69F-A09E-885D18ABC45C}"/>
+              </a:ext>
+            </a:extLst>
+          </p:cNvPr>
+          <p:cNvSpPr>
+            <a:spLocks noGrp="1"/>
+          </p:cNvSpPr>
+          <p:nvPr>
+            <p:ph type="ftr" sz="quarter" idx="11"/>
+          </p:nvPr>
+        </p:nvSpPr>
+        <p:spPr/>
+        <p:txBody>
+          <a:bodyPr/>
+          <a:lstStyle/>
+          <a:p>
+            <a:r>
+              <a:rPr lang="en-US"/>
+              <a:t>Spatial, Health &amp; Environmental Research using Probabilistic Programming Languages</a:t>
+            </a:r>
+            <a:endParaRPr lang="en-US" dirty="0"/>
+          </a:p>
+        </p:txBody>
+      </p:sp>
+    </p:spTree>
+    <p:extLst>
+      <p:ext uri="{BB962C8B-B14F-4D97-AF65-F5344CB8AC3E}">
+        <p14:creationId xmlns:p14="http://schemas.microsoft.com/office/powerpoint/2010/main" val="587005652"/>
+      </p:ext>
+    </p:extLst>
+  </p:cSld>
+  <p:clrMapOvr>
+    <a:masterClrMapping/>
+  </p:clrMapOvr>
+</p:sld>
+</file>
+
+<file path=ppt/slides/slide20.xml><?xml version="1.0" encoding="utf-8"?>
 <p:sld xmlns:a="http://schemas.openxmlformats.org/drawingml/2006/main" xmlns:r="http://schemas.openxmlformats.org/officeDocument/2006/relationships" xmlns:p="http://schemas.openxmlformats.org/presentationml/2006/main">
   <p:cSld>
     <p:spTree>
@@ -12985,7 +13677,7 @@
 </p:sld>
 </file>
 
-<file path=ppt/slides/slide19.xml><?xml version="1.0" encoding="utf-8"?>
+<file path=ppt/slides/slide21.xml><?xml version="1.0" encoding="utf-8"?>
 <p:sld xmlns:a="http://schemas.openxmlformats.org/drawingml/2006/main" xmlns:r="http://schemas.openxmlformats.org/officeDocument/2006/relationships" xmlns:p="http://schemas.openxmlformats.org/presentationml/2006/main">
   <p:cSld>
     <p:spTree>
@@ -13106,14 +13798,7 @@
             <a:pPr lvl="1"/>
             <a:r>
               <a:rPr lang="en-GB" sz="1800" dirty="0"/>
-              <a:t>Each team takes pens and A3 sheet</a:t>
-            </a:r>
-          </a:p>
-          <a:p>
-            <a:pPr lvl="1"/>
-            <a:r>
-              <a:rPr lang="en-GB" sz="1800" dirty="0"/>
-              <a:t>Using a challenge area from the next slide and start designing a forecasting contest</a:t>
+              <a:t>Using the Contest grids on the Mural Board, start designing a forecasting contest</a:t>
             </a:r>
           </a:p>
           <a:p>
@@ -13183,413 +13868,64 @@
           </a:p>
         </p:txBody>
       </p:sp>
-    </p:spTree>
-    <p:extLst>
-      <p:ext uri="{BB962C8B-B14F-4D97-AF65-F5344CB8AC3E}">
-        <p14:creationId xmlns:p14="http://schemas.microsoft.com/office/powerpoint/2010/main" val="3010521342"/>
-      </p:ext>
-    </p:extLst>
-  </p:cSld>
-  <p:clrMapOvr>
-    <a:masterClrMapping/>
-  </p:clrMapOvr>
-</p:sld>
-</file>
-
-<file path=ppt/slides/slide2.xml><?xml version="1.0" encoding="utf-8"?>
-<p:sld xmlns:a="http://schemas.openxmlformats.org/drawingml/2006/main" xmlns:r="http://schemas.openxmlformats.org/officeDocument/2006/relationships" xmlns:p="http://schemas.openxmlformats.org/presentationml/2006/main">
-  <p:cSld>
-    <p:spTree>
-      <p:nvGrpSpPr>
-        <p:cNvPr id="1" name=""/>
-        <p:cNvGrpSpPr/>
-        <p:nvPr/>
-      </p:nvGrpSpPr>
-      <p:grpSpPr>
-        <a:xfrm>
-          <a:off x="0" y="0"/>
-          <a:ext cx="0" cy="0"/>
-          <a:chOff x="0" y="0"/>
-          <a:chExt cx="0" cy="0"/>
-        </a:xfrm>
-      </p:grpSpPr>
       <p:sp>
         <p:nvSpPr>
-          <p:cNvPr id="2" name="Title 1">
-            <a:extLst>
-              <a:ext uri="{FF2B5EF4-FFF2-40B4-BE49-F238E27FC236}">
-                <a16:creationId xmlns:a16="http://schemas.microsoft.com/office/drawing/2014/main" id="{BE13149E-C150-A650-FA00-2A562ECA269C}"/>
-              </a:ext>
-            </a:extLst>
-          </p:cNvPr>
-          <p:cNvSpPr>
-            <a:spLocks noGrp="1"/>
-          </p:cNvSpPr>
-          <p:nvPr>
-            <p:ph type="title"/>
-          </p:nvPr>
+          <p:cNvPr id="5" name="Rectangle 4">
+            <a:extLst>
+              <a:ext uri="{FF2B5EF4-FFF2-40B4-BE49-F238E27FC236}">
+                <a16:creationId xmlns:a16="http://schemas.microsoft.com/office/drawing/2014/main" id="{D0957664-187F-C398-8DC5-505D231018EC}"/>
+              </a:ext>
+            </a:extLst>
+          </p:cNvPr>
+          <p:cNvSpPr/>
+          <p:nvPr/>
         </p:nvSpPr>
-        <p:spPr/>
+        <p:spPr>
+          <a:xfrm>
+            <a:off x="642551" y="2749378"/>
+            <a:ext cx="10540314" cy="3021227"/>
+          </a:xfrm>
+          <a:prstGeom prst="rect">
+            <a:avLst/>
+          </a:prstGeom>
+          <a:solidFill>
+            <a:srgbClr val="FFFFFF">
+              <a:alpha val="78824"/>
+            </a:srgbClr>
+          </a:solidFill>
+          <a:ln>
+            <a:noFill/>
+          </a:ln>
+        </p:spPr>
+        <p:style>
+          <a:lnRef idx="2">
+            <a:schemeClr val="accent1">
+              <a:shade val="15000"/>
+            </a:schemeClr>
+          </a:lnRef>
+          <a:fillRef idx="1">
+            <a:schemeClr val="accent1"/>
+          </a:fillRef>
+          <a:effectRef idx="0">
+            <a:schemeClr val="accent1"/>
+          </a:effectRef>
+          <a:fontRef idx="minor">
+            <a:schemeClr val="lt1"/>
+          </a:fontRef>
+        </p:style>
         <p:txBody>
-          <a:bodyPr/>
+          <a:bodyPr rtlCol="0" anchor="ctr"/>
           <a:lstStyle/>
           <a:p>
-            <a:r>
-              <a:rPr lang="en-GB" dirty="0">
-                <a:latin typeface="Arial" panose="020B0604020202020204" pitchFamily="34" charset="0"/>
-                <a:cs typeface="Arial" panose="020B0604020202020204" pitchFamily="34" charset="0"/>
-              </a:rPr>
-              <a:t>Welcome!</a:t>
-            </a:r>
-          </a:p>
-        </p:txBody>
-      </p:sp>
-      <p:sp>
-        <p:nvSpPr>
-          <p:cNvPr id="3" name="Text Placeholder 2">
-            <a:extLst>
-              <a:ext uri="{FF2B5EF4-FFF2-40B4-BE49-F238E27FC236}">
-                <a16:creationId xmlns:a16="http://schemas.microsoft.com/office/drawing/2014/main" id="{62F1B38E-1B70-7E5F-F6D2-27D28C26071B}"/>
-              </a:ext>
-            </a:extLst>
-          </p:cNvPr>
-          <p:cNvSpPr>
-            <a:spLocks noGrp="1"/>
-          </p:cNvSpPr>
-          <p:nvPr>
-            <p:ph type="body" idx="1"/>
-          </p:nvPr>
-        </p:nvSpPr>
-        <p:spPr/>
-        <p:txBody>
-          <a:bodyPr/>
-          <a:lstStyle/>
-          <a:p>
+            <a:pPr algn="ctr"/>
             <a:endParaRPr lang="en-GB"/>
-          </a:p>
-        </p:txBody>
-      </p:sp>
-      <p:sp>
-        <p:nvSpPr>
-          <p:cNvPr id="4" name="Footer Placeholder 3">
-            <a:extLst>
-              <a:ext uri="{FF2B5EF4-FFF2-40B4-BE49-F238E27FC236}">
-                <a16:creationId xmlns:a16="http://schemas.microsoft.com/office/drawing/2014/main" id="{8641B529-CA9D-C69F-A09E-885D18ABC45C}"/>
-              </a:ext>
-            </a:extLst>
-          </p:cNvPr>
-          <p:cNvSpPr>
-            <a:spLocks noGrp="1"/>
-          </p:cNvSpPr>
-          <p:nvPr>
-            <p:ph type="ftr" sz="quarter" idx="11"/>
-          </p:nvPr>
-        </p:nvSpPr>
-        <p:spPr/>
-        <p:txBody>
-          <a:bodyPr/>
-          <a:lstStyle/>
-          <a:p>
-            <a:r>
-              <a:rPr lang="en-US"/>
-              <a:t>Spatial, Health &amp; Environmental Research using Probabilistic Programming Languages</a:t>
-            </a:r>
-            <a:endParaRPr lang="en-US" dirty="0"/>
           </a:p>
         </p:txBody>
       </p:sp>
     </p:spTree>
     <p:extLst>
       <p:ext uri="{BB962C8B-B14F-4D97-AF65-F5344CB8AC3E}">
-        <p14:creationId xmlns:p14="http://schemas.microsoft.com/office/powerpoint/2010/main" val="587005652"/>
-      </p:ext>
-    </p:extLst>
-  </p:cSld>
-  <p:clrMapOvr>
-    <a:masterClrMapping/>
-  </p:clrMapOvr>
-</p:sld>
-</file>
-
-<file path=ppt/slides/slide20.xml><?xml version="1.0" encoding="utf-8"?>
-<p:sld xmlns:a="http://schemas.openxmlformats.org/drawingml/2006/main" xmlns:r="http://schemas.openxmlformats.org/officeDocument/2006/relationships" xmlns:p="http://schemas.openxmlformats.org/presentationml/2006/main">
-  <p:cSld>
-    <p:spTree>
-      <p:nvGrpSpPr>
-        <p:cNvPr id="1" name=""/>
-        <p:cNvGrpSpPr/>
-        <p:nvPr/>
-      </p:nvGrpSpPr>
-      <p:grpSpPr>
-        <a:xfrm>
-          <a:off x="0" y="0"/>
-          <a:ext cx="0" cy="0"/>
-          <a:chOff x="0" y="0"/>
-          <a:chExt cx="0" cy="0"/>
-        </a:xfrm>
-      </p:grpSpPr>
-      <p:sp>
-        <p:nvSpPr>
-          <p:cNvPr id="2" name="Title 1">
-            <a:extLst>
-              <a:ext uri="{FF2B5EF4-FFF2-40B4-BE49-F238E27FC236}">
-                <a16:creationId xmlns:a16="http://schemas.microsoft.com/office/drawing/2014/main" id="{2D16E6CB-F52A-5FE1-96D7-23A8351850BB}"/>
-              </a:ext>
-            </a:extLst>
-          </p:cNvPr>
-          <p:cNvSpPr>
-            <a:spLocks noGrp="1"/>
-          </p:cNvSpPr>
-          <p:nvPr>
-            <p:ph type="title"/>
-          </p:nvPr>
-        </p:nvSpPr>
-        <p:spPr/>
-        <p:txBody>
-          <a:bodyPr/>
-          <a:lstStyle/>
-          <a:p>
-            <a:r>
-              <a:rPr lang="en-GB" dirty="0"/>
-              <a:t>Building a Forecasting Contest</a:t>
-            </a:r>
-          </a:p>
-        </p:txBody>
-      </p:sp>
-      <p:sp>
-        <p:nvSpPr>
-          <p:cNvPr id="3" name="Text Placeholder 2">
-            <a:extLst>
-              <a:ext uri="{FF2B5EF4-FFF2-40B4-BE49-F238E27FC236}">
-                <a16:creationId xmlns:a16="http://schemas.microsoft.com/office/drawing/2014/main" id="{50BFFAAC-48DD-7420-50E3-998D74C2D37F}"/>
-              </a:ext>
-            </a:extLst>
-          </p:cNvPr>
-          <p:cNvSpPr>
-            <a:spLocks noGrp="1"/>
-          </p:cNvSpPr>
-          <p:nvPr>
-            <p:ph type="body" idx="1"/>
-          </p:nvPr>
-        </p:nvSpPr>
-        <p:spPr/>
-        <p:txBody>
-          <a:bodyPr/>
-          <a:lstStyle/>
-          <a:p>
-            <a:r>
-              <a:rPr lang="en-GB" dirty="0"/>
-              <a:t>From Questions to Insights</a:t>
-            </a:r>
-          </a:p>
-          <a:p>
-            <a:r>
-              <a:rPr lang="en-GB" dirty="0"/>
-              <a:t>Dr Josh Tyler</a:t>
-            </a:r>
-          </a:p>
-        </p:txBody>
-      </p:sp>
-      <p:sp>
-        <p:nvSpPr>
-          <p:cNvPr id="4" name="Footer Placeholder 3">
-            <a:extLst>
-              <a:ext uri="{FF2B5EF4-FFF2-40B4-BE49-F238E27FC236}">
-                <a16:creationId xmlns:a16="http://schemas.microsoft.com/office/drawing/2014/main" id="{0A3F2890-E8CE-F3F4-185D-2E714D14F3AB}"/>
-              </a:ext>
-            </a:extLst>
-          </p:cNvPr>
-          <p:cNvSpPr>
-            <a:spLocks noGrp="1"/>
-          </p:cNvSpPr>
-          <p:nvPr>
-            <p:ph type="ftr" sz="quarter" idx="11"/>
-          </p:nvPr>
-        </p:nvSpPr>
-        <p:spPr/>
-        <p:txBody>
-          <a:bodyPr/>
-          <a:lstStyle/>
-          <a:p>
-            <a:r>
-              <a:rPr lang="en-US"/>
-              <a:t>Spatial, Health &amp; Environmental Research using Probabilistic Programming Languages</a:t>
-            </a:r>
-            <a:endParaRPr lang="en-US" dirty="0"/>
-          </a:p>
-        </p:txBody>
-      </p:sp>
-    </p:spTree>
-    <p:extLst>
-      <p:ext uri="{BB962C8B-B14F-4D97-AF65-F5344CB8AC3E}">
-        <p14:creationId xmlns:p14="http://schemas.microsoft.com/office/powerpoint/2010/main" val="1188415522"/>
-      </p:ext>
-    </p:extLst>
-  </p:cSld>
-  <p:clrMapOvr>
-    <a:masterClrMapping/>
-  </p:clrMapOvr>
-</p:sld>
-</file>
-
-<file path=ppt/slides/slide21.xml><?xml version="1.0" encoding="utf-8"?>
-<p:sld xmlns:a="http://schemas.openxmlformats.org/drawingml/2006/main" xmlns:r="http://schemas.openxmlformats.org/officeDocument/2006/relationships" xmlns:p="http://schemas.openxmlformats.org/presentationml/2006/main">
-  <p:cSld>
-    <p:spTree>
-      <p:nvGrpSpPr>
-        <p:cNvPr id="1" name=""/>
-        <p:cNvGrpSpPr/>
-        <p:nvPr/>
-      </p:nvGrpSpPr>
-      <p:grpSpPr>
-        <a:xfrm>
-          <a:off x="0" y="0"/>
-          <a:ext cx="0" cy="0"/>
-          <a:chOff x="0" y="0"/>
-          <a:chExt cx="0" cy="0"/>
-        </a:xfrm>
-      </p:grpSpPr>
-      <p:sp>
-        <p:nvSpPr>
-          <p:cNvPr id="2" name="Title 1">
-            <a:extLst>
-              <a:ext uri="{FF2B5EF4-FFF2-40B4-BE49-F238E27FC236}">
-                <a16:creationId xmlns:a16="http://schemas.microsoft.com/office/drawing/2014/main" id="{E2981D48-6F03-A6C7-EEE7-68686DA67AB0}"/>
-              </a:ext>
-            </a:extLst>
-          </p:cNvPr>
-          <p:cNvSpPr>
-            <a:spLocks noGrp="1"/>
-          </p:cNvSpPr>
-          <p:nvPr>
-            <p:ph type="title"/>
-          </p:nvPr>
-        </p:nvSpPr>
-        <p:spPr/>
-        <p:txBody>
-          <a:bodyPr/>
-          <a:lstStyle/>
-          <a:p>
-            <a:r>
-              <a:rPr lang="en-GB" dirty="0"/>
-              <a:t>What is a Forecasting Contest?</a:t>
-            </a:r>
-          </a:p>
-        </p:txBody>
-      </p:sp>
-      <p:sp>
-        <p:nvSpPr>
-          <p:cNvPr id="3" name="Content Placeholder 2">
-            <a:extLst>
-              <a:ext uri="{FF2B5EF4-FFF2-40B4-BE49-F238E27FC236}">
-                <a16:creationId xmlns:a16="http://schemas.microsoft.com/office/drawing/2014/main" id="{7E7DB9FE-985B-2805-2CC8-233390EF4B0A}"/>
-              </a:ext>
-            </a:extLst>
-          </p:cNvPr>
-          <p:cNvSpPr>
-            <a:spLocks noGrp="1"/>
-          </p:cNvSpPr>
-          <p:nvPr>
-            <p:ph idx="1"/>
-          </p:nvPr>
-        </p:nvSpPr>
-        <p:spPr/>
-        <p:txBody>
-          <a:bodyPr/>
-          <a:lstStyle/>
-          <a:p>
-            <a:r>
-              <a:rPr lang="en-GB" sz="2200" dirty="0"/>
-              <a:t>Grand Vision</a:t>
-            </a:r>
-          </a:p>
-          <a:p>
-            <a:pPr lvl="1"/>
-            <a:r>
-              <a:rPr lang="en-GB" sz="2200" dirty="0"/>
-              <a:t>An open-source and globally-accessible competition to find innovative and accurate ways of predicting something.</a:t>
-            </a:r>
-          </a:p>
-          <a:p>
-            <a:pPr lvl="1"/>
-            <a:r>
-              <a:rPr lang="en-GB" sz="2200" dirty="0"/>
-              <a:t>A conduit for connecting stakeholders with analytical capability.</a:t>
-            </a:r>
-          </a:p>
-          <a:p>
-            <a:pPr lvl="1"/>
-            <a:endParaRPr lang="en-GB" sz="2200" dirty="0"/>
-          </a:p>
-          <a:p>
-            <a:r>
-              <a:rPr lang="en-GB" sz="2200" dirty="0"/>
-              <a:t>Simple Terms</a:t>
-            </a:r>
-          </a:p>
-          <a:p>
-            <a:pPr lvl="1"/>
-            <a:r>
-              <a:rPr lang="en-GB" sz="2200" dirty="0"/>
-              <a:t>A </a:t>
-            </a:r>
-            <a:r>
-              <a:rPr lang="en-GB" sz="2200" dirty="0">
-                <a:hlinkClick r:id="rId2"/>
-              </a:rPr>
-              <a:t>Github Repo</a:t>
-            </a:r>
-            <a:r>
-              <a:rPr lang="en-GB" sz="2200" dirty="0"/>
-              <a:t>, that can be cloned, edited and then collated by contest organisers, using our </a:t>
-            </a:r>
-            <a:r>
-              <a:rPr lang="en-GB" sz="2200" dirty="0">
-                <a:hlinkClick r:id="rId3"/>
-              </a:rPr>
-              <a:t>Forecasting AggregatoR App (FARA)</a:t>
-            </a:r>
-            <a:r>
-              <a:rPr lang="en-GB" sz="2200" dirty="0"/>
-              <a:t>.</a:t>
-            </a:r>
-            <a:endParaRPr lang="en-GB" dirty="0"/>
-          </a:p>
-        </p:txBody>
-      </p:sp>
-      <p:sp>
-        <p:nvSpPr>
-          <p:cNvPr id="4" name="Footer Placeholder 3">
-            <a:extLst>
-              <a:ext uri="{FF2B5EF4-FFF2-40B4-BE49-F238E27FC236}">
-                <a16:creationId xmlns:a16="http://schemas.microsoft.com/office/drawing/2014/main" id="{2E1A68BB-B4E7-982D-7A45-D56BF65164A2}"/>
-              </a:ext>
-            </a:extLst>
-          </p:cNvPr>
-          <p:cNvSpPr>
-            <a:spLocks noGrp="1"/>
-          </p:cNvSpPr>
-          <p:nvPr>
-            <p:ph type="ftr" sz="quarter" idx="11"/>
-          </p:nvPr>
-        </p:nvSpPr>
-        <p:spPr/>
-        <p:txBody>
-          <a:bodyPr/>
-          <a:lstStyle/>
-          <a:p>
-            <a:r>
-              <a:rPr lang="en-US"/>
-              <a:t>Spatial, Health &amp; Environmental Research using Probabilistic Programming Languages</a:t>
-            </a:r>
-            <a:endParaRPr lang="en-US" dirty="0"/>
-          </a:p>
-        </p:txBody>
-      </p:sp>
-    </p:spTree>
-    <p:extLst>
-      <p:ext uri="{BB962C8B-B14F-4D97-AF65-F5344CB8AC3E}">
-        <p14:creationId xmlns:p14="http://schemas.microsoft.com/office/powerpoint/2010/main" val="592986387"/>
+        <p14:creationId xmlns:p14="http://schemas.microsoft.com/office/powerpoint/2010/main" val="3010521342"/>
       </p:ext>
     </p:extLst>
   </p:cSld>
@@ -13621,6 +13957,294 @@
           <p:cNvPr id="2" name="Title 1">
             <a:extLst>
               <a:ext uri="{FF2B5EF4-FFF2-40B4-BE49-F238E27FC236}">
+                <a16:creationId xmlns:a16="http://schemas.microsoft.com/office/drawing/2014/main" id="{2D16E6CB-F52A-5FE1-96D7-23A8351850BB}"/>
+              </a:ext>
+            </a:extLst>
+          </p:cNvPr>
+          <p:cNvSpPr>
+            <a:spLocks noGrp="1"/>
+          </p:cNvSpPr>
+          <p:nvPr>
+            <p:ph type="title"/>
+          </p:nvPr>
+        </p:nvSpPr>
+        <p:spPr/>
+        <p:txBody>
+          <a:bodyPr/>
+          <a:lstStyle/>
+          <a:p>
+            <a:r>
+              <a:rPr lang="en-GB" dirty="0"/>
+              <a:t>Building a Forecasting Contest</a:t>
+            </a:r>
+          </a:p>
+        </p:txBody>
+      </p:sp>
+      <p:sp>
+        <p:nvSpPr>
+          <p:cNvPr id="3" name="Text Placeholder 2">
+            <a:extLst>
+              <a:ext uri="{FF2B5EF4-FFF2-40B4-BE49-F238E27FC236}">
+                <a16:creationId xmlns:a16="http://schemas.microsoft.com/office/drawing/2014/main" id="{50BFFAAC-48DD-7420-50E3-998D74C2D37F}"/>
+              </a:ext>
+            </a:extLst>
+          </p:cNvPr>
+          <p:cNvSpPr>
+            <a:spLocks noGrp="1"/>
+          </p:cNvSpPr>
+          <p:nvPr>
+            <p:ph type="body" idx="1"/>
+          </p:nvPr>
+        </p:nvSpPr>
+        <p:spPr/>
+        <p:txBody>
+          <a:bodyPr/>
+          <a:lstStyle/>
+          <a:p>
+            <a:r>
+              <a:rPr lang="en-GB" dirty="0"/>
+              <a:t>From Questions to Insights</a:t>
+            </a:r>
+          </a:p>
+          <a:p>
+            <a:r>
+              <a:rPr lang="en-GB" dirty="0"/>
+              <a:t>Dr Josh Tyler</a:t>
+            </a:r>
+          </a:p>
+        </p:txBody>
+      </p:sp>
+      <p:sp>
+        <p:nvSpPr>
+          <p:cNvPr id="4" name="Footer Placeholder 3">
+            <a:extLst>
+              <a:ext uri="{FF2B5EF4-FFF2-40B4-BE49-F238E27FC236}">
+                <a16:creationId xmlns:a16="http://schemas.microsoft.com/office/drawing/2014/main" id="{0A3F2890-E8CE-F3F4-185D-2E714D14F3AB}"/>
+              </a:ext>
+            </a:extLst>
+          </p:cNvPr>
+          <p:cNvSpPr>
+            <a:spLocks noGrp="1"/>
+          </p:cNvSpPr>
+          <p:nvPr>
+            <p:ph type="ftr" sz="quarter" idx="11"/>
+          </p:nvPr>
+        </p:nvSpPr>
+        <p:spPr/>
+        <p:txBody>
+          <a:bodyPr/>
+          <a:lstStyle/>
+          <a:p>
+            <a:r>
+              <a:rPr lang="en-US"/>
+              <a:t>Spatial, Health &amp; Environmental Research using Probabilistic Programming Languages</a:t>
+            </a:r>
+            <a:endParaRPr lang="en-US" dirty="0"/>
+          </a:p>
+        </p:txBody>
+      </p:sp>
+    </p:spTree>
+    <p:extLst>
+      <p:ext uri="{BB962C8B-B14F-4D97-AF65-F5344CB8AC3E}">
+        <p14:creationId xmlns:p14="http://schemas.microsoft.com/office/powerpoint/2010/main" val="1188415522"/>
+      </p:ext>
+    </p:extLst>
+  </p:cSld>
+  <p:clrMapOvr>
+    <a:masterClrMapping/>
+  </p:clrMapOvr>
+</p:sld>
+</file>
+
+<file path=ppt/slides/slide23.xml><?xml version="1.0" encoding="utf-8"?>
+<p:sld xmlns:a="http://schemas.openxmlformats.org/drawingml/2006/main" xmlns:r="http://schemas.openxmlformats.org/officeDocument/2006/relationships" xmlns:p="http://schemas.openxmlformats.org/presentationml/2006/main">
+  <p:cSld>
+    <p:spTree>
+      <p:nvGrpSpPr>
+        <p:cNvPr id="1" name=""/>
+        <p:cNvGrpSpPr/>
+        <p:nvPr/>
+      </p:nvGrpSpPr>
+      <p:grpSpPr>
+        <a:xfrm>
+          <a:off x="0" y="0"/>
+          <a:ext cx="0" cy="0"/>
+          <a:chOff x="0" y="0"/>
+          <a:chExt cx="0" cy="0"/>
+        </a:xfrm>
+      </p:grpSpPr>
+      <p:sp>
+        <p:nvSpPr>
+          <p:cNvPr id="2" name="Title 1">
+            <a:extLst>
+              <a:ext uri="{FF2B5EF4-FFF2-40B4-BE49-F238E27FC236}">
+                <a16:creationId xmlns:a16="http://schemas.microsoft.com/office/drawing/2014/main" id="{E2981D48-6F03-A6C7-EEE7-68686DA67AB0}"/>
+              </a:ext>
+            </a:extLst>
+          </p:cNvPr>
+          <p:cNvSpPr>
+            <a:spLocks noGrp="1"/>
+          </p:cNvSpPr>
+          <p:nvPr>
+            <p:ph type="title"/>
+          </p:nvPr>
+        </p:nvSpPr>
+        <p:spPr/>
+        <p:txBody>
+          <a:bodyPr/>
+          <a:lstStyle/>
+          <a:p>
+            <a:r>
+              <a:rPr lang="en-GB" dirty="0"/>
+              <a:t>What is a Forecasting Contest?</a:t>
+            </a:r>
+          </a:p>
+        </p:txBody>
+      </p:sp>
+      <p:sp>
+        <p:nvSpPr>
+          <p:cNvPr id="3" name="Content Placeholder 2">
+            <a:extLst>
+              <a:ext uri="{FF2B5EF4-FFF2-40B4-BE49-F238E27FC236}">
+                <a16:creationId xmlns:a16="http://schemas.microsoft.com/office/drawing/2014/main" id="{7E7DB9FE-985B-2805-2CC8-233390EF4B0A}"/>
+              </a:ext>
+            </a:extLst>
+          </p:cNvPr>
+          <p:cNvSpPr>
+            <a:spLocks noGrp="1"/>
+          </p:cNvSpPr>
+          <p:nvPr>
+            <p:ph idx="1"/>
+          </p:nvPr>
+        </p:nvSpPr>
+        <p:spPr/>
+        <p:txBody>
+          <a:bodyPr/>
+          <a:lstStyle/>
+          <a:p>
+            <a:r>
+              <a:rPr lang="en-GB" sz="2200" dirty="0"/>
+              <a:t>Grand Vision</a:t>
+            </a:r>
+          </a:p>
+          <a:p>
+            <a:pPr lvl="1"/>
+            <a:r>
+              <a:rPr lang="en-GB" sz="2200" dirty="0"/>
+              <a:t>An open-source and globally-accessible competition to find innovative and accurate ways of predicting something.</a:t>
+            </a:r>
+          </a:p>
+          <a:p>
+            <a:pPr lvl="1"/>
+            <a:r>
+              <a:rPr lang="en-GB" sz="2200" dirty="0"/>
+              <a:t>A conduit for connecting stakeholders with analytical capability.</a:t>
+            </a:r>
+          </a:p>
+          <a:p>
+            <a:pPr lvl="1"/>
+            <a:endParaRPr lang="en-GB" sz="2200" dirty="0"/>
+          </a:p>
+          <a:p>
+            <a:r>
+              <a:rPr lang="en-GB" sz="2200" dirty="0"/>
+              <a:t>Simple Terms</a:t>
+            </a:r>
+          </a:p>
+          <a:p>
+            <a:pPr lvl="1"/>
+            <a:r>
+              <a:rPr lang="en-GB" sz="2200" dirty="0"/>
+              <a:t>A </a:t>
+            </a:r>
+            <a:r>
+              <a:rPr lang="en-GB" sz="2200" dirty="0">
+                <a:hlinkClick r:id="rId2"/>
+              </a:rPr>
+              <a:t>Github Repo</a:t>
+            </a:r>
+            <a:r>
+              <a:rPr lang="en-GB" sz="2200" dirty="0"/>
+              <a:t>, that can be cloned, edited and then collated by contest organisers, using our </a:t>
+            </a:r>
+            <a:r>
+              <a:rPr lang="en-GB" sz="2200" dirty="0">
+                <a:hlinkClick r:id="rId3"/>
+              </a:rPr>
+              <a:t>Forecasting AggregatoR App (FARA)</a:t>
+            </a:r>
+            <a:r>
+              <a:rPr lang="en-GB" sz="2200" dirty="0"/>
+              <a:t>.</a:t>
+            </a:r>
+            <a:endParaRPr lang="en-GB" dirty="0"/>
+          </a:p>
+        </p:txBody>
+      </p:sp>
+      <p:sp>
+        <p:nvSpPr>
+          <p:cNvPr id="4" name="Footer Placeholder 3">
+            <a:extLst>
+              <a:ext uri="{FF2B5EF4-FFF2-40B4-BE49-F238E27FC236}">
+                <a16:creationId xmlns:a16="http://schemas.microsoft.com/office/drawing/2014/main" id="{2E1A68BB-B4E7-982D-7A45-D56BF65164A2}"/>
+              </a:ext>
+            </a:extLst>
+          </p:cNvPr>
+          <p:cNvSpPr>
+            <a:spLocks noGrp="1"/>
+          </p:cNvSpPr>
+          <p:nvPr>
+            <p:ph type="ftr" sz="quarter" idx="11"/>
+          </p:nvPr>
+        </p:nvSpPr>
+        <p:spPr/>
+        <p:txBody>
+          <a:bodyPr/>
+          <a:lstStyle/>
+          <a:p>
+            <a:r>
+              <a:rPr lang="en-US"/>
+              <a:t>Spatial, Health &amp; Environmental Research using Probabilistic Programming Languages</a:t>
+            </a:r>
+            <a:endParaRPr lang="en-US" dirty="0"/>
+          </a:p>
+        </p:txBody>
+      </p:sp>
+    </p:spTree>
+    <p:extLst>
+      <p:ext uri="{BB962C8B-B14F-4D97-AF65-F5344CB8AC3E}">
+        <p14:creationId xmlns:p14="http://schemas.microsoft.com/office/powerpoint/2010/main" val="592986387"/>
+      </p:ext>
+    </p:extLst>
+  </p:cSld>
+  <p:clrMapOvr>
+    <a:masterClrMapping/>
+  </p:clrMapOvr>
+</p:sld>
+</file>
+
+<file path=ppt/slides/slide24.xml><?xml version="1.0" encoding="utf-8"?>
+<p:sld xmlns:a="http://schemas.openxmlformats.org/drawingml/2006/main" xmlns:r="http://schemas.openxmlformats.org/officeDocument/2006/relationships" xmlns:p="http://schemas.openxmlformats.org/presentationml/2006/main">
+  <p:cSld>
+    <p:spTree>
+      <p:nvGrpSpPr>
+        <p:cNvPr id="1" name=""/>
+        <p:cNvGrpSpPr/>
+        <p:nvPr/>
+      </p:nvGrpSpPr>
+      <p:grpSpPr>
+        <a:xfrm>
+          <a:off x="0" y="0"/>
+          <a:ext cx="0" cy="0"/>
+          <a:chOff x="0" y="0"/>
+          <a:chExt cx="0" cy="0"/>
+        </a:xfrm>
+      </p:grpSpPr>
+      <p:sp>
+        <p:nvSpPr>
+          <p:cNvPr id="2" name="Title 1">
+            <a:extLst>
+              <a:ext uri="{FF2B5EF4-FFF2-40B4-BE49-F238E27FC236}">
                 <a16:creationId xmlns:a16="http://schemas.microsoft.com/office/drawing/2014/main" id="{A11D8F33-7E28-E9A2-FA90-5CCD63C1EF0D}"/>
               </a:ext>
             </a:extLst>
@@ -13717,7 +14341,7 @@
 </p:sld>
 </file>
 
-<file path=ppt/slides/slide23.xml><?xml version="1.0" encoding="utf-8"?>
+<file path=ppt/slides/slide25.xml><?xml version="1.0" encoding="utf-8"?>
 <p:sld xmlns:a="http://schemas.openxmlformats.org/drawingml/2006/main" xmlns:r="http://schemas.openxmlformats.org/officeDocument/2006/relationships" xmlns:p="http://schemas.openxmlformats.org/presentationml/2006/main">
   <p:cSld>
     <p:spTree>
@@ -13812,7 +14436,7 @@
 </p:sld>
 </file>
 
-<file path=ppt/slides/slide24.xml><?xml version="1.0" encoding="utf-8"?>
+<file path=ppt/slides/slide26.xml><?xml version="1.0" encoding="utf-8"?>
 <p:sld xmlns:a="http://schemas.openxmlformats.org/drawingml/2006/main" xmlns:r="http://schemas.openxmlformats.org/officeDocument/2006/relationships" xmlns:p="http://schemas.openxmlformats.org/presentationml/2006/main">
   <p:cSld>
     <p:spTree>
@@ -13949,7 +14573,7 @@
 </p:sld>
 </file>
 
-<file path=ppt/slides/slide25.xml><?xml version="1.0" encoding="utf-8"?>
+<file path=ppt/slides/slide27.xml><?xml version="1.0" encoding="utf-8"?>
 <p:sld xmlns:a="http://schemas.openxmlformats.org/drawingml/2006/main" xmlns:r="http://schemas.openxmlformats.org/officeDocument/2006/relationships" xmlns:p="http://schemas.openxmlformats.org/presentationml/2006/main">
   <p:cSld>
     <p:spTree>
@@ -14311,7 +14935,7 @@
 </p:sld>
 </file>
 
-<file path=ppt/slides/slide26.xml><?xml version="1.0" encoding="utf-8"?>
+<file path=ppt/slides/slide28.xml><?xml version="1.0" encoding="utf-8"?>
 <p:sld xmlns:a="http://schemas.openxmlformats.org/drawingml/2006/main" xmlns:r="http://schemas.openxmlformats.org/officeDocument/2006/relationships" xmlns:p="http://schemas.openxmlformats.org/presentationml/2006/main">
   <p:cSld>
     <p:spTree>
@@ -14432,14 +15056,7 @@
             <a:pPr lvl="1"/>
             <a:r>
               <a:rPr lang="en-GB" sz="1800" dirty="0"/>
-              <a:t>Each team takes pens and A3 sheet</a:t>
-            </a:r>
-          </a:p>
-          <a:p>
-            <a:pPr lvl="1"/>
-            <a:r>
-              <a:rPr lang="en-GB" sz="1800" dirty="0"/>
-              <a:t>Using a challenge area from the next slide and start designing a forecasting contest</a:t>
+              <a:t>Using the Contest grids on the Mural Board, start designing a forecasting contest</a:t>
             </a:r>
           </a:p>
           <a:p>
@@ -14471,12 +15088,6 @@
               <a:rPr lang="en-GB" sz="1800" dirty="0"/>
               <a:t>Indicative vote on what would provide greatest impact</a:t>
             </a:r>
-          </a:p>
-          <a:p>
-            <a:pPr marL="0" indent="0">
-              <a:buNone/>
-            </a:pPr>
-            <a:endParaRPr lang="en-GB" sz="1800" dirty="0"/>
           </a:p>
         </p:txBody>
       </p:sp>
@@ -14506,6 +15117,60 @@
               <a:t>Spatial, Health &amp; Environmental Research using Probabilistic Programming Languages</a:t>
             </a:r>
             <a:endParaRPr lang="en-US" dirty="0"/>
+          </a:p>
+        </p:txBody>
+      </p:sp>
+      <p:sp>
+        <p:nvSpPr>
+          <p:cNvPr id="5" name="Rectangle 4">
+            <a:extLst>
+              <a:ext uri="{FF2B5EF4-FFF2-40B4-BE49-F238E27FC236}">
+                <a16:creationId xmlns:a16="http://schemas.microsoft.com/office/drawing/2014/main" id="{19B6F1DF-BA58-EECC-2F38-4FD60310B15F}"/>
+              </a:ext>
+            </a:extLst>
+          </p:cNvPr>
+          <p:cNvSpPr/>
+          <p:nvPr/>
+        </p:nvSpPr>
+        <p:spPr>
+          <a:xfrm flipV="1">
+            <a:off x="642551" y="1538417"/>
+            <a:ext cx="10540314" cy="1210962"/>
+          </a:xfrm>
+          <a:prstGeom prst="rect">
+            <a:avLst/>
+          </a:prstGeom>
+          <a:solidFill>
+            <a:srgbClr val="FFFFFF">
+              <a:alpha val="78824"/>
+            </a:srgbClr>
+          </a:solidFill>
+          <a:ln>
+            <a:noFill/>
+          </a:ln>
+        </p:spPr>
+        <p:style>
+          <a:lnRef idx="2">
+            <a:schemeClr val="accent1">
+              <a:shade val="15000"/>
+            </a:schemeClr>
+          </a:lnRef>
+          <a:fillRef idx="1">
+            <a:schemeClr val="accent1"/>
+          </a:fillRef>
+          <a:effectRef idx="0">
+            <a:schemeClr val="accent1"/>
+          </a:effectRef>
+          <a:fontRef idx="minor">
+            <a:schemeClr val="lt1"/>
+          </a:fontRef>
+        </p:style>
+        <p:txBody>
+          <a:bodyPr rtlCol="0" anchor="ctr"/>
+          <a:lstStyle/>
+          <a:p>
+            <a:pPr algn="ctr"/>
+            <a:endParaRPr lang="en-GB"/>
           </a:p>
         </p:txBody>
       </p:sp>
@@ -14522,7 +15187,7 @@
 </p:sld>
 </file>
 
-<file path=ppt/slides/slide27.xml><?xml version="1.0" encoding="utf-8"?>
+<file path=ppt/slides/slide29.xml><?xml version="1.0" encoding="utf-8"?>
 <p:sld xmlns:a="http://schemas.openxmlformats.org/drawingml/2006/main" xmlns:r="http://schemas.openxmlformats.org/officeDocument/2006/relationships" xmlns:p="http://schemas.openxmlformats.org/presentationml/2006/main">
   <p:cSld>
     <p:spTree>
@@ -14625,251 +15290,6 @@
     <p:extLst>
       <p:ext uri="{BB962C8B-B14F-4D97-AF65-F5344CB8AC3E}">
         <p14:creationId xmlns:p14="http://schemas.microsoft.com/office/powerpoint/2010/main" val="342598139"/>
-      </p:ext>
-    </p:extLst>
-  </p:cSld>
-  <p:clrMapOvr>
-    <a:masterClrMapping/>
-  </p:clrMapOvr>
-</p:sld>
-</file>
-
-<file path=ppt/slides/slide28.xml><?xml version="1.0" encoding="utf-8"?>
-<p:sld xmlns:a="http://schemas.openxmlformats.org/drawingml/2006/main" xmlns:r="http://schemas.openxmlformats.org/officeDocument/2006/relationships" xmlns:p="http://schemas.openxmlformats.org/presentationml/2006/main">
-  <p:cSld>
-    <p:spTree>
-      <p:nvGrpSpPr>
-        <p:cNvPr id="1" name="">
-          <a:extLst>
-            <a:ext uri="{FF2B5EF4-FFF2-40B4-BE49-F238E27FC236}">
-              <a16:creationId xmlns:a16="http://schemas.microsoft.com/office/drawing/2014/main" id="{21341C75-D0CE-ADFB-3817-7FE68B117976}"/>
-            </a:ext>
-          </a:extLst>
-        </p:cNvPr>
-        <p:cNvGrpSpPr/>
-        <p:nvPr/>
-      </p:nvGrpSpPr>
-      <p:grpSpPr>
-        <a:xfrm>
-          <a:off x="0" y="0"/>
-          <a:ext cx="0" cy="0"/>
-          <a:chOff x="0" y="0"/>
-          <a:chExt cx="0" cy="0"/>
-        </a:xfrm>
-      </p:grpSpPr>
-      <p:sp>
-        <p:nvSpPr>
-          <p:cNvPr id="2" name="Title 1">
-            <a:extLst>
-              <a:ext uri="{FF2B5EF4-FFF2-40B4-BE49-F238E27FC236}">
-                <a16:creationId xmlns:a16="http://schemas.microsoft.com/office/drawing/2014/main" id="{95A15F7C-AE99-C606-0174-1D95AB0DF402}"/>
-              </a:ext>
-            </a:extLst>
-          </p:cNvPr>
-          <p:cNvSpPr>
-            <a:spLocks noGrp="1"/>
-          </p:cNvSpPr>
-          <p:nvPr>
-            <p:ph type="title"/>
-          </p:nvPr>
-        </p:nvSpPr>
-        <p:spPr/>
-        <p:txBody>
-          <a:bodyPr/>
-          <a:lstStyle/>
-          <a:p>
-            <a:r>
-              <a:rPr lang="en-GB" i="0" dirty="0">
-                <a:solidFill>
-                  <a:srgbClr val="008AA5"/>
-                </a:solidFill>
-                <a:effectLst/>
-              </a:rPr>
-              <a:t>Activity 2 – Group Feedback</a:t>
-            </a:r>
-            <a:endParaRPr lang="en-GB" dirty="0"/>
-          </a:p>
-        </p:txBody>
-      </p:sp>
-      <p:sp>
-        <p:nvSpPr>
-          <p:cNvPr id="3" name="Text Placeholder 2">
-            <a:extLst>
-              <a:ext uri="{FF2B5EF4-FFF2-40B4-BE49-F238E27FC236}">
-                <a16:creationId xmlns:a16="http://schemas.microsoft.com/office/drawing/2014/main" id="{3418699A-E7CE-1EB3-0063-F6F4E6F3B2EC}"/>
-              </a:ext>
-            </a:extLst>
-          </p:cNvPr>
-          <p:cNvSpPr>
-            <a:spLocks noGrp="1"/>
-          </p:cNvSpPr>
-          <p:nvPr>
-            <p:ph type="body" idx="1"/>
-          </p:nvPr>
-        </p:nvSpPr>
-        <p:spPr/>
-        <p:txBody>
-          <a:bodyPr/>
-          <a:lstStyle/>
-          <a:p>
-            <a:endParaRPr lang="en-GB"/>
-          </a:p>
-        </p:txBody>
-      </p:sp>
-      <p:sp>
-        <p:nvSpPr>
-          <p:cNvPr id="4" name="Footer Placeholder 3">
-            <a:extLst>
-              <a:ext uri="{FF2B5EF4-FFF2-40B4-BE49-F238E27FC236}">
-                <a16:creationId xmlns:a16="http://schemas.microsoft.com/office/drawing/2014/main" id="{855A4473-25F4-2C01-0DEE-5C0A1758829F}"/>
-              </a:ext>
-            </a:extLst>
-          </p:cNvPr>
-          <p:cNvSpPr>
-            <a:spLocks noGrp="1"/>
-          </p:cNvSpPr>
-          <p:nvPr>
-            <p:ph type="ftr" sz="quarter" idx="11"/>
-          </p:nvPr>
-        </p:nvSpPr>
-        <p:spPr/>
-        <p:txBody>
-          <a:bodyPr/>
-          <a:lstStyle/>
-          <a:p>
-            <a:r>
-              <a:rPr lang="en-US"/>
-              <a:t>Spatial, Health &amp; Environmental Research using Probabilistic Programming Languages</a:t>
-            </a:r>
-            <a:endParaRPr lang="en-US" dirty="0"/>
-          </a:p>
-        </p:txBody>
-      </p:sp>
-    </p:spTree>
-    <p:extLst>
-      <p:ext uri="{BB962C8B-B14F-4D97-AF65-F5344CB8AC3E}">
-        <p14:creationId xmlns:p14="http://schemas.microsoft.com/office/powerpoint/2010/main" val="4150995445"/>
-      </p:ext>
-    </p:extLst>
-  </p:cSld>
-  <p:clrMapOvr>
-    <a:masterClrMapping/>
-  </p:clrMapOvr>
-</p:sld>
-</file>
-
-<file path=ppt/slides/slide29.xml><?xml version="1.0" encoding="utf-8"?>
-<p:sld xmlns:a="http://schemas.openxmlformats.org/drawingml/2006/main" xmlns:r="http://schemas.openxmlformats.org/officeDocument/2006/relationships" xmlns:p="http://schemas.openxmlformats.org/presentationml/2006/main">
-  <p:cSld>
-    <p:spTree>
-      <p:nvGrpSpPr>
-        <p:cNvPr id="1" name="">
-          <a:extLst>
-            <a:ext uri="{FF2B5EF4-FFF2-40B4-BE49-F238E27FC236}">
-              <a16:creationId xmlns:a16="http://schemas.microsoft.com/office/drawing/2014/main" id="{EFBB9BDE-7F4C-8B8A-51CF-DA09541CEF3A}"/>
-            </a:ext>
-          </a:extLst>
-        </p:cNvPr>
-        <p:cNvGrpSpPr/>
-        <p:nvPr/>
-      </p:nvGrpSpPr>
-      <p:grpSpPr>
-        <a:xfrm>
-          <a:off x="0" y="0"/>
-          <a:ext cx="0" cy="0"/>
-          <a:chOff x="0" y="0"/>
-          <a:chExt cx="0" cy="0"/>
-        </a:xfrm>
-      </p:grpSpPr>
-      <p:sp>
-        <p:nvSpPr>
-          <p:cNvPr id="2" name="Title 1">
-            <a:extLst>
-              <a:ext uri="{FF2B5EF4-FFF2-40B4-BE49-F238E27FC236}">
-                <a16:creationId xmlns:a16="http://schemas.microsoft.com/office/drawing/2014/main" id="{2232D83F-563D-0C77-ABF2-26FF88927C9C}"/>
-              </a:ext>
-            </a:extLst>
-          </p:cNvPr>
-          <p:cNvSpPr>
-            <a:spLocks noGrp="1"/>
-          </p:cNvSpPr>
-          <p:nvPr>
-            <p:ph type="title"/>
-          </p:nvPr>
-        </p:nvSpPr>
-        <p:spPr/>
-        <p:txBody>
-          <a:bodyPr/>
-          <a:lstStyle/>
-          <a:p>
-            <a:r>
-              <a:rPr lang="en-GB" dirty="0"/>
-              <a:t>Coffee Break</a:t>
-            </a:r>
-          </a:p>
-        </p:txBody>
-      </p:sp>
-      <p:sp>
-        <p:nvSpPr>
-          <p:cNvPr id="3" name="Text Placeholder 2">
-            <a:extLst>
-              <a:ext uri="{FF2B5EF4-FFF2-40B4-BE49-F238E27FC236}">
-                <a16:creationId xmlns:a16="http://schemas.microsoft.com/office/drawing/2014/main" id="{A9A68E3E-67FB-283F-BB5E-6CB629006E36}"/>
-              </a:ext>
-            </a:extLst>
-          </p:cNvPr>
-          <p:cNvSpPr>
-            <a:spLocks noGrp="1"/>
-          </p:cNvSpPr>
-          <p:nvPr>
-            <p:ph type="body" idx="1"/>
-          </p:nvPr>
-        </p:nvSpPr>
-        <p:spPr/>
-        <p:txBody>
-          <a:bodyPr/>
-          <a:lstStyle/>
-          <a:p>
-            <a:r>
-              <a:rPr lang="en-GB" dirty="0"/>
-              <a:t>Refreshments are around the corner in the kitchen areas</a:t>
-            </a:r>
-          </a:p>
-        </p:txBody>
-      </p:sp>
-      <p:sp>
-        <p:nvSpPr>
-          <p:cNvPr id="4" name="Footer Placeholder 3">
-            <a:extLst>
-              <a:ext uri="{FF2B5EF4-FFF2-40B4-BE49-F238E27FC236}">
-                <a16:creationId xmlns:a16="http://schemas.microsoft.com/office/drawing/2014/main" id="{7196941E-516D-E3F6-B0B0-2960077D34EC}"/>
-              </a:ext>
-            </a:extLst>
-          </p:cNvPr>
-          <p:cNvSpPr>
-            <a:spLocks noGrp="1"/>
-          </p:cNvSpPr>
-          <p:nvPr>
-            <p:ph type="ftr" sz="quarter" idx="11"/>
-          </p:nvPr>
-        </p:nvSpPr>
-        <p:spPr/>
-        <p:txBody>
-          <a:bodyPr/>
-          <a:lstStyle/>
-          <a:p>
-            <a:r>
-              <a:rPr lang="en-US"/>
-              <a:t>Spatial, Health &amp; Environmental Research using Probabilistic Programming Languages</a:t>
-            </a:r>
-            <a:endParaRPr lang="en-US" dirty="0"/>
-          </a:p>
-        </p:txBody>
-      </p:sp>
-    </p:spTree>
-    <p:extLst>
-      <p:ext uri="{BB962C8B-B14F-4D97-AF65-F5344CB8AC3E}">
-        <p14:creationId xmlns:p14="http://schemas.microsoft.com/office/powerpoint/2010/main" val="1425171478"/>
       </p:ext>
     </p:extLst>
   </p:cSld>
@@ -15022,7 +15442,13 @@
   <p:cSld>
     <p:spTree>
       <p:nvGrpSpPr>
-        <p:cNvPr id="1" name=""/>
+        <p:cNvPr id="1" name="">
+          <a:extLst>
+            <a:ext uri="{FF2B5EF4-FFF2-40B4-BE49-F238E27FC236}">
+              <a16:creationId xmlns:a16="http://schemas.microsoft.com/office/drawing/2014/main" id="{21341C75-D0CE-ADFB-3817-7FE68B117976}"/>
+            </a:ext>
+          </a:extLst>
+        </p:cNvPr>
         <p:cNvGrpSpPr/>
         <p:nvPr/>
       </p:nvGrpSpPr>
@@ -15039,7 +15465,7 @@
           <p:cNvPr id="2" name="Title 1">
             <a:extLst>
               <a:ext uri="{FF2B5EF4-FFF2-40B4-BE49-F238E27FC236}">
-                <a16:creationId xmlns:a16="http://schemas.microsoft.com/office/drawing/2014/main" id="{CAD6FC4E-80D6-10EC-7ED6-02922373C293}"/>
+                <a16:creationId xmlns:a16="http://schemas.microsoft.com/office/drawing/2014/main" id="{95A15F7C-AE99-C606-0174-1D95AB0DF402}"/>
               </a:ext>
             </a:extLst>
           </p:cNvPr>
@@ -15056,9 +15482,15 @@
           <a:lstStyle/>
           <a:p>
             <a:r>
-              <a:rPr lang="en-GB" dirty="0"/>
-              <a:t>Activity 3 – Building a Community</a:t>
-            </a:r>
+              <a:rPr lang="en-GB" i="0" dirty="0">
+                <a:solidFill>
+                  <a:srgbClr val="008AA5"/>
+                </a:solidFill>
+                <a:effectLst/>
+              </a:rPr>
+              <a:t>Activity 2 – Group Feedback</a:t>
+            </a:r>
+            <a:endParaRPr lang="en-GB" dirty="0"/>
           </a:p>
         </p:txBody>
       </p:sp>
@@ -15067,7 +15499,7 @@
           <p:cNvPr id="3" name="Text Placeholder 2">
             <a:extLst>
               <a:ext uri="{FF2B5EF4-FFF2-40B4-BE49-F238E27FC236}">
-                <a16:creationId xmlns:a16="http://schemas.microsoft.com/office/drawing/2014/main" id="{5556F084-7527-CD4C-AB4E-DAFF236206D7}"/>
+                <a16:creationId xmlns:a16="http://schemas.microsoft.com/office/drawing/2014/main" id="{3418699A-E7CE-1EB3-0063-F6F4E6F3B2EC}"/>
               </a:ext>
             </a:extLst>
           </p:cNvPr>
@@ -15092,7 +15524,7 @@
           <p:cNvPr id="4" name="Footer Placeholder 3">
             <a:extLst>
               <a:ext uri="{FF2B5EF4-FFF2-40B4-BE49-F238E27FC236}">
-                <a16:creationId xmlns:a16="http://schemas.microsoft.com/office/drawing/2014/main" id="{9D279B8E-E64D-404C-C43A-897B932F28CB}"/>
+                <a16:creationId xmlns:a16="http://schemas.microsoft.com/office/drawing/2014/main" id="{855A4473-25F4-2C01-0DEE-5C0A1758829F}"/>
               </a:ext>
             </a:extLst>
           </p:cNvPr>
@@ -15119,7 +15551,7 @@
     </p:spTree>
     <p:extLst>
       <p:ext uri="{BB962C8B-B14F-4D97-AF65-F5344CB8AC3E}">
-        <p14:creationId xmlns:p14="http://schemas.microsoft.com/office/powerpoint/2010/main" val="2704726095"/>
+        <p14:creationId xmlns:p14="http://schemas.microsoft.com/office/powerpoint/2010/main" val="4150995445"/>
       </p:ext>
     </p:extLst>
   </p:cSld>
@@ -15137,7 +15569,7 @@
         <p:cNvPr id="1" name="">
           <a:extLst>
             <a:ext uri="{FF2B5EF4-FFF2-40B4-BE49-F238E27FC236}">
-              <a16:creationId xmlns:a16="http://schemas.microsoft.com/office/drawing/2014/main" id="{1A924802-7500-58CB-09E7-68839B042B31}"/>
+              <a16:creationId xmlns:a16="http://schemas.microsoft.com/office/drawing/2014/main" id="{EFBB9BDE-7F4C-8B8A-51CF-DA09541CEF3A}"/>
             </a:ext>
           </a:extLst>
         </p:cNvPr>
@@ -15157,7 +15589,7 @@
           <p:cNvPr id="2" name="Title 1">
             <a:extLst>
               <a:ext uri="{FF2B5EF4-FFF2-40B4-BE49-F238E27FC236}">
-                <a16:creationId xmlns:a16="http://schemas.microsoft.com/office/drawing/2014/main" id="{B0FDB86D-9A0B-5EE6-77B7-78644B09B7DC}"/>
+                <a16:creationId xmlns:a16="http://schemas.microsoft.com/office/drawing/2014/main" id="{2232D83F-563D-0C77-ABF2-26FF88927C9C}"/>
               </a:ext>
             </a:extLst>
           </p:cNvPr>
@@ -15175,17 +15607,17 @@
           <a:p>
             <a:r>
               <a:rPr lang="en-GB" dirty="0"/>
-              <a:t>How its going to work!</a:t>
+              <a:t>Coffee Break</a:t>
             </a:r>
           </a:p>
         </p:txBody>
       </p:sp>
       <p:sp>
         <p:nvSpPr>
-          <p:cNvPr id="3" name="Content Placeholder 2">
-            <a:extLst>
-              <a:ext uri="{FF2B5EF4-FFF2-40B4-BE49-F238E27FC236}">
-                <a16:creationId xmlns:a16="http://schemas.microsoft.com/office/drawing/2014/main" id="{199ED4F2-2AAD-86E7-D034-7699762B2938}"/>
+          <p:cNvPr id="3" name="Text Placeholder 2">
+            <a:extLst>
+              <a:ext uri="{FF2B5EF4-FFF2-40B4-BE49-F238E27FC236}">
+                <a16:creationId xmlns:a16="http://schemas.microsoft.com/office/drawing/2014/main" id="{A9A68E3E-67FB-283F-BB5E-6CB629006E36}"/>
               </a:ext>
             </a:extLst>
           </p:cNvPr>
@@ -15193,101 +15625,18 @@
             <a:spLocks noGrp="1"/>
           </p:cNvSpPr>
           <p:nvPr>
-            <p:ph idx="1"/>
+            <p:ph type="body" idx="1"/>
           </p:nvPr>
         </p:nvSpPr>
         <p:spPr/>
         <p:txBody>
-          <a:bodyPr>
-            <a:noAutofit/>
-          </a:bodyPr>
+          <a:bodyPr/>
           <a:lstStyle/>
           <a:p>
             <a:r>
-              <a:rPr lang="en-GB" sz="1800" b="1" dirty="0">
-                <a:solidFill>
-                  <a:srgbClr val="004D9E"/>
-                </a:solidFill>
-              </a:rPr>
-              <a:t>Stage 1 – What can SPHERE-PPL do for you? (10 minutes)</a:t>
-            </a:r>
-          </a:p>
-          <a:p>
-            <a:pPr lvl="1"/>
-            <a:r>
-              <a:rPr lang="en-GB" sz="1800" dirty="0"/>
-              <a:t>Quick presentation from the SPHERE-PPL team on what the future holds</a:t>
-            </a:r>
-          </a:p>
-          <a:p>
-            <a:pPr marL="457200" lvl="1" indent="0">
-              <a:buNone/>
-            </a:pPr>
-            <a:endParaRPr lang="en-GB" sz="1800" b="1" dirty="0">
-              <a:solidFill>
-                <a:srgbClr val="004D9E"/>
-              </a:solidFill>
-            </a:endParaRPr>
-          </a:p>
-          <a:p>
-            <a:r>
-              <a:rPr lang="en-GB" sz="1800" b="1" dirty="0">
-                <a:solidFill>
-                  <a:srgbClr val="004D9E"/>
-                </a:solidFill>
-              </a:rPr>
-              <a:t>Stage 2 – Brainstorming requests for workshops, training and support (20 minutes)</a:t>
-            </a:r>
-          </a:p>
-          <a:p>
-            <a:pPr lvl="1"/>
-            <a:r>
-              <a:rPr lang="en-GB" sz="1800" dirty="0"/>
-              <a:t>Split into groups and make a list of different ideas that would help you make progress in your area</a:t>
-            </a:r>
-          </a:p>
-          <a:p>
-            <a:pPr lvl="1"/>
-            <a:r>
-              <a:rPr lang="en-GB" sz="1800" dirty="0"/>
-              <a:t>Include as many details as possible!</a:t>
-            </a:r>
-          </a:p>
-          <a:p>
-            <a:pPr marL="457200" lvl="1" indent="0">
-              <a:buNone/>
-            </a:pPr>
-            <a:endParaRPr lang="en-GB" sz="1400" dirty="0"/>
-          </a:p>
-          <a:p>
-            <a:r>
-              <a:rPr lang="en-GB" sz="1800" b="1" dirty="0">
-                <a:solidFill>
-                  <a:srgbClr val="004D9E"/>
-                </a:solidFill>
-              </a:rPr>
-              <a:t>Stage 3 – Creating a community priority list (30 minutes)</a:t>
-            </a:r>
-          </a:p>
-          <a:p>
-            <a:pPr lvl="1"/>
-            <a:r>
-              <a:rPr lang="en-GB" sz="1800" dirty="0"/>
-              <a:t>Each team will give an overview of their requests</a:t>
-            </a:r>
-          </a:p>
-          <a:p>
-            <a:pPr lvl="1"/>
-            <a:r>
-              <a:rPr lang="en-GB" sz="1800" dirty="0"/>
-              <a:t>Discussion around how the SPHERE-PPL community can best facilitate and maximise value</a:t>
-            </a:r>
-          </a:p>
-          <a:p>
-            <a:pPr marL="0" indent="0">
-              <a:buNone/>
-            </a:pPr>
-            <a:endParaRPr lang="en-GB" sz="1800" dirty="0"/>
+              <a:rPr lang="en-GB" dirty="0"/>
+              <a:t>Refreshments are around the corner in the kitchen areas</a:t>
+            </a:r>
           </a:p>
         </p:txBody>
       </p:sp>
@@ -15296,7 +15645,7 @@
           <p:cNvPr id="4" name="Footer Placeholder 3">
             <a:extLst>
               <a:ext uri="{FF2B5EF4-FFF2-40B4-BE49-F238E27FC236}">
-                <a16:creationId xmlns:a16="http://schemas.microsoft.com/office/drawing/2014/main" id="{843F7854-F462-CC29-FB10-FD1E38543427}"/>
+                <a16:creationId xmlns:a16="http://schemas.microsoft.com/office/drawing/2014/main" id="{7196941E-516D-E3F6-B0B0-2960077D34EC}"/>
               </a:ext>
             </a:extLst>
           </p:cNvPr>
@@ -15323,7 +15672,7 @@
     </p:spTree>
     <p:extLst>
       <p:ext uri="{BB962C8B-B14F-4D97-AF65-F5344CB8AC3E}">
-        <p14:creationId xmlns:p14="http://schemas.microsoft.com/office/powerpoint/2010/main" val="220229516"/>
+        <p14:creationId xmlns:p14="http://schemas.microsoft.com/office/powerpoint/2010/main" val="1425171478"/>
       </p:ext>
     </p:extLst>
   </p:cSld>
@@ -15355,7 +15704,7 @@
           <p:cNvPr id="2" name="Title 1">
             <a:extLst>
               <a:ext uri="{FF2B5EF4-FFF2-40B4-BE49-F238E27FC236}">
-                <a16:creationId xmlns:a16="http://schemas.microsoft.com/office/drawing/2014/main" id="{66A03A35-9047-BDFA-34AA-42B09E601AD4}"/>
+                <a16:creationId xmlns:a16="http://schemas.microsoft.com/office/drawing/2014/main" id="{CAD6FC4E-80D6-10EC-7ED6-02922373C293}"/>
               </a:ext>
             </a:extLst>
           </p:cNvPr>
@@ -15373,17 +15722,17 @@
           <a:p>
             <a:r>
               <a:rPr lang="en-GB" dirty="0"/>
-              <a:t>What can SPHERE-PPL do for you?</a:t>
+              <a:t>Activity 3 – Building a Community</a:t>
             </a:r>
           </a:p>
         </p:txBody>
       </p:sp>
       <p:sp>
         <p:nvSpPr>
-          <p:cNvPr id="3" name="Content Placeholder 2">
-            <a:extLst>
-              <a:ext uri="{FF2B5EF4-FFF2-40B4-BE49-F238E27FC236}">
-                <a16:creationId xmlns:a16="http://schemas.microsoft.com/office/drawing/2014/main" id="{B3AF156E-6F12-46B3-AF59-3C18F59077F5}"/>
+          <p:cNvPr id="3" name="Text Placeholder 2">
+            <a:extLst>
+              <a:ext uri="{FF2B5EF4-FFF2-40B4-BE49-F238E27FC236}">
+                <a16:creationId xmlns:a16="http://schemas.microsoft.com/office/drawing/2014/main" id="{5556F084-7527-CD4C-AB4E-DAFF236206D7}"/>
               </a:ext>
             </a:extLst>
           </p:cNvPr>
@@ -15391,36 +15740,15 @@
             <a:spLocks noGrp="1"/>
           </p:cNvSpPr>
           <p:nvPr>
-            <p:ph idx="1"/>
+            <p:ph type="body" idx="1"/>
           </p:nvPr>
         </p:nvSpPr>
         <p:spPr/>
         <p:txBody>
-          <a:bodyPr>
-            <a:normAutofit/>
-          </a:bodyPr>
+          <a:bodyPr/>
           <a:lstStyle/>
           <a:p>
-            <a:pPr>
-              <a:lnSpc>
-                <a:spcPct val="110000"/>
-              </a:lnSpc>
-            </a:pPr>
-            <a:r>
-              <a:rPr lang="en-GB" sz="2400" dirty="0"/>
-              <a:t>The network’s primary goal is to connect data-scientists, researchers and policy-makers, to enable high-quality modelling and data-driven decision-making.</a:t>
-            </a:r>
-          </a:p>
-          <a:p>
-            <a:pPr>
-              <a:lnSpc>
-                <a:spcPct val="110000"/>
-              </a:lnSpc>
-            </a:pPr>
-            <a:r>
-              <a:rPr lang="en-GB" sz="2400" dirty="0"/>
-              <a:t>The SPHERE-PPL project has funding to facilitate workshops, training and targeted support on both fundamental modelling &amp; probabilistic programming, alongside events and sessions like today, working directly with stakeholders.</a:t>
-            </a:r>
+            <a:endParaRPr lang="en-GB"/>
           </a:p>
         </p:txBody>
       </p:sp>
@@ -15429,7 +15757,7 @@
           <p:cNvPr id="4" name="Footer Placeholder 3">
             <a:extLst>
               <a:ext uri="{FF2B5EF4-FFF2-40B4-BE49-F238E27FC236}">
-                <a16:creationId xmlns:a16="http://schemas.microsoft.com/office/drawing/2014/main" id="{4068E466-D4AC-B486-E00F-C39BB9CE7571}"/>
+                <a16:creationId xmlns:a16="http://schemas.microsoft.com/office/drawing/2014/main" id="{9D279B8E-E64D-404C-C43A-897B932F28CB}"/>
               </a:ext>
             </a:extLst>
           </p:cNvPr>
@@ -15456,7 +15784,7 @@
     </p:spTree>
     <p:extLst>
       <p:ext uri="{BB962C8B-B14F-4D97-AF65-F5344CB8AC3E}">
-        <p14:creationId xmlns:p14="http://schemas.microsoft.com/office/powerpoint/2010/main" val="4009810486"/>
+        <p14:creationId xmlns:p14="http://schemas.microsoft.com/office/powerpoint/2010/main" val="2704726095"/>
       </p:ext>
     </p:extLst>
   </p:cSld>
@@ -15471,7 +15799,13 @@
   <p:cSld>
     <p:spTree>
       <p:nvGrpSpPr>
-        <p:cNvPr id="1" name=""/>
+        <p:cNvPr id="1" name="">
+          <a:extLst>
+            <a:ext uri="{FF2B5EF4-FFF2-40B4-BE49-F238E27FC236}">
+              <a16:creationId xmlns:a16="http://schemas.microsoft.com/office/drawing/2014/main" id="{1A924802-7500-58CB-09E7-68839B042B31}"/>
+            </a:ext>
+          </a:extLst>
+        </p:cNvPr>
         <p:cNvGrpSpPr/>
         <p:nvPr/>
       </p:nvGrpSpPr>
@@ -15488,7 +15822,7 @@
           <p:cNvPr id="2" name="Title 1">
             <a:extLst>
               <a:ext uri="{FF2B5EF4-FFF2-40B4-BE49-F238E27FC236}">
-                <a16:creationId xmlns:a16="http://schemas.microsoft.com/office/drawing/2014/main" id="{FCCFDE20-C22E-C563-40EE-8E8FCDB88397}"/>
+                <a16:creationId xmlns:a16="http://schemas.microsoft.com/office/drawing/2014/main" id="{B0FDB86D-9A0B-5EE6-77B7-78644B09B7DC}"/>
               </a:ext>
             </a:extLst>
           </p:cNvPr>
@@ -15506,7 +15840,7 @@
           <a:p>
             <a:r>
               <a:rPr lang="en-GB" dirty="0"/>
-              <a:t>What we’ve done so far</a:t>
+              <a:t>How its going to work!</a:t>
             </a:r>
           </a:p>
         </p:txBody>
@@ -15516,7 +15850,7 @@
           <p:cNvPr id="3" name="Content Placeholder 2">
             <a:extLst>
               <a:ext uri="{FF2B5EF4-FFF2-40B4-BE49-F238E27FC236}">
-                <a16:creationId xmlns:a16="http://schemas.microsoft.com/office/drawing/2014/main" id="{914829B5-E912-FB71-301F-47B11443D69D}"/>
+                <a16:creationId xmlns:a16="http://schemas.microsoft.com/office/drawing/2014/main" id="{199ED4F2-2AAD-86E7-D034-7699762B2938}"/>
               </a:ext>
             </a:extLst>
           </p:cNvPr>
@@ -15529,10 +15863,96 @@
         </p:nvSpPr>
         <p:spPr/>
         <p:txBody>
-          <a:bodyPr/>
+          <a:bodyPr>
+            <a:noAutofit/>
+          </a:bodyPr>
           <a:lstStyle/>
           <a:p>
-            <a:endParaRPr lang="en-GB"/>
+            <a:r>
+              <a:rPr lang="en-GB" sz="1800" b="1" dirty="0">
+                <a:solidFill>
+                  <a:srgbClr val="004D9E"/>
+                </a:solidFill>
+              </a:rPr>
+              <a:t>Stage 1 – What can SPHERE-PPL do for you? (10 minutes)</a:t>
+            </a:r>
+          </a:p>
+          <a:p>
+            <a:pPr lvl="1"/>
+            <a:r>
+              <a:rPr lang="en-GB" sz="1800" dirty="0"/>
+              <a:t>Quick presentation from the SPHERE-PPL team on what the future holds</a:t>
+            </a:r>
+          </a:p>
+          <a:p>
+            <a:pPr marL="457200" lvl="1" indent="0">
+              <a:buNone/>
+            </a:pPr>
+            <a:endParaRPr lang="en-GB" sz="1800" b="1" dirty="0">
+              <a:solidFill>
+                <a:srgbClr val="004D9E"/>
+              </a:solidFill>
+            </a:endParaRPr>
+          </a:p>
+          <a:p>
+            <a:r>
+              <a:rPr lang="en-GB" sz="1800" b="1" dirty="0">
+                <a:solidFill>
+                  <a:srgbClr val="004D9E"/>
+                </a:solidFill>
+              </a:rPr>
+              <a:t>Stage 2 – Brainstorming requests for workshops, training and support (20 minutes)</a:t>
+            </a:r>
+          </a:p>
+          <a:p>
+            <a:pPr lvl="1"/>
+            <a:r>
+              <a:rPr lang="en-GB" sz="1800" dirty="0"/>
+              <a:t>Split into groups and make a list of different ideas that would help you make progress in your area (added on the Mural Board)</a:t>
+            </a:r>
+          </a:p>
+          <a:p>
+            <a:pPr lvl="1"/>
+            <a:r>
+              <a:rPr lang="en-GB" sz="1800" dirty="0"/>
+              <a:t>Include as many details as possible!</a:t>
+            </a:r>
+          </a:p>
+          <a:p>
+            <a:pPr marL="457200" lvl="1" indent="0">
+              <a:buNone/>
+            </a:pPr>
+            <a:endParaRPr lang="en-GB" sz="1400" dirty="0"/>
+          </a:p>
+          <a:p>
+            <a:r>
+              <a:rPr lang="en-GB" sz="1800" b="1" dirty="0">
+                <a:solidFill>
+                  <a:srgbClr val="004D9E"/>
+                </a:solidFill>
+              </a:rPr>
+              <a:t>Stage 3 – Creating a community priority list (30 minutes)</a:t>
+            </a:r>
+          </a:p>
+          <a:p>
+            <a:pPr lvl="1"/>
+            <a:r>
+              <a:rPr lang="en-GB" sz="1800" dirty="0"/>
+              <a:t>Each team will give an overview of their requests</a:t>
+            </a:r>
+          </a:p>
+          <a:p>
+            <a:pPr lvl="1"/>
+            <a:r>
+              <a:rPr lang="en-GB" sz="1800" dirty="0"/>
+              <a:t>Discussion around how the SPHERE-PPL community can best facilitate and maximise value</a:t>
+            </a:r>
+          </a:p>
+          <a:p>
+            <a:pPr marL="0" indent="0">
+              <a:buNone/>
+            </a:pPr>
+            <a:endParaRPr lang="en-GB" sz="1800" dirty="0"/>
           </a:p>
         </p:txBody>
       </p:sp>
@@ -15541,7 +15961,7 @@
           <p:cNvPr id="4" name="Footer Placeholder 3">
             <a:extLst>
               <a:ext uri="{FF2B5EF4-FFF2-40B4-BE49-F238E27FC236}">
-                <a16:creationId xmlns:a16="http://schemas.microsoft.com/office/drawing/2014/main" id="{09E179F2-4C54-EA71-CE4C-E753B5C808CC}"/>
+                <a16:creationId xmlns:a16="http://schemas.microsoft.com/office/drawing/2014/main" id="{843F7854-F462-CC29-FB10-FD1E38543427}"/>
               </a:ext>
             </a:extLst>
           </p:cNvPr>
@@ -15565,10 +15985,64 @@
           </a:p>
         </p:txBody>
       </p:sp>
+      <p:sp>
+        <p:nvSpPr>
+          <p:cNvPr id="5" name="Rectangle 4">
+            <a:extLst>
+              <a:ext uri="{FF2B5EF4-FFF2-40B4-BE49-F238E27FC236}">
+                <a16:creationId xmlns:a16="http://schemas.microsoft.com/office/drawing/2014/main" id="{A60D5253-9D73-E112-A198-EF4D356A42D3}"/>
+              </a:ext>
+            </a:extLst>
+          </p:cNvPr>
+          <p:cNvSpPr/>
+          <p:nvPr/>
+        </p:nvSpPr>
+        <p:spPr>
+          <a:xfrm>
+            <a:off x="642551" y="2749378"/>
+            <a:ext cx="10540314" cy="3021227"/>
+          </a:xfrm>
+          <a:prstGeom prst="rect">
+            <a:avLst/>
+          </a:prstGeom>
+          <a:solidFill>
+            <a:srgbClr val="FFFFFF">
+              <a:alpha val="78824"/>
+            </a:srgbClr>
+          </a:solidFill>
+          <a:ln>
+            <a:noFill/>
+          </a:ln>
+        </p:spPr>
+        <p:style>
+          <a:lnRef idx="2">
+            <a:schemeClr val="accent1">
+              <a:shade val="15000"/>
+            </a:schemeClr>
+          </a:lnRef>
+          <a:fillRef idx="1">
+            <a:schemeClr val="accent1"/>
+          </a:fillRef>
+          <a:effectRef idx="0">
+            <a:schemeClr val="accent1"/>
+          </a:effectRef>
+          <a:fontRef idx="minor">
+            <a:schemeClr val="lt1"/>
+          </a:fontRef>
+        </p:style>
+        <p:txBody>
+          <a:bodyPr rtlCol="0" anchor="ctr"/>
+          <a:lstStyle/>
+          <a:p>
+            <a:pPr algn="ctr"/>
+            <a:endParaRPr lang="en-GB"/>
+          </a:p>
+        </p:txBody>
+      </p:sp>
     </p:spTree>
     <p:extLst>
       <p:ext uri="{BB962C8B-B14F-4D97-AF65-F5344CB8AC3E}">
-        <p14:creationId xmlns:p14="http://schemas.microsoft.com/office/powerpoint/2010/main" val="2984641430"/>
+        <p14:creationId xmlns:p14="http://schemas.microsoft.com/office/powerpoint/2010/main" val="220229516"/>
       </p:ext>
     </p:extLst>
   </p:cSld>
@@ -15600,7 +16074,7 @@
           <p:cNvPr id="2" name="Title 1">
             <a:extLst>
               <a:ext uri="{FF2B5EF4-FFF2-40B4-BE49-F238E27FC236}">
-                <a16:creationId xmlns:a16="http://schemas.microsoft.com/office/drawing/2014/main" id="{99BD2ECC-353E-D743-9F4F-C432E96A6D9F}"/>
+                <a16:creationId xmlns:a16="http://schemas.microsoft.com/office/drawing/2014/main" id="{66A03A35-9047-BDFA-34AA-42B09E601AD4}"/>
               </a:ext>
             </a:extLst>
           </p:cNvPr>
@@ -15611,31 +16085,24 @@
             <p:ph type="title"/>
           </p:nvPr>
         </p:nvSpPr>
-        <p:spPr>
-          <a:xfrm>
-            <a:off x="838200" y="365125"/>
-            <a:ext cx="10515600" cy="1325563"/>
-          </a:xfrm>
-        </p:spPr>
+        <p:spPr/>
         <p:txBody>
-          <a:bodyPr anchor="ctr">
-            <a:normAutofit/>
-          </a:bodyPr>
+          <a:bodyPr/>
           <a:lstStyle/>
           <a:p>
             <a:r>
               <a:rPr lang="en-GB" dirty="0"/>
-              <a:t>Wrap-Up</a:t>
+              <a:t>What can SPHERE-PPL do for you?</a:t>
             </a:r>
           </a:p>
         </p:txBody>
       </p:sp>
       <p:sp>
         <p:nvSpPr>
-          <p:cNvPr id="11" name="Content Placeholder 2">
-            <a:extLst>
-              <a:ext uri="{FF2B5EF4-FFF2-40B4-BE49-F238E27FC236}">
-                <a16:creationId xmlns:a16="http://schemas.microsoft.com/office/drawing/2014/main" id="{D97A8057-9C35-9752-5EB9-A05EE26F174B}"/>
+          <p:cNvPr id="3" name="Content Placeholder 2">
+            <a:extLst>
+              <a:ext uri="{FF2B5EF4-FFF2-40B4-BE49-F238E27FC236}">
+                <a16:creationId xmlns:a16="http://schemas.microsoft.com/office/drawing/2014/main" id="{B3AF156E-6F12-46B3-AF59-3C18F59077F5}"/>
               </a:ext>
             </a:extLst>
           </p:cNvPr>
@@ -15643,78 +16110,45 @@
             <a:spLocks noGrp="1"/>
           </p:cNvSpPr>
           <p:nvPr>
-            <p:ph sz="half" idx="1"/>
+            <p:ph idx="1"/>
           </p:nvPr>
         </p:nvSpPr>
-        <p:spPr>
-          <a:xfrm>
-            <a:off x="838200" y="1825625"/>
-            <a:ext cx="5181600" cy="4351338"/>
-          </a:xfrm>
-        </p:spPr>
+        <p:spPr/>
         <p:txBody>
-          <a:bodyPr/>
+          <a:bodyPr>
+            <a:normAutofit/>
+          </a:bodyPr>
           <a:lstStyle/>
           <a:p>
-            <a:r>
-              <a:rPr lang="en-US" dirty="0"/>
-              <a:t>We’ve reached the end of the day!</a:t>
-            </a:r>
-          </a:p>
-          <a:p>
-            <a:r>
-              <a:rPr lang="en-US" dirty="0"/>
-              <a:t>Please complete the </a:t>
-            </a:r>
-            <a:r>
-              <a:rPr lang="en-US" dirty="0">
-                <a:hlinkClick r:id="rId2"/>
-              </a:rPr>
-              <a:t>Feedback Survey</a:t>
-            </a:r>
-            <a:r>
-              <a:rPr lang="en-US" dirty="0"/>
-              <a:t>!</a:t>
+            <a:pPr>
+              <a:lnSpc>
+                <a:spcPct val="110000"/>
+              </a:lnSpc>
+            </a:pPr>
+            <a:r>
+              <a:rPr lang="en-GB" sz="2400" dirty="0"/>
+              <a:t>The network’s primary goal is to connect data-scientists, researchers and policy-makers, to enable high-quality modelling and data-driven decision-making.</a:t>
+            </a:r>
+          </a:p>
+          <a:p>
+            <a:pPr>
+              <a:lnSpc>
+                <a:spcPct val="110000"/>
+              </a:lnSpc>
+            </a:pPr>
+            <a:r>
+              <a:rPr lang="en-GB" sz="2400" dirty="0"/>
+              <a:t>The SPHERE-PPL project has funding to facilitate workshops, training and targeted support on both fundamental modelling &amp; probabilistic programming, alongside events and sessions like today, working directly with stakeholders.</a:t>
             </a:r>
           </a:p>
         </p:txBody>
       </p:sp>
-      <p:pic>
-        <p:nvPicPr>
-          <p:cNvPr id="6" name="Content Placeholder 5" descr="A qr code on a blue background&#10;&#10;Description automatically generated">
-            <a:extLst>
-              <a:ext uri="{FF2B5EF4-FFF2-40B4-BE49-F238E27FC236}">
-                <a16:creationId xmlns:a16="http://schemas.microsoft.com/office/drawing/2014/main" id="{7B9A53BE-E9D0-7341-16EC-46DDA3544B04}"/>
-              </a:ext>
-            </a:extLst>
-          </p:cNvPr>
-          <p:cNvPicPr>
-            <a:picLocks noGrp="1" noChangeAspect="1"/>
-          </p:cNvPicPr>
-          <p:nvPr>
-            <p:ph sz="half" idx="2"/>
-          </p:nvPr>
-        </p:nvPicPr>
-        <p:blipFill>
-          <a:blip r:embed="rId3"/>
-          <a:stretch>
-            <a:fillRect/>
-          </a:stretch>
-        </p:blipFill>
-        <p:spPr>
-          <a:xfrm>
-            <a:off x="6587331" y="1825625"/>
-            <a:ext cx="4351338" cy="4351338"/>
-          </a:xfrm>
-          <a:noFill/>
-        </p:spPr>
-      </p:pic>
       <p:sp>
         <p:nvSpPr>
           <p:cNvPr id="4" name="Footer Placeholder 3">
             <a:extLst>
               <a:ext uri="{FF2B5EF4-FFF2-40B4-BE49-F238E27FC236}">
-                <a16:creationId xmlns:a16="http://schemas.microsoft.com/office/drawing/2014/main" id="{E08B2346-2108-7068-AF8F-F2DEC09284DC}"/>
+                <a16:creationId xmlns:a16="http://schemas.microsoft.com/office/drawing/2014/main" id="{4068E466-D4AC-B486-E00F-C39BB9CE7571}"/>
               </a:ext>
             </a:extLst>
           </p:cNvPr>
@@ -15725,37 +16159,23 @@
             <p:ph type="ftr" sz="quarter" idx="11"/>
           </p:nvPr>
         </p:nvSpPr>
-        <p:spPr>
-          <a:xfrm>
-            <a:off x="4038600" y="6356350"/>
-            <a:ext cx="4114800" cy="365125"/>
-          </a:xfrm>
-        </p:spPr>
+        <p:spPr/>
         <p:txBody>
-          <a:bodyPr anchor="ctr">
-            <a:normAutofit/>
-          </a:bodyPr>
+          <a:bodyPr/>
           <a:lstStyle/>
           <a:p>
-            <a:pPr>
-              <a:lnSpc>
-                <a:spcPct val="90000"/>
-              </a:lnSpc>
-              <a:spcAft>
-                <a:spcPts val="600"/>
-              </a:spcAft>
-            </a:pPr>
-            <a:r>
-              <a:rPr lang="en-US" sz="900"/>
+            <a:r>
+              <a:rPr lang="en-US"/>
               <a:t>Spatial, Health &amp; Environmental Research using Probabilistic Programming Languages</a:t>
             </a:r>
+            <a:endParaRPr lang="en-US" dirty="0"/>
           </a:p>
         </p:txBody>
       </p:sp>
     </p:spTree>
     <p:extLst>
       <p:ext uri="{BB962C8B-B14F-4D97-AF65-F5344CB8AC3E}">
-        <p14:creationId xmlns:p14="http://schemas.microsoft.com/office/powerpoint/2010/main" val="1304653171"/>
+        <p14:creationId xmlns:p14="http://schemas.microsoft.com/office/powerpoint/2010/main" val="4009810486"/>
       </p:ext>
     </p:extLst>
   </p:cSld>
@@ -15787,6 +16207,571 @@
           <p:cNvPr id="2" name="Title 1">
             <a:extLst>
               <a:ext uri="{FF2B5EF4-FFF2-40B4-BE49-F238E27FC236}">
+                <a16:creationId xmlns:a16="http://schemas.microsoft.com/office/drawing/2014/main" id="{FCCFDE20-C22E-C563-40EE-8E8FCDB88397}"/>
+              </a:ext>
+            </a:extLst>
+          </p:cNvPr>
+          <p:cNvSpPr>
+            <a:spLocks noGrp="1"/>
+          </p:cNvSpPr>
+          <p:nvPr>
+            <p:ph type="title"/>
+          </p:nvPr>
+        </p:nvSpPr>
+        <p:spPr/>
+        <p:txBody>
+          <a:bodyPr/>
+          <a:lstStyle/>
+          <a:p>
+            <a:r>
+              <a:rPr lang="en-GB" dirty="0"/>
+              <a:t>What we’ve done so far</a:t>
+            </a:r>
+          </a:p>
+        </p:txBody>
+      </p:sp>
+      <p:sp>
+        <p:nvSpPr>
+          <p:cNvPr id="3" name="Content Placeholder 2">
+            <a:extLst>
+              <a:ext uri="{FF2B5EF4-FFF2-40B4-BE49-F238E27FC236}">
+                <a16:creationId xmlns:a16="http://schemas.microsoft.com/office/drawing/2014/main" id="{914829B5-E912-FB71-301F-47B11443D69D}"/>
+              </a:ext>
+            </a:extLst>
+          </p:cNvPr>
+          <p:cNvSpPr>
+            <a:spLocks noGrp="1"/>
+          </p:cNvSpPr>
+          <p:nvPr>
+            <p:ph idx="1"/>
+          </p:nvPr>
+        </p:nvSpPr>
+        <p:spPr/>
+        <p:txBody>
+          <a:bodyPr/>
+          <a:lstStyle/>
+          <a:p>
+            <a:pPr marL="0" indent="0">
+              <a:buNone/>
+            </a:pPr>
+            <a:endParaRPr lang="en-GB" dirty="0"/>
+          </a:p>
+        </p:txBody>
+      </p:sp>
+      <p:sp>
+        <p:nvSpPr>
+          <p:cNvPr id="4" name="Footer Placeholder 3">
+            <a:extLst>
+              <a:ext uri="{FF2B5EF4-FFF2-40B4-BE49-F238E27FC236}">
+                <a16:creationId xmlns:a16="http://schemas.microsoft.com/office/drawing/2014/main" id="{09E179F2-4C54-EA71-CE4C-E753B5C808CC}"/>
+              </a:ext>
+            </a:extLst>
+          </p:cNvPr>
+          <p:cNvSpPr>
+            <a:spLocks noGrp="1"/>
+          </p:cNvSpPr>
+          <p:nvPr>
+            <p:ph type="ftr" sz="quarter" idx="11"/>
+          </p:nvPr>
+        </p:nvSpPr>
+        <p:spPr/>
+        <p:txBody>
+          <a:bodyPr/>
+          <a:lstStyle/>
+          <a:p>
+            <a:r>
+              <a:rPr lang="en-US"/>
+              <a:t>Spatial, Health &amp; Environmental Research using Probabilistic Programming Languages</a:t>
+            </a:r>
+            <a:endParaRPr lang="en-US" dirty="0"/>
+          </a:p>
+        </p:txBody>
+      </p:sp>
+    </p:spTree>
+    <p:extLst>
+      <p:ext uri="{BB962C8B-B14F-4D97-AF65-F5344CB8AC3E}">
+        <p14:creationId xmlns:p14="http://schemas.microsoft.com/office/powerpoint/2010/main" val="2984641430"/>
+      </p:ext>
+    </p:extLst>
+  </p:cSld>
+  <p:clrMapOvr>
+    <a:masterClrMapping/>
+  </p:clrMapOvr>
+  <p:extLst>
+    <p:ext uri="{6950BFC3-D8DA-4A85-94F7-54DA5524770B}">
+      <p188:commentRel xmlns:p188="http://schemas.microsoft.com/office/powerpoint/2018/8/main" r:id="rId2"/>
+    </p:ext>
+  </p:extLst>
+</p:sld>
+</file>
+
+<file path=ppt/slides/slide36.xml><?xml version="1.0" encoding="utf-8"?>
+<p:sld xmlns:a="http://schemas.openxmlformats.org/drawingml/2006/main" xmlns:r="http://schemas.openxmlformats.org/officeDocument/2006/relationships" xmlns:p="http://schemas.openxmlformats.org/presentationml/2006/main">
+  <p:cSld>
+    <p:spTree>
+      <p:nvGrpSpPr>
+        <p:cNvPr id="1" name="">
+          <a:extLst>
+            <a:ext uri="{FF2B5EF4-FFF2-40B4-BE49-F238E27FC236}">
+              <a16:creationId xmlns:a16="http://schemas.microsoft.com/office/drawing/2014/main" id="{A938517E-6C67-779A-0B4F-34D1C9FBD2F8}"/>
+            </a:ext>
+          </a:extLst>
+        </p:cNvPr>
+        <p:cNvGrpSpPr/>
+        <p:nvPr/>
+      </p:nvGrpSpPr>
+      <p:grpSpPr>
+        <a:xfrm>
+          <a:off x="0" y="0"/>
+          <a:ext cx="0" cy="0"/>
+          <a:chOff x="0" y="0"/>
+          <a:chExt cx="0" cy="0"/>
+        </a:xfrm>
+      </p:grpSpPr>
+      <p:sp>
+        <p:nvSpPr>
+          <p:cNvPr id="2" name="Title 1">
+            <a:extLst>
+              <a:ext uri="{FF2B5EF4-FFF2-40B4-BE49-F238E27FC236}">
+                <a16:creationId xmlns:a16="http://schemas.microsoft.com/office/drawing/2014/main" id="{8AEA457A-B597-ED6D-271E-524490A56483}"/>
+              </a:ext>
+            </a:extLst>
+          </p:cNvPr>
+          <p:cNvSpPr>
+            <a:spLocks noGrp="1"/>
+          </p:cNvSpPr>
+          <p:nvPr>
+            <p:ph type="title"/>
+          </p:nvPr>
+        </p:nvSpPr>
+        <p:spPr/>
+        <p:txBody>
+          <a:bodyPr/>
+          <a:lstStyle/>
+          <a:p>
+            <a:r>
+              <a:rPr lang="en-GB" dirty="0"/>
+              <a:t>How its going to work!</a:t>
+            </a:r>
+          </a:p>
+        </p:txBody>
+      </p:sp>
+      <p:sp>
+        <p:nvSpPr>
+          <p:cNvPr id="3" name="Content Placeholder 2">
+            <a:extLst>
+              <a:ext uri="{FF2B5EF4-FFF2-40B4-BE49-F238E27FC236}">
+                <a16:creationId xmlns:a16="http://schemas.microsoft.com/office/drawing/2014/main" id="{72F5CDBB-6D96-13A4-B21C-E2EF1623377F}"/>
+              </a:ext>
+            </a:extLst>
+          </p:cNvPr>
+          <p:cNvSpPr>
+            <a:spLocks noGrp="1"/>
+          </p:cNvSpPr>
+          <p:nvPr>
+            <p:ph idx="1"/>
+          </p:nvPr>
+        </p:nvSpPr>
+        <p:spPr/>
+        <p:txBody>
+          <a:bodyPr>
+            <a:noAutofit/>
+          </a:bodyPr>
+          <a:lstStyle/>
+          <a:p>
+            <a:r>
+              <a:rPr lang="en-GB" sz="1800" b="1" dirty="0">
+                <a:solidFill>
+                  <a:srgbClr val="004D9E"/>
+                </a:solidFill>
+              </a:rPr>
+              <a:t>Stage 1 – What can SPHERE-PPL do for you? (10 minutes)</a:t>
+            </a:r>
+          </a:p>
+          <a:p>
+            <a:pPr lvl="1"/>
+            <a:r>
+              <a:rPr lang="en-GB" sz="1800" dirty="0"/>
+              <a:t>Quick presentation from the SPHERE-PPL team on what the future holds</a:t>
+            </a:r>
+          </a:p>
+          <a:p>
+            <a:pPr marL="457200" lvl="1" indent="0">
+              <a:buNone/>
+            </a:pPr>
+            <a:endParaRPr lang="en-GB" sz="1800" b="1" dirty="0">
+              <a:solidFill>
+                <a:srgbClr val="004D9E"/>
+              </a:solidFill>
+            </a:endParaRPr>
+          </a:p>
+          <a:p>
+            <a:r>
+              <a:rPr lang="en-GB" sz="1800" b="1" dirty="0">
+                <a:solidFill>
+                  <a:srgbClr val="004D9E"/>
+                </a:solidFill>
+              </a:rPr>
+              <a:t>Stage 2 – Brainstorming requests for workshops, training and support (20 minutes)</a:t>
+            </a:r>
+          </a:p>
+          <a:p>
+            <a:pPr lvl="1"/>
+            <a:r>
+              <a:rPr lang="en-GB" sz="1800" dirty="0"/>
+              <a:t>Split into groups and make a list of different ideas that would help you make progress in your area (added on the Mural Board)</a:t>
+            </a:r>
+          </a:p>
+          <a:p>
+            <a:pPr lvl="1"/>
+            <a:r>
+              <a:rPr lang="en-GB" sz="1800" dirty="0"/>
+              <a:t>Include as many details as possible!</a:t>
+            </a:r>
+          </a:p>
+          <a:p>
+            <a:pPr marL="457200" lvl="1" indent="0">
+              <a:buNone/>
+            </a:pPr>
+            <a:endParaRPr lang="en-GB" sz="1400" dirty="0"/>
+          </a:p>
+          <a:p>
+            <a:r>
+              <a:rPr lang="en-GB" sz="1800" b="1" dirty="0">
+                <a:solidFill>
+                  <a:srgbClr val="004D9E"/>
+                </a:solidFill>
+              </a:rPr>
+              <a:t>Stage 3 – Creating a community priority list (30 minutes)</a:t>
+            </a:r>
+          </a:p>
+          <a:p>
+            <a:pPr lvl="1"/>
+            <a:r>
+              <a:rPr lang="en-GB" sz="1800" dirty="0"/>
+              <a:t>Each team will give an overview of their requests</a:t>
+            </a:r>
+          </a:p>
+          <a:p>
+            <a:pPr lvl="1"/>
+            <a:r>
+              <a:rPr lang="en-GB" sz="1800" dirty="0"/>
+              <a:t>Discussion around how the SPHERE-PPL community can best facilitate and maximise value</a:t>
+            </a:r>
+          </a:p>
+          <a:p>
+            <a:pPr marL="0" indent="0">
+              <a:buNone/>
+            </a:pPr>
+            <a:endParaRPr lang="en-GB" sz="1800" dirty="0"/>
+          </a:p>
+        </p:txBody>
+      </p:sp>
+      <p:sp>
+        <p:nvSpPr>
+          <p:cNvPr id="4" name="Footer Placeholder 3">
+            <a:extLst>
+              <a:ext uri="{FF2B5EF4-FFF2-40B4-BE49-F238E27FC236}">
+                <a16:creationId xmlns:a16="http://schemas.microsoft.com/office/drawing/2014/main" id="{3A5C9511-5B78-AE1C-87E6-72B9A5FBA7F7}"/>
+              </a:ext>
+            </a:extLst>
+          </p:cNvPr>
+          <p:cNvSpPr>
+            <a:spLocks noGrp="1"/>
+          </p:cNvSpPr>
+          <p:nvPr>
+            <p:ph type="ftr" sz="quarter" idx="11"/>
+          </p:nvPr>
+        </p:nvSpPr>
+        <p:spPr/>
+        <p:txBody>
+          <a:bodyPr/>
+          <a:lstStyle/>
+          <a:p>
+            <a:r>
+              <a:rPr lang="en-US"/>
+              <a:t>Spatial, Health &amp; Environmental Research using Probabilistic Programming Languages</a:t>
+            </a:r>
+            <a:endParaRPr lang="en-US" dirty="0"/>
+          </a:p>
+        </p:txBody>
+      </p:sp>
+      <p:sp>
+        <p:nvSpPr>
+          <p:cNvPr id="5" name="Rectangle 4">
+            <a:extLst>
+              <a:ext uri="{FF2B5EF4-FFF2-40B4-BE49-F238E27FC236}">
+                <a16:creationId xmlns:a16="http://schemas.microsoft.com/office/drawing/2014/main" id="{91FCDF88-7FBB-44E5-024C-06F50EA3BFD9}"/>
+              </a:ext>
+            </a:extLst>
+          </p:cNvPr>
+          <p:cNvSpPr/>
+          <p:nvPr/>
+        </p:nvSpPr>
+        <p:spPr>
+          <a:xfrm flipV="1">
+            <a:off x="642551" y="1646239"/>
+            <a:ext cx="10540314" cy="1103140"/>
+          </a:xfrm>
+          <a:prstGeom prst="rect">
+            <a:avLst/>
+          </a:prstGeom>
+          <a:solidFill>
+            <a:srgbClr val="FFFFFF">
+              <a:alpha val="78824"/>
+            </a:srgbClr>
+          </a:solidFill>
+          <a:ln>
+            <a:noFill/>
+          </a:ln>
+        </p:spPr>
+        <p:style>
+          <a:lnRef idx="2">
+            <a:schemeClr val="accent1">
+              <a:shade val="15000"/>
+            </a:schemeClr>
+          </a:lnRef>
+          <a:fillRef idx="1">
+            <a:schemeClr val="accent1"/>
+          </a:fillRef>
+          <a:effectRef idx="0">
+            <a:schemeClr val="accent1"/>
+          </a:effectRef>
+          <a:fontRef idx="minor">
+            <a:schemeClr val="lt1"/>
+          </a:fontRef>
+        </p:style>
+        <p:txBody>
+          <a:bodyPr rtlCol="0" anchor="ctr"/>
+          <a:lstStyle/>
+          <a:p>
+            <a:pPr algn="ctr"/>
+            <a:endParaRPr lang="en-GB"/>
+          </a:p>
+        </p:txBody>
+      </p:sp>
+    </p:spTree>
+    <p:extLst>
+      <p:ext uri="{BB962C8B-B14F-4D97-AF65-F5344CB8AC3E}">
+        <p14:creationId xmlns:p14="http://schemas.microsoft.com/office/powerpoint/2010/main" val="3170463350"/>
+      </p:ext>
+    </p:extLst>
+  </p:cSld>
+  <p:clrMapOvr>
+    <a:masterClrMapping/>
+  </p:clrMapOvr>
+</p:sld>
+</file>
+
+<file path=ppt/slides/slide37.xml><?xml version="1.0" encoding="utf-8"?>
+<p:sld xmlns:a="http://schemas.openxmlformats.org/drawingml/2006/main" xmlns:r="http://schemas.openxmlformats.org/officeDocument/2006/relationships" xmlns:p="http://schemas.openxmlformats.org/presentationml/2006/main">
+  <p:cSld>
+    <p:spTree>
+      <p:nvGrpSpPr>
+        <p:cNvPr id="1" name=""/>
+        <p:cNvGrpSpPr/>
+        <p:nvPr/>
+      </p:nvGrpSpPr>
+      <p:grpSpPr>
+        <a:xfrm>
+          <a:off x="0" y="0"/>
+          <a:ext cx="0" cy="0"/>
+          <a:chOff x="0" y="0"/>
+          <a:chExt cx="0" cy="0"/>
+        </a:xfrm>
+      </p:grpSpPr>
+      <p:sp>
+        <p:nvSpPr>
+          <p:cNvPr id="2" name="Title 1">
+            <a:extLst>
+              <a:ext uri="{FF2B5EF4-FFF2-40B4-BE49-F238E27FC236}">
+                <a16:creationId xmlns:a16="http://schemas.microsoft.com/office/drawing/2014/main" id="{99BD2ECC-353E-D743-9F4F-C432E96A6D9F}"/>
+              </a:ext>
+            </a:extLst>
+          </p:cNvPr>
+          <p:cNvSpPr>
+            <a:spLocks noGrp="1"/>
+          </p:cNvSpPr>
+          <p:nvPr>
+            <p:ph type="title"/>
+          </p:nvPr>
+        </p:nvSpPr>
+        <p:spPr>
+          <a:xfrm>
+            <a:off x="838200" y="365125"/>
+            <a:ext cx="10515600" cy="1325563"/>
+          </a:xfrm>
+        </p:spPr>
+        <p:txBody>
+          <a:bodyPr anchor="ctr">
+            <a:normAutofit/>
+          </a:bodyPr>
+          <a:lstStyle/>
+          <a:p>
+            <a:r>
+              <a:rPr lang="en-GB" dirty="0"/>
+              <a:t>Wrap-Up</a:t>
+            </a:r>
+          </a:p>
+        </p:txBody>
+      </p:sp>
+      <p:sp>
+        <p:nvSpPr>
+          <p:cNvPr id="11" name="Content Placeholder 2">
+            <a:extLst>
+              <a:ext uri="{FF2B5EF4-FFF2-40B4-BE49-F238E27FC236}">
+                <a16:creationId xmlns:a16="http://schemas.microsoft.com/office/drawing/2014/main" id="{D97A8057-9C35-9752-5EB9-A05EE26F174B}"/>
+              </a:ext>
+            </a:extLst>
+          </p:cNvPr>
+          <p:cNvSpPr>
+            <a:spLocks noGrp="1"/>
+          </p:cNvSpPr>
+          <p:nvPr>
+            <p:ph sz="half" idx="1"/>
+          </p:nvPr>
+        </p:nvSpPr>
+        <p:spPr>
+          <a:xfrm>
+            <a:off x="838200" y="1825625"/>
+            <a:ext cx="5181600" cy="4351338"/>
+          </a:xfrm>
+        </p:spPr>
+        <p:txBody>
+          <a:bodyPr/>
+          <a:lstStyle/>
+          <a:p>
+            <a:r>
+              <a:rPr lang="en-US" dirty="0"/>
+              <a:t>We’ve reached the end of the day!</a:t>
+            </a:r>
+          </a:p>
+          <a:p>
+            <a:r>
+              <a:rPr lang="en-US" dirty="0"/>
+              <a:t>Please complete the </a:t>
+            </a:r>
+            <a:r>
+              <a:rPr lang="en-US" dirty="0">
+                <a:hlinkClick r:id="rId2"/>
+              </a:rPr>
+              <a:t>Feedback Survey</a:t>
+            </a:r>
+            <a:r>
+              <a:rPr lang="en-US" dirty="0"/>
+              <a:t>!</a:t>
+            </a:r>
+          </a:p>
+        </p:txBody>
+      </p:sp>
+      <p:pic>
+        <p:nvPicPr>
+          <p:cNvPr id="6" name="Content Placeholder 5" descr="A qr code on a blue background&#10;&#10;Description automatically generated">
+            <a:extLst>
+              <a:ext uri="{FF2B5EF4-FFF2-40B4-BE49-F238E27FC236}">
+                <a16:creationId xmlns:a16="http://schemas.microsoft.com/office/drawing/2014/main" id="{7B9A53BE-E9D0-7341-16EC-46DDA3544B04}"/>
+              </a:ext>
+            </a:extLst>
+          </p:cNvPr>
+          <p:cNvPicPr>
+            <a:picLocks noGrp="1" noChangeAspect="1"/>
+          </p:cNvPicPr>
+          <p:nvPr>
+            <p:ph sz="half" idx="2"/>
+          </p:nvPr>
+        </p:nvPicPr>
+        <p:blipFill>
+          <a:blip r:embed="rId3"/>
+          <a:stretch>
+            <a:fillRect/>
+          </a:stretch>
+        </p:blipFill>
+        <p:spPr>
+          <a:xfrm>
+            <a:off x="6587331" y="1825625"/>
+            <a:ext cx="4351338" cy="4351338"/>
+          </a:xfrm>
+          <a:noFill/>
+        </p:spPr>
+      </p:pic>
+      <p:sp>
+        <p:nvSpPr>
+          <p:cNvPr id="4" name="Footer Placeholder 3">
+            <a:extLst>
+              <a:ext uri="{FF2B5EF4-FFF2-40B4-BE49-F238E27FC236}">
+                <a16:creationId xmlns:a16="http://schemas.microsoft.com/office/drawing/2014/main" id="{E08B2346-2108-7068-AF8F-F2DEC09284DC}"/>
+              </a:ext>
+            </a:extLst>
+          </p:cNvPr>
+          <p:cNvSpPr>
+            <a:spLocks noGrp="1"/>
+          </p:cNvSpPr>
+          <p:nvPr>
+            <p:ph type="ftr" sz="quarter" idx="11"/>
+          </p:nvPr>
+        </p:nvSpPr>
+        <p:spPr>
+          <a:xfrm>
+            <a:off x="4038600" y="6356350"/>
+            <a:ext cx="4114800" cy="365125"/>
+          </a:xfrm>
+        </p:spPr>
+        <p:txBody>
+          <a:bodyPr anchor="ctr">
+            <a:normAutofit/>
+          </a:bodyPr>
+          <a:lstStyle/>
+          <a:p>
+            <a:pPr>
+              <a:lnSpc>
+                <a:spcPct val="90000"/>
+              </a:lnSpc>
+              <a:spcAft>
+                <a:spcPts val="600"/>
+              </a:spcAft>
+            </a:pPr>
+            <a:r>
+              <a:rPr lang="en-US" sz="900"/>
+              <a:t>Spatial, Health &amp; Environmental Research using Probabilistic Programming Languages</a:t>
+            </a:r>
+          </a:p>
+        </p:txBody>
+      </p:sp>
+    </p:spTree>
+    <p:extLst>
+      <p:ext uri="{BB962C8B-B14F-4D97-AF65-F5344CB8AC3E}">
+        <p14:creationId xmlns:p14="http://schemas.microsoft.com/office/powerpoint/2010/main" val="1304653171"/>
+      </p:ext>
+    </p:extLst>
+  </p:cSld>
+  <p:clrMapOvr>
+    <a:masterClrMapping/>
+  </p:clrMapOvr>
+</p:sld>
+</file>
+
+<file path=ppt/slides/slide38.xml><?xml version="1.0" encoding="utf-8"?>
+<p:sld xmlns:a="http://schemas.openxmlformats.org/drawingml/2006/main" xmlns:r="http://schemas.openxmlformats.org/officeDocument/2006/relationships" xmlns:p="http://schemas.openxmlformats.org/presentationml/2006/main">
+  <p:cSld>
+    <p:spTree>
+      <p:nvGrpSpPr>
+        <p:cNvPr id="1" name=""/>
+        <p:cNvGrpSpPr/>
+        <p:nvPr/>
+      </p:nvGrpSpPr>
+      <p:grpSpPr>
+        <a:xfrm>
+          <a:off x="0" y="0"/>
+          <a:ext cx="0" cy="0"/>
+          <a:chOff x="0" y="0"/>
+          <a:chExt cx="0" cy="0"/>
+        </a:xfrm>
+      </p:grpSpPr>
+      <p:sp>
+        <p:nvSpPr>
+          <p:cNvPr id="2" name="Title 1">
+            <a:extLst>
+              <a:ext uri="{FF2B5EF4-FFF2-40B4-BE49-F238E27FC236}">
                 <a16:creationId xmlns:a16="http://schemas.microsoft.com/office/drawing/2014/main" id="{BCA9041B-E85F-59B3-6DEC-18EB621363E4}"/>
               </a:ext>
             </a:extLst>
@@ -15911,6 +16896,414 @@
   <p:cSld>
     <p:spTree>
       <p:nvGrpSpPr>
+        <p:cNvPr id="1" name="">
+          <a:extLst>
+            <a:ext uri="{FF2B5EF4-FFF2-40B4-BE49-F238E27FC236}">
+              <a16:creationId xmlns:a16="http://schemas.microsoft.com/office/drawing/2014/main" id="{C25CF01A-823C-39B8-FAB1-924C67AC3EEC}"/>
+            </a:ext>
+          </a:extLst>
+        </p:cNvPr>
+        <p:cNvGrpSpPr/>
+        <p:nvPr/>
+      </p:nvGrpSpPr>
+      <p:grpSpPr>
+        <a:xfrm>
+          <a:off x="0" y="0"/>
+          <a:ext cx="0" cy="0"/>
+          <a:chOff x="0" y="0"/>
+          <a:chExt cx="0" cy="0"/>
+        </a:xfrm>
+      </p:grpSpPr>
+      <p:sp>
+        <p:nvSpPr>
+          <p:cNvPr id="2" name="Title 1">
+            <a:extLst>
+              <a:ext uri="{FF2B5EF4-FFF2-40B4-BE49-F238E27FC236}">
+                <a16:creationId xmlns:a16="http://schemas.microsoft.com/office/drawing/2014/main" id="{730ED206-8412-7F9E-560B-055929176658}"/>
+              </a:ext>
+            </a:extLst>
+          </p:cNvPr>
+          <p:cNvSpPr>
+            <a:spLocks noGrp="1"/>
+          </p:cNvSpPr>
+          <p:nvPr>
+            <p:ph type="title"/>
+          </p:nvPr>
+        </p:nvSpPr>
+        <p:spPr>
+          <a:xfrm>
+            <a:off x="838200" y="365125"/>
+            <a:ext cx="10515600" cy="1325563"/>
+          </a:xfrm>
+        </p:spPr>
+        <p:txBody>
+          <a:bodyPr anchor="ctr">
+            <a:normAutofit/>
+          </a:bodyPr>
+          <a:lstStyle/>
+          <a:p>
+            <a:r>
+              <a:rPr lang="en-GB" dirty="0" err="1"/>
+              <a:t>WiFi</a:t>
+            </a:r>
+            <a:endParaRPr lang="en-GB" dirty="0"/>
+          </a:p>
+        </p:txBody>
+      </p:sp>
+      <p:sp>
+        <p:nvSpPr>
+          <p:cNvPr id="4" name="Footer Placeholder 3">
+            <a:extLst>
+              <a:ext uri="{FF2B5EF4-FFF2-40B4-BE49-F238E27FC236}">
+                <a16:creationId xmlns:a16="http://schemas.microsoft.com/office/drawing/2014/main" id="{64BB80B3-1FB6-A20B-9F4A-F95C8D5FDF65}"/>
+              </a:ext>
+            </a:extLst>
+          </p:cNvPr>
+          <p:cNvSpPr>
+            <a:spLocks noGrp="1"/>
+          </p:cNvSpPr>
+          <p:nvPr>
+            <p:ph type="ftr" sz="quarter" idx="11"/>
+          </p:nvPr>
+        </p:nvSpPr>
+        <p:spPr>
+          <a:xfrm>
+            <a:off x="4038600" y="6356350"/>
+            <a:ext cx="4114800" cy="365125"/>
+          </a:xfrm>
+        </p:spPr>
+        <p:txBody>
+          <a:bodyPr anchor="ctr">
+            <a:normAutofit/>
+          </a:bodyPr>
+          <a:lstStyle/>
+          <a:p>
+            <a:pPr>
+              <a:lnSpc>
+                <a:spcPct val="90000"/>
+              </a:lnSpc>
+              <a:spcAft>
+                <a:spcPts val="600"/>
+              </a:spcAft>
+            </a:pPr>
+            <a:r>
+              <a:rPr lang="en-US" sz="900"/>
+              <a:t>Spatial, Health &amp; Environmental Research using Probabilistic Programming Languages</a:t>
+            </a:r>
+          </a:p>
+        </p:txBody>
+      </p:sp>
+      <p:sp>
+        <p:nvSpPr>
+          <p:cNvPr id="5" name="Content Placeholder 4">
+            <a:extLst>
+              <a:ext uri="{FF2B5EF4-FFF2-40B4-BE49-F238E27FC236}">
+                <a16:creationId xmlns:a16="http://schemas.microsoft.com/office/drawing/2014/main" id="{DB2A7AF5-686D-DD65-24CE-438121B10A3E}"/>
+              </a:ext>
+            </a:extLst>
+          </p:cNvPr>
+          <p:cNvSpPr>
+            <a:spLocks noGrp="1"/>
+          </p:cNvSpPr>
+          <p:nvPr>
+            <p:ph idx="1"/>
+          </p:nvPr>
+        </p:nvSpPr>
+        <p:spPr>
+          <a:xfrm>
+            <a:off x="838200" y="1825625"/>
+            <a:ext cx="10515600" cy="1983366"/>
+          </a:xfrm>
+        </p:spPr>
+        <p:txBody>
+          <a:bodyPr>
+            <a:normAutofit/>
+          </a:bodyPr>
+          <a:lstStyle/>
+          <a:p>
+            <a:pPr marL="0" indent="0">
+              <a:buNone/>
+            </a:pPr>
+            <a:r>
+              <a:rPr lang="en-GB" dirty="0"/>
+              <a:t>Network: Turing Guest</a:t>
+            </a:r>
+          </a:p>
+          <a:p>
+            <a:pPr marL="0" indent="0">
+              <a:buNone/>
+            </a:pPr>
+            <a:r>
+              <a:rPr lang="en-GB" dirty="0"/>
+              <a:t>Password: clicking seventh void compiled</a:t>
+            </a:r>
+          </a:p>
+          <a:p>
+            <a:pPr marL="0" indent="0">
+              <a:buNone/>
+            </a:pPr>
+            <a:r>
+              <a:rPr lang="en-GB" dirty="0"/>
+              <a:t>(Password contains spaces)</a:t>
+            </a:r>
+          </a:p>
+        </p:txBody>
+      </p:sp>
+    </p:spTree>
+    <p:extLst>
+      <p:ext uri="{BB962C8B-B14F-4D97-AF65-F5344CB8AC3E}">
+        <p14:creationId xmlns:p14="http://schemas.microsoft.com/office/powerpoint/2010/main" val="3295072805"/>
+      </p:ext>
+    </p:extLst>
+  </p:cSld>
+  <p:clrMapOvr>
+    <a:masterClrMapping/>
+  </p:clrMapOvr>
+</p:sld>
+</file>
+
+<file path=ppt/slides/slide5.xml><?xml version="1.0" encoding="utf-8"?>
+<p:sld xmlns:a="http://schemas.openxmlformats.org/drawingml/2006/main" xmlns:r="http://schemas.openxmlformats.org/officeDocument/2006/relationships" xmlns:p="http://schemas.openxmlformats.org/presentationml/2006/main">
+  <p:cSld>
+    <p:spTree>
+      <p:nvGrpSpPr>
+        <p:cNvPr id="1" name="">
+          <a:extLst>
+            <a:ext uri="{FF2B5EF4-FFF2-40B4-BE49-F238E27FC236}">
+              <a16:creationId xmlns:a16="http://schemas.microsoft.com/office/drawing/2014/main" id="{4E850373-82C1-1C74-046F-DD80F56FF904}"/>
+            </a:ext>
+          </a:extLst>
+        </p:cNvPr>
+        <p:cNvGrpSpPr/>
+        <p:nvPr/>
+      </p:nvGrpSpPr>
+      <p:grpSpPr>
+        <a:xfrm>
+          <a:off x="0" y="0"/>
+          <a:ext cx="0" cy="0"/>
+          <a:chOff x="0" y="0"/>
+          <a:chExt cx="0" cy="0"/>
+        </a:xfrm>
+      </p:grpSpPr>
+      <p:sp>
+        <p:nvSpPr>
+          <p:cNvPr id="2" name="Title 1">
+            <a:extLst>
+              <a:ext uri="{FF2B5EF4-FFF2-40B4-BE49-F238E27FC236}">
+                <a16:creationId xmlns:a16="http://schemas.microsoft.com/office/drawing/2014/main" id="{782CDD4C-AD29-2AEA-1142-0464D87B05F7}"/>
+              </a:ext>
+            </a:extLst>
+          </p:cNvPr>
+          <p:cNvSpPr>
+            <a:spLocks noGrp="1"/>
+          </p:cNvSpPr>
+          <p:nvPr>
+            <p:ph type="title"/>
+          </p:nvPr>
+        </p:nvSpPr>
+        <p:spPr>
+          <a:xfrm>
+            <a:off x="838200" y="365125"/>
+            <a:ext cx="10515600" cy="1325563"/>
+          </a:xfrm>
+        </p:spPr>
+        <p:txBody>
+          <a:bodyPr anchor="ctr">
+            <a:normAutofit/>
+          </a:bodyPr>
+          <a:lstStyle/>
+          <a:p>
+            <a:r>
+              <a:rPr lang="en-GB" dirty="0"/>
+              <a:t>Mural</a:t>
+            </a:r>
+          </a:p>
+        </p:txBody>
+      </p:sp>
+      <p:sp>
+        <p:nvSpPr>
+          <p:cNvPr id="4" name="Footer Placeholder 3">
+            <a:extLst>
+              <a:ext uri="{FF2B5EF4-FFF2-40B4-BE49-F238E27FC236}">
+                <a16:creationId xmlns:a16="http://schemas.microsoft.com/office/drawing/2014/main" id="{F30ADEB9-96E8-FFEB-7B51-B7AB49E531B1}"/>
+              </a:ext>
+            </a:extLst>
+          </p:cNvPr>
+          <p:cNvSpPr>
+            <a:spLocks noGrp="1"/>
+          </p:cNvSpPr>
+          <p:nvPr>
+            <p:ph type="ftr" sz="quarter" idx="11"/>
+          </p:nvPr>
+        </p:nvSpPr>
+        <p:spPr>
+          <a:xfrm>
+            <a:off x="4038600" y="6356350"/>
+            <a:ext cx="4114800" cy="365125"/>
+          </a:xfrm>
+        </p:spPr>
+        <p:txBody>
+          <a:bodyPr anchor="ctr">
+            <a:normAutofit/>
+          </a:bodyPr>
+          <a:lstStyle/>
+          <a:p>
+            <a:pPr>
+              <a:lnSpc>
+                <a:spcPct val="90000"/>
+              </a:lnSpc>
+              <a:spcAft>
+                <a:spcPts val="600"/>
+              </a:spcAft>
+            </a:pPr>
+            <a:r>
+              <a:rPr lang="en-US" sz="900"/>
+              <a:t>Spatial, Health &amp; Environmental Research using Probabilistic Programming Languages</a:t>
+            </a:r>
+          </a:p>
+        </p:txBody>
+      </p:sp>
+      <p:sp>
+        <p:nvSpPr>
+          <p:cNvPr id="5" name="Content Placeholder 4">
+            <a:extLst>
+              <a:ext uri="{FF2B5EF4-FFF2-40B4-BE49-F238E27FC236}">
+                <a16:creationId xmlns:a16="http://schemas.microsoft.com/office/drawing/2014/main" id="{D3647F35-5535-3320-977F-0F4C4C3131FB}"/>
+              </a:ext>
+            </a:extLst>
+          </p:cNvPr>
+          <p:cNvSpPr>
+            <a:spLocks noGrp="1"/>
+          </p:cNvSpPr>
+          <p:nvPr>
+            <p:ph idx="1"/>
+          </p:nvPr>
+        </p:nvSpPr>
+        <p:spPr>
+          <a:xfrm>
+            <a:off x="838200" y="1825625"/>
+            <a:ext cx="5723238" cy="3938802"/>
+          </a:xfrm>
+        </p:spPr>
+        <p:txBody>
+          <a:bodyPr>
+            <a:normAutofit/>
+          </a:bodyPr>
+          <a:lstStyle/>
+          <a:p>
+            <a:pPr marL="0" indent="0">
+              <a:buNone/>
+            </a:pPr>
+            <a:r>
+              <a:rPr lang="en-GB" dirty="0"/>
+              <a:t>We will be using Mural for all the activities: </a:t>
+            </a:r>
+            <a:r>
+              <a:rPr lang="en-GB" dirty="0">
+                <a:hlinkClick r:id="rId2"/>
+              </a:rPr>
+              <a:t>https://shorturl.at/QOSEy</a:t>
+            </a:r>
+            <a:endParaRPr lang="en-GB" dirty="0"/>
+          </a:p>
+          <a:p>
+            <a:pPr marL="0" indent="0">
+              <a:buNone/>
+            </a:pPr>
+            <a:endParaRPr lang="en-GB" dirty="0"/>
+          </a:p>
+          <a:p>
+            <a:pPr marL="0" indent="0">
+              <a:buNone/>
+            </a:pPr>
+            <a:r>
+              <a:rPr lang="en-GB" dirty="0"/>
+              <a:t>Password: forecast</a:t>
+            </a:r>
+          </a:p>
+          <a:p>
+            <a:pPr marL="0" indent="0">
+              <a:buNone/>
+            </a:pPr>
+            <a:r>
+              <a:rPr lang="en-GB" dirty="0"/>
+              <a:t>(No need to create an account) </a:t>
+            </a:r>
+            <a:br>
+              <a:rPr lang="en-GB" dirty="0"/>
+            </a:br>
+            <a:br>
+              <a:rPr lang="en-GB" dirty="0"/>
+            </a:br>
+            <a:endParaRPr lang="en-GB" dirty="0"/>
+          </a:p>
+        </p:txBody>
+      </p:sp>
+      <p:pic>
+        <p:nvPicPr>
+          <p:cNvPr id="1026" name="Picture 2" descr="Features | Mural">
+            <a:extLst>
+              <a:ext uri="{FF2B5EF4-FFF2-40B4-BE49-F238E27FC236}">
+                <a16:creationId xmlns:a16="http://schemas.microsoft.com/office/drawing/2014/main" id="{F4060F7A-30D8-53D4-AD8E-DE4776CD1F8C}"/>
+              </a:ext>
+            </a:extLst>
+          </p:cNvPr>
+          <p:cNvPicPr>
+            <a:picLocks noChangeAspect="1" noChangeArrowheads="1"/>
+          </p:cNvPicPr>
+          <p:nvPr/>
+        </p:nvPicPr>
+        <p:blipFill>
+          <a:blip r:embed="rId3">
+            <a:extLst>
+              <a:ext uri="{28A0092B-C50C-407E-A947-70E740481C1C}">
+                <a14:useLocalDpi xmlns:a14="http://schemas.microsoft.com/office/drawing/2010/main" val="0"/>
+              </a:ext>
+            </a:extLst>
+          </a:blip>
+          <a:srcRect/>
+          <a:stretch>
+            <a:fillRect/>
+          </a:stretch>
+        </p:blipFill>
+        <p:spPr bwMode="auto">
+          <a:xfrm>
+            <a:off x="6610642" y="1859305"/>
+            <a:ext cx="4932405" cy="2969341"/>
+          </a:xfrm>
+          <a:prstGeom prst="rect">
+            <a:avLst/>
+          </a:prstGeom>
+          <a:noFill/>
+          <a:extLst>
+            <a:ext uri="{909E8E84-426E-40DD-AFC4-6F175D3DCCD1}">
+              <a14:hiddenFill xmlns:a14="http://schemas.microsoft.com/office/drawing/2010/main">
+                <a:solidFill>
+                  <a:srgbClr val="FFFFFF"/>
+                </a:solidFill>
+              </a14:hiddenFill>
+            </a:ext>
+          </a:extLst>
+        </p:spPr>
+      </p:pic>
+    </p:spTree>
+    <p:extLst>
+      <p:ext uri="{BB962C8B-B14F-4D97-AF65-F5344CB8AC3E}">
+        <p14:creationId xmlns:p14="http://schemas.microsoft.com/office/powerpoint/2010/main" val="3044661309"/>
+      </p:ext>
+    </p:extLst>
+  </p:cSld>
+  <p:clrMapOvr>
+    <a:masterClrMapping/>
+  </p:clrMapOvr>
+</p:sld>
+</file>
+
+<file path=ppt/slides/slide6.xml><?xml version="1.0" encoding="utf-8"?>
+<p:sld xmlns:a="http://schemas.openxmlformats.org/drawingml/2006/main" xmlns:r="http://schemas.openxmlformats.org/officeDocument/2006/relationships" xmlns:p="http://schemas.openxmlformats.org/presentationml/2006/main">
+  <p:cSld>
+    <p:spTree>
+      <p:nvGrpSpPr>
         <p:cNvPr id="1" name=""/>
         <p:cNvGrpSpPr/>
         <p:nvPr/>
@@ -16112,7 +17505,7 @@
 </p:sld>
 </file>
 
-<file path=ppt/slides/slide5.xml><?xml version="1.0" encoding="utf-8"?>
+<file path=ppt/slides/slide7.xml><?xml version="1.0" encoding="utf-8"?>
 <p:sld xmlns:a="http://schemas.openxmlformats.org/drawingml/2006/main" xmlns:r="http://schemas.openxmlformats.org/officeDocument/2006/relationships" xmlns:p="http://schemas.openxmlformats.org/presentationml/2006/main">
   <p:cSld>
     <p:spTree>
@@ -16179,7 +17572,7 @@
             <p:ph idx="1"/>
             <p:extLst>
               <p:ext uri="{D42A27DB-BD31-4B8C-83A1-F6EECF244321}">
-                <p14:modId xmlns:p14="http://schemas.microsoft.com/office/powerpoint/2010/main" val="3266369457"/>
+                <p14:modId xmlns:p14="http://schemas.microsoft.com/office/powerpoint/2010/main" val="767211036"/>
               </p:ext>
             </p:extLst>
           </p:nvPr>
@@ -16202,14 +17595,14 @@
                     </a:ext>
                   </a:extLst>
                 </a:gridCol>
-                <a:gridCol w="3228053">
+                <a:gridCol w="3325667">
                   <a:extLst>
                     <a:ext uri="{9D8B030D-6E8A-4147-A177-3AD203B41FA5}">
                       <a16:colId xmlns:a16="http://schemas.microsoft.com/office/drawing/2014/main" val="2325865302"/>
                     </a:ext>
                   </a:extLst>
                 </a:gridCol>
-                <a:gridCol w="5208706">
+                <a:gridCol w="5111092">
                   <a:extLst>
                     <a:ext uri="{9D8B030D-6E8A-4147-A177-3AD203B41FA5}">
                       <a16:colId xmlns:a16="http://schemas.microsoft.com/office/drawing/2014/main" val="3533379028"/>
@@ -16296,7 +17689,7 @@
                     <a:p>
                       <a:pPr algn="l"/>
                       <a:r>
-                        <a:rPr lang="en-GB" sz="1600">
+                        <a:rPr lang="en-GB" sz="1600" u="none">
                           <a:solidFill>
                             <a:schemeClr val="tx1"/>
                           </a:solidFill>
@@ -16355,7 +17748,7 @@
                     <a:p>
                       <a:pPr algn="l"/>
                       <a:r>
-                        <a:rPr lang="en-GB" sz="1600" dirty="0">
+                        <a:rPr lang="en-GB" sz="1600" u="none" dirty="0">
                           <a:solidFill>
                             <a:schemeClr val="tx1"/>
                           </a:solidFill>
@@ -16414,7 +17807,7 @@
                     <a:p>
                       <a:pPr algn="l"/>
                       <a:r>
-                        <a:rPr lang="en-GB" sz="1600" dirty="0">
+                        <a:rPr lang="en-GB" sz="1600" u="none" dirty="0">
                           <a:solidFill>
                             <a:schemeClr val="tx1"/>
                           </a:solidFill>
@@ -16476,31 +17869,24 @@
                     <a:p>
                       <a:pPr algn="l"/>
                       <a:r>
-                        <a:rPr lang="en-GB" sz="1600" dirty="0">
+                        <a:rPr lang="en-GB" sz="1600" u="none" dirty="0">
                           <a:solidFill>
                             <a:schemeClr val="tx1"/>
                           </a:solidFill>
                           <a:effectLst/>
                         </a:rPr>
-                        <a:t>Keynote 1 - </a:t>
+                        <a:t>Keynote 1 – Dr Hannah Rose </a:t>
                       </a:r>
                       <a:r>
-                        <a:rPr lang="en-GB" sz="1600" dirty="0">
+                        <a:rPr lang="en-GB" sz="1600" u="none" dirty="0" err="1">
                           <a:solidFill>
                             <a:schemeClr val="tx1"/>
                           </a:solidFill>
                           <a:effectLst/>
-                          <a:hlinkClick r:id="rId2">
-                            <a:extLst>
-                              <a:ext uri="{A12FA001-AC4F-418D-AE19-62706E023703}">
-                                <ahyp:hlinkClr xmlns:ahyp="http://schemas.microsoft.com/office/drawing/2018/hyperlinkcolor" val="tx"/>
-                              </a:ext>
-                            </a:extLst>
-                          </a:hlinkClick>
                         </a:rPr>
-                        <a:t>Dr Lauren Cator</a:t>
+                        <a:t>Vineer</a:t>
                       </a:r>
-                      <a:endParaRPr lang="en-GB" sz="1600" dirty="0">
+                      <a:endParaRPr lang="en-GB" sz="1600" u="none" dirty="0">
                         <a:solidFill>
                           <a:schemeClr val="tx1"/>
                         </a:solidFill>
@@ -16560,36 +17946,14 @@
                     <a:p>
                       <a:pPr algn="l"/>
                       <a:r>
-                        <a:rPr lang="en-GB" sz="1600" dirty="0">
+                        <a:rPr lang="en-GB" sz="1600" u="none" dirty="0">
                           <a:solidFill>
                             <a:schemeClr val="tx1"/>
                           </a:solidFill>
                           <a:effectLst/>
                         </a:rPr>
-                        <a:t>Keynote 2 - </a:t>
+                        <a:t>Keynote 2 - Dr Will Pearse</a:t>
                       </a:r>
-                      <a:r>
-                        <a:rPr lang="en-GB" sz="1600" dirty="0">
-                          <a:solidFill>
-                            <a:schemeClr val="tx1"/>
-                          </a:solidFill>
-                          <a:effectLst/>
-                          <a:hlinkClick r:id="rId3">
-                            <a:extLst>
-                              <a:ext uri="{A12FA001-AC4F-418D-AE19-62706E023703}">
-                                <ahyp:hlinkClr xmlns:ahyp="http://schemas.microsoft.com/office/drawing/2018/hyperlinkcolor" val="tx"/>
-                              </a:ext>
-                            </a:extLst>
-                          </a:hlinkClick>
-                        </a:rPr>
-                        <a:t>Dr Will Pearse</a:t>
-                      </a:r>
-                      <a:endParaRPr lang="en-GB" sz="1600" dirty="0">
-                        <a:solidFill>
-                          <a:schemeClr val="tx1"/>
-                        </a:solidFill>
-                        <a:effectLst/>
-                      </a:endParaRPr>
                     </a:p>
                   </a:txBody>
                   <a:tcPr anchor="ctr"/>
@@ -16644,36 +18008,14 @@
                     <a:p>
                       <a:pPr algn="l"/>
                       <a:r>
-                        <a:rPr lang="en-GB" sz="1600" dirty="0">
+                        <a:rPr lang="en-GB" sz="1600" u="none" dirty="0">
                           <a:solidFill>
                             <a:schemeClr val="tx1"/>
                           </a:solidFill>
                           <a:effectLst/>
                         </a:rPr>
-                        <a:t>Keynote 3 - </a:t>
+                        <a:t>Keynote 3 - Dr Richard Wood</a:t>
                       </a:r>
-                      <a:r>
-                        <a:rPr lang="en-GB" sz="1600" dirty="0">
-                          <a:solidFill>
-                            <a:schemeClr val="tx1"/>
-                          </a:solidFill>
-                          <a:effectLst/>
-                          <a:hlinkClick r:id="rId4">
-                            <a:extLst>
-                              <a:ext uri="{A12FA001-AC4F-418D-AE19-62706E023703}">
-                                <ahyp:hlinkClr xmlns:ahyp="http://schemas.microsoft.com/office/drawing/2018/hyperlinkcolor" val="tx"/>
-                              </a:ext>
-                            </a:extLst>
-                          </a:hlinkClick>
-                        </a:rPr>
-                        <a:t>Dr Richard Wood</a:t>
-                      </a:r>
-                      <a:endParaRPr lang="en-GB" sz="1600" dirty="0">
-                        <a:solidFill>
-                          <a:schemeClr val="tx1"/>
-                        </a:solidFill>
-                        <a:effectLst/>
-                      </a:endParaRPr>
                     </a:p>
                   </a:txBody>
                   <a:tcPr anchor="ctr"/>
@@ -16728,7 +18070,7 @@
                     <a:p>
                       <a:pPr algn="l"/>
                       <a:r>
-                        <a:rPr lang="en-GB" sz="1600" dirty="0">
+                        <a:rPr lang="en-GB" sz="1600" u="none" dirty="0">
                           <a:solidFill>
                             <a:schemeClr val="tx1"/>
                           </a:solidFill>
@@ -16787,7 +18129,7 @@
                     <a:p>
                       <a:pPr algn="l"/>
                       <a:r>
-                        <a:rPr lang="en-GB" sz="1600" dirty="0">
+                        <a:rPr lang="en-GB" sz="1600" u="none" dirty="0">
                           <a:solidFill>
                             <a:schemeClr val="tx1"/>
                           </a:solidFill>
@@ -16849,7 +18191,7 @@
                     <a:p>
                       <a:pPr algn="l"/>
                       <a:r>
-                        <a:rPr lang="en-GB" sz="1600">
+                        <a:rPr lang="en-GB" sz="1600" u="none">
                           <a:solidFill>
                             <a:schemeClr val="tx1"/>
                           </a:solidFill>
@@ -16911,7 +18253,7 @@
                     <a:p>
                       <a:pPr algn="l"/>
                       <a:r>
-                        <a:rPr lang="en-GB" sz="1600">
+                        <a:rPr lang="en-GB" sz="1600" u="none" dirty="0">
                           <a:solidFill>
                             <a:schemeClr val="tx1"/>
                           </a:solidFill>
@@ -16989,7 +18331,7 @@
 </p:sld>
 </file>
 
-<file path=ppt/slides/slide6.xml><?xml version="1.0" encoding="utf-8"?>
+<file path=ppt/slides/slide8.xml><?xml version="1.0" encoding="utf-8"?>
 <p:sld xmlns:a="http://schemas.openxmlformats.org/drawingml/2006/main" xmlns:r="http://schemas.openxmlformats.org/officeDocument/2006/relationships" xmlns:p="http://schemas.openxmlformats.org/presentationml/2006/main">
   <p:cSld>
     <p:spTree>
@@ -17050,7 +18392,7 @@
             <p:ph idx="1"/>
             <p:extLst>
               <p:ext uri="{D42A27DB-BD31-4B8C-83A1-F6EECF244321}">
-                <p14:modId xmlns:p14="http://schemas.microsoft.com/office/powerpoint/2010/main" val="962973977"/>
+                <p14:modId xmlns:p14="http://schemas.microsoft.com/office/powerpoint/2010/main" val="8909800"/>
               </p:ext>
             </p:extLst>
           </p:nvPr>
@@ -17378,34 +18720,8 @@
                           <a:latin typeface="Arial" panose="020B0604020202020204" pitchFamily="34" charset="0"/>
                           <a:cs typeface="Arial" panose="020B0604020202020204" pitchFamily="34" charset="0"/>
                         </a:rPr>
-                        <a:t>Presentation - </a:t>
+                        <a:t>Presentation</a:t>
                       </a:r>
-                      <a:r>
-                        <a:rPr lang="en-GB" sz="1600" dirty="0">
-                          <a:solidFill>
-                            <a:schemeClr val="tx1"/>
-                          </a:solidFill>
-                          <a:effectLst/>
-                          <a:latin typeface="Arial" panose="020B0604020202020204" pitchFamily="34" charset="0"/>
-                          <a:cs typeface="Arial" panose="020B0604020202020204" pitchFamily="34" charset="0"/>
-                          <a:hlinkClick r:id="rId2">
-                            <a:extLst>
-                              <a:ext uri="{A12FA001-AC4F-418D-AE19-62706E023703}">
-                                <ahyp:hlinkClr xmlns:ahyp="http://schemas.microsoft.com/office/drawing/2018/hyperlinkcolor" val="tx"/>
-                              </a:ext>
-                            </a:extLst>
-                          </a:hlinkClick>
-                        </a:rPr>
-                        <a:t>Dr Josh Tyler</a:t>
-                      </a:r>
-                      <a:endParaRPr lang="en-GB" sz="1600" dirty="0">
-                        <a:solidFill>
-                          <a:schemeClr val="tx1"/>
-                        </a:solidFill>
-                        <a:effectLst/>
-                        <a:latin typeface="Arial" panose="020B0604020202020204" pitchFamily="34" charset="0"/>
-                        <a:cs typeface="Arial" panose="020B0604020202020204" pitchFamily="34" charset="0"/>
-                      </a:endParaRPr>
                     </a:p>
                   </a:txBody>
                   <a:tcPr anchor="ctr"/>
@@ -17682,307 +18998,6 @@
 </p:sld>
 </file>
 
-<file path=ppt/slides/slide7.xml><?xml version="1.0" encoding="utf-8"?>
-<p:sld xmlns:a="http://schemas.openxmlformats.org/drawingml/2006/main" xmlns:r="http://schemas.openxmlformats.org/officeDocument/2006/relationships" xmlns:p="http://schemas.openxmlformats.org/presentationml/2006/main">
-  <p:cSld>
-    <p:spTree>
-      <p:nvGrpSpPr>
-        <p:cNvPr id="1" name=""/>
-        <p:cNvGrpSpPr/>
-        <p:nvPr/>
-      </p:nvGrpSpPr>
-      <p:grpSpPr>
-        <a:xfrm>
-          <a:off x="0" y="0"/>
-          <a:ext cx="0" cy="0"/>
-          <a:chOff x="0" y="0"/>
-          <a:chExt cx="0" cy="0"/>
-        </a:xfrm>
-      </p:grpSpPr>
-      <p:sp>
-        <p:nvSpPr>
-          <p:cNvPr id="2" name="Title 1">
-            <a:extLst>
-              <a:ext uri="{FF2B5EF4-FFF2-40B4-BE49-F238E27FC236}">
-                <a16:creationId xmlns:a16="http://schemas.microsoft.com/office/drawing/2014/main" id="{8667ECE0-EAF4-B7D6-3696-6DDAC0F10243}"/>
-              </a:ext>
-            </a:extLst>
-          </p:cNvPr>
-          <p:cNvSpPr>
-            <a:spLocks noGrp="1"/>
-          </p:cNvSpPr>
-          <p:nvPr>
-            <p:ph type="title"/>
-          </p:nvPr>
-        </p:nvSpPr>
-        <p:spPr/>
-        <p:txBody>
-          <a:bodyPr/>
-          <a:lstStyle/>
-          <a:p>
-            <a:r>
-              <a:rPr lang="en-GB" dirty="0"/>
-              <a:t>Introduction from the SPHERE-PPL Team</a:t>
-            </a:r>
-          </a:p>
-        </p:txBody>
-      </p:sp>
-      <p:sp>
-        <p:nvSpPr>
-          <p:cNvPr id="3" name="Text Placeholder 2">
-            <a:extLst>
-              <a:ext uri="{FF2B5EF4-FFF2-40B4-BE49-F238E27FC236}">
-                <a16:creationId xmlns:a16="http://schemas.microsoft.com/office/drawing/2014/main" id="{559213E2-61B6-99E3-74CE-C384492EB218}"/>
-              </a:ext>
-            </a:extLst>
-          </p:cNvPr>
-          <p:cNvSpPr>
-            <a:spLocks noGrp="1"/>
-          </p:cNvSpPr>
-          <p:nvPr>
-            <p:ph type="body" idx="1"/>
-          </p:nvPr>
-        </p:nvSpPr>
-        <p:spPr/>
-        <p:txBody>
-          <a:bodyPr/>
-          <a:lstStyle/>
-          <a:p>
-            <a:endParaRPr lang="en-GB"/>
-          </a:p>
-        </p:txBody>
-      </p:sp>
-      <p:sp>
-        <p:nvSpPr>
-          <p:cNvPr id="4" name="Footer Placeholder 3">
-            <a:extLst>
-              <a:ext uri="{FF2B5EF4-FFF2-40B4-BE49-F238E27FC236}">
-                <a16:creationId xmlns:a16="http://schemas.microsoft.com/office/drawing/2014/main" id="{439EFD7C-668D-19ED-148C-62EB506E49AA}"/>
-              </a:ext>
-            </a:extLst>
-          </p:cNvPr>
-          <p:cNvSpPr>
-            <a:spLocks noGrp="1"/>
-          </p:cNvSpPr>
-          <p:nvPr>
-            <p:ph type="ftr" sz="quarter" idx="11"/>
-          </p:nvPr>
-        </p:nvSpPr>
-        <p:spPr/>
-        <p:txBody>
-          <a:bodyPr/>
-          <a:lstStyle/>
-          <a:p>
-            <a:r>
-              <a:rPr lang="en-US"/>
-              <a:t>Spatial, Health &amp; Environmental Research using Probabilistic Programming Languages</a:t>
-            </a:r>
-            <a:endParaRPr lang="en-US" dirty="0"/>
-          </a:p>
-        </p:txBody>
-      </p:sp>
-    </p:spTree>
-    <p:extLst>
-      <p:ext uri="{BB962C8B-B14F-4D97-AF65-F5344CB8AC3E}">
-        <p14:creationId xmlns:p14="http://schemas.microsoft.com/office/powerpoint/2010/main" val="445201034"/>
-      </p:ext>
-    </p:extLst>
-  </p:cSld>
-  <p:clrMapOvr>
-    <a:masterClrMapping/>
-  </p:clrMapOvr>
-</p:sld>
-</file>
-
-<file path=ppt/slides/slide8.xml><?xml version="1.0" encoding="utf-8"?>
-<p:sld xmlns:a="http://schemas.openxmlformats.org/drawingml/2006/main" xmlns:r="http://schemas.openxmlformats.org/officeDocument/2006/relationships" xmlns:p="http://schemas.openxmlformats.org/presentationml/2006/main">
-  <p:cSld>
-    <p:spTree>
-      <p:nvGrpSpPr>
-        <p:cNvPr id="1" name=""/>
-        <p:cNvGrpSpPr/>
-        <p:nvPr/>
-      </p:nvGrpSpPr>
-      <p:grpSpPr>
-        <a:xfrm>
-          <a:off x="0" y="0"/>
-          <a:ext cx="0" cy="0"/>
-          <a:chOff x="0" y="0"/>
-          <a:chExt cx="0" cy="0"/>
-        </a:xfrm>
-      </p:grpSpPr>
-      <p:sp>
-        <p:nvSpPr>
-          <p:cNvPr id="2" name="Title 1">
-            <a:extLst>
-              <a:ext uri="{FF2B5EF4-FFF2-40B4-BE49-F238E27FC236}">
-                <a16:creationId xmlns:a16="http://schemas.microsoft.com/office/drawing/2014/main" id="{C403EF1F-6B60-3AD9-1DBC-6FFA74907A84}"/>
-              </a:ext>
-            </a:extLst>
-          </p:cNvPr>
-          <p:cNvSpPr>
-            <a:spLocks noGrp="1"/>
-          </p:cNvSpPr>
-          <p:nvPr>
-            <p:ph type="title"/>
-          </p:nvPr>
-        </p:nvSpPr>
-        <p:spPr>
-          <a:xfrm>
-            <a:off x="838200" y="365125"/>
-            <a:ext cx="10515600" cy="1325563"/>
-          </a:xfrm>
-        </p:spPr>
-        <p:txBody>
-          <a:bodyPr anchor="ctr">
-            <a:normAutofit/>
-          </a:bodyPr>
-          <a:lstStyle/>
-          <a:p>
-            <a:r>
-              <a:rPr lang="en-GB" dirty="0"/>
-              <a:t>What is SPHERE-PPL?</a:t>
-            </a:r>
-          </a:p>
-        </p:txBody>
-      </p:sp>
-      <p:sp>
-        <p:nvSpPr>
-          <p:cNvPr id="3" name="Content Placeholder 2">
-            <a:extLst>
-              <a:ext uri="{FF2B5EF4-FFF2-40B4-BE49-F238E27FC236}">
-                <a16:creationId xmlns:a16="http://schemas.microsoft.com/office/drawing/2014/main" id="{5D4A1241-582B-26EE-3AA6-23E584A40065}"/>
-              </a:ext>
-            </a:extLst>
-          </p:cNvPr>
-          <p:cNvSpPr>
-            <a:spLocks noGrp="1"/>
-          </p:cNvSpPr>
-          <p:nvPr>
-            <p:ph sz="half" idx="1"/>
-          </p:nvPr>
-        </p:nvSpPr>
-        <p:spPr>
-          <a:xfrm>
-            <a:off x="838200" y="1825625"/>
-            <a:ext cx="5181600" cy="4351338"/>
-          </a:xfrm>
-        </p:spPr>
-        <p:txBody>
-          <a:bodyPr>
-            <a:normAutofit/>
-          </a:bodyPr>
-          <a:lstStyle/>
-          <a:p>
-            <a:pPr marL="0" indent="0">
-              <a:buNone/>
-            </a:pPr>
-            <a:r>
-              <a:rPr lang="en-GB" dirty="0" err="1">
-                <a:solidFill>
-                  <a:srgbClr val="FCAF00"/>
-                </a:solidFill>
-              </a:rPr>
-              <a:t>SPatial</a:t>
-            </a:r>
-            <a:r>
-              <a:rPr lang="en-GB" dirty="0">
-                <a:solidFill>
-                  <a:srgbClr val="FCAF00"/>
-                </a:solidFill>
-              </a:rPr>
-              <a:t>, Health and Environmental Research using Probabilistic Programming Languages</a:t>
-            </a:r>
-          </a:p>
-        </p:txBody>
-      </p:sp>
-      <p:pic>
-        <p:nvPicPr>
-          <p:cNvPr id="6" name="Picture 5" descr="A diagram of a diagram of the uk probabilistic programming community&#10;&#10;Description automatically generated">
-            <a:extLst>
-              <a:ext uri="{FF2B5EF4-FFF2-40B4-BE49-F238E27FC236}">
-                <a16:creationId xmlns:a16="http://schemas.microsoft.com/office/drawing/2014/main" id="{6EDEF028-139C-B38C-E332-7C77436D7E95}"/>
-              </a:ext>
-            </a:extLst>
-          </p:cNvPr>
-          <p:cNvPicPr>
-            <a:picLocks noChangeAspect="1"/>
-          </p:cNvPicPr>
-          <p:nvPr/>
-        </p:nvPicPr>
-        <p:blipFill>
-          <a:blip r:embed="rId2"/>
-          <a:stretch>
-            <a:fillRect/>
-          </a:stretch>
-        </p:blipFill>
-        <p:spPr>
-          <a:xfrm>
-            <a:off x="6297652" y="1825625"/>
-            <a:ext cx="4930695" cy="4351338"/>
-          </a:xfrm>
-          <a:prstGeom prst="rect">
-            <a:avLst/>
-          </a:prstGeom>
-          <a:noFill/>
-        </p:spPr>
-      </p:pic>
-      <p:sp>
-        <p:nvSpPr>
-          <p:cNvPr id="4" name="Footer Placeholder 3">
-            <a:extLst>
-              <a:ext uri="{FF2B5EF4-FFF2-40B4-BE49-F238E27FC236}">
-                <a16:creationId xmlns:a16="http://schemas.microsoft.com/office/drawing/2014/main" id="{2632374F-6974-9757-D328-EBA473C284CD}"/>
-              </a:ext>
-            </a:extLst>
-          </p:cNvPr>
-          <p:cNvSpPr>
-            <a:spLocks noGrp="1"/>
-          </p:cNvSpPr>
-          <p:nvPr>
-            <p:ph type="ftr" sz="quarter" idx="11"/>
-          </p:nvPr>
-        </p:nvSpPr>
-        <p:spPr>
-          <a:xfrm>
-            <a:off x="4038600" y="6356350"/>
-            <a:ext cx="4114800" cy="365125"/>
-          </a:xfrm>
-        </p:spPr>
-        <p:txBody>
-          <a:bodyPr anchor="ctr">
-            <a:normAutofit/>
-          </a:bodyPr>
-          <a:lstStyle/>
-          <a:p>
-            <a:pPr>
-              <a:lnSpc>
-                <a:spcPct val="90000"/>
-              </a:lnSpc>
-              <a:spcAft>
-                <a:spcPts val="600"/>
-              </a:spcAft>
-            </a:pPr>
-            <a:r>
-              <a:rPr lang="en-US" sz="900"/>
-              <a:t>Spatial, Health &amp; Environmental Research using Probabilistic Programming Languages</a:t>
-            </a:r>
-          </a:p>
-        </p:txBody>
-      </p:sp>
-    </p:spTree>
-    <p:extLst>
-      <p:ext uri="{BB962C8B-B14F-4D97-AF65-F5344CB8AC3E}">
-        <p14:creationId xmlns:p14="http://schemas.microsoft.com/office/powerpoint/2010/main" val="3297675109"/>
-      </p:ext>
-    </p:extLst>
-  </p:cSld>
-  <p:clrMapOvr>
-    <a:masterClrMapping/>
-  </p:clrMapOvr>
-</p:sld>
-</file>
-
 <file path=ppt/slides/slide9.xml><?xml version="1.0" encoding="utf-8"?>
 <p:sld xmlns:a="http://schemas.openxmlformats.org/drawingml/2006/main" xmlns:r="http://schemas.openxmlformats.org/officeDocument/2006/relationships" xmlns:p="http://schemas.openxmlformats.org/presentationml/2006/main">
   <p:cSld>
@@ -18005,7 +19020,7 @@
           <p:cNvPr id="2" name="Title 1">
             <a:extLst>
               <a:ext uri="{FF2B5EF4-FFF2-40B4-BE49-F238E27FC236}">
-                <a16:creationId xmlns:a16="http://schemas.microsoft.com/office/drawing/2014/main" id="{9F4C206E-5B76-5949-6C4A-1A228504E6AB}"/>
+                <a16:creationId xmlns:a16="http://schemas.microsoft.com/office/drawing/2014/main" id="{8667ECE0-EAF4-B7D6-3696-6DDAC0F10243}"/>
               </a:ext>
             </a:extLst>
           </p:cNvPr>
@@ -18023,17 +19038,17 @@
           <a:p>
             <a:r>
               <a:rPr lang="en-GB" dirty="0"/>
-              <a:t>Outcomes of the Day</a:t>
+              <a:t>Introduction from the SPHERE-PPL Team</a:t>
             </a:r>
           </a:p>
         </p:txBody>
       </p:sp>
       <p:sp>
         <p:nvSpPr>
-          <p:cNvPr id="3" name="Content Placeholder 2">
-            <a:extLst>
-              <a:ext uri="{FF2B5EF4-FFF2-40B4-BE49-F238E27FC236}">
-                <a16:creationId xmlns:a16="http://schemas.microsoft.com/office/drawing/2014/main" id="{833BCCC9-9D50-FB43-0B29-D4843E46F9F8}"/>
+          <p:cNvPr id="3" name="Text Placeholder 2">
+            <a:extLst>
+              <a:ext uri="{FF2B5EF4-FFF2-40B4-BE49-F238E27FC236}">
+                <a16:creationId xmlns:a16="http://schemas.microsoft.com/office/drawing/2014/main" id="{559213E2-61B6-99E3-74CE-C384492EB218}"/>
               </a:ext>
             </a:extLst>
           </p:cNvPr>
@@ -18041,7 +19056,7 @@
             <a:spLocks noGrp="1"/>
           </p:cNvSpPr>
           <p:nvPr>
-            <p:ph idx="1"/>
+            <p:ph type="body" idx="1"/>
           </p:nvPr>
         </p:nvSpPr>
         <p:spPr/>
@@ -18058,7 +19073,7 @@
           <p:cNvPr id="4" name="Footer Placeholder 3">
             <a:extLst>
               <a:ext uri="{FF2B5EF4-FFF2-40B4-BE49-F238E27FC236}">
-                <a16:creationId xmlns:a16="http://schemas.microsoft.com/office/drawing/2014/main" id="{0B509B2E-8623-AE30-32C8-1A64DC3E183F}"/>
+                <a16:creationId xmlns:a16="http://schemas.microsoft.com/office/drawing/2014/main" id="{439EFD7C-668D-19ED-148C-62EB506E49AA}"/>
               </a:ext>
             </a:extLst>
           </p:cNvPr>
@@ -18085,7 +19100,7 @@
     </p:spTree>
     <p:extLst>
       <p:ext uri="{BB962C8B-B14F-4D97-AF65-F5344CB8AC3E}">
-        <p14:creationId xmlns:p14="http://schemas.microsoft.com/office/powerpoint/2010/main" val="1918046935"/>
+        <p14:creationId xmlns:p14="http://schemas.microsoft.com/office/powerpoint/2010/main" val="445201034"/>
       </p:ext>
     </p:extLst>
   </p:cSld>

--- a/docs/Presentations/DayPlan/Full Presentation.pptx
+++ b/docs/Presentations/DayPlan/Full Presentation.pptx
@@ -5,7 +5,7 @@
     <p:sldMasterId id="2147483648" r:id="rId1"/>
   </p:sldMasterIdLst>
   <p:notesMasterIdLst>
-    <p:notesMasterId r:id="rId40"/>
+    <p:notesMasterId r:id="rId42"/>
   </p:notesMasterIdLst>
   <p:sldIdLst>
     <p:sldId id="256" r:id="rId2"/>
@@ -31,21 +31,23 @@
     <p:sldId id="274" r:id="rId22"/>
     <p:sldId id="275" r:id="rId23"/>
     <p:sldId id="276" r:id="rId24"/>
-    <p:sldId id="277" r:id="rId25"/>
-    <p:sldId id="278" r:id="rId26"/>
-    <p:sldId id="279" r:id="rId27"/>
-    <p:sldId id="280" r:id="rId28"/>
-    <p:sldId id="281" r:id="rId29"/>
-    <p:sldId id="282" r:id="rId30"/>
-    <p:sldId id="283" r:id="rId31"/>
-    <p:sldId id="284" r:id="rId32"/>
-    <p:sldId id="285" r:id="rId33"/>
-    <p:sldId id="286" r:id="rId34"/>
-    <p:sldId id="287" r:id="rId35"/>
-    <p:sldId id="288" r:id="rId36"/>
-    <p:sldId id="293" r:id="rId37"/>
-    <p:sldId id="289" r:id="rId38"/>
-    <p:sldId id="290" r:id="rId39"/>
+    <p:sldId id="295" r:id="rId25"/>
+    <p:sldId id="277" r:id="rId26"/>
+    <p:sldId id="278" r:id="rId27"/>
+    <p:sldId id="279" r:id="rId28"/>
+    <p:sldId id="280" r:id="rId29"/>
+    <p:sldId id="281" r:id="rId30"/>
+    <p:sldId id="282" r:id="rId31"/>
+    <p:sldId id="283" r:id="rId32"/>
+    <p:sldId id="284" r:id="rId33"/>
+    <p:sldId id="285" r:id="rId34"/>
+    <p:sldId id="286" r:id="rId35"/>
+    <p:sldId id="287" r:id="rId36"/>
+    <p:sldId id="288" r:id="rId37"/>
+    <p:sldId id="293" r:id="rId38"/>
+    <p:sldId id="294" r:id="rId39"/>
+    <p:sldId id="289" r:id="rId40"/>
+    <p:sldId id="290" r:id="rId41"/>
   </p:sldIdLst>
   <p:sldSz cx="12192000" cy="6858000"/>
   <p:notesSz cx="6858000" cy="9144000"/>
@@ -196,6 +198,7 @@
             <p14:sldId id="274"/>
             <p14:sldId id="275"/>
             <p14:sldId id="276"/>
+            <p14:sldId id="295"/>
             <p14:sldId id="277"/>
             <p14:sldId id="278"/>
             <p14:sldId id="279"/>
@@ -217,6 +220,7 @@
             <p14:sldId id="287"/>
             <p14:sldId id="288"/>
             <p14:sldId id="293"/>
+            <p14:sldId id="294"/>
           </p14:sldIdLst>
         </p14:section>
         <p14:section name="Wrap-Up" id="{78DFCD89-0308-8D45-B893-1D7CCF2696A8}">
@@ -1813,6 +1817,753 @@
     <dgm:fillClrLst meth="repeat">
       <a:schemeClr val="accent3">
         <a:tint val="40000"/>
+      </a:schemeClr>
+    </dgm:fillClrLst>
+    <dgm:linClrLst meth="repeat">
+      <a:schemeClr val="lt1"/>
+    </dgm:linClrLst>
+    <dgm:effectClrLst/>
+    <dgm:txLinClrLst/>
+    <dgm:txFillClrLst meth="repeat">
+      <a:schemeClr val="dk1"/>
+    </dgm:txFillClrLst>
+    <dgm:txEffectClrLst/>
+  </dgm:styleLbl>
+  <dgm:styleLbl name="revTx">
+    <dgm:fillClrLst meth="repeat">
+      <a:schemeClr val="lt1">
+        <a:alpha val="0"/>
+      </a:schemeClr>
+    </dgm:fillClrLst>
+    <dgm:linClrLst meth="repeat">
+      <a:schemeClr val="dk1">
+        <a:alpha val="0"/>
+      </a:schemeClr>
+    </dgm:linClrLst>
+    <dgm:effectClrLst/>
+    <dgm:txLinClrLst/>
+    <dgm:txFillClrLst meth="repeat">
+      <a:schemeClr val="tx1"/>
+    </dgm:txFillClrLst>
+    <dgm:txEffectClrLst/>
+  </dgm:styleLbl>
+</dgm:colorsDef>
+</file>
+
+<file path=ppt/diagrams/colors3.xml><?xml version="1.0" encoding="utf-8"?>
+<dgm:colorsDef xmlns:dgm="http://schemas.openxmlformats.org/drawingml/2006/diagram" xmlns:a="http://schemas.openxmlformats.org/drawingml/2006/main" uniqueId="urn:microsoft.com/office/officeart/2005/8/colors/accent1_2">
+  <dgm:title val=""/>
+  <dgm:desc val=""/>
+  <dgm:catLst>
+    <dgm:cat type="accent1" pri="11200"/>
+  </dgm:catLst>
+  <dgm:styleLbl name="node0">
+    <dgm:fillClrLst meth="repeat">
+      <a:schemeClr val="accent1"/>
+    </dgm:fillClrLst>
+    <dgm:linClrLst meth="repeat">
+      <a:schemeClr val="lt1"/>
+    </dgm:linClrLst>
+    <dgm:effectClrLst/>
+    <dgm:txLinClrLst/>
+    <dgm:txFillClrLst/>
+    <dgm:txEffectClrLst/>
+  </dgm:styleLbl>
+  <dgm:styleLbl name="alignNode1">
+    <dgm:fillClrLst meth="repeat">
+      <a:schemeClr val="accent1"/>
+    </dgm:fillClrLst>
+    <dgm:linClrLst meth="repeat">
+      <a:schemeClr val="accent1"/>
+    </dgm:linClrLst>
+    <dgm:effectClrLst/>
+    <dgm:txLinClrLst/>
+    <dgm:txFillClrLst/>
+    <dgm:txEffectClrLst/>
+  </dgm:styleLbl>
+  <dgm:styleLbl name="node1">
+    <dgm:fillClrLst meth="repeat">
+      <a:schemeClr val="accent1"/>
+    </dgm:fillClrLst>
+    <dgm:linClrLst meth="repeat">
+      <a:schemeClr val="lt1"/>
+    </dgm:linClrLst>
+    <dgm:effectClrLst/>
+    <dgm:txLinClrLst/>
+    <dgm:txFillClrLst/>
+    <dgm:txEffectClrLst/>
+  </dgm:styleLbl>
+  <dgm:styleLbl name="lnNode1">
+    <dgm:fillClrLst meth="repeat">
+      <a:schemeClr val="accent1"/>
+    </dgm:fillClrLst>
+    <dgm:linClrLst meth="repeat">
+      <a:schemeClr val="lt1"/>
+    </dgm:linClrLst>
+    <dgm:effectClrLst/>
+    <dgm:txLinClrLst/>
+    <dgm:txFillClrLst/>
+    <dgm:txEffectClrLst/>
+  </dgm:styleLbl>
+  <dgm:styleLbl name="vennNode1">
+    <dgm:fillClrLst meth="repeat">
+      <a:schemeClr val="accent1">
+        <a:alpha val="50000"/>
+      </a:schemeClr>
+    </dgm:fillClrLst>
+    <dgm:linClrLst meth="repeat">
+      <a:schemeClr val="lt1"/>
+    </dgm:linClrLst>
+    <dgm:effectClrLst/>
+    <dgm:txLinClrLst/>
+    <dgm:txFillClrLst/>
+    <dgm:txEffectClrLst/>
+  </dgm:styleLbl>
+  <dgm:styleLbl name="node2">
+    <dgm:fillClrLst meth="repeat">
+      <a:schemeClr val="accent1"/>
+    </dgm:fillClrLst>
+    <dgm:linClrLst meth="repeat">
+      <a:schemeClr val="lt1"/>
+    </dgm:linClrLst>
+    <dgm:effectClrLst/>
+    <dgm:txLinClrLst/>
+    <dgm:txFillClrLst/>
+    <dgm:txEffectClrLst/>
+  </dgm:styleLbl>
+  <dgm:styleLbl name="node3">
+    <dgm:fillClrLst meth="repeat">
+      <a:schemeClr val="accent1"/>
+    </dgm:fillClrLst>
+    <dgm:linClrLst meth="repeat">
+      <a:schemeClr val="lt1"/>
+    </dgm:linClrLst>
+    <dgm:effectClrLst/>
+    <dgm:txLinClrLst/>
+    <dgm:txFillClrLst/>
+    <dgm:txEffectClrLst/>
+  </dgm:styleLbl>
+  <dgm:styleLbl name="node4">
+    <dgm:fillClrLst meth="repeat">
+      <a:schemeClr val="accent1"/>
+    </dgm:fillClrLst>
+    <dgm:linClrLst meth="repeat">
+      <a:schemeClr val="lt1"/>
+    </dgm:linClrLst>
+    <dgm:effectClrLst/>
+    <dgm:txLinClrLst/>
+    <dgm:txFillClrLst/>
+    <dgm:txEffectClrLst/>
+  </dgm:styleLbl>
+  <dgm:styleLbl name="fgImgPlace1">
+    <dgm:fillClrLst meth="repeat">
+      <a:schemeClr val="accent1">
+        <a:tint val="50000"/>
+      </a:schemeClr>
+    </dgm:fillClrLst>
+    <dgm:linClrLst meth="repeat">
+      <a:schemeClr val="lt1"/>
+    </dgm:linClrLst>
+    <dgm:effectClrLst/>
+    <dgm:txLinClrLst/>
+    <dgm:txFillClrLst meth="repeat">
+      <a:schemeClr val="lt1"/>
+    </dgm:txFillClrLst>
+    <dgm:txEffectClrLst/>
+  </dgm:styleLbl>
+  <dgm:styleLbl name="alignImgPlace1">
+    <dgm:fillClrLst meth="repeat">
+      <a:schemeClr val="accent1">
+        <a:tint val="50000"/>
+      </a:schemeClr>
+    </dgm:fillClrLst>
+    <dgm:linClrLst meth="repeat">
+      <a:schemeClr val="lt1"/>
+    </dgm:linClrLst>
+    <dgm:effectClrLst/>
+    <dgm:txLinClrLst/>
+    <dgm:txFillClrLst meth="repeat">
+      <a:schemeClr val="lt1"/>
+    </dgm:txFillClrLst>
+    <dgm:txEffectClrLst/>
+  </dgm:styleLbl>
+  <dgm:styleLbl name="bgImgPlace1">
+    <dgm:fillClrLst meth="repeat">
+      <a:schemeClr val="accent1">
+        <a:tint val="50000"/>
+      </a:schemeClr>
+    </dgm:fillClrLst>
+    <dgm:linClrLst meth="repeat">
+      <a:schemeClr val="lt1"/>
+    </dgm:linClrLst>
+    <dgm:effectClrLst/>
+    <dgm:txLinClrLst/>
+    <dgm:txFillClrLst meth="repeat">
+      <a:schemeClr val="lt1"/>
+    </dgm:txFillClrLst>
+    <dgm:txEffectClrLst/>
+  </dgm:styleLbl>
+  <dgm:styleLbl name="sibTrans2D1">
+    <dgm:fillClrLst meth="repeat">
+      <a:schemeClr val="accent1">
+        <a:tint val="60000"/>
+      </a:schemeClr>
+    </dgm:fillClrLst>
+    <dgm:linClrLst meth="repeat">
+      <a:schemeClr val="accent1">
+        <a:tint val="60000"/>
+      </a:schemeClr>
+    </dgm:linClrLst>
+    <dgm:effectClrLst/>
+    <dgm:txLinClrLst/>
+    <dgm:txFillClrLst/>
+    <dgm:txEffectClrLst/>
+  </dgm:styleLbl>
+  <dgm:styleLbl name="fgSibTrans2D1">
+    <dgm:fillClrLst meth="repeat">
+      <a:schemeClr val="accent1">
+        <a:tint val="60000"/>
+      </a:schemeClr>
+    </dgm:fillClrLst>
+    <dgm:linClrLst meth="repeat">
+      <a:schemeClr val="accent1">
+        <a:tint val="60000"/>
+      </a:schemeClr>
+    </dgm:linClrLst>
+    <dgm:effectClrLst/>
+    <dgm:txLinClrLst/>
+    <dgm:txFillClrLst/>
+    <dgm:txEffectClrLst/>
+  </dgm:styleLbl>
+  <dgm:styleLbl name="bgSibTrans2D1">
+    <dgm:fillClrLst meth="repeat">
+      <a:schemeClr val="accent1">
+        <a:tint val="60000"/>
+      </a:schemeClr>
+    </dgm:fillClrLst>
+    <dgm:linClrLst meth="repeat">
+      <a:schemeClr val="accent1">
+        <a:tint val="60000"/>
+      </a:schemeClr>
+    </dgm:linClrLst>
+    <dgm:effectClrLst/>
+    <dgm:txLinClrLst/>
+    <dgm:txFillClrLst/>
+    <dgm:txEffectClrLst/>
+  </dgm:styleLbl>
+  <dgm:styleLbl name="sibTrans1D1">
+    <dgm:fillClrLst meth="repeat">
+      <a:schemeClr val="accent1"/>
+    </dgm:fillClrLst>
+    <dgm:linClrLst meth="repeat">
+      <a:schemeClr val="accent1"/>
+    </dgm:linClrLst>
+    <dgm:effectClrLst/>
+    <dgm:txLinClrLst/>
+    <dgm:txFillClrLst meth="repeat">
+      <a:schemeClr val="tx1"/>
+    </dgm:txFillClrLst>
+    <dgm:txEffectClrLst/>
+  </dgm:styleLbl>
+  <dgm:styleLbl name="callout">
+    <dgm:fillClrLst meth="repeat">
+      <a:schemeClr val="accent1"/>
+    </dgm:fillClrLst>
+    <dgm:linClrLst meth="repeat">
+      <a:schemeClr val="accent1">
+        <a:tint val="50000"/>
+      </a:schemeClr>
+    </dgm:linClrLst>
+    <dgm:effectClrLst/>
+    <dgm:txLinClrLst/>
+    <dgm:txFillClrLst meth="repeat">
+      <a:schemeClr val="tx1"/>
+    </dgm:txFillClrLst>
+    <dgm:txEffectClrLst/>
+  </dgm:styleLbl>
+  <dgm:styleLbl name="asst0">
+    <dgm:fillClrLst meth="repeat">
+      <a:schemeClr val="accent1"/>
+    </dgm:fillClrLst>
+    <dgm:linClrLst meth="repeat">
+      <a:schemeClr val="lt1"/>
+    </dgm:linClrLst>
+    <dgm:effectClrLst/>
+    <dgm:txLinClrLst/>
+    <dgm:txFillClrLst/>
+    <dgm:txEffectClrLst/>
+  </dgm:styleLbl>
+  <dgm:styleLbl name="asst1">
+    <dgm:fillClrLst meth="repeat">
+      <a:schemeClr val="accent1"/>
+    </dgm:fillClrLst>
+    <dgm:linClrLst meth="repeat">
+      <a:schemeClr val="lt1"/>
+    </dgm:linClrLst>
+    <dgm:effectClrLst/>
+    <dgm:txLinClrLst/>
+    <dgm:txFillClrLst/>
+    <dgm:txEffectClrLst/>
+  </dgm:styleLbl>
+  <dgm:styleLbl name="asst2">
+    <dgm:fillClrLst meth="repeat">
+      <a:schemeClr val="accent1"/>
+    </dgm:fillClrLst>
+    <dgm:linClrLst meth="repeat">
+      <a:schemeClr val="lt1"/>
+    </dgm:linClrLst>
+    <dgm:effectClrLst/>
+    <dgm:txLinClrLst/>
+    <dgm:txFillClrLst/>
+    <dgm:txEffectClrLst/>
+  </dgm:styleLbl>
+  <dgm:styleLbl name="asst3">
+    <dgm:fillClrLst meth="repeat">
+      <a:schemeClr val="accent1"/>
+    </dgm:fillClrLst>
+    <dgm:linClrLst meth="repeat">
+      <a:schemeClr val="lt1"/>
+    </dgm:linClrLst>
+    <dgm:effectClrLst/>
+    <dgm:txLinClrLst/>
+    <dgm:txFillClrLst/>
+    <dgm:txEffectClrLst/>
+  </dgm:styleLbl>
+  <dgm:styleLbl name="asst4">
+    <dgm:fillClrLst meth="repeat">
+      <a:schemeClr val="accent1"/>
+    </dgm:fillClrLst>
+    <dgm:linClrLst meth="repeat">
+      <a:schemeClr val="lt1"/>
+    </dgm:linClrLst>
+    <dgm:effectClrLst/>
+    <dgm:txLinClrLst/>
+    <dgm:txFillClrLst/>
+    <dgm:txEffectClrLst/>
+  </dgm:styleLbl>
+  <dgm:styleLbl name="parChTrans2D1">
+    <dgm:fillClrLst meth="repeat">
+      <a:schemeClr val="accent1">
+        <a:tint val="60000"/>
+      </a:schemeClr>
+    </dgm:fillClrLst>
+    <dgm:linClrLst meth="repeat">
+      <a:schemeClr val="accent1">
+        <a:tint val="60000"/>
+      </a:schemeClr>
+    </dgm:linClrLst>
+    <dgm:effectClrLst/>
+    <dgm:txLinClrLst/>
+    <dgm:txFillClrLst meth="repeat">
+      <a:schemeClr val="lt1"/>
+    </dgm:txFillClrLst>
+    <dgm:txEffectClrLst/>
+  </dgm:styleLbl>
+  <dgm:styleLbl name="parChTrans2D2">
+    <dgm:fillClrLst meth="repeat">
+      <a:schemeClr val="accent1"/>
+    </dgm:fillClrLst>
+    <dgm:linClrLst meth="repeat">
+      <a:schemeClr val="accent1"/>
+    </dgm:linClrLst>
+    <dgm:effectClrLst/>
+    <dgm:txLinClrLst/>
+    <dgm:txFillClrLst meth="repeat">
+      <a:schemeClr val="lt1"/>
+    </dgm:txFillClrLst>
+    <dgm:txEffectClrLst/>
+  </dgm:styleLbl>
+  <dgm:styleLbl name="parChTrans2D3">
+    <dgm:fillClrLst meth="repeat">
+      <a:schemeClr val="accent1"/>
+    </dgm:fillClrLst>
+    <dgm:linClrLst meth="repeat">
+      <a:schemeClr val="accent1"/>
+    </dgm:linClrLst>
+    <dgm:effectClrLst/>
+    <dgm:txLinClrLst/>
+    <dgm:txFillClrLst meth="repeat">
+      <a:schemeClr val="lt1"/>
+    </dgm:txFillClrLst>
+    <dgm:txEffectClrLst/>
+  </dgm:styleLbl>
+  <dgm:styleLbl name="parChTrans2D4">
+    <dgm:fillClrLst meth="repeat">
+      <a:schemeClr val="accent1"/>
+    </dgm:fillClrLst>
+    <dgm:linClrLst meth="repeat">
+      <a:schemeClr val="accent1"/>
+    </dgm:linClrLst>
+    <dgm:effectClrLst/>
+    <dgm:txLinClrLst/>
+    <dgm:txFillClrLst meth="repeat">
+      <a:schemeClr val="lt1"/>
+    </dgm:txFillClrLst>
+    <dgm:txEffectClrLst/>
+  </dgm:styleLbl>
+  <dgm:styleLbl name="parChTrans1D1">
+    <dgm:fillClrLst meth="repeat">
+      <a:schemeClr val="accent1"/>
+    </dgm:fillClrLst>
+    <dgm:linClrLst meth="repeat">
+      <a:schemeClr val="accent1">
+        <a:shade val="60000"/>
+      </a:schemeClr>
+    </dgm:linClrLst>
+    <dgm:effectClrLst/>
+    <dgm:txLinClrLst/>
+    <dgm:txFillClrLst meth="repeat">
+      <a:schemeClr val="tx1"/>
+    </dgm:txFillClrLst>
+    <dgm:txEffectClrLst/>
+  </dgm:styleLbl>
+  <dgm:styleLbl name="parChTrans1D2">
+    <dgm:fillClrLst meth="repeat">
+      <a:schemeClr val="accent1"/>
+    </dgm:fillClrLst>
+    <dgm:linClrLst meth="repeat">
+      <a:schemeClr val="accent1">
+        <a:shade val="60000"/>
+      </a:schemeClr>
+    </dgm:linClrLst>
+    <dgm:effectClrLst/>
+    <dgm:txLinClrLst/>
+    <dgm:txFillClrLst meth="repeat">
+      <a:schemeClr val="tx1"/>
+    </dgm:txFillClrLst>
+    <dgm:txEffectClrLst/>
+  </dgm:styleLbl>
+  <dgm:styleLbl name="parChTrans1D3">
+    <dgm:fillClrLst meth="repeat">
+      <a:schemeClr val="accent1"/>
+    </dgm:fillClrLst>
+    <dgm:linClrLst meth="repeat">
+      <a:schemeClr val="accent1">
+        <a:shade val="80000"/>
+      </a:schemeClr>
+    </dgm:linClrLst>
+    <dgm:effectClrLst/>
+    <dgm:txLinClrLst/>
+    <dgm:txFillClrLst meth="repeat">
+      <a:schemeClr val="tx1"/>
+    </dgm:txFillClrLst>
+    <dgm:txEffectClrLst/>
+  </dgm:styleLbl>
+  <dgm:styleLbl name="parChTrans1D4">
+    <dgm:fillClrLst meth="repeat">
+      <a:schemeClr val="accent1"/>
+    </dgm:fillClrLst>
+    <dgm:linClrLst meth="repeat">
+      <a:schemeClr val="accent1">
+        <a:shade val="80000"/>
+      </a:schemeClr>
+    </dgm:linClrLst>
+    <dgm:effectClrLst/>
+    <dgm:txLinClrLst/>
+    <dgm:txFillClrLst meth="repeat">
+      <a:schemeClr val="tx1"/>
+    </dgm:txFillClrLst>
+    <dgm:txEffectClrLst/>
+  </dgm:styleLbl>
+  <dgm:styleLbl name="fgAcc1">
+    <dgm:fillClrLst meth="repeat">
+      <a:schemeClr val="lt1">
+        <a:alpha val="90000"/>
+      </a:schemeClr>
+    </dgm:fillClrLst>
+    <dgm:linClrLst meth="repeat">
+      <a:schemeClr val="accent1"/>
+    </dgm:linClrLst>
+    <dgm:effectClrLst/>
+    <dgm:txLinClrLst/>
+    <dgm:txFillClrLst meth="repeat">
+      <a:schemeClr val="dk1"/>
+    </dgm:txFillClrLst>
+    <dgm:txEffectClrLst/>
+  </dgm:styleLbl>
+  <dgm:styleLbl name="conFgAcc1">
+    <dgm:fillClrLst meth="repeat">
+      <a:schemeClr val="lt1">
+        <a:alpha val="90000"/>
+      </a:schemeClr>
+    </dgm:fillClrLst>
+    <dgm:linClrLst meth="repeat">
+      <a:schemeClr val="accent1"/>
+    </dgm:linClrLst>
+    <dgm:effectClrLst/>
+    <dgm:txLinClrLst/>
+    <dgm:txFillClrLst meth="repeat">
+      <a:schemeClr val="dk1"/>
+    </dgm:txFillClrLst>
+    <dgm:txEffectClrLst/>
+  </dgm:styleLbl>
+  <dgm:styleLbl name="alignAcc1">
+    <dgm:fillClrLst meth="repeat">
+      <a:schemeClr val="lt1">
+        <a:alpha val="90000"/>
+      </a:schemeClr>
+    </dgm:fillClrLst>
+    <dgm:linClrLst meth="repeat">
+      <a:schemeClr val="accent1"/>
+    </dgm:linClrLst>
+    <dgm:effectClrLst/>
+    <dgm:txLinClrLst/>
+    <dgm:txFillClrLst meth="repeat">
+      <a:schemeClr val="dk1"/>
+    </dgm:txFillClrLst>
+    <dgm:txEffectClrLst/>
+  </dgm:styleLbl>
+  <dgm:styleLbl name="trAlignAcc1">
+    <dgm:fillClrLst meth="repeat">
+      <a:schemeClr val="lt1">
+        <a:alpha val="40000"/>
+      </a:schemeClr>
+    </dgm:fillClrLst>
+    <dgm:linClrLst meth="repeat">
+      <a:schemeClr val="accent1"/>
+    </dgm:linClrLst>
+    <dgm:effectClrLst/>
+    <dgm:txLinClrLst/>
+    <dgm:txFillClrLst meth="repeat">
+      <a:schemeClr val="dk1"/>
+    </dgm:txFillClrLst>
+    <dgm:txEffectClrLst/>
+  </dgm:styleLbl>
+  <dgm:styleLbl name="bgAcc1">
+    <dgm:fillClrLst meth="repeat">
+      <a:schemeClr val="lt1">
+        <a:alpha val="90000"/>
+      </a:schemeClr>
+    </dgm:fillClrLst>
+    <dgm:linClrLst meth="repeat">
+      <a:schemeClr val="accent1"/>
+    </dgm:linClrLst>
+    <dgm:effectClrLst/>
+    <dgm:txLinClrLst/>
+    <dgm:txFillClrLst meth="repeat">
+      <a:schemeClr val="dk1"/>
+    </dgm:txFillClrLst>
+    <dgm:txEffectClrLst/>
+  </dgm:styleLbl>
+  <dgm:styleLbl name="solidFgAcc1">
+    <dgm:fillClrLst meth="repeat">
+      <a:schemeClr val="lt1"/>
+    </dgm:fillClrLst>
+    <dgm:linClrLst meth="repeat">
+      <a:schemeClr val="accent1"/>
+    </dgm:linClrLst>
+    <dgm:effectClrLst/>
+    <dgm:txLinClrLst/>
+    <dgm:txFillClrLst meth="repeat">
+      <a:schemeClr val="dk1"/>
+    </dgm:txFillClrLst>
+    <dgm:txEffectClrLst/>
+  </dgm:styleLbl>
+  <dgm:styleLbl name="solidAlignAcc1">
+    <dgm:fillClrLst meth="repeat">
+      <a:schemeClr val="lt1"/>
+    </dgm:fillClrLst>
+    <dgm:linClrLst meth="repeat">
+      <a:schemeClr val="accent1"/>
+    </dgm:linClrLst>
+    <dgm:effectClrLst/>
+    <dgm:txLinClrLst/>
+    <dgm:txFillClrLst meth="repeat">
+      <a:schemeClr val="dk1"/>
+    </dgm:txFillClrLst>
+    <dgm:txEffectClrLst/>
+  </dgm:styleLbl>
+  <dgm:styleLbl name="solidBgAcc1">
+    <dgm:fillClrLst meth="repeat">
+      <a:schemeClr val="lt1"/>
+    </dgm:fillClrLst>
+    <dgm:linClrLst meth="repeat">
+      <a:schemeClr val="accent1"/>
+    </dgm:linClrLst>
+    <dgm:effectClrLst/>
+    <dgm:txLinClrLst/>
+    <dgm:txFillClrLst meth="repeat">
+      <a:schemeClr val="dk1"/>
+    </dgm:txFillClrLst>
+    <dgm:txEffectClrLst/>
+  </dgm:styleLbl>
+  <dgm:styleLbl name="fgAccFollowNode1">
+    <dgm:fillClrLst meth="repeat">
+      <a:schemeClr val="accent1">
+        <a:alpha val="90000"/>
+        <a:tint val="40000"/>
+      </a:schemeClr>
+    </dgm:fillClrLst>
+    <dgm:linClrLst meth="repeat">
+      <a:schemeClr val="accent1">
+        <a:alpha val="90000"/>
+        <a:tint val="40000"/>
+      </a:schemeClr>
+    </dgm:linClrLst>
+    <dgm:effectClrLst/>
+    <dgm:txLinClrLst/>
+    <dgm:txFillClrLst meth="repeat">
+      <a:schemeClr val="dk1"/>
+    </dgm:txFillClrLst>
+    <dgm:txEffectClrLst/>
+  </dgm:styleLbl>
+  <dgm:styleLbl name="alignAccFollowNode1">
+    <dgm:fillClrLst meth="repeat">
+      <a:schemeClr val="accent1">
+        <a:alpha val="90000"/>
+        <a:tint val="40000"/>
+      </a:schemeClr>
+    </dgm:fillClrLst>
+    <dgm:linClrLst meth="repeat">
+      <a:schemeClr val="accent1">
+        <a:alpha val="90000"/>
+        <a:tint val="40000"/>
+      </a:schemeClr>
+    </dgm:linClrLst>
+    <dgm:effectClrLst/>
+    <dgm:txLinClrLst/>
+    <dgm:txFillClrLst meth="repeat">
+      <a:schemeClr val="dk1"/>
+    </dgm:txFillClrLst>
+    <dgm:txEffectClrLst/>
+  </dgm:styleLbl>
+  <dgm:styleLbl name="bgAccFollowNode1">
+    <dgm:fillClrLst meth="repeat">
+      <a:schemeClr val="accent1">
+        <a:alpha val="90000"/>
+        <a:tint val="40000"/>
+      </a:schemeClr>
+    </dgm:fillClrLst>
+    <dgm:linClrLst meth="repeat">
+      <a:schemeClr val="accent1">
+        <a:alpha val="90000"/>
+        <a:tint val="40000"/>
+      </a:schemeClr>
+    </dgm:linClrLst>
+    <dgm:effectClrLst/>
+    <dgm:txLinClrLst/>
+    <dgm:txFillClrLst meth="repeat">
+      <a:schemeClr val="dk1"/>
+    </dgm:txFillClrLst>
+    <dgm:txEffectClrLst/>
+  </dgm:styleLbl>
+  <dgm:styleLbl name="fgAcc0">
+    <dgm:fillClrLst meth="repeat">
+      <a:schemeClr val="lt1">
+        <a:alpha val="90000"/>
+      </a:schemeClr>
+    </dgm:fillClrLst>
+    <dgm:linClrLst meth="repeat">
+      <a:schemeClr val="accent1"/>
+    </dgm:linClrLst>
+    <dgm:effectClrLst/>
+    <dgm:txLinClrLst/>
+    <dgm:txFillClrLst meth="repeat">
+      <a:schemeClr val="dk1"/>
+    </dgm:txFillClrLst>
+    <dgm:txEffectClrLst/>
+  </dgm:styleLbl>
+  <dgm:styleLbl name="fgAcc2">
+    <dgm:fillClrLst meth="repeat">
+      <a:schemeClr val="lt1">
+        <a:alpha val="90000"/>
+      </a:schemeClr>
+    </dgm:fillClrLst>
+    <dgm:linClrLst meth="repeat">
+      <a:schemeClr val="accent1"/>
+    </dgm:linClrLst>
+    <dgm:effectClrLst/>
+    <dgm:txLinClrLst/>
+    <dgm:txFillClrLst meth="repeat">
+      <a:schemeClr val="dk1"/>
+    </dgm:txFillClrLst>
+    <dgm:txEffectClrLst/>
+  </dgm:styleLbl>
+  <dgm:styleLbl name="fgAcc3">
+    <dgm:fillClrLst meth="repeat">
+      <a:schemeClr val="lt1">
+        <a:alpha val="90000"/>
+      </a:schemeClr>
+    </dgm:fillClrLst>
+    <dgm:linClrLst meth="repeat">
+      <a:schemeClr val="accent1"/>
+    </dgm:linClrLst>
+    <dgm:effectClrLst/>
+    <dgm:txLinClrLst/>
+    <dgm:txFillClrLst meth="repeat">
+      <a:schemeClr val="dk1"/>
+    </dgm:txFillClrLst>
+    <dgm:txEffectClrLst/>
+  </dgm:styleLbl>
+  <dgm:styleLbl name="fgAcc4">
+    <dgm:fillClrLst meth="repeat">
+      <a:schemeClr val="lt1">
+        <a:alpha val="90000"/>
+      </a:schemeClr>
+    </dgm:fillClrLst>
+    <dgm:linClrLst meth="repeat">
+      <a:schemeClr val="accent1"/>
+    </dgm:linClrLst>
+    <dgm:effectClrLst/>
+    <dgm:txLinClrLst/>
+    <dgm:txFillClrLst meth="repeat">
+      <a:schemeClr val="dk1"/>
+    </dgm:txFillClrLst>
+    <dgm:txEffectClrLst/>
+  </dgm:styleLbl>
+  <dgm:styleLbl name="bgShp">
+    <dgm:fillClrLst meth="repeat">
+      <a:schemeClr val="accent1">
+        <a:tint val="40000"/>
+      </a:schemeClr>
+    </dgm:fillClrLst>
+    <dgm:linClrLst meth="repeat">
+      <a:schemeClr val="accent1"/>
+    </dgm:linClrLst>
+    <dgm:effectClrLst/>
+    <dgm:txLinClrLst/>
+    <dgm:txFillClrLst meth="repeat">
+      <a:schemeClr val="dk1"/>
+    </dgm:txFillClrLst>
+    <dgm:txEffectClrLst/>
+  </dgm:styleLbl>
+  <dgm:styleLbl name="dkBgShp">
+    <dgm:fillClrLst meth="repeat">
+      <a:schemeClr val="accent1">
+        <a:shade val="80000"/>
+      </a:schemeClr>
+    </dgm:fillClrLst>
+    <dgm:linClrLst meth="repeat">
+      <a:schemeClr val="accent1"/>
+    </dgm:linClrLst>
+    <dgm:effectClrLst/>
+    <dgm:txLinClrLst/>
+    <dgm:txFillClrLst meth="repeat">
+      <a:schemeClr val="lt1"/>
+    </dgm:txFillClrLst>
+    <dgm:txEffectClrLst/>
+  </dgm:styleLbl>
+  <dgm:styleLbl name="trBgShp">
+    <dgm:fillClrLst meth="repeat">
+      <a:schemeClr val="accent1">
+        <a:tint val="50000"/>
+        <a:alpha val="40000"/>
+      </a:schemeClr>
+    </dgm:fillClrLst>
+    <dgm:linClrLst meth="repeat">
+      <a:schemeClr val="accent1"/>
+    </dgm:linClrLst>
+    <dgm:effectClrLst/>
+    <dgm:txLinClrLst/>
+    <dgm:txFillClrLst meth="repeat">
+      <a:schemeClr val="lt1"/>
+    </dgm:txFillClrLst>
+    <dgm:txEffectClrLst/>
+  </dgm:styleLbl>
+  <dgm:styleLbl name="fgShp">
+    <dgm:fillClrLst meth="repeat">
+      <a:schemeClr val="accent1">
+        <a:tint val="60000"/>
       </a:schemeClr>
     </dgm:fillClrLst>
     <dgm:linClrLst meth="repeat">
@@ -2658,6 +3409,338 @@
     <dgm:cxn modelId="{43CCAC3D-3532-7545-B543-2AF8056CE556}" type="presParOf" srcId="{2C4BF58A-8DAB-AE45-915D-5846F66E9435}" destId="{9669DFD5-C1FC-E249-AF9E-832673C3F962}" srcOrd="0" destOrd="0" presId="urn:microsoft.com/office/officeart/2005/8/layout/hProcess11"/>
     <dgm:cxn modelId="{C8E910B4-C755-AD4F-AC30-EF67FCA575FD}" type="presParOf" srcId="{2C4BF58A-8DAB-AE45-915D-5846F66E9435}" destId="{B2FA986B-E845-C148-B51D-554E84557B4A}" srcOrd="1" destOrd="0" presId="urn:microsoft.com/office/officeart/2005/8/layout/hProcess11"/>
     <dgm:cxn modelId="{0469B621-B794-9047-9BEF-E770CA595BB3}" type="presParOf" srcId="{2C4BF58A-8DAB-AE45-915D-5846F66E9435}" destId="{B2E9AA54-7FFE-0641-AB44-0315C1026401}" srcOrd="2" destOrd="0" presId="urn:microsoft.com/office/officeart/2005/8/layout/hProcess11"/>
+  </dgm:cxnLst>
+  <dgm:bg/>
+  <dgm:whole/>
+  <dgm:extLst>
+    <a:ext uri="http://schemas.microsoft.com/office/drawing/2008/diagram">
+      <dsp:dataModelExt xmlns:dsp="http://schemas.microsoft.com/office/drawing/2008/diagram" relId="rId6" minVer="http://schemas.openxmlformats.org/drawingml/2006/diagram"/>
+    </a:ext>
+  </dgm:extLst>
+</dgm:dataModel>
+</file>
+
+<file path=ppt/diagrams/data3.xml><?xml version="1.0" encoding="utf-8"?>
+<dgm:dataModel xmlns:dgm="http://schemas.openxmlformats.org/drawingml/2006/diagram" xmlns:a="http://schemas.openxmlformats.org/drawingml/2006/main">
+  <dgm:ptLst>
+    <dgm:pt modelId="{35437AF2-1223-3B4A-82F9-AAEC0B6EEB06}" type="doc">
+      <dgm:prSet loTypeId="urn:microsoft.com/office/officeart/2005/8/layout/cycle2" loCatId="" qsTypeId="urn:microsoft.com/office/officeart/2005/8/quickstyle/simple1" qsCatId="simple" csTypeId="urn:microsoft.com/office/officeart/2005/8/colors/accent1_2" csCatId="accent1" phldr="1"/>
+      <dgm:spPr/>
+      <dgm:t>
+        <a:bodyPr/>
+        <a:lstStyle/>
+        <a:p>
+          <a:endParaRPr lang="en-GB"/>
+        </a:p>
+      </dgm:t>
+    </dgm:pt>
+    <dgm:pt modelId="{1D8E4D17-C432-A04D-A402-3A210E960CF3}">
+      <dgm:prSet phldrT="[Text]"/>
+      <dgm:spPr/>
+      <dgm:t>
+        <a:bodyPr/>
+        <a:lstStyle/>
+        <a:p>
+          <a:r>
+            <a:rPr lang="en-GB" dirty="0"/>
+            <a:t>Forecast Contests</a:t>
+          </a:r>
+        </a:p>
+      </dgm:t>
+    </dgm:pt>
+    <dgm:pt modelId="{7918CB25-3225-D747-B389-9204F062849E}" type="parTrans" cxnId="{FD0CF9AE-C373-FC4B-9500-61D4356DC033}">
+      <dgm:prSet/>
+      <dgm:spPr/>
+      <dgm:t>
+        <a:bodyPr/>
+        <a:lstStyle/>
+        <a:p>
+          <a:endParaRPr lang="en-GB"/>
+        </a:p>
+      </dgm:t>
+    </dgm:pt>
+    <dgm:pt modelId="{7B37C5E7-C898-354B-9B74-E6BCB05E668F}" type="sibTrans" cxnId="{FD0CF9AE-C373-FC4B-9500-61D4356DC033}">
+      <dgm:prSet/>
+      <dgm:spPr/>
+      <dgm:t>
+        <a:bodyPr/>
+        <a:lstStyle/>
+        <a:p>
+          <a:endParaRPr lang="en-GB"/>
+        </a:p>
+      </dgm:t>
+    </dgm:pt>
+    <dgm:pt modelId="{078C8BD2-7B08-6346-BEDB-879282E28721}">
+      <dgm:prSet phldrT="[Text]"/>
+      <dgm:spPr/>
+      <dgm:t>
+        <a:bodyPr/>
+        <a:lstStyle/>
+        <a:p>
+          <a:r>
+            <a:rPr lang="en-GB" dirty="0"/>
+            <a:t>New Tools &amp; Techniques</a:t>
+          </a:r>
+        </a:p>
+      </dgm:t>
+    </dgm:pt>
+    <dgm:pt modelId="{36DC6F13-347A-2C4F-8A72-25529873A284}" type="parTrans" cxnId="{9D352E74-7102-BF4F-8916-EFB5DFB28F79}">
+      <dgm:prSet/>
+      <dgm:spPr/>
+      <dgm:t>
+        <a:bodyPr/>
+        <a:lstStyle/>
+        <a:p>
+          <a:endParaRPr lang="en-GB"/>
+        </a:p>
+      </dgm:t>
+    </dgm:pt>
+    <dgm:pt modelId="{9E873ECD-D67A-C54B-883F-500B032421AF}" type="sibTrans" cxnId="{9D352E74-7102-BF4F-8916-EFB5DFB28F79}">
+      <dgm:prSet/>
+      <dgm:spPr/>
+      <dgm:t>
+        <a:bodyPr/>
+        <a:lstStyle/>
+        <a:p>
+          <a:endParaRPr lang="en-GB"/>
+        </a:p>
+      </dgm:t>
+    </dgm:pt>
+    <dgm:pt modelId="{0BEFDF3A-FCD6-A041-9434-86466C904726}">
+      <dgm:prSet phldrT="[Text]"/>
+      <dgm:spPr/>
+      <dgm:t>
+        <a:bodyPr/>
+        <a:lstStyle/>
+        <a:p>
+          <a:r>
+            <a:rPr lang="en-GB" dirty="0"/>
+            <a:t>Novel Insights</a:t>
+          </a:r>
+        </a:p>
+      </dgm:t>
+    </dgm:pt>
+    <dgm:pt modelId="{AFFD0298-B51B-9048-8866-BB8D635142D4}" type="parTrans" cxnId="{0E30BBBB-B74C-214D-8E37-C68302788348}">
+      <dgm:prSet/>
+      <dgm:spPr/>
+      <dgm:t>
+        <a:bodyPr/>
+        <a:lstStyle/>
+        <a:p>
+          <a:endParaRPr lang="en-GB"/>
+        </a:p>
+      </dgm:t>
+    </dgm:pt>
+    <dgm:pt modelId="{CC404DD9-AA44-0743-A065-CA1EC51C8135}" type="sibTrans" cxnId="{0E30BBBB-B74C-214D-8E37-C68302788348}">
+      <dgm:prSet/>
+      <dgm:spPr/>
+      <dgm:t>
+        <a:bodyPr/>
+        <a:lstStyle/>
+        <a:p>
+          <a:endParaRPr lang="en-GB"/>
+        </a:p>
+      </dgm:t>
+    </dgm:pt>
+    <dgm:pt modelId="{7D373A84-0391-9147-B47B-4298E5AF4A05}">
+      <dgm:prSet phldrT="[Text]"/>
+      <dgm:spPr/>
+      <dgm:t>
+        <a:bodyPr/>
+        <a:lstStyle/>
+        <a:p>
+          <a:r>
+            <a:rPr lang="en-GB" dirty="0"/>
+            <a:t>Growth &amp; Improvement</a:t>
+          </a:r>
+        </a:p>
+      </dgm:t>
+    </dgm:pt>
+    <dgm:pt modelId="{7DC89AF2-E45F-2B4E-AAB3-C39CBAC9E3B2}" type="parTrans" cxnId="{2BE07309-E3BB-874F-9CE8-35105A3F33A8}">
+      <dgm:prSet/>
+      <dgm:spPr/>
+      <dgm:t>
+        <a:bodyPr/>
+        <a:lstStyle/>
+        <a:p>
+          <a:endParaRPr lang="en-GB"/>
+        </a:p>
+      </dgm:t>
+    </dgm:pt>
+    <dgm:pt modelId="{1734BF62-8CF4-5B40-95C6-173B057283A1}" type="sibTrans" cxnId="{2BE07309-E3BB-874F-9CE8-35105A3F33A8}">
+      <dgm:prSet/>
+      <dgm:spPr/>
+      <dgm:t>
+        <a:bodyPr/>
+        <a:lstStyle/>
+        <a:p>
+          <a:endParaRPr lang="en-GB"/>
+        </a:p>
+      </dgm:t>
+    </dgm:pt>
+    <dgm:pt modelId="{266E7C3E-0EA8-0A40-B378-F4AC421D72C4}">
+      <dgm:prSet phldrT="[Text]"/>
+      <dgm:spPr/>
+      <dgm:t>
+        <a:bodyPr/>
+        <a:lstStyle/>
+        <a:p>
+          <a:r>
+            <a:rPr lang="en-GB" dirty="0"/>
+            <a:t>New Questions</a:t>
+          </a:r>
+        </a:p>
+      </dgm:t>
+    </dgm:pt>
+    <dgm:pt modelId="{15E84546-D709-AA4B-AB4B-2F3575BA2069}" type="parTrans" cxnId="{8AE78A78-5218-FB4A-992F-5C7D7F02807A}">
+      <dgm:prSet/>
+      <dgm:spPr/>
+      <dgm:t>
+        <a:bodyPr/>
+        <a:lstStyle/>
+        <a:p>
+          <a:endParaRPr lang="en-GB"/>
+        </a:p>
+      </dgm:t>
+    </dgm:pt>
+    <dgm:pt modelId="{40C277D3-DD2E-CA44-B4D5-79BE21699BFA}" type="sibTrans" cxnId="{8AE78A78-5218-FB4A-992F-5C7D7F02807A}">
+      <dgm:prSet/>
+      <dgm:spPr/>
+      <dgm:t>
+        <a:bodyPr/>
+        <a:lstStyle/>
+        <a:p>
+          <a:endParaRPr lang="en-GB"/>
+        </a:p>
+      </dgm:t>
+    </dgm:pt>
+    <dgm:pt modelId="{9A60DD20-2DC2-C646-86BA-129C5888A0A5}" type="pres">
+      <dgm:prSet presAssocID="{35437AF2-1223-3B4A-82F9-AAEC0B6EEB06}" presName="cycle" presStyleCnt="0">
+        <dgm:presLayoutVars>
+          <dgm:dir/>
+          <dgm:resizeHandles val="exact"/>
+        </dgm:presLayoutVars>
+      </dgm:prSet>
+      <dgm:spPr/>
+    </dgm:pt>
+    <dgm:pt modelId="{97B77574-CF2B-FC4C-987B-F880C9D46608}" type="pres">
+      <dgm:prSet presAssocID="{1D8E4D17-C432-A04D-A402-3A210E960CF3}" presName="node" presStyleLbl="node1" presStyleIdx="0" presStyleCnt="5">
+        <dgm:presLayoutVars>
+          <dgm:bulletEnabled val="1"/>
+        </dgm:presLayoutVars>
+      </dgm:prSet>
+      <dgm:spPr/>
+    </dgm:pt>
+    <dgm:pt modelId="{34C96259-A4D7-2141-9889-8E711C6F162B}" type="pres">
+      <dgm:prSet presAssocID="{7B37C5E7-C898-354B-9B74-E6BCB05E668F}" presName="sibTrans" presStyleLbl="sibTrans2D1" presStyleIdx="0" presStyleCnt="5"/>
+      <dgm:spPr/>
+    </dgm:pt>
+    <dgm:pt modelId="{7B6F4A47-F4FB-3D40-A8AA-605187A1CB74}" type="pres">
+      <dgm:prSet presAssocID="{7B37C5E7-C898-354B-9B74-E6BCB05E668F}" presName="connectorText" presStyleLbl="sibTrans2D1" presStyleIdx="0" presStyleCnt="5"/>
+      <dgm:spPr/>
+    </dgm:pt>
+    <dgm:pt modelId="{31EF5F06-A685-0941-8310-64BF19310073}" type="pres">
+      <dgm:prSet presAssocID="{078C8BD2-7B08-6346-BEDB-879282E28721}" presName="node" presStyleLbl="node1" presStyleIdx="1" presStyleCnt="5">
+        <dgm:presLayoutVars>
+          <dgm:bulletEnabled val="1"/>
+        </dgm:presLayoutVars>
+      </dgm:prSet>
+      <dgm:spPr/>
+    </dgm:pt>
+    <dgm:pt modelId="{246A2E08-B0C7-144D-9E57-DF26D728659D}" type="pres">
+      <dgm:prSet presAssocID="{9E873ECD-D67A-C54B-883F-500B032421AF}" presName="sibTrans" presStyleLbl="sibTrans2D1" presStyleIdx="1" presStyleCnt="5"/>
+      <dgm:spPr/>
+    </dgm:pt>
+    <dgm:pt modelId="{B2DD5FA2-1897-BC45-8F89-B3C1C312CB6F}" type="pres">
+      <dgm:prSet presAssocID="{9E873ECD-D67A-C54B-883F-500B032421AF}" presName="connectorText" presStyleLbl="sibTrans2D1" presStyleIdx="1" presStyleCnt="5"/>
+      <dgm:spPr/>
+    </dgm:pt>
+    <dgm:pt modelId="{304374FA-011A-E940-BC96-5E24C3CCC5FF}" type="pres">
+      <dgm:prSet presAssocID="{0BEFDF3A-FCD6-A041-9434-86466C904726}" presName="node" presStyleLbl="node1" presStyleIdx="2" presStyleCnt="5">
+        <dgm:presLayoutVars>
+          <dgm:bulletEnabled val="1"/>
+        </dgm:presLayoutVars>
+      </dgm:prSet>
+      <dgm:spPr/>
+    </dgm:pt>
+    <dgm:pt modelId="{957C1E35-782E-0F48-83AA-FAA22E6B3EFD}" type="pres">
+      <dgm:prSet presAssocID="{CC404DD9-AA44-0743-A065-CA1EC51C8135}" presName="sibTrans" presStyleLbl="sibTrans2D1" presStyleIdx="2" presStyleCnt="5"/>
+      <dgm:spPr/>
+    </dgm:pt>
+    <dgm:pt modelId="{5C9C4567-4EAB-E74C-AA89-2A4BD2AF67CE}" type="pres">
+      <dgm:prSet presAssocID="{CC404DD9-AA44-0743-A065-CA1EC51C8135}" presName="connectorText" presStyleLbl="sibTrans2D1" presStyleIdx="2" presStyleCnt="5"/>
+      <dgm:spPr/>
+    </dgm:pt>
+    <dgm:pt modelId="{D074EF4C-843C-6E46-BA90-F3C68C9512B5}" type="pres">
+      <dgm:prSet presAssocID="{7D373A84-0391-9147-B47B-4298E5AF4A05}" presName="node" presStyleLbl="node1" presStyleIdx="3" presStyleCnt="5">
+        <dgm:presLayoutVars>
+          <dgm:bulletEnabled val="1"/>
+        </dgm:presLayoutVars>
+      </dgm:prSet>
+      <dgm:spPr/>
+    </dgm:pt>
+    <dgm:pt modelId="{4E8D1995-99E8-034C-9B3E-72B224ACB4E1}" type="pres">
+      <dgm:prSet presAssocID="{1734BF62-8CF4-5B40-95C6-173B057283A1}" presName="sibTrans" presStyleLbl="sibTrans2D1" presStyleIdx="3" presStyleCnt="5"/>
+      <dgm:spPr/>
+    </dgm:pt>
+    <dgm:pt modelId="{C6F0558B-D7E8-BB4E-AEA2-CEDF81043FE2}" type="pres">
+      <dgm:prSet presAssocID="{1734BF62-8CF4-5B40-95C6-173B057283A1}" presName="connectorText" presStyleLbl="sibTrans2D1" presStyleIdx="3" presStyleCnt="5"/>
+      <dgm:spPr/>
+    </dgm:pt>
+    <dgm:pt modelId="{79A66B19-B3D2-B04A-B7A5-7E1CB6C2B92E}" type="pres">
+      <dgm:prSet presAssocID="{266E7C3E-0EA8-0A40-B378-F4AC421D72C4}" presName="node" presStyleLbl="node1" presStyleIdx="4" presStyleCnt="5">
+        <dgm:presLayoutVars>
+          <dgm:bulletEnabled val="1"/>
+        </dgm:presLayoutVars>
+      </dgm:prSet>
+      <dgm:spPr/>
+    </dgm:pt>
+    <dgm:pt modelId="{E3DC770E-C984-8D45-82B9-5B21C0C72FA0}" type="pres">
+      <dgm:prSet presAssocID="{40C277D3-DD2E-CA44-B4D5-79BE21699BFA}" presName="sibTrans" presStyleLbl="sibTrans2D1" presStyleIdx="4" presStyleCnt="5"/>
+      <dgm:spPr/>
+    </dgm:pt>
+    <dgm:pt modelId="{97438F33-2657-1749-A82B-0D396C3CF3E4}" type="pres">
+      <dgm:prSet presAssocID="{40C277D3-DD2E-CA44-B4D5-79BE21699BFA}" presName="connectorText" presStyleLbl="sibTrans2D1" presStyleIdx="4" presStyleCnt="5"/>
+      <dgm:spPr/>
+    </dgm:pt>
+  </dgm:ptLst>
+  <dgm:cxnLst>
+    <dgm:cxn modelId="{F87A2805-D5C1-B949-8BAA-770CA44509A9}" type="presOf" srcId="{7D373A84-0391-9147-B47B-4298E5AF4A05}" destId="{D074EF4C-843C-6E46-BA90-F3C68C9512B5}" srcOrd="0" destOrd="0" presId="urn:microsoft.com/office/officeart/2005/8/layout/cycle2"/>
+    <dgm:cxn modelId="{2BE07309-E3BB-874F-9CE8-35105A3F33A8}" srcId="{35437AF2-1223-3B4A-82F9-AAEC0B6EEB06}" destId="{7D373A84-0391-9147-B47B-4298E5AF4A05}" srcOrd="3" destOrd="0" parTransId="{7DC89AF2-E45F-2B4E-AAB3-C39CBAC9E3B2}" sibTransId="{1734BF62-8CF4-5B40-95C6-173B057283A1}"/>
+    <dgm:cxn modelId="{C03F1F10-BB48-E24E-A320-D53FE938A3AE}" type="presOf" srcId="{1D8E4D17-C432-A04D-A402-3A210E960CF3}" destId="{97B77574-CF2B-FC4C-987B-F880C9D46608}" srcOrd="0" destOrd="0" presId="urn:microsoft.com/office/officeart/2005/8/layout/cycle2"/>
+    <dgm:cxn modelId="{80BE4116-4AA0-8142-B88A-45DFE7D5A43E}" type="presOf" srcId="{CC404DD9-AA44-0743-A065-CA1EC51C8135}" destId="{5C9C4567-4EAB-E74C-AA89-2A4BD2AF67CE}" srcOrd="1" destOrd="0" presId="urn:microsoft.com/office/officeart/2005/8/layout/cycle2"/>
+    <dgm:cxn modelId="{A3003F34-F0B7-3345-AB69-0981E33473AC}" type="presOf" srcId="{CC404DD9-AA44-0743-A065-CA1EC51C8135}" destId="{957C1E35-782E-0F48-83AA-FAA22E6B3EFD}" srcOrd="0" destOrd="0" presId="urn:microsoft.com/office/officeart/2005/8/layout/cycle2"/>
+    <dgm:cxn modelId="{62961B44-90F3-DA49-8470-0AE76D17E718}" type="presOf" srcId="{9E873ECD-D67A-C54B-883F-500B032421AF}" destId="{246A2E08-B0C7-144D-9E57-DF26D728659D}" srcOrd="0" destOrd="0" presId="urn:microsoft.com/office/officeart/2005/8/layout/cycle2"/>
+    <dgm:cxn modelId="{9440D045-E852-F24A-905D-41DA29F552B9}" type="presOf" srcId="{1734BF62-8CF4-5B40-95C6-173B057283A1}" destId="{4E8D1995-99E8-034C-9B3E-72B224ACB4E1}" srcOrd="0" destOrd="0" presId="urn:microsoft.com/office/officeart/2005/8/layout/cycle2"/>
+    <dgm:cxn modelId="{59624E5D-B961-DA4F-BB96-C42CC0262F2D}" type="presOf" srcId="{9E873ECD-D67A-C54B-883F-500B032421AF}" destId="{B2DD5FA2-1897-BC45-8F89-B3C1C312CB6F}" srcOrd="1" destOrd="0" presId="urn:microsoft.com/office/officeart/2005/8/layout/cycle2"/>
+    <dgm:cxn modelId="{D9325763-9C7E-3842-9D34-3EA02DD9BC71}" type="presOf" srcId="{0BEFDF3A-FCD6-A041-9434-86466C904726}" destId="{304374FA-011A-E940-BC96-5E24C3CCC5FF}" srcOrd="0" destOrd="0" presId="urn:microsoft.com/office/officeart/2005/8/layout/cycle2"/>
+    <dgm:cxn modelId="{CF79C270-2DFC-284A-977E-4B93E76C4ED4}" type="presOf" srcId="{1734BF62-8CF4-5B40-95C6-173B057283A1}" destId="{C6F0558B-D7E8-BB4E-AEA2-CEDF81043FE2}" srcOrd="1" destOrd="0" presId="urn:microsoft.com/office/officeart/2005/8/layout/cycle2"/>
+    <dgm:cxn modelId="{9D352E74-7102-BF4F-8916-EFB5DFB28F79}" srcId="{35437AF2-1223-3B4A-82F9-AAEC0B6EEB06}" destId="{078C8BD2-7B08-6346-BEDB-879282E28721}" srcOrd="1" destOrd="0" parTransId="{36DC6F13-347A-2C4F-8A72-25529873A284}" sibTransId="{9E873ECD-D67A-C54B-883F-500B032421AF}"/>
+    <dgm:cxn modelId="{8AE78A78-5218-FB4A-992F-5C7D7F02807A}" srcId="{35437AF2-1223-3B4A-82F9-AAEC0B6EEB06}" destId="{266E7C3E-0EA8-0A40-B378-F4AC421D72C4}" srcOrd="4" destOrd="0" parTransId="{15E84546-D709-AA4B-AB4B-2F3575BA2069}" sibTransId="{40C277D3-DD2E-CA44-B4D5-79BE21699BFA}"/>
+    <dgm:cxn modelId="{FD079C87-A2F1-4245-96E0-A8ECBF95D47D}" type="presOf" srcId="{40C277D3-DD2E-CA44-B4D5-79BE21699BFA}" destId="{E3DC770E-C984-8D45-82B9-5B21C0C72FA0}" srcOrd="0" destOrd="0" presId="urn:microsoft.com/office/officeart/2005/8/layout/cycle2"/>
+    <dgm:cxn modelId="{85AB038B-6AF1-1849-A507-1CB7A636714A}" type="presOf" srcId="{35437AF2-1223-3B4A-82F9-AAEC0B6EEB06}" destId="{9A60DD20-2DC2-C646-86BA-129C5888A0A5}" srcOrd="0" destOrd="0" presId="urn:microsoft.com/office/officeart/2005/8/layout/cycle2"/>
+    <dgm:cxn modelId="{4F9B9698-2B41-9B43-862E-9ABBDCB75D26}" type="presOf" srcId="{7B37C5E7-C898-354B-9B74-E6BCB05E668F}" destId="{34C96259-A4D7-2141-9889-8E711C6F162B}" srcOrd="0" destOrd="0" presId="urn:microsoft.com/office/officeart/2005/8/layout/cycle2"/>
+    <dgm:cxn modelId="{A4E5419A-D7F4-FE4D-8D4D-560602208DB7}" type="presOf" srcId="{40C277D3-DD2E-CA44-B4D5-79BE21699BFA}" destId="{97438F33-2657-1749-A82B-0D396C3CF3E4}" srcOrd="1" destOrd="0" presId="urn:microsoft.com/office/officeart/2005/8/layout/cycle2"/>
+    <dgm:cxn modelId="{F146BBA9-985E-314B-A8AB-4EE4E3213202}" type="presOf" srcId="{078C8BD2-7B08-6346-BEDB-879282E28721}" destId="{31EF5F06-A685-0941-8310-64BF19310073}" srcOrd="0" destOrd="0" presId="urn:microsoft.com/office/officeart/2005/8/layout/cycle2"/>
+    <dgm:cxn modelId="{7633F4AC-9C16-7D41-87AE-00DC577DFB08}" type="presOf" srcId="{7B37C5E7-C898-354B-9B74-E6BCB05E668F}" destId="{7B6F4A47-F4FB-3D40-A8AA-605187A1CB74}" srcOrd="1" destOrd="0" presId="urn:microsoft.com/office/officeart/2005/8/layout/cycle2"/>
+    <dgm:cxn modelId="{FD0CF9AE-C373-FC4B-9500-61D4356DC033}" srcId="{35437AF2-1223-3B4A-82F9-AAEC0B6EEB06}" destId="{1D8E4D17-C432-A04D-A402-3A210E960CF3}" srcOrd="0" destOrd="0" parTransId="{7918CB25-3225-D747-B389-9204F062849E}" sibTransId="{7B37C5E7-C898-354B-9B74-E6BCB05E668F}"/>
+    <dgm:cxn modelId="{0E30BBBB-B74C-214D-8E37-C68302788348}" srcId="{35437AF2-1223-3B4A-82F9-AAEC0B6EEB06}" destId="{0BEFDF3A-FCD6-A041-9434-86466C904726}" srcOrd="2" destOrd="0" parTransId="{AFFD0298-B51B-9048-8866-BB8D635142D4}" sibTransId="{CC404DD9-AA44-0743-A065-CA1EC51C8135}"/>
+    <dgm:cxn modelId="{E3A02BC2-2D6B-DE43-975B-372A906E3C33}" type="presOf" srcId="{266E7C3E-0EA8-0A40-B378-F4AC421D72C4}" destId="{79A66B19-B3D2-B04A-B7A5-7E1CB6C2B92E}" srcOrd="0" destOrd="0" presId="urn:microsoft.com/office/officeart/2005/8/layout/cycle2"/>
+    <dgm:cxn modelId="{EFF7FCC3-DBBC-DA49-9409-2F275C590E07}" type="presParOf" srcId="{9A60DD20-2DC2-C646-86BA-129C5888A0A5}" destId="{97B77574-CF2B-FC4C-987B-F880C9D46608}" srcOrd="0" destOrd="0" presId="urn:microsoft.com/office/officeart/2005/8/layout/cycle2"/>
+    <dgm:cxn modelId="{A6E9BDD9-5634-AD46-9976-04F5277B28B1}" type="presParOf" srcId="{9A60DD20-2DC2-C646-86BA-129C5888A0A5}" destId="{34C96259-A4D7-2141-9889-8E711C6F162B}" srcOrd="1" destOrd="0" presId="urn:microsoft.com/office/officeart/2005/8/layout/cycle2"/>
+    <dgm:cxn modelId="{4045B705-5A6F-C446-AB3F-A7E3281A5270}" type="presParOf" srcId="{34C96259-A4D7-2141-9889-8E711C6F162B}" destId="{7B6F4A47-F4FB-3D40-A8AA-605187A1CB74}" srcOrd="0" destOrd="0" presId="urn:microsoft.com/office/officeart/2005/8/layout/cycle2"/>
+    <dgm:cxn modelId="{DEAE28A4-DF4A-B745-84AC-C2F6A5E3AB72}" type="presParOf" srcId="{9A60DD20-2DC2-C646-86BA-129C5888A0A5}" destId="{31EF5F06-A685-0941-8310-64BF19310073}" srcOrd="2" destOrd="0" presId="urn:microsoft.com/office/officeart/2005/8/layout/cycle2"/>
+    <dgm:cxn modelId="{B85954DE-6C58-6C41-B377-F6772CC557F1}" type="presParOf" srcId="{9A60DD20-2DC2-C646-86BA-129C5888A0A5}" destId="{246A2E08-B0C7-144D-9E57-DF26D728659D}" srcOrd="3" destOrd="0" presId="urn:microsoft.com/office/officeart/2005/8/layout/cycle2"/>
+    <dgm:cxn modelId="{7B7F43C3-A4B6-674E-ADF6-6F0FF7E4EEE2}" type="presParOf" srcId="{246A2E08-B0C7-144D-9E57-DF26D728659D}" destId="{B2DD5FA2-1897-BC45-8F89-B3C1C312CB6F}" srcOrd="0" destOrd="0" presId="urn:microsoft.com/office/officeart/2005/8/layout/cycle2"/>
+    <dgm:cxn modelId="{D1F876AA-7D0D-8343-9483-12FE5176945F}" type="presParOf" srcId="{9A60DD20-2DC2-C646-86BA-129C5888A0A5}" destId="{304374FA-011A-E940-BC96-5E24C3CCC5FF}" srcOrd="4" destOrd="0" presId="urn:microsoft.com/office/officeart/2005/8/layout/cycle2"/>
+    <dgm:cxn modelId="{10F4632D-04EC-C24D-AEE6-9D8A7F88DB44}" type="presParOf" srcId="{9A60DD20-2DC2-C646-86BA-129C5888A0A5}" destId="{957C1E35-782E-0F48-83AA-FAA22E6B3EFD}" srcOrd="5" destOrd="0" presId="urn:microsoft.com/office/officeart/2005/8/layout/cycle2"/>
+    <dgm:cxn modelId="{F82D48F5-AF02-5445-9C67-84AF89E43F4A}" type="presParOf" srcId="{957C1E35-782E-0F48-83AA-FAA22E6B3EFD}" destId="{5C9C4567-4EAB-E74C-AA89-2A4BD2AF67CE}" srcOrd="0" destOrd="0" presId="urn:microsoft.com/office/officeart/2005/8/layout/cycle2"/>
+    <dgm:cxn modelId="{B517A496-8BB4-EC4D-82C3-2B165F5A7893}" type="presParOf" srcId="{9A60DD20-2DC2-C646-86BA-129C5888A0A5}" destId="{D074EF4C-843C-6E46-BA90-F3C68C9512B5}" srcOrd="6" destOrd="0" presId="urn:microsoft.com/office/officeart/2005/8/layout/cycle2"/>
+    <dgm:cxn modelId="{FB53B9D0-E3DA-C044-BFB4-EEFAB44954F1}" type="presParOf" srcId="{9A60DD20-2DC2-C646-86BA-129C5888A0A5}" destId="{4E8D1995-99E8-034C-9B3E-72B224ACB4E1}" srcOrd="7" destOrd="0" presId="urn:microsoft.com/office/officeart/2005/8/layout/cycle2"/>
+    <dgm:cxn modelId="{1A10FFBC-3CE2-8A4D-A6DB-A3F3591E69B1}" type="presParOf" srcId="{4E8D1995-99E8-034C-9B3E-72B224ACB4E1}" destId="{C6F0558B-D7E8-BB4E-AEA2-CEDF81043FE2}" srcOrd="0" destOrd="0" presId="urn:microsoft.com/office/officeart/2005/8/layout/cycle2"/>
+    <dgm:cxn modelId="{4E7BC8B8-D8E8-C04E-899F-90FC56475E48}" type="presParOf" srcId="{9A60DD20-2DC2-C646-86BA-129C5888A0A5}" destId="{79A66B19-B3D2-B04A-B7A5-7E1CB6C2B92E}" srcOrd="8" destOrd="0" presId="urn:microsoft.com/office/officeart/2005/8/layout/cycle2"/>
+    <dgm:cxn modelId="{4C5D3B3E-A3DA-9543-BE20-F925D08E9805}" type="presParOf" srcId="{9A60DD20-2DC2-C646-86BA-129C5888A0A5}" destId="{E3DC770E-C984-8D45-82B9-5B21C0C72FA0}" srcOrd="9" destOrd="0" presId="urn:microsoft.com/office/officeart/2005/8/layout/cycle2"/>
+    <dgm:cxn modelId="{FFC75B5E-22B5-0B4B-8B38-669D4C5EC9DD}" type="presParOf" srcId="{E3DC770E-C984-8D45-82B9-5B21C0C72FA0}" destId="{97438F33-2657-1749-A82B-0D396C3CF3E4}" srcOrd="0" destOrd="0" presId="urn:microsoft.com/office/officeart/2005/8/layout/cycle2"/>
   </dgm:cxnLst>
   <dgm:bg/>
   <dgm:whole/>
@@ -3968,6 +5051,758 @@
 </dsp:drawing>
 </file>
 
+<file path=ppt/diagrams/drawing3.xml><?xml version="1.0" encoding="utf-8"?>
+<dsp:drawing xmlns:dgm="http://schemas.openxmlformats.org/drawingml/2006/diagram" xmlns:dsp="http://schemas.microsoft.com/office/drawing/2008/diagram" xmlns:a="http://schemas.openxmlformats.org/drawingml/2006/main">
+  <dsp:spTree>
+    <dsp:nvGrpSpPr>
+      <dsp:cNvPr id="0" name=""/>
+      <dsp:cNvGrpSpPr/>
+    </dsp:nvGrpSpPr>
+    <dsp:grpSpPr/>
+    <dsp:sp modelId="{97B77574-CF2B-FC4C-987B-F880C9D46608}">
+      <dsp:nvSpPr>
+        <dsp:cNvPr id="0" name=""/>
+        <dsp:cNvSpPr/>
+      </dsp:nvSpPr>
+      <dsp:spPr>
+        <a:xfrm>
+          <a:off x="1934244" y="231"/>
+          <a:ext cx="1313110" cy="1313110"/>
+        </a:xfrm>
+        <a:prstGeom prst="ellipse">
+          <a:avLst/>
+        </a:prstGeom>
+        <a:solidFill>
+          <a:schemeClr val="accent1">
+            <a:hueOff val="0"/>
+            <a:satOff val="0"/>
+            <a:lumOff val="0"/>
+            <a:alphaOff val="0"/>
+          </a:schemeClr>
+        </a:solidFill>
+        <a:ln w="19050" cap="flat" cmpd="sng" algn="ctr">
+          <a:solidFill>
+            <a:schemeClr val="lt1">
+              <a:hueOff val="0"/>
+              <a:satOff val="0"/>
+              <a:lumOff val="0"/>
+              <a:alphaOff val="0"/>
+            </a:schemeClr>
+          </a:solidFill>
+          <a:prstDash val="solid"/>
+          <a:miter lim="800000"/>
+        </a:ln>
+        <a:effectLst/>
+      </dsp:spPr>
+      <dsp:style>
+        <a:lnRef idx="2">
+          <a:scrgbClr r="0" g="0" b="0"/>
+        </a:lnRef>
+        <a:fillRef idx="1">
+          <a:scrgbClr r="0" g="0" b="0"/>
+        </a:fillRef>
+        <a:effectRef idx="0">
+          <a:scrgbClr r="0" g="0" b="0"/>
+        </a:effectRef>
+        <a:fontRef idx="minor">
+          <a:schemeClr val="lt1"/>
+        </a:fontRef>
+      </dsp:style>
+      <dsp:txBody>
+        <a:bodyPr spcFirstLastPara="0" vert="horz" wrap="square" lIns="15240" tIns="15240" rIns="15240" bIns="15240" numCol="1" spcCol="1270" anchor="ctr" anchorCtr="0">
+          <a:noAutofit/>
+        </a:bodyPr>
+        <a:lstStyle/>
+        <a:p>
+          <a:pPr marL="0" lvl="0" indent="0" algn="ctr" defTabSz="533400">
+            <a:lnSpc>
+              <a:spcPct val="90000"/>
+            </a:lnSpc>
+            <a:spcBef>
+              <a:spcPct val="0"/>
+            </a:spcBef>
+            <a:spcAft>
+              <a:spcPct val="35000"/>
+            </a:spcAft>
+            <a:buNone/>
+          </a:pPr>
+          <a:r>
+            <a:rPr lang="en-GB" sz="1200" kern="1200" dirty="0"/>
+            <a:t>Forecast Contests</a:t>
+          </a:r>
+        </a:p>
+      </dsp:txBody>
+      <dsp:txXfrm>
+        <a:off x="2126545" y="192532"/>
+        <a:ext cx="928508" cy="928508"/>
+      </dsp:txXfrm>
+    </dsp:sp>
+    <dsp:sp modelId="{34C96259-A4D7-2141-9889-8E711C6F162B}">
+      <dsp:nvSpPr>
+        <dsp:cNvPr id="0" name=""/>
+        <dsp:cNvSpPr/>
+      </dsp:nvSpPr>
+      <dsp:spPr>
+        <a:xfrm rot="2160000">
+          <a:off x="3206151" y="1009533"/>
+          <a:ext cx="350302" cy="443174"/>
+        </a:xfrm>
+        <a:prstGeom prst="rightArrow">
+          <a:avLst>
+            <a:gd name="adj1" fmla="val 60000"/>
+            <a:gd name="adj2" fmla="val 50000"/>
+          </a:avLst>
+        </a:prstGeom>
+        <a:solidFill>
+          <a:schemeClr val="accent1">
+            <a:tint val="60000"/>
+            <a:hueOff val="0"/>
+            <a:satOff val="0"/>
+            <a:lumOff val="0"/>
+            <a:alphaOff val="0"/>
+          </a:schemeClr>
+        </a:solidFill>
+        <a:ln>
+          <a:noFill/>
+        </a:ln>
+        <a:effectLst/>
+      </dsp:spPr>
+      <dsp:style>
+        <a:lnRef idx="0">
+          <a:scrgbClr r="0" g="0" b="0"/>
+        </a:lnRef>
+        <a:fillRef idx="1">
+          <a:scrgbClr r="0" g="0" b="0"/>
+        </a:fillRef>
+        <a:effectRef idx="0">
+          <a:scrgbClr r="0" g="0" b="0"/>
+        </a:effectRef>
+        <a:fontRef idx="minor">
+          <a:schemeClr val="lt1"/>
+        </a:fontRef>
+      </dsp:style>
+      <dsp:txBody>
+        <a:bodyPr spcFirstLastPara="0" vert="horz" wrap="square" lIns="0" tIns="0" rIns="0" bIns="0" numCol="1" spcCol="1270" anchor="ctr" anchorCtr="0">
+          <a:noAutofit/>
+        </a:bodyPr>
+        <a:lstStyle/>
+        <a:p>
+          <a:pPr marL="0" lvl="0" indent="0" algn="ctr" defTabSz="444500">
+            <a:lnSpc>
+              <a:spcPct val="90000"/>
+            </a:lnSpc>
+            <a:spcBef>
+              <a:spcPct val="0"/>
+            </a:spcBef>
+            <a:spcAft>
+              <a:spcPct val="35000"/>
+            </a:spcAft>
+            <a:buNone/>
+          </a:pPr>
+          <a:endParaRPr lang="en-GB" sz="1000" kern="1200"/>
+        </a:p>
+      </dsp:txBody>
+      <dsp:txXfrm>
+        <a:off x="3216186" y="1067283"/>
+        <a:ext cx="245211" cy="265904"/>
+      </dsp:txXfrm>
+    </dsp:sp>
+    <dsp:sp modelId="{31EF5F06-A685-0941-8310-64BF19310073}">
+      <dsp:nvSpPr>
+        <dsp:cNvPr id="0" name=""/>
+        <dsp:cNvSpPr/>
+      </dsp:nvSpPr>
+      <dsp:spPr>
+        <a:xfrm>
+          <a:off x="3531292" y="1160554"/>
+          <a:ext cx="1313110" cy="1313110"/>
+        </a:xfrm>
+        <a:prstGeom prst="ellipse">
+          <a:avLst/>
+        </a:prstGeom>
+        <a:solidFill>
+          <a:schemeClr val="accent1">
+            <a:hueOff val="0"/>
+            <a:satOff val="0"/>
+            <a:lumOff val="0"/>
+            <a:alphaOff val="0"/>
+          </a:schemeClr>
+        </a:solidFill>
+        <a:ln w="19050" cap="flat" cmpd="sng" algn="ctr">
+          <a:solidFill>
+            <a:schemeClr val="lt1">
+              <a:hueOff val="0"/>
+              <a:satOff val="0"/>
+              <a:lumOff val="0"/>
+              <a:alphaOff val="0"/>
+            </a:schemeClr>
+          </a:solidFill>
+          <a:prstDash val="solid"/>
+          <a:miter lim="800000"/>
+        </a:ln>
+        <a:effectLst/>
+      </dsp:spPr>
+      <dsp:style>
+        <a:lnRef idx="2">
+          <a:scrgbClr r="0" g="0" b="0"/>
+        </a:lnRef>
+        <a:fillRef idx="1">
+          <a:scrgbClr r="0" g="0" b="0"/>
+        </a:fillRef>
+        <a:effectRef idx="0">
+          <a:scrgbClr r="0" g="0" b="0"/>
+        </a:effectRef>
+        <a:fontRef idx="minor">
+          <a:schemeClr val="lt1"/>
+        </a:fontRef>
+      </dsp:style>
+      <dsp:txBody>
+        <a:bodyPr spcFirstLastPara="0" vert="horz" wrap="square" lIns="15240" tIns="15240" rIns="15240" bIns="15240" numCol="1" spcCol="1270" anchor="ctr" anchorCtr="0">
+          <a:noAutofit/>
+        </a:bodyPr>
+        <a:lstStyle/>
+        <a:p>
+          <a:pPr marL="0" lvl="0" indent="0" algn="ctr" defTabSz="533400">
+            <a:lnSpc>
+              <a:spcPct val="90000"/>
+            </a:lnSpc>
+            <a:spcBef>
+              <a:spcPct val="0"/>
+            </a:spcBef>
+            <a:spcAft>
+              <a:spcPct val="35000"/>
+            </a:spcAft>
+            <a:buNone/>
+          </a:pPr>
+          <a:r>
+            <a:rPr lang="en-GB" sz="1200" kern="1200" dirty="0"/>
+            <a:t>New Tools &amp; Techniques</a:t>
+          </a:r>
+        </a:p>
+      </dsp:txBody>
+      <dsp:txXfrm>
+        <a:off x="3723593" y="1352855"/>
+        <a:ext cx="928508" cy="928508"/>
+      </dsp:txXfrm>
+    </dsp:sp>
+    <dsp:sp modelId="{246A2E08-B0C7-144D-9E57-DF26D728659D}">
+      <dsp:nvSpPr>
+        <dsp:cNvPr id="0" name=""/>
+        <dsp:cNvSpPr/>
+      </dsp:nvSpPr>
+      <dsp:spPr>
+        <a:xfrm rot="6480000">
+          <a:off x="3710750" y="2524814"/>
+          <a:ext cx="350302" cy="443174"/>
+        </a:xfrm>
+        <a:prstGeom prst="rightArrow">
+          <a:avLst>
+            <a:gd name="adj1" fmla="val 60000"/>
+            <a:gd name="adj2" fmla="val 50000"/>
+          </a:avLst>
+        </a:prstGeom>
+        <a:solidFill>
+          <a:schemeClr val="accent1">
+            <a:tint val="60000"/>
+            <a:hueOff val="0"/>
+            <a:satOff val="0"/>
+            <a:lumOff val="0"/>
+            <a:alphaOff val="0"/>
+          </a:schemeClr>
+        </a:solidFill>
+        <a:ln>
+          <a:noFill/>
+        </a:ln>
+        <a:effectLst/>
+      </dsp:spPr>
+      <dsp:style>
+        <a:lnRef idx="0">
+          <a:scrgbClr r="0" g="0" b="0"/>
+        </a:lnRef>
+        <a:fillRef idx="1">
+          <a:scrgbClr r="0" g="0" b="0"/>
+        </a:fillRef>
+        <a:effectRef idx="0">
+          <a:scrgbClr r="0" g="0" b="0"/>
+        </a:effectRef>
+        <a:fontRef idx="minor">
+          <a:schemeClr val="lt1"/>
+        </a:fontRef>
+      </dsp:style>
+      <dsp:txBody>
+        <a:bodyPr spcFirstLastPara="0" vert="horz" wrap="square" lIns="0" tIns="0" rIns="0" bIns="0" numCol="1" spcCol="1270" anchor="ctr" anchorCtr="0">
+          <a:noAutofit/>
+        </a:bodyPr>
+        <a:lstStyle/>
+        <a:p>
+          <a:pPr marL="0" lvl="0" indent="0" algn="ctr" defTabSz="444500">
+            <a:lnSpc>
+              <a:spcPct val="90000"/>
+            </a:lnSpc>
+            <a:spcBef>
+              <a:spcPct val="0"/>
+            </a:spcBef>
+            <a:spcAft>
+              <a:spcPct val="35000"/>
+            </a:spcAft>
+            <a:buNone/>
+          </a:pPr>
+          <a:endParaRPr lang="en-GB" sz="1000" kern="1200"/>
+        </a:p>
+      </dsp:txBody>
+      <dsp:txXfrm rot="10800000">
+        <a:off x="3779533" y="2563475"/>
+        <a:ext cx="245211" cy="265904"/>
+      </dsp:txXfrm>
+    </dsp:sp>
+    <dsp:sp modelId="{304374FA-011A-E940-BC96-5E24C3CCC5FF}">
+      <dsp:nvSpPr>
+        <dsp:cNvPr id="0" name=""/>
+        <dsp:cNvSpPr/>
+      </dsp:nvSpPr>
+      <dsp:spPr>
+        <a:xfrm>
+          <a:off x="2921274" y="3037996"/>
+          <a:ext cx="1313110" cy="1313110"/>
+        </a:xfrm>
+        <a:prstGeom prst="ellipse">
+          <a:avLst/>
+        </a:prstGeom>
+        <a:solidFill>
+          <a:schemeClr val="accent1">
+            <a:hueOff val="0"/>
+            <a:satOff val="0"/>
+            <a:lumOff val="0"/>
+            <a:alphaOff val="0"/>
+          </a:schemeClr>
+        </a:solidFill>
+        <a:ln w="19050" cap="flat" cmpd="sng" algn="ctr">
+          <a:solidFill>
+            <a:schemeClr val="lt1">
+              <a:hueOff val="0"/>
+              <a:satOff val="0"/>
+              <a:lumOff val="0"/>
+              <a:alphaOff val="0"/>
+            </a:schemeClr>
+          </a:solidFill>
+          <a:prstDash val="solid"/>
+          <a:miter lim="800000"/>
+        </a:ln>
+        <a:effectLst/>
+      </dsp:spPr>
+      <dsp:style>
+        <a:lnRef idx="2">
+          <a:scrgbClr r="0" g="0" b="0"/>
+        </a:lnRef>
+        <a:fillRef idx="1">
+          <a:scrgbClr r="0" g="0" b="0"/>
+        </a:fillRef>
+        <a:effectRef idx="0">
+          <a:scrgbClr r="0" g="0" b="0"/>
+        </a:effectRef>
+        <a:fontRef idx="minor">
+          <a:schemeClr val="lt1"/>
+        </a:fontRef>
+      </dsp:style>
+      <dsp:txBody>
+        <a:bodyPr spcFirstLastPara="0" vert="horz" wrap="square" lIns="15240" tIns="15240" rIns="15240" bIns="15240" numCol="1" spcCol="1270" anchor="ctr" anchorCtr="0">
+          <a:noAutofit/>
+        </a:bodyPr>
+        <a:lstStyle/>
+        <a:p>
+          <a:pPr marL="0" lvl="0" indent="0" algn="ctr" defTabSz="533400">
+            <a:lnSpc>
+              <a:spcPct val="90000"/>
+            </a:lnSpc>
+            <a:spcBef>
+              <a:spcPct val="0"/>
+            </a:spcBef>
+            <a:spcAft>
+              <a:spcPct val="35000"/>
+            </a:spcAft>
+            <a:buNone/>
+          </a:pPr>
+          <a:r>
+            <a:rPr lang="en-GB" sz="1200" kern="1200" dirty="0"/>
+            <a:t>Novel Insights</a:t>
+          </a:r>
+        </a:p>
+      </dsp:txBody>
+      <dsp:txXfrm>
+        <a:off x="3113575" y="3230297"/>
+        <a:ext cx="928508" cy="928508"/>
+      </dsp:txXfrm>
+    </dsp:sp>
+    <dsp:sp modelId="{957C1E35-782E-0F48-83AA-FAA22E6B3EFD}">
+      <dsp:nvSpPr>
+        <dsp:cNvPr id="0" name=""/>
+        <dsp:cNvSpPr/>
+      </dsp:nvSpPr>
+      <dsp:spPr>
+        <a:xfrm rot="10800000">
+          <a:off x="2425562" y="3472964"/>
+          <a:ext cx="350302" cy="443174"/>
+        </a:xfrm>
+        <a:prstGeom prst="rightArrow">
+          <a:avLst>
+            <a:gd name="adj1" fmla="val 60000"/>
+            <a:gd name="adj2" fmla="val 50000"/>
+          </a:avLst>
+        </a:prstGeom>
+        <a:solidFill>
+          <a:schemeClr val="accent1">
+            <a:tint val="60000"/>
+            <a:hueOff val="0"/>
+            <a:satOff val="0"/>
+            <a:lumOff val="0"/>
+            <a:alphaOff val="0"/>
+          </a:schemeClr>
+        </a:solidFill>
+        <a:ln>
+          <a:noFill/>
+        </a:ln>
+        <a:effectLst/>
+      </dsp:spPr>
+      <dsp:style>
+        <a:lnRef idx="0">
+          <a:scrgbClr r="0" g="0" b="0"/>
+        </a:lnRef>
+        <a:fillRef idx="1">
+          <a:scrgbClr r="0" g="0" b="0"/>
+        </a:fillRef>
+        <a:effectRef idx="0">
+          <a:scrgbClr r="0" g="0" b="0"/>
+        </a:effectRef>
+        <a:fontRef idx="minor">
+          <a:schemeClr val="lt1"/>
+        </a:fontRef>
+      </dsp:style>
+      <dsp:txBody>
+        <a:bodyPr spcFirstLastPara="0" vert="horz" wrap="square" lIns="0" tIns="0" rIns="0" bIns="0" numCol="1" spcCol="1270" anchor="ctr" anchorCtr="0">
+          <a:noAutofit/>
+        </a:bodyPr>
+        <a:lstStyle/>
+        <a:p>
+          <a:pPr marL="0" lvl="0" indent="0" algn="ctr" defTabSz="444500">
+            <a:lnSpc>
+              <a:spcPct val="90000"/>
+            </a:lnSpc>
+            <a:spcBef>
+              <a:spcPct val="0"/>
+            </a:spcBef>
+            <a:spcAft>
+              <a:spcPct val="35000"/>
+            </a:spcAft>
+            <a:buNone/>
+          </a:pPr>
+          <a:endParaRPr lang="en-GB" sz="1000" kern="1200"/>
+        </a:p>
+      </dsp:txBody>
+      <dsp:txXfrm rot="10800000">
+        <a:off x="2530653" y="3561599"/>
+        <a:ext cx="245211" cy="265904"/>
+      </dsp:txXfrm>
+    </dsp:sp>
+    <dsp:sp modelId="{D074EF4C-843C-6E46-BA90-F3C68C9512B5}">
+      <dsp:nvSpPr>
+        <dsp:cNvPr id="0" name=""/>
+        <dsp:cNvSpPr/>
+      </dsp:nvSpPr>
+      <dsp:spPr>
+        <a:xfrm>
+          <a:off x="947214" y="3037996"/>
+          <a:ext cx="1313110" cy="1313110"/>
+        </a:xfrm>
+        <a:prstGeom prst="ellipse">
+          <a:avLst/>
+        </a:prstGeom>
+        <a:solidFill>
+          <a:schemeClr val="accent1">
+            <a:hueOff val="0"/>
+            <a:satOff val="0"/>
+            <a:lumOff val="0"/>
+            <a:alphaOff val="0"/>
+          </a:schemeClr>
+        </a:solidFill>
+        <a:ln w="19050" cap="flat" cmpd="sng" algn="ctr">
+          <a:solidFill>
+            <a:schemeClr val="lt1">
+              <a:hueOff val="0"/>
+              <a:satOff val="0"/>
+              <a:lumOff val="0"/>
+              <a:alphaOff val="0"/>
+            </a:schemeClr>
+          </a:solidFill>
+          <a:prstDash val="solid"/>
+          <a:miter lim="800000"/>
+        </a:ln>
+        <a:effectLst/>
+      </dsp:spPr>
+      <dsp:style>
+        <a:lnRef idx="2">
+          <a:scrgbClr r="0" g="0" b="0"/>
+        </a:lnRef>
+        <a:fillRef idx="1">
+          <a:scrgbClr r="0" g="0" b="0"/>
+        </a:fillRef>
+        <a:effectRef idx="0">
+          <a:scrgbClr r="0" g="0" b="0"/>
+        </a:effectRef>
+        <a:fontRef idx="minor">
+          <a:schemeClr val="lt1"/>
+        </a:fontRef>
+      </dsp:style>
+      <dsp:txBody>
+        <a:bodyPr spcFirstLastPara="0" vert="horz" wrap="square" lIns="15240" tIns="15240" rIns="15240" bIns="15240" numCol="1" spcCol="1270" anchor="ctr" anchorCtr="0">
+          <a:noAutofit/>
+        </a:bodyPr>
+        <a:lstStyle/>
+        <a:p>
+          <a:pPr marL="0" lvl="0" indent="0" algn="ctr" defTabSz="533400">
+            <a:lnSpc>
+              <a:spcPct val="90000"/>
+            </a:lnSpc>
+            <a:spcBef>
+              <a:spcPct val="0"/>
+            </a:spcBef>
+            <a:spcAft>
+              <a:spcPct val="35000"/>
+            </a:spcAft>
+            <a:buNone/>
+          </a:pPr>
+          <a:r>
+            <a:rPr lang="en-GB" sz="1200" kern="1200" dirty="0"/>
+            <a:t>Growth &amp; Improvement</a:t>
+          </a:r>
+        </a:p>
+      </dsp:txBody>
+      <dsp:txXfrm>
+        <a:off x="1139515" y="3230297"/>
+        <a:ext cx="928508" cy="928508"/>
+      </dsp:txXfrm>
+    </dsp:sp>
+    <dsp:sp modelId="{4E8D1995-99E8-034C-9B3E-72B224ACB4E1}">
+      <dsp:nvSpPr>
+        <dsp:cNvPr id="0" name=""/>
+        <dsp:cNvSpPr/>
+      </dsp:nvSpPr>
+      <dsp:spPr>
+        <a:xfrm rot="15120000">
+          <a:off x="1126673" y="2543672"/>
+          <a:ext cx="350302" cy="443174"/>
+        </a:xfrm>
+        <a:prstGeom prst="rightArrow">
+          <a:avLst>
+            <a:gd name="adj1" fmla="val 60000"/>
+            <a:gd name="adj2" fmla="val 50000"/>
+          </a:avLst>
+        </a:prstGeom>
+        <a:solidFill>
+          <a:schemeClr val="accent1">
+            <a:tint val="60000"/>
+            <a:hueOff val="0"/>
+            <a:satOff val="0"/>
+            <a:lumOff val="0"/>
+            <a:alphaOff val="0"/>
+          </a:schemeClr>
+        </a:solidFill>
+        <a:ln>
+          <a:noFill/>
+        </a:ln>
+        <a:effectLst/>
+      </dsp:spPr>
+      <dsp:style>
+        <a:lnRef idx="0">
+          <a:scrgbClr r="0" g="0" b="0"/>
+        </a:lnRef>
+        <a:fillRef idx="1">
+          <a:scrgbClr r="0" g="0" b="0"/>
+        </a:fillRef>
+        <a:effectRef idx="0">
+          <a:scrgbClr r="0" g="0" b="0"/>
+        </a:effectRef>
+        <a:fontRef idx="minor">
+          <a:schemeClr val="lt1"/>
+        </a:fontRef>
+      </dsp:style>
+      <dsp:txBody>
+        <a:bodyPr spcFirstLastPara="0" vert="horz" wrap="square" lIns="0" tIns="0" rIns="0" bIns="0" numCol="1" spcCol="1270" anchor="ctr" anchorCtr="0">
+          <a:noAutofit/>
+        </a:bodyPr>
+        <a:lstStyle/>
+        <a:p>
+          <a:pPr marL="0" lvl="0" indent="0" algn="ctr" defTabSz="444500">
+            <a:lnSpc>
+              <a:spcPct val="90000"/>
+            </a:lnSpc>
+            <a:spcBef>
+              <a:spcPct val="0"/>
+            </a:spcBef>
+            <a:spcAft>
+              <a:spcPct val="35000"/>
+            </a:spcAft>
+            <a:buNone/>
+          </a:pPr>
+          <a:endParaRPr lang="en-GB" sz="1000" kern="1200"/>
+        </a:p>
+      </dsp:txBody>
+      <dsp:txXfrm rot="10800000">
+        <a:off x="1195456" y="2682281"/>
+        <a:ext cx="245211" cy="265904"/>
+      </dsp:txXfrm>
+    </dsp:sp>
+    <dsp:sp modelId="{79A66B19-B3D2-B04A-B7A5-7E1CB6C2B92E}">
+      <dsp:nvSpPr>
+        <dsp:cNvPr id="0" name=""/>
+        <dsp:cNvSpPr/>
+      </dsp:nvSpPr>
+      <dsp:spPr>
+        <a:xfrm>
+          <a:off x="337197" y="1160554"/>
+          <a:ext cx="1313110" cy="1313110"/>
+        </a:xfrm>
+        <a:prstGeom prst="ellipse">
+          <a:avLst/>
+        </a:prstGeom>
+        <a:solidFill>
+          <a:schemeClr val="accent1">
+            <a:hueOff val="0"/>
+            <a:satOff val="0"/>
+            <a:lumOff val="0"/>
+            <a:alphaOff val="0"/>
+          </a:schemeClr>
+        </a:solidFill>
+        <a:ln w="19050" cap="flat" cmpd="sng" algn="ctr">
+          <a:solidFill>
+            <a:schemeClr val="lt1">
+              <a:hueOff val="0"/>
+              <a:satOff val="0"/>
+              <a:lumOff val="0"/>
+              <a:alphaOff val="0"/>
+            </a:schemeClr>
+          </a:solidFill>
+          <a:prstDash val="solid"/>
+          <a:miter lim="800000"/>
+        </a:ln>
+        <a:effectLst/>
+      </dsp:spPr>
+      <dsp:style>
+        <a:lnRef idx="2">
+          <a:scrgbClr r="0" g="0" b="0"/>
+        </a:lnRef>
+        <a:fillRef idx="1">
+          <a:scrgbClr r="0" g="0" b="0"/>
+        </a:fillRef>
+        <a:effectRef idx="0">
+          <a:scrgbClr r="0" g="0" b="0"/>
+        </a:effectRef>
+        <a:fontRef idx="minor">
+          <a:schemeClr val="lt1"/>
+        </a:fontRef>
+      </dsp:style>
+      <dsp:txBody>
+        <a:bodyPr spcFirstLastPara="0" vert="horz" wrap="square" lIns="15240" tIns="15240" rIns="15240" bIns="15240" numCol="1" spcCol="1270" anchor="ctr" anchorCtr="0">
+          <a:noAutofit/>
+        </a:bodyPr>
+        <a:lstStyle/>
+        <a:p>
+          <a:pPr marL="0" lvl="0" indent="0" algn="ctr" defTabSz="533400">
+            <a:lnSpc>
+              <a:spcPct val="90000"/>
+            </a:lnSpc>
+            <a:spcBef>
+              <a:spcPct val="0"/>
+            </a:spcBef>
+            <a:spcAft>
+              <a:spcPct val="35000"/>
+            </a:spcAft>
+            <a:buNone/>
+          </a:pPr>
+          <a:r>
+            <a:rPr lang="en-GB" sz="1200" kern="1200" dirty="0"/>
+            <a:t>New Questions</a:t>
+          </a:r>
+        </a:p>
+      </dsp:txBody>
+      <dsp:txXfrm>
+        <a:off x="529498" y="1352855"/>
+        <a:ext cx="928508" cy="928508"/>
+      </dsp:txXfrm>
+    </dsp:sp>
+    <dsp:sp modelId="{E3DC770E-C984-8D45-82B9-5B21C0C72FA0}">
+      <dsp:nvSpPr>
+        <dsp:cNvPr id="0" name=""/>
+        <dsp:cNvSpPr/>
+      </dsp:nvSpPr>
+      <dsp:spPr>
+        <a:xfrm rot="19440000">
+          <a:off x="1609103" y="1021187"/>
+          <a:ext cx="350302" cy="443174"/>
+        </a:xfrm>
+        <a:prstGeom prst="rightArrow">
+          <a:avLst>
+            <a:gd name="adj1" fmla="val 60000"/>
+            <a:gd name="adj2" fmla="val 50000"/>
+          </a:avLst>
+        </a:prstGeom>
+        <a:solidFill>
+          <a:schemeClr val="accent1">
+            <a:tint val="60000"/>
+            <a:hueOff val="0"/>
+            <a:satOff val="0"/>
+            <a:lumOff val="0"/>
+            <a:alphaOff val="0"/>
+          </a:schemeClr>
+        </a:solidFill>
+        <a:ln>
+          <a:noFill/>
+        </a:ln>
+        <a:effectLst/>
+      </dsp:spPr>
+      <dsp:style>
+        <a:lnRef idx="0">
+          <a:scrgbClr r="0" g="0" b="0"/>
+        </a:lnRef>
+        <a:fillRef idx="1">
+          <a:scrgbClr r="0" g="0" b="0"/>
+        </a:fillRef>
+        <a:effectRef idx="0">
+          <a:scrgbClr r="0" g="0" b="0"/>
+        </a:effectRef>
+        <a:fontRef idx="minor">
+          <a:schemeClr val="lt1"/>
+        </a:fontRef>
+      </dsp:style>
+      <dsp:txBody>
+        <a:bodyPr spcFirstLastPara="0" vert="horz" wrap="square" lIns="0" tIns="0" rIns="0" bIns="0" numCol="1" spcCol="1270" anchor="ctr" anchorCtr="0">
+          <a:noAutofit/>
+        </a:bodyPr>
+        <a:lstStyle/>
+        <a:p>
+          <a:pPr marL="0" lvl="0" indent="0" algn="ctr" defTabSz="444500">
+            <a:lnSpc>
+              <a:spcPct val="90000"/>
+            </a:lnSpc>
+            <a:spcBef>
+              <a:spcPct val="0"/>
+            </a:spcBef>
+            <a:spcAft>
+              <a:spcPct val="35000"/>
+            </a:spcAft>
+            <a:buNone/>
+          </a:pPr>
+          <a:endParaRPr lang="en-GB" sz="1000" kern="1200"/>
+        </a:p>
+      </dsp:txBody>
+      <dsp:txXfrm>
+        <a:off x="1619138" y="1140707"/>
+        <a:ext cx="245211" cy="265904"/>
+      </dsp:txXfrm>
+    </dsp:sp>
+  </dsp:spTree>
+</dsp:drawing>
+</file>
+
 <file path=ppt/diagrams/layout1.xml><?xml version="1.0" encoding="utf-8"?>
 <dgm:layoutDef xmlns:dgm="http://schemas.openxmlformats.org/drawingml/2006/diagram" xmlns:a="http://schemas.openxmlformats.org/drawingml/2006/main" uniqueId="urn:microsoft.com/office/officeart/2005/8/layout/hProcess11">
   <dgm:title val=""/>
@@ -4512,6 +6347,217 @@
 </dgm:layoutDef>
 </file>
 
+<file path=ppt/diagrams/layout3.xml><?xml version="1.0" encoding="utf-8"?>
+<dgm:layoutDef xmlns:dgm="http://schemas.openxmlformats.org/drawingml/2006/diagram" xmlns:a="http://schemas.openxmlformats.org/drawingml/2006/main" uniqueId="urn:microsoft.com/office/officeart/2005/8/layout/cycle2">
+  <dgm:title val=""/>
+  <dgm:desc val=""/>
+  <dgm:catLst>
+    <dgm:cat type="cycle" pri="1000"/>
+    <dgm:cat type="convert" pri="10000"/>
+  </dgm:catLst>
+  <dgm:sampData>
+    <dgm:dataModel>
+      <dgm:ptLst>
+        <dgm:pt modelId="0" type="doc"/>
+        <dgm:pt modelId="1">
+          <dgm:prSet phldr="1"/>
+        </dgm:pt>
+        <dgm:pt modelId="2">
+          <dgm:prSet phldr="1"/>
+        </dgm:pt>
+        <dgm:pt modelId="3">
+          <dgm:prSet phldr="1"/>
+        </dgm:pt>
+        <dgm:pt modelId="4">
+          <dgm:prSet phldr="1"/>
+        </dgm:pt>
+        <dgm:pt modelId="5">
+          <dgm:prSet phldr="1"/>
+        </dgm:pt>
+      </dgm:ptLst>
+      <dgm:cxnLst>
+        <dgm:cxn modelId="6" srcId="0" destId="1" srcOrd="0" destOrd="0"/>
+        <dgm:cxn modelId="7" srcId="0" destId="2" srcOrd="1" destOrd="0"/>
+        <dgm:cxn modelId="8" srcId="0" destId="3" srcOrd="2" destOrd="0"/>
+        <dgm:cxn modelId="9" srcId="0" destId="4" srcOrd="3" destOrd="0"/>
+        <dgm:cxn modelId="10" srcId="0" destId="5" srcOrd="4" destOrd="0"/>
+      </dgm:cxnLst>
+      <dgm:bg/>
+      <dgm:whole/>
+    </dgm:dataModel>
+  </dgm:sampData>
+  <dgm:styleData>
+    <dgm:dataModel>
+      <dgm:ptLst>
+        <dgm:pt modelId="0" type="doc"/>
+        <dgm:pt modelId="1"/>
+        <dgm:pt modelId="2"/>
+        <dgm:pt modelId="3"/>
+      </dgm:ptLst>
+      <dgm:cxnLst>
+        <dgm:cxn modelId="4" srcId="0" destId="1" srcOrd="0" destOrd="0"/>
+        <dgm:cxn modelId="5" srcId="0" destId="2" srcOrd="1" destOrd="0"/>
+        <dgm:cxn modelId="6" srcId="0" destId="3" srcOrd="2" destOrd="0"/>
+      </dgm:cxnLst>
+      <dgm:bg/>
+      <dgm:whole/>
+    </dgm:dataModel>
+  </dgm:styleData>
+  <dgm:clrData>
+    <dgm:dataModel>
+      <dgm:ptLst>
+        <dgm:pt modelId="0" type="doc"/>
+        <dgm:pt modelId="1"/>
+        <dgm:pt modelId="2"/>
+        <dgm:pt modelId="3"/>
+        <dgm:pt modelId="4"/>
+        <dgm:pt modelId="5"/>
+        <dgm:pt modelId="6"/>
+      </dgm:ptLst>
+      <dgm:cxnLst>
+        <dgm:cxn modelId="7" srcId="0" destId="1" srcOrd="0" destOrd="0"/>
+        <dgm:cxn modelId="8" srcId="0" destId="2" srcOrd="1" destOrd="0"/>
+        <dgm:cxn modelId="9" srcId="0" destId="3" srcOrd="2" destOrd="0"/>
+        <dgm:cxn modelId="10" srcId="0" destId="4" srcOrd="3" destOrd="0"/>
+        <dgm:cxn modelId="11" srcId="0" destId="5" srcOrd="4" destOrd="0"/>
+        <dgm:cxn modelId="12" srcId="0" destId="6" srcOrd="5" destOrd="0"/>
+      </dgm:cxnLst>
+      <dgm:bg/>
+      <dgm:whole/>
+    </dgm:dataModel>
+  </dgm:clrData>
+  <dgm:layoutNode name="cycle">
+    <dgm:varLst>
+      <dgm:dir/>
+      <dgm:resizeHandles val="exact"/>
+    </dgm:varLst>
+    <dgm:choose name="Name0">
+      <dgm:if name="Name1" func="var" arg="dir" op="equ" val="norm">
+        <dgm:choose name="Name2">
+          <dgm:if name="Name3" axis="ch" ptType="node" func="cnt" op="gt" val="2">
+            <dgm:alg type="cycle">
+              <dgm:param type="stAng" val="0"/>
+              <dgm:param type="spanAng" val="360"/>
+            </dgm:alg>
+          </dgm:if>
+          <dgm:else name="Name4">
+            <dgm:alg type="cycle">
+              <dgm:param type="stAng" val="-90"/>
+              <dgm:param type="spanAng" val="360"/>
+            </dgm:alg>
+          </dgm:else>
+        </dgm:choose>
+      </dgm:if>
+      <dgm:else name="Name5">
+        <dgm:choose name="Name6">
+          <dgm:if name="Name7" axis="ch" ptType="node" func="cnt" op="gt" val="2">
+            <dgm:alg type="cycle">
+              <dgm:param type="stAng" val="0"/>
+              <dgm:param type="spanAng" val="-360"/>
+            </dgm:alg>
+          </dgm:if>
+          <dgm:else name="Name8">
+            <dgm:alg type="cycle">
+              <dgm:param type="stAng" val="90"/>
+              <dgm:param type="spanAng" val="-360"/>
+            </dgm:alg>
+          </dgm:else>
+        </dgm:choose>
+      </dgm:else>
+    </dgm:choose>
+    <dgm:shape xmlns:r="http://schemas.openxmlformats.org/officeDocument/2006/relationships" r:blip="">
+      <dgm:adjLst/>
+    </dgm:shape>
+    <dgm:presOf/>
+    <dgm:constrLst>
+      <dgm:constr type="w" for="ch" ptType="node" refType="w"/>
+      <dgm:constr type="w" for="ch" ptType="sibTrans" refType="w" refFor="ch" refPtType="node" op="equ" fact="0.25"/>
+      <dgm:constr type="sibSp" refType="w" refFor="ch" refPtType="node" fact="0.5"/>
+      <dgm:constr type="primFontSz" for="ch" ptType="node" op="equ" val="65"/>
+      <dgm:constr type="primFontSz" for="des" forName="connectorText" op="equ" val="55"/>
+      <dgm:constr type="primFontSz" for="des" forName="connectorText" refType="primFontSz" refFor="ch" refPtType="node" op="lte" fact="0.8"/>
+    </dgm:constrLst>
+    <dgm:ruleLst/>
+    <dgm:forEach name="nodesForEach" axis="ch" ptType="node">
+      <dgm:layoutNode name="node">
+        <dgm:varLst>
+          <dgm:bulletEnabled val="1"/>
+        </dgm:varLst>
+        <dgm:alg type="tx">
+          <dgm:param type="txAnchorVertCh" val="mid"/>
+        </dgm:alg>
+        <dgm:shape xmlns:r="http://schemas.openxmlformats.org/officeDocument/2006/relationships" type="ellipse" r:blip="">
+          <dgm:adjLst/>
+        </dgm:shape>
+        <dgm:presOf axis="desOrSelf" ptType="node"/>
+        <dgm:constrLst>
+          <dgm:constr type="h" refType="w"/>
+          <dgm:constr type="lMarg" refType="primFontSz" fact="0.1"/>
+          <dgm:constr type="rMarg" refType="primFontSz" fact="0.1"/>
+          <dgm:constr type="tMarg" refType="primFontSz" fact="0.1"/>
+          <dgm:constr type="bMarg" refType="primFontSz" fact="0.1"/>
+        </dgm:constrLst>
+        <dgm:ruleLst>
+          <dgm:rule type="primFontSz" val="5" fact="NaN" max="NaN"/>
+        </dgm:ruleLst>
+      </dgm:layoutNode>
+      <dgm:choose name="Name9">
+        <dgm:if name="Name10" axis="par ch" ptType="doc node" func="cnt" op="gt" val="1">
+          <dgm:forEach name="sibTransForEach" axis="followSib" ptType="sibTrans" hideLastTrans="0" cnt="1">
+            <dgm:layoutNode name="sibTrans">
+              <dgm:choose name="Name11">
+                <dgm:if name="Name12" axis="par ch" ptType="doc node" func="cnt" op="lt" val="3">
+                  <dgm:alg type="conn">
+                    <dgm:param type="begPts" val="radial"/>
+                    <dgm:param type="endPts" val="radial"/>
+                  </dgm:alg>
+                </dgm:if>
+                <dgm:else name="Name13">
+                  <dgm:alg type="conn">
+                    <dgm:param type="begPts" val="auto"/>
+                    <dgm:param type="endPts" val="auto"/>
+                  </dgm:alg>
+                </dgm:else>
+              </dgm:choose>
+              <dgm:shape xmlns:r="http://schemas.openxmlformats.org/officeDocument/2006/relationships" type="conn" r:blip="">
+                <dgm:adjLst/>
+              </dgm:shape>
+              <dgm:presOf axis="self"/>
+              <dgm:constrLst>
+                <dgm:constr type="h" refType="w" fact="1.35"/>
+                <dgm:constr type="connDist"/>
+                <dgm:constr type="w" for="ch" refType="connDist" fact="0.45"/>
+                <dgm:constr type="h" for="ch" refType="h"/>
+              </dgm:constrLst>
+              <dgm:ruleLst/>
+              <dgm:layoutNode name="connectorText">
+                <dgm:alg type="tx">
+                  <dgm:param type="autoTxRot" val="grav"/>
+                </dgm:alg>
+                <dgm:shape xmlns:r="http://schemas.openxmlformats.org/officeDocument/2006/relationships" type="conn" r:blip="" hideGeom="1">
+                  <dgm:adjLst/>
+                </dgm:shape>
+                <dgm:presOf axis="self"/>
+                <dgm:constrLst>
+                  <dgm:constr type="lMarg"/>
+                  <dgm:constr type="rMarg"/>
+                  <dgm:constr type="tMarg"/>
+                  <dgm:constr type="bMarg"/>
+                </dgm:constrLst>
+                <dgm:ruleLst>
+                  <dgm:rule type="primFontSz" val="5" fact="NaN" max="NaN"/>
+                </dgm:ruleLst>
+              </dgm:layoutNode>
+            </dgm:layoutNode>
+          </dgm:forEach>
+        </dgm:if>
+        <dgm:else name="Name14"/>
+      </dgm:choose>
+    </dgm:forEach>
+  </dgm:layoutNode>
+</dgm:layoutDef>
+</file>
+
 <file path=ppt/diagrams/quickStyle1.xml><?xml version="1.0" encoding="utf-8"?>
 <dgm:styleDef xmlns:dgm="http://schemas.openxmlformats.org/drawingml/2006/diagram" xmlns:a="http://schemas.openxmlformats.org/drawingml/2006/main" uniqueId="urn:microsoft.com/office/officeart/2005/8/quickstyle/simple1">
   <dgm:title val=""/>
@@ -5547,6 +7593,1040 @@
 </file>
 
 <file path=ppt/diagrams/quickStyle2.xml><?xml version="1.0" encoding="utf-8"?>
+<dgm:styleDef xmlns:dgm="http://schemas.openxmlformats.org/drawingml/2006/diagram" xmlns:a="http://schemas.openxmlformats.org/drawingml/2006/main" uniqueId="urn:microsoft.com/office/officeart/2005/8/quickstyle/simple1">
+  <dgm:title val=""/>
+  <dgm:desc val=""/>
+  <dgm:catLst>
+    <dgm:cat type="simple" pri="10100"/>
+  </dgm:catLst>
+  <dgm:scene3d>
+    <a:camera prst="orthographicFront"/>
+    <a:lightRig rig="threePt" dir="t"/>
+  </dgm:scene3d>
+  <dgm:styleLbl name="node0">
+    <dgm:scene3d>
+      <a:camera prst="orthographicFront"/>
+      <a:lightRig rig="threePt" dir="t"/>
+    </dgm:scene3d>
+    <dgm:sp3d/>
+    <dgm:txPr/>
+    <dgm:style>
+      <a:lnRef idx="2">
+        <a:scrgbClr r="0" g="0" b="0"/>
+      </a:lnRef>
+      <a:fillRef idx="1">
+        <a:scrgbClr r="0" g="0" b="0"/>
+      </a:fillRef>
+      <a:effectRef idx="0">
+        <a:scrgbClr r="0" g="0" b="0"/>
+      </a:effectRef>
+      <a:fontRef idx="minor">
+        <a:schemeClr val="lt1"/>
+      </a:fontRef>
+    </dgm:style>
+  </dgm:styleLbl>
+  <dgm:styleLbl name="lnNode1">
+    <dgm:scene3d>
+      <a:camera prst="orthographicFront"/>
+      <a:lightRig rig="threePt" dir="t"/>
+    </dgm:scene3d>
+    <dgm:sp3d/>
+    <dgm:txPr/>
+    <dgm:style>
+      <a:lnRef idx="2">
+        <a:scrgbClr r="0" g="0" b="0"/>
+      </a:lnRef>
+      <a:fillRef idx="1">
+        <a:scrgbClr r="0" g="0" b="0"/>
+      </a:fillRef>
+      <a:effectRef idx="0">
+        <a:scrgbClr r="0" g="0" b="0"/>
+      </a:effectRef>
+      <a:fontRef idx="minor">
+        <a:schemeClr val="lt1"/>
+      </a:fontRef>
+    </dgm:style>
+  </dgm:styleLbl>
+  <dgm:styleLbl name="vennNode1">
+    <dgm:scene3d>
+      <a:camera prst="orthographicFront"/>
+      <a:lightRig rig="threePt" dir="t"/>
+    </dgm:scene3d>
+    <dgm:sp3d/>
+    <dgm:txPr/>
+    <dgm:style>
+      <a:lnRef idx="2">
+        <a:scrgbClr r="0" g="0" b="0"/>
+      </a:lnRef>
+      <a:fillRef idx="1">
+        <a:scrgbClr r="0" g="0" b="0"/>
+      </a:fillRef>
+      <a:effectRef idx="0">
+        <a:scrgbClr r="0" g="0" b="0"/>
+      </a:effectRef>
+      <a:fontRef idx="minor">
+        <a:schemeClr val="tx1"/>
+      </a:fontRef>
+    </dgm:style>
+  </dgm:styleLbl>
+  <dgm:styleLbl name="alignNode1">
+    <dgm:scene3d>
+      <a:camera prst="orthographicFront"/>
+      <a:lightRig rig="threePt" dir="t"/>
+    </dgm:scene3d>
+    <dgm:sp3d/>
+    <dgm:txPr/>
+    <dgm:style>
+      <a:lnRef idx="2">
+        <a:scrgbClr r="0" g="0" b="0"/>
+      </a:lnRef>
+      <a:fillRef idx="1">
+        <a:scrgbClr r="0" g="0" b="0"/>
+      </a:fillRef>
+      <a:effectRef idx="0">
+        <a:scrgbClr r="0" g="0" b="0"/>
+      </a:effectRef>
+      <a:fontRef idx="minor">
+        <a:schemeClr val="lt1"/>
+      </a:fontRef>
+    </dgm:style>
+  </dgm:styleLbl>
+  <dgm:styleLbl name="node1">
+    <dgm:scene3d>
+      <a:camera prst="orthographicFront"/>
+      <a:lightRig rig="threePt" dir="t"/>
+    </dgm:scene3d>
+    <dgm:sp3d/>
+    <dgm:txPr/>
+    <dgm:style>
+      <a:lnRef idx="2">
+        <a:scrgbClr r="0" g="0" b="0"/>
+      </a:lnRef>
+      <a:fillRef idx="1">
+        <a:scrgbClr r="0" g="0" b="0"/>
+      </a:fillRef>
+      <a:effectRef idx="0">
+        <a:scrgbClr r="0" g="0" b="0"/>
+      </a:effectRef>
+      <a:fontRef idx="minor">
+        <a:schemeClr val="lt1"/>
+      </a:fontRef>
+    </dgm:style>
+  </dgm:styleLbl>
+  <dgm:styleLbl name="node2">
+    <dgm:scene3d>
+      <a:camera prst="orthographicFront"/>
+      <a:lightRig rig="threePt" dir="t"/>
+    </dgm:scene3d>
+    <dgm:sp3d/>
+    <dgm:txPr/>
+    <dgm:style>
+      <a:lnRef idx="2">
+        <a:scrgbClr r="0" g="0" b="0"/>
+      </a:lnRef>
+      <a:fillRef idx="1">
+        <a:scrgbClr r="0" g="0" b="0"/>
+      </a:fillRef>
+      <a:effectRef idx="0">
+        <a:scrgbClr r="0" g="0" b="0"/>
+      </a:effectRef>
+      <a:fontRef idx="minor">
+        <a:schemeClr val="lt1"/>
+      </a:fontRef>
+    </dgm:style>
+  </dgm:styleLbl>
+  <dgm:styleLbl name="node3">
+    <dgm:scene3d>
+      <a:camera prst="orthographicFront"/>
+      <a:lightRig rig="threePt" dir="t"/>
+    </dgm:scene3d>
+    <dgm:sp3d/>
+    <dgm:txPr/>
+    <dgm:style>
+      <a:lnRef idx="2">
+        <a:scrgbClr r="0" g="0" b="0"/>
+      </a:lnRef>
+      <a:fillRef idx="1">
+        <a:scrgbClr r="0" g="0" b="0"/>
+      </a:fillRef>
+      <a:effectRef idx="0">
+        <a:scrgbClr r="0" g="0" b="0"/>
+      </a:effectRef>
+      <a:fontRef idx="minor">
+        <a:schemeClr val="lt1"/>
+      </a:fontRef>
+    </dgm:style>
+  </dgm:styleLbl>
+  <dgm:styleLbl name="node4">
+    <dgm:scene3d>
+      <a:camera prst="orthographicFront"/>
+      <a:lightRig rig="threePt" dir="t"/>
+    </dgm:scene3d>
+    <dgm:sp3d/>
+    <dgm:txPr/>
+    <dgm:style>
+      <a:lnRef idx="2">
+        <a:scrgbClr r="0" g="0" b="0"/>
+      </a:lnRef>
+      <a:fillRef idx="1">
+        <a:scrgbClr r="0" g="0" b="0"/>
+      </a:fillRef>
+      <a:effectRef idx="0">
+        <a:scrgbClr r="0" g="0" b="0"/>
+      </a:effectRef>
+      <a:fontRef idx="minor">
+        <a:schemeClr val="lt1"/>
+      </a:fontRef>
+    </dgm:style>
+  </dgm:styleLbl>
+  <dgm:styleLbl name="fgImgPlace1">
+    <dgm:scene3d>
+      <a:camera prst="orthographicFront"/>
+      <a:lightRig rig="threePt" dir="t"/>
+    </dgm:scene3d>
+    <dgm:sp3d/>
+    <dgm:txPr/>
+    <dgm:style>
+      <a:lnRef idx="2">
+        <a:scrgbClr r="0" g="0" b="0"/>
+      </a:lnRef>
+      <a:fillRef idx="1">
+        <a:scrgbClr r="0" g="0" b="0"/>
+      </a:fillRef>
+      <a:effectRef idx="0">
+        <a:scrgbClr r="0" g="0" b="0"/>
+      </a:effectRef>
+      <a:fontRef idx="minor"/>
+    </dgm:style>
+  </dgm:styleLbl>
+  <dgm:styleLbl name="alignImgPlace1">
+    <dgm:scene3d>
+      <a:camera prst="orthographicFront"/>
+      <a:lightRig rig="threePt" dir="t"/>
+    </dgm:scene3d>
+    <dgm:sp3d/>
+    <dgm:txPr/>
+    <dgm:style>
+      <a:lnRef idx="2">
+        <a:scrgbClr r="0" g="0" b="0"/>
+      </a:lnRef>
+      <a:fillRef idx="1">
+        <a:scrgbClr r="0" g="0" b="0"/>
+      </a:fillRef>
+      <a:effectRef idx="0">
+        <a:scrgbClr r="0" g="0" b="0"/>
+      </a:effectRef>
+      <a:fontRef idx="minor"/>
+    </dgm:style>
+  </dgm:styleLbl>
+  <dgm:styleLbl name="bgImgPlace1">
+    <dgm:scene3d>
+      <a:camera prst="orthographicFront"/>
+      <a:lightRig rig="threePt" dir="t"/>
+    </dgm:scene3d>
+    <dgm:sp3d/>
+    <dgm:txPr/>
+    <dgm:style>
+      <a:lnRef idx="2">
+        <a:scrgbClr r="0" g="0" b="0"/>
+      </a:lnRef>
+      <a:fillRef idx="1">
+        <a:scrgbClr r="0" g="0" b="0"/>
+      </a:fillRef>
+      <a:effectRef idx="0">
+        <a:scrgbClr r="0" g="0" b="0"/>
+      </a:effectRef>
+      <a:fontRef idx="minor"/>
+    </dgm:style>
+  </dgm:styleLbl>
+  <dgm:styleLbl name="sibTrans2D1">
+    <dgm:scene3d>
+      <a:camera prst="orthographicFront"/>
+      <a:lightRig rig="threePt" dir="t"/>
+    </dgm:scene3d>
+    <dgm:sp3d/>
+    <dgm:txPr/>
+    <dgm:style>
+      <a:lnRef idx="0">
+        <a:scrgbClr r="0" g="0" b="0"/>
+      </a:lnRef>
+      <a:fillRef idx="1">
+        <a:scrgbClr r="0" g="0" b="0"/>
+      </a:fillRef>
+      <a:effectRef idx="0">
+        <a:scrgbClr r="0" g="0" b="0"/>
+      </a:effectRef>
+      <a:fontRef idx="minor">
+        <a:schemeClr val="lt1"/>
+      </a:fontRef>
+    </dgm:style>
+  </dgm:styleLbl>
+  <dgm:styleLbl name="fgSibTrans2D1">
+    <dgm:scene3d>
+      <a:camera prst="orthographicFront"/>
+      <a:lightRig rig="threePt" dir="t"/>
+    </dgm:scene3d>
+    <dgm:sp3d/>
+    <dgm:txPr/>
+    <dgm:style>
+      <a:lnRef idx="0">
+        <a:scrgbClr r="0" g="0" b="0"/>
+      </a:lnRef>
+      <a:fillRef idx="1">
+        <a:scrgbClr r="0" g="0" b="0"/>
+      </a:fillRef>
+      <a:effectRef idx="0">
+        <a:scrgbClr r="0" g="0" b="0"/>
+      </a:effectRef>
+      <a:fontRef idx="minor">
+        <a:schemeClr val="lt1"/>
+      </a:fontRef>
+    </dgm:style>
+  </dgm:styleLbl>
+  <dgm:styleLbl name="bgSibTrans2D1">
+    <dgm:scene3d>
+      <a:camera prst="orthographicFront"/>
+      <a:lightRig rig="threePt" dir="t"/>
+    </dgm:scene3d>
+    <dgm:sp3d/>
+    <dgm:txPr/>
+    <dgm:style>
+      <a:lnRef idx="0">
+        <a:scrgbClr r="0" g="0" b="0"/>
+      </a:lnRef>
+      <a:fillRef idx="1">
+        <a:scrgbClr r="0" g="0" b="0"/>
+      </a:fillRef>
+      <a:effectRef idx="0">
+        <a:scrgbClr r="0" g="0" b="0"/>
+      </a:effectRef>
+      <a:fontRef idx="minor">
+        <a:schemeClr val="lt1"/>
+      </a:fontRef>
+    </dgm:style>
+  </dgm:styleLbl>
+  <dgm:styleLbl name="sibTrans1D1">
+    <dgm:scene3d>
+      <a:camera prst="orthographicFront"/>
+      <a:lightRig rig="threePt" dir="t"/>
+    </dgm:scene3d>
+    <dgm:sp3d/>
+    <dgm:txPr/>
+    <dgm:style>
+      <a:lnRef idx="1">
+        <a:scrgbClr r="0" g="0" b="0"/>
+      </a:lnRef>
+      <a:fillRef idx="0">
+        <a:scrgbClr r="0" g="0" b="0"/>
+      </a:fillRef>
+      <a:effectRef idx="0">
+        <a:scrgbClr r="0" g="0" b="0"/>
+      </a:effectRef>
+      <a:fontRef idx="minor"/>
+    </dgm:style>
+  </dgm:styleLbl>
+  <dgm:styleLbl name="callout">
+    <dgm:scene3d>
+      <a:camera prst="orthographicFront"/>
+      <a:lightRig rig="threePt" dir="t"/>
+    </dgm:scene3d>
+    <dgm:sp3d/>
+    <dgm:txPr/>
+    <dgm:style>
+      <a:lnRef idx="2">
+        <a:scrgbClr r="0" g="0" b="0"/>
+      </a:lnRef>
+      <a:fillRef idx="1">
+        <a:scrgbClr r="0" g="0" b="0"/>
+      </a:fillRef>
+      <a:effectRef idx="0">
+        <a:scrgbClr r="0" g="0" b="0"/>
+      </a:effectRef>
+      <a:fontRef idx="minor"/>
+    </dgm:style>
+  </dgm:styleLbl>
+  <dgm:styleLbl name="asst0">
+    <dgm:scene3d>
+      <a:camera prst="orthographicFront"/>
+      <a:lightRig rig="threePt" dir="t"/>
+    </dgm:scene3d>
+    <dgm:sp3d/>
+    <dgm:txPr/>
+    <dgm:style>
+      <a:lnRef idx="2">
+        <a:scrgbClr r="0" g="0" b="0"/>
+      </a:lnRef>
+      <a:fillRef idx="1">
+        <a:scrgbClr r="0" g="0" b="0"/>
+      </a:fillRef>
+      <a:effectRef idx="0">
+        <a:scrgbClr r="0" g="0" b="0"/>
+      </a:effectRef>
+      <a:fontRef idx="minor">
+        <a:schemeClr val="lt1"/>
+      </a:fontRef>
+    </dgm:style>
+  </dgm:styleLbl>
+  <dgm:styleLbl name="asst1">
+    <dgm:scene3d>
+      <a:camera prst="orthographicFront"/>
+      <a:lightRig rig="threePt" dir="t"/>
+    </dgm:scene3d>
+    <dgm:sp3d/>
+    <dgm:txPr/>
+    <dgm:style>
+      <a:lnRef idx="2">
+        <a:scrgbClr r="0" g="0" b="0"/>
+      </a:lnRef>
+      <a:fillRef idx="1">
+        <a:scrgbClr r="0" g="0" b="0"/>
+      </a:fillRef>
+      <a:effectRef idx="0">
+        <a:scrgbClr r="0" g="0" b="0"/>
+      </a:effectRef>
+      <a:fontRef idx="minor">
+        <a:schemeClr val="lt1"/>
+      </a:fontRef>
+    </dgm:style>
+  </dgm:styleLbl>
+  <dgm:styleLbl name="asst2">
+    <dgm:scene3d>
+      <a:camera prst="orthographicFront"/>
+      <a:lightRig rig="threePt" dir="t"/>
+    </dgm:scene3d>
+    <dgm:sp3d/>
+    <dgm:txPr/>
+    <dgm:style>
+      <a:lnRef idx="2">
+        <a:scrgbClr r="0" g="0" b="0"/>
+      </a:lnRef>
+      <a:fillRef idx="1">
+        <a:scrgbClr r="0" g="0" b="0"/>
+      </a:fillRef>
+      <a:effectRef idx="0">
+        <a:scrgbClr r="0" g="0" b="0"/>
+      </a:effectRef>
+      <a:fontRef idx="minor">
+        <a:schemeClr val="lt1"/>
+      </a:fontRef>
+    </dgm:style>
+  </dgm:styleLbl>
+  <dgm:styleLbl name="asst3">
+    <dgm:scene3d>
+      <a:camera prst="orthographicFront"/>
+      <a:lightRig rig="threePt" dir="t"/>
+    </dgm:scene3d>
+    <dgm:sp3d/>
+    <dgm:txPr/>
+    <dgm:style>
+      <a:lnRef idx="2">
+        <a:scrgbClr r="0" g="0" b="0"/>
+      </a:lnRef>
+      <a:fillRef idx="1">
+        <a:scrgbClr r="0" g="0" b="0"/>
+      </a:fillRef>
+      <a:effectRef idx="0">
+        <a:scrgbClr r="0" g="0" b="0"/>
+      </a:effectRef>
+      <a:fontRef idx="minor">
+        <a:schemeClr val="lt1"/>
+      </a:fontRef>
+    </dgm:style>
+  </dgm:styleLbl>
+  <dgm:styleLbl name="asst4">
+    <dgm:scene3d>
+      <a:camera prst="orthographicFront"/>
+      <a:lightRig rig="threePt" dir="t"/>
+    </dgm:scene3d>
+    <dgm:sp3d/>
+    <dgm:txPr/>
+    <dgm:style>
+      <a:lnRef idx="2">
+        <a:scrgbClr r="0" g="0" b="0"/>
+      </a:lnRef>
+      <a:fillRef idx="1">
+        <a:scrgbClr r="0" g="0" b="0"/>
+      </a:fillRef>
+      <a:effectRef idx="0">
+        <a:scrgbClr r="0" g="0" b="0"/>
+      </a:effectRef>
+      <a:fontRef idx="minor">
+        <a:schemeClr val="lt1"/>
+      </a:fontRef>
+    </dgm:style>
+  </dgm:styleLbl>
+  <dgm:styleLbl name="parChTrans2D1">
+    <dgm:scene3d>
+      <a:camera prst="orthographicFront"/>
+      <a:lightRig rig="threePt" dir="t"/>
+    </dgm:scene3d>
+    <dgm:sp3d/>
+    <dgm:txPr/>
+    <dgm:style>
+      <a:lnRef idx="2">
+        <a:scrgbClr r="0" g="0" b="0"/>
+      </a:lnRef>
+      <a:fillRef idx="1">
+        <a:scrgbClr r="0" g="0" b="0"/>
+      </a:fillRef>
+      <a:effectRef idx="0">
+        <a:scrgbClr r="0" g="0" b="0"/>
+      </a:effectRef>
+      <a:fontRef idx="minor">
+        <a:schemeClr val="lt1"/>
+      </a:fontRef>
+    </dgm:style>
+  </dgm:styleLbl>
+  <dgm:styleLbl name="parChTrans2D2">
+    <dgm:scene3d>
+      <a:camera prst="orthographicFront"/>
+      <a:lightRig rig="threePt" dir="t"/>
+    </dgm:scene3d>
+    <dgm:sp3d/>
+    <dgm:txPr/>
+    <dgm:style>
+      <a:lnRef idx="2">
+        <a:scrgbClr r="0" g="0" b="0"/>
+      </a:lnRef>
+      <a:fillRef idx="1">
+        <a:scrgbClr r="0" g="0" b="0"/>
+      </a:fillRef>
+      <a:effectRef idx="0">
+        <a:scrgbClr r="0" g="0" b="0"/>
+      </a:effectRef>
+      <a:fontRef idx="minor">
+        <a:schemeClr val="lt1"/>
+      </a:fontRef>
+    </dgm:style>
+  </dgm:styleLbl>
+  <dgm:styleLbl name="parChTrans2D3">
+    <dgm:scene3d>
+      <a:camera prst="orthographicFront"/>
+      <a:lightRig rig="threePt" dir="t"/>
+    </dgm:scene3d>
+    <dgm:sp3d/>
+    <dgm:txPr/>
+    <dgm:style>
+      <a:lnRef idx="2">
+        <a:scrgbClr r="0" g="0" b="0"/>
+      </a:lnRef>
+      <a:fillRef idx="1">
+        <a:scrgbClr r="0" g="0" b="0"/>
+      </a:fillRef>
+      <a:effectRef idx="0">
+        <a:scrgbClr r="0" g="0" b="0"/>
+      </a:effectRef>
+      <a:fontRef idx="minor">
+        <a:schemeClr val="lt1"/>
+      </a:fontRef>
+    </dgm:style>
+  </dgm:styleLbl>
+  <dgm:styleLbl name="parChTrans2D4">
+    <dgm:scene3d>
+      <a:camera prst="orthographicFront"/>
+      <a:lightRig rig="threePt" dir="t"/>
+    </dgm:scene3d>
+    <dgm:sp3d/>
+    <dgm:txPr/>
+    <dgm:style>
+      <a:lnRef idx="2">
+        <a:scrgbClr r="0" g="0" b="0"/>
+      </a:lnRef>
+      <a:fillRef idx="1">
+        <a:scrgbClr r="0" g="0" b="0"/>
+      </a:fillRef>
+      <a:effectRef idx="0">
+        <a:scrgbClr r="0" g="0" b="0"/>
+      </a:effectRef>
+      <a:fontRef idx="minor">
+        <a:schemeClr val="lt1"/>
+      </a:fontRef>
+    </dgm:style>
+  </dgm:styleLbl>
+  <dgm:styleLbl name="parChTrans1D1">
+    <dgm:scene3d>
+      <a:camera prst="orthographicFront"/>
+      <a:lightRig rig="threePt" dir="t"/>
+    </dgm:scene3d>
+    <dgm:sp3d/>
+    <dgm:txPr/>
+    <dgm:style>
+      <a:lnRef idx="2">
+        <a:scrgbClr r="0" g="0" b="0"/>
+      </a:lnRef>
+      <a:fillRef idx="0">
+        <a:scrgbClr r="0" g="0" b="0"/>
+      </a:fillRef>
+      <a:effectRef idx="0">
+        <a:scrgbClr r="0" g="0" b="0"/>
+      </a:effectRef>
+      <a:fontRef idx="minor"/>
+    </dgm:style>
+  </dgm:styleLbl>
+  <dgm:styleLbl name="parChTrans1D2">
+    <dgm:scene3d>
+      <a:camera prst="orthographicFront"/>
+      <a:lightRig rig="threePt" dir="t"/>
+    </dgm:scene3d>
+    <dgm:sp3d/>
+    <dgm:txPr/>
+    <dgm:style>
+      <a:lnRef idx="2">
+        <a:scrgbClr r="0" g="0" b="0"/>
+      </a:lnRef>
+      <a:fillRef idx="0">
+        <a:scrgbClr r="0" g="0" b="0"/>
+      </a:fillRef>
+      <a:effectRef idx="0">
+        <a:scrgbClr r="0" g="0" b="0"/>
+      </a:effectRef>
+      <a:fontRef idx="minor"/>
+    </dgm:style>
+  </dgm:styleLbl>
+  <dgm:styleLbl name="parChTrans1D3">
+    <dgm:scene3d>
+      <a:camera prst="orthographicFront"/>
+      <a:lightRig rig="threePt" dir="t"/>
+    </dgm:scene3d>
+    <dgm:sp3d/>
+    <dgm:txPr/>
+    <dgm:style>
+      <a:lnRef idx="2">
+        <a:scrgbClr r="0" g="0" b="0"/>
+      </a:lnRef>
+      <a:fillRef idx="0">
+        <a:scrgbClr r="0" g="0" b="0"/>
+      </a:fillRef>
+      <a:effectRef idx="0">
+        <a:scrgbClr r="0" g="0" b="0"/>
+      </a:effectRef>
+      <a:fontRef idx="minor"/>
+    </dgm:style>
+  </dgm:styleLbl>
+  <dgm:styleLbl name="parChTrans1D4">
+    <dgm:scene3d>
+      <a:camera prst="orthographicFront"/>
+      <a:lightRig rig="threePt" dir="t"/>
+    </dgm:scene3d>
+    <dgm:sp3d/>
+    <dgm:txPr/>
+    <dgm:style>
+      <a:lnRef idx="2">
+        <a:scrgbClr r="0" g="0" b="0"/>
+      </a:lnRef>
+      <a:fillRef idx="0">
+        <a:scrgbClr r="0" g="0" b="0"/>
+      </a:fillRef>
+      <a:effectRef idx="0">
+        <a:scrgbClr r="0" g="0" b="0"/>
+      </a:effectRef>
+      <a:fontRef idx="minor"/>
+    </dgm:style>
+  </dgm:styleLbl>
+  <dgm:styleLbl name="fgAcc1">
+    <dgm:scene3d>
+      <a:camera prst="orthographicFront"/>
+      <a:lightRig rig="threePt" dir="t"/>
+    </dgm:scene3d>
+    <dgm:sp3d/>
+    <dgm:txPr/>
+    <dgm:style>
+      <a:lnRef idx="2">
+        <a:scrgbClr r="0" g="0" b="0"/>
+      </a:lnRef>
+      <a:fillRef idx="1">
+        <a:scrgbClr r="0" g="0" b="0"/>
+      </a:fillRef>
+      <a:effectRef idx="0">
+        <a:scrgbClr r="0" g="0" b="0"/>
+      </a:effectRef>
+      <a:fontRef idx="minor"/>
+    </dgm:style>
+  </dgm:styleLbl>
+  <dgm:styleLbl name="conFgAcc1">
+    <dgm:scene3d>
+      <a:camera prst="orthographicFront"/>
+      <a:lightRig rig="threePt" dir="t"/>
+    </dgm:scene3d>
+    <dgm:sp3d/>
+    <dgm:txPr/>
+    <dgm:style>
+      <a:lnRef idx="2">
+        <a:scrgbClr r="0" g="0" b="0"/>
+      </a:lnRef>
+      <a:fillRef idx="1">
+        <a:scrgbClr r="0" g="0" b="0"/>
+      </a:fillRef>
+      <a:effectRef idx="0">
+        <a:scrgbClr r="0" g="0" b="0"/>
+      </a:effectRef>
+      <a:fontRef idx="minor"/>
+    </dgm:style>
+  </dgm:styleLbl>
+  <dgm:styleLbl name="alignAcc1">
+    <dgm:scene3d>
+      <a:camera prst="orthographicFront"/>
+      <a:lightRig rig="threePt" dir="t"/>
+    </dgm:scene3d>
+    <dgm:sp3d/>
+    <dgm:txPr/>
+    <dgm:style>
+      <a:lnRef idx="2">
+        <a:scrgbClr r="0" g="0" b="0"/>
+      </a:lnRef>
+      <a:fillRef idx="1">
+        <a:scrgbClr r="0" g="0" b="0"/>
+      </a:fillRef>
+      <a:effectRef idx="0">
+        <a:scrgbClr r="0" g="0" b="0"/>
+      </a:effectRef>
+      <a:fontRef idx="minor"/>
+    </dgm:style>
+  </dgm:styleLbl>
+  <dgm:styleLbl name="trAlignAcc1">
+    <dgm:scene3d>
+      <a:camera prst="orthographicFront"/>
+      <a:lightRig rig="threePt" dir="t"/>
+    </dgm:scene3d>
+    <dgm:sp3d/>
+    <dgm:txPr/>
+    <dgm:style>
+      <a:lnRef idx="1">
+        <a:scrgbClr r="0" g="0" b="0"/>
+      </a:lnRef>
+      <a:fillRef idx="1">
+        <a:scrgbClr r="0" g="0" b="0"/>
+      </a:fillRef>
+      <a:effectRef idx="0">
+        <a:scrgbClr r="0" g="0" b="0"/>
+      </a:effectRef>
+      <a:fontRef idx="minor"/>
+    </dgm:style>
+  </dgm:styleLbl>
+  <dgm:styleLbl name="bgAcc1">
+    <dgm:scene3d>
+      <a:camera prst="orthographicFront"/>
+      <a:lightRig rig="threePt" dir="t"/>
+    </dgm:scene3d>
+    <dgm:sp3d/>
+    <dgm:txPr/>
+    <dgm:style>
+      <a:lnRef idx="2">
+        <a:scrgbClr r="0" g="0" b="0"/>
+      </a:lnRef>
+      <a:fillRef idx="1">
+        <a:scrgbClr r="0" g="0" b="0"/>
+      </a:fillRef>
+      <a:effectRef idx="0">
+        <a:scrgbClr r="0" g="0" b="0"/>
+      </a:effectRef>
+      <a:fontRef idx="minor"/>
+    </dgm:style>
+  </dgm:styleLbl>
+  <dgm:styleLbl name="solidFgAcc1">
+    <dgm:scene3d>
+      <a:camera prst="orthographicFront"/>
+      <a:lightRig rig="threePt" dir="t"/>
+    </dgm:scene3d>
+    <dgm:sp3d/>
+    <dgm:txPr/>
+    <dgm:style>
+      <a:lnRef idx="2">
+        <a:scrgbClr r="0" g="0" b="0"/>
+      </a:lnRef>
+      <a:fillRef idx="1">
+        <a:scrgbClr r="0" g="0" b="0"/>
+      </a:fillRef>
+      <a:effectRef idx="0">
+        <a:scrgbClr r="0" g="0" b="0"/>
+      </a:effectRef>
+      <a:fontRef idx="minor"/>
+    </dgm:style>
+  </dgm:styleLbl>
+  <dgm:styleLbl name="solidAlignAcc1">
+    <dgm:scene3d>
+      <a:camera prst="orthographicFront"/>
+      <a:lightRig rig="threePt" dir="t"/>
+    </dgm:scene3d>
+    <dgm:sp3d/>
+    <dgm:txPr/>
+    <dgm:style>
+      <a:lnRef idx="2">
+        <a:scrgbClr r="0" g="0" b="0"/>
+      </a:lnRef>
+      <a:fillRef idx="1">
+        <a:scrgbClr r="0" g="0" b="0"/>
+      </a:fillRef>
+      <a:effectRef idx="0">
+        <a:scrgbClr r="0" g="0" b="0"/>
+      </a:effectRef>
+      <a:fontRef idx="minor"/>
+    </dgm:style>
+  </dgm:styleLbl>
+  <dgm:styleLbl name="solidBgAcc1">
+    <dgm:scene3d>
+      <a:camera prst="orthographicFront"/>
+      <a:lightRig rig="threePt" dir="t"/>
+    </dgm:scene3d>
+    <dgm:sp3d/>
+    <dgm:txPr/>
+    <dgm:style>
+      <a:lnRef idx="2">
+        <a:scrgbClr r="0" g="0" b="0"/>
+      </a:lnRef>
+      <a:fillRef idx="1">
+        <a:scrgbClr r="0" g="0" b="0"/>
+      </a:fillRef>
+      <a:effectRef idx="0">
+        <a:scrgbClr r="0" g="0" b="0"/>
+      </a:effectRef>
+      <a:fontRef idx="minor"/>
+    </dgm:style>
+  </dgm:styleLbl>
+  <dgm:styleLbl name="fgAccFollowNode1">
+    <dgm:scene3d>
+      <a:camera prst="orthographicFront"/>
+      <a:lightRig rig="threePt" dir="t"/>
+    </dgm:scene3d>
+    <dgm:sp3d/>
+    <dgm:txPr/>
+    <dgm:style>
+      <a:lnRef idx="2">
+        <a:scrgbClr r="0" g="0" b="0"/>
+      </a:lnRef>
+      <a:fillRef idx="1">
+        <a:scrgbClr r="0" g="0" b="0"/>
+      </a:fillRef>
+      <a:effectRef idx="0">
+        <a:scrgbClr r="0" g="0" b="0"/>
+      </a:effectRef>
+      <a:fontRef idx="minor"/>
+    </dgm:style>
+  </dgm:styleLbl>
+  <dgm:styleLbl name="alignAccFollowNode1">
+    <dgm:scene3d>
+      <a:camera prst="orthographicFront"/>
+      <a:lightRig rig="threePt" dir="t"/>
+    </dgm:scene3d>
+    <dgm:sp3d/>
+    <dgm:txPr/>
+    <dgm:style>
+      <a:lnRef idx="2">
+        <a:scrgbClr r="0" g="0" b="0"/>
+      </a:lnRef>
+      <a:fillRef idx="1">
+        <a:scrgbClr r="0" g="0" b="0"/>
+      </a:fillRef>
+      <a:effectRef idx="0">
+        <a:scrgbClr r="0" g="0" b="0"/>
+      </a:effectRef>
+      <a:fontRef idx="minor"/>
+    </dgm:style>
+  </dgm:styleLbl>
+  <dgm:styleLbl name="bgAccFollowNode1">
+    <dgm:scene3d>
+      <a:camera prst="orthographicFront"/>
+      <a:lightRig rig="threePt" dir="t"/>
+    </dgm:scene3d>
+    <dgm:sp3d/>
+    <dgm:txPr/>
+    <dgm:style>
+      <a:lnRef idx="2">
+        <a:scrgbClr r="0" g="0" b="0"/>
+      </a:lnRef>
+      <a:fillRef idx="1">
+        <a:scrgbClr r="0" g="0" b="0"/>
+      </a:fillRef>
+      <a:effectRef idx="0">
+        <a:scrgbClr r="0" g="0" b="0"/>
+      </a:effectRef>
+      <a:fontRef idx="minor"/>
+    </dgm:style>
+  </dgm:styleLbl>
+  <dgm:styleLbl name="fgAcc0">
+    <dgm:scene3d>
+      <a:camera prst="orthographicFront"/>
+      <a:lightRig rig="threePt" dir="t"/>
+    </dgm:scene3d>
+    <dgm:sp3d/>
+    <dgm:txPr/>
+    <dgm:style>
+      <a:lnRef idx="2">
+        <a:scrgbClr r="0" g="0" b="0"/>
+      </a:lnRef>
+      <a:fillRef idx="1">
+        <a:scrgbClr r="0" g="0" b="0"/>
+      </a:fillRef>
+      <a:effectRef idx="0">
+        <a:scrgbClr r="0" g="0" b="0"/>
+      </a:effectRef>
+      <a:fontRef idx="minor"/>
+    </dgm:style>
+  </dgm:styleLbl>
+  <dgm:styleLbl name="fgAcc2">
+    <dgm:scene3d>
+      <a:camera prst="orthographicFront"/>
+      <a:lightRig rig="threePt" dir="t"/>
+    </dgm:scene3d>
+    <dgm:sp3d/>
+    <dgm:txPr/>
+    <dgm:style>
+      <a:lnRef idx="2">
+        <a:scrgbClr r="0" g="0" b="0"/>
+      </a:lnRef>
+      <a:fillRef idx="1">
+        <a:scrgbClr r="0" g="0" b="0"/>
+      </a:fillRef>
+      <a:effectRef idx="0">
+        <a:scrgbClr r="0" g="0" b="0"/>
+      </a:effectRef>
+      <a:fontRef idx="minor"/>
+    </dgm:style>
+  </dgm:styleLbl>
+  <dgm:styleLbl name="fgAcc3">
+    <dgm:scene3d>
+      <a:camera prst="orthographicFront"/>
+      <a:lightRig rig="threePt" dir="t"/>
+    </dgm:scene3d>
+    <dgm:sp3d/>
+    <dgm:txPr/>
+    <dgm:style>
+      <a:lnRef idx="2">
+        <a:scrgbClr r="0" g="0" b="0"/>
+      </a:lnRef>
+      <a:fillRef idx="1">
+        <a:scrgbClr r="0" g="0" b="0"/>
+      </a:fillRef>
+      <a:effectRef idx="0">
+        <a:scrgbClr r="0" g="0" b="0"/>
+      </a:effectRef>
+      <a:fontRef idx="minor"/>
+    </dgm:style>
+  </dgm:styleLbl>
+  <dgm:styleLbl name="fgAcc4">
+    <dgm:scene3d>
+      <a:camera prst="orthographicFront"/>
+      <a:lightRig rig="threePt" dir="t"/>
+    </dgm:scene3d>
+    <dgm:sp3d/>
+    <dgm:txPr/>
+    <dgm:style>
+      <a:lnRef idx="2">
+        <a:scrgbClr r="0" g="0" b="0"/>
+      </a:lnRef>
+      <a:fillRef idx="1">
+        <a:scrgbClr r="0" g="0" b="0"/>
+      </a:fillRef>
+      <a:effectRef idx="0">
+        <a:scrgbClr r="0" g="0" b="0"/>
+      </a:effectRef>
+      <a:fontRef idx="minor"/>
+    </dgm:style>
+  </dgm:styleLbl>
+  <dgm:styleLbl name="bgShp">
+    <dgm:scene3d>
+      <a:camera prst="orthographicFront"/>
+      <a:lightRig rig="threePt" dir="t"/>
+    </dgm:scene3d>
+    <dgm:sp3d/>
+    <dgm:txPr/>
+    <dgm:style>
+      <a:lnRef idx="0">
+        <a:scrgbClr r="0" g="0" b="0"/>
+      </a:lnRef>
+      <a:fillRef idx="1">
+        <a:scrgbClr r="0" g="0" b="0"/>
+      </a:fillRef>
+      <a:effectRef idx="0">
+        <a:scrgbClr r="0" g="0" b="0"/>
+      </a:effectRef>
+      <a:fontRef idx="minor"/>
+    </dgm:style>
+  </dgm:styleLbl>
+  <dgm:styleLbl name="dkBgShp">
+    <dgm:scene3d>
+      <a:camera prst="orthographicFront"/>
+      <a:lightRig rig="threePt" dir="t"/>
+    </dgm:scene3d>
+    <dgm:sp3d/>
+    <dgm:txPr/>
+    <dgm:style>
+      <a:lnRef idx="0">
+        <a:scrgbClr r="0" g="0" b="0"/>
+      </a:lnRef>
+      <a:fillRef idx="1">
+        <a:scrgbClr r="0" g="0" b="0"/>
+      </a:fillRef>
+      <a:effectRef idx="0">
+        <a:scrgbClr r="0" g="0" b="0"/>
+      </a:effectRef>
+      <a:fontRef idx="minor"/>
+    </dgm:style>
+  </dgm:styleLbl>
+  <dgm:styleLbl name="trBgShp">
+    <dgm:scene3d>
+      <a:camera prst="orthographicFront"/>
+      <a:lightRig rig="threePt" dir="t"/>
+    </dgm:scene3d>
+    <dgm:sp3d/>
+    <dgm:txPr/>
+    <dgm:style>
+      <a:lnRef idx="0">
+        <a:scrgbClr r="0" g="0" b="0"/>
+      </a:lnRef>
+      <a:fillRef idx="1">
+        <a:scrgbClr r="0" g="0" b="0"/>
+      </a:fillRef>
+      <a:effectRef idx="0">
+        <a:scrgbClr r="0" g="0" b="0"/>
+      </a:effectRef>
+      <a:fontRef idx="minor"/>
+    </dgm:style>
+  </dgm:styleLbl>
+  <dgm:styleLbl name="fgShp">
+    <dgm:scene3d>
+      <a:camera prst="orthographicFront"/>
+      <a:lightRig rig="threePt" dir="t"/>
+    </dgm:scene3d>
+    <dgm:sp3d/>
+    <dgm:txPr/>
+    <dgm:style>
+      <a:lnRef idx="2">
+        <a:scrgbClr r="0" g="0" b="0"/>
+      </a:lnRef>
+      <a:fillRef idx="1">
+        <a:scrgbClr r="0" g="0" b="0"/>
+      </a:fillRef>
+      <a:effectRef idx="0">
+        <a:scrgbClr r="0" g="0" b="0"/>
+      </a:effectRef>
+      <a:fontRef idx="minor"/>
+    </dgm:style>
+  </dgm:styleLbl>
+  <dgm:styleLbl name="revTx">
+    <dgm:scene3d>
+      <a:camera prst="orthographicFront"/>
+      <a:lightRig rig="threePt" dir="t"/>
+    </dgm:scene3d>
+    <dgm:sp3d/>
+    <dgm:txPr/>
+    <dgm:style>
+      <a:lnRef idx="0">
+        <a:scrgbClr r="0" g="0" b="0"/>
+      </a:lnRef>
+      <a:fillRef idx="0">
+        <a:scrgbClr r="0" g="0" b="0"/>
+      </a:fillRef>
+      <a:effectRef idx="0">
+        <a:scrgbClr r="0" g="0" b="0"/>
+      </a:effectRef>
+      <a:fontRef idx="minor"/>
+    </dgm:style>
+  </dgm:styleLbl>
+</dgm:styleDef>
+</file>
+
+<file path=ppt/diagrams/quickStyle3.xml><?xml version="1.0" encoding="utf-8"?>
 <dgm:styleDef xmlns:dgm="http://schemas.openxmlformats.org/drawingml/2006/diagram" xmlns:a="http://schemas.openxmlformats.org/drawingml/2006/main" uniqueId="urn:microsoft.com/office/officeart/2005/8/quickstyle/simple1">
   <dgm:title val=""/>
   <dgm:desc val=""/>
@@ -12464,6 +15544,53 @@
               <a:t>Spatial, Health &amp; Environmental Research using Probabilistic Programming Languages</a:t>
             </a:r>
             <a:endParaRPr lang="en-US" dirty="0"/>
+          </a:p>
+        </p:txBody>
+      </p:sp>
+      <p:sp>
+        <p:nvSpPr>
+          <p:cNvPr id="6" name="TextBox 5">
+            <a:extLst>
+              <a:ext uri="{FF2B5EF4-FFF2-40B4-BE49-F238E27FC236}">
+                <a16:creationId xmlns:a16="http://schemas.microsoft.com/office/drawing/2014/main" id="{D7E5E647-3E04-C1A7-CED4-F3C72B26F547}"/>
+              </a:ext>
+            </a:extLst>
+          </p:cNvPr>
+          <p:cNvSpPr txBox="1"/>
+          <p:nvPr/>
+        </p:nvSpPr>
+        <p:spPr>
+          <a:xfrm>
+            <a:off x="9034998" y="311705"/>
+            <a:ext cx="3419916" cy="369332"/>
+          </a:xfrm>
+          <a:prstGeom prst="rect">
+            <a:avLst/>
+          </a:prstGeom>
+          <a:noFill/>
+        </p:spPr>
+        <p:txBody>
+          <a:bodyPr wrap="square">
+            <a:spAutoFit/>
+          </a:bodyPr>
+          <a:lstStyle/>
+          <a:p>
+            <a:pPr marL="0" indent="0">
+              <a:buNone/>
+            </a:pPr>
+            <a:r>
+              <a:rPr lang="en-GB" b="1" dirty="0">
+                <a:hlinkClick r:id="rId2">
+                  <a:extLst>
+                    <a:ext uri="{A12FA001-AC4F-418D-AE19-62706E023703}">
+                      <ahyp:hlinkClr xmlns:ahyp="http://schemas.microsoft.com/office/drawing/2018/hyperlinkcolor" val="tx"/>
+                    </a:ext>
+                  </a:extLst>
+                </a:hlinkClick>
+              </a:rPr>
+              <a:t>https://shorturl.at/QOSEy</a:t>
+            </a:r>
+            <a:endParaRPr lang="en-GB" b="1" dirty="0"/>
           </a:p>
         </p:txBody>
       </p:sp>
@@ -14043,6 +17170,41 @@
           </a:p>
         </p:txBody>
       </p:sp>
+      <p:sp>
+        <p:nvSpPr>
+          <p:cNvPr id="5" name="TextBox 4">
+            <a:extLst>
+              <a:ext uri="{FF2B5EF4-FFF2-40B4-BE49-F238E27FC236}">
+                <a16:creationId xmlns:a16="http://schemas.microsoft.com/office/drawing/2014/main" id="{F5B6E64B-9578-1B53-523A-C2126EA036A2}"/>
+              </a:ext>
+            </a:extLst>
+          </p:cNvPr>
+          <p:cNvSpPr txBox="1"/>
+          <p:nvPr/>
+        </p:nvSpPr>
+        <p:spPr>
+          <a:xfrm>
+            <a:off x="4253345" y="651164"/>
+            <a:ext cx="2101857" cy="369332"/>
+          </a:xfrm>
+          <a:prstGeom prst="rect">
+            <a:avLst/>
+          </a:prstGeom>
+          <a:noFill/>
+        </p:spPr>
+        <p:txBody>
+          <a:bodyPr wrap="none" rtlCol="0">
+            <a:spAutoFit/>
+          </a:bodyPr>
+          <a:lstStyle/>
+          <a:p>
+            <a:r>
+              <a:rPr lang="en-GB" dirty="0"/>
+              <a:t>MORE ABOUT WHY</a:t>
+            </a:r>
+          </a:p>
+        </p:txBody>
+      </p:sp>
     </p:spTree>
     <p:extLst>
       <p:ext uri="{BB962C8B-B14F-4D97-AF65-F5344CB8AC3E}">
@@ -14159,7 +17321,13 @@
             </a:r>
             <a:r>
               <a:rPr lang="en-GB" sz="2200" dirty="0">
-                <a:hlinkClick r:id="rId2"/>
+                <a:hlinkClick r:id="rId2">
+                  <a:extLst>
+                    <a:ext uri="{A12FA001-AC4F-418D-AE19-62706E023703}">
+                      <ahyp:hlinkClr xmlns:ahyp="http://schemas.microsoft.com/office/drawing/2018/hyperlinkcolor" val="tx"/>
+                    </a:ext>
+                  </a:extLst>
+                </a:hlinkClick>
               </a:rPr>
               <a:t>Github Repo</a:t>
             </a:r>
@@ -14169,7 +17337,13 @@
             </a:r>
             <a:r>
               <a:rPr lang="en-GB" sz="2200" dirty="0">
-                <a:hlinkClick r:id="rId3"/>
+                <a:hlinkClick r:id="rId3">
+                  <a:extLst>
+                    <a:ext uri="{A12FA001-AC4F-418D-AE19-62706E023703}">
+                      <ahyp:hlinkClr xmlns:ahyp="http://schemas.microsoft.com/office/drawing/2018/hyperlinkcolor" val="tx"/>
+                    </a:ext>
+                  </a:extLst>
+                </a:hlinkClick>
               </a:rPr>
               <a:t>Forecasting AggregatoR App (FARA)</a:t>
             </a:r>
@@ -14224,6 +17398,129 @@
 </file>
 
 <file path=ppt/slides/slide24.xml><?xml version="1.0" encoding="utf-8"?>
+<p:sld xmlns:a="http://schemas.openxmlformats.org/drawingml/2006/main" xmlns:r="http://schemas.openxmlformats.org/officeDocument/2006/relationships" xmlns:p="http://schemas.openxmlformats.org/presentationml/2006/main">
+  <p:cSld>
+    <p:spTree>
+      <p:nvGrpSpPr>
+        <p:cNvPr id="1" name="">
+          <a:extLst>
+            <a:ext uri="{FF2B5EF4-FFF2-40B4-BE49-F238E27FC236}">
+              <a16:creationId xmlns:a16="http://schemas.microsoft.com/office/drawing/2014/main" id="{515C437A-406C-6CAE-3BF5-73AFC416AF86}"/>
+            </a:ext>
+          </a:extLst>
+        </p:cNvPr>
+        <p:cNvGrpSpPr/>
+        <p:nvPr/>
+      </p:nvGrpSpPr>
+      <p:grpSpPr>
+        <a:xfrm>
+          <a:off x="0" y="0"/>
+          <a:ext cx="0" cy="0"/>
+          <a:chOff x="0" y="0"/>
+          <a:chExt cx="0" cy="0"/>
+        </a:xfrm>
+      </p:grpSpPr>
+      <p:sp>
+        <p:nvSpPr>
+          <p:cNvPr id="2" name="Title 1">
+            <a:extLst>
+              <a:ext uri="{FF2B5EF4-FFF2-40B4-BE49-F238E27FC236}">
+                <a16:creationId xmlns:a16="http://schemas.microsoft.com/office/drawing/2014/main" id="{DD7BF2C4-ED76-FBF8-C249-537AD9A7CAF3}"/>
+              </a:ext>
+            </a:extLst>
+          </p:cNvPr>
+          <p:cNvSpPr>
+            <a:spLocks noGrp="1"/>
+          </p:cNvSpPr>
+          <p:nvPr>
+            <p:ph type="title"/>
+          </p:nvPr>
+        </p:nvSpPr>
+        <p:spPr/>
+        <p:txBody>
+          <a:bodyPr/>
+          <a:lstStyle/>
+          <a:p>
+            <a:r>
+              <a:rPr lang="en-GB" dirty="0"/>
+              <a:t>Forecast </a:t>
+            </a:r>
+            <a:r>
+              <a:rPr lang="en-GB" dirty="0" err="1"/>
+              <a:t>AggregatorR</a:t>
+            </a:r>
+            <a:endParaRPr lang="en-GB" dirty="0"/>
+          </a:p>
+        </p:txBody>
+      </p:sp>
+      <p:sp>
+        <p:nvSpPr>
+          <p:cNvPr id="3" name="Content Placeholder 2">
+            <a:extLst>
+              <a:ext uri="{FF2B5EF4-FFF2-40B4-BE49-F238E27FC236}">
+                <a16:creationId xmlns:a16="http://schemas.microsoft.com/office/drawing/2014/main" id="{593B75F4-BBDF-5EA9-D837-9A818C4659C2}"/>
+              </a:ext>
+            </a:extLst>
+          </p:cNvPr>
+          <p:cNvSpPr>
+            <a:spLocks noGrp="1"/>
+          </p:cNvSpPr>
+          <p:nvPr>
+            <p:ph idx="1"/>
+          </p:nvPr>
+        </p:nvSpPr>
+        <p:spPr/>
+        <p:txBody>
+          <a:bodyPr/>
+          <a:lstStyle/>
+          <a:p>
+            <a:endParaRPr lang="en-GB" dirty="0"/>
+          </a:p>
+        </p:txBody>
+      </p:sp>
+      <p:sp>
+        <p:nvSpPr>
+          <p:cNvPr id="4" name="Footer Placeholder 3">
+            <a:extLst>
+              <a:ext uri="{FF2B5EF4-FFF2-40B4-BE49-F238E27FC236}">
+                <a16:creationId xmlns:a16="http://schemas.microsoft.com/office/drawing/2014/main" id="{EC202CBE-E46D-78BA-1832-0E2FCE581CF7}"/>
+              </a:ext>
+            </a:extLst>
+          </p:cNvPr>
+          <p:cNvSpPr>
+            <a:spLocks noGrp="1"/>
+          </p:cNvSpPr>
+          <p:nvPr>
+            <p:ph type="ftr" sz="quarter" idx="11"/>
+          </p:nvPr>
+        </p:nvSpPr>
+        <p:spPr/>
+        <p:txBody>
+          <a:bodyPr/>
+          <a:lstStyle/>
+          <a:p>
+            <a:r>
+              <a:rPr lang="en-US"/>
+              <a:t>Spatial, Health &amp; Environmental Research using Probabilistic Programming Languages</a:t>
+            </a:r>
+            <a:endParaRPr lang="en-US" dirty="0"/>
+          </a:p>
+        </p:txBody>
+      </p:sp>
+    </p:spTree>
+    <p:extLst>
+      <p:ext uri="{BB962C8B-B14F-4D97-AF65-F5344CB8AC3E}">
+        <p14:creationId xmlns:p14="http://schemas.microsoft.com/office/powerpoint/2010/main" val="3819599490"/>
+      </p:ext>
+    </p:extLst>
+  </p:cSld>
+  <p:clrMapOvr>
+    <a:masterClrMapping/>
+  </p:clrMapOvr>
+</p:sld>
+</file>
+
+<file path=ppt/slides/slide25.xml><?xml version="1.0" encoding="utf-8"?>
 <p:sld xmlns:a="http://schemas.openxmlformats.org/drawingml/2006/main" xmlns:r="http://schemas.openxmlformats.org/officeDocument/2006/relationships" xmlns:p="http://schemas.openxmlformats.org/presentationml/2006/main">
   <p:cSld>
     <p:spTree>
@@ -14341,7 +17638,7 @@
 </p:sld>
 </file>
 
-<file path=ppt/slides/slide25.xml><?xml version="1.0" encoding="utf-8"?>
+<file path=ppt/slides/slide26.xml><?xml version="1.0" encoding="utf-8"?>
 <p:sld xmlns:a="http://schemas.openxmlformats.org/drawingml/2006/main" xmlns:r="http://schemas.openxmlformats.org/officeDocument/2006/relationships" xmlns:p="http://schemas.openxmlformats.org/presentationml/2006/main">
   <p:cSld>
     <p:spTree>
@@ -14436,7 +17733,7 @@
 </p:sld>
 </file>
 
-<file path=ppt/slides/slide26.xml><?xml version="1.0" encoding="utf-8"?>
+<file path=ppt/slides/slide27.xml><?xml version="1.0" encoding="utf-8"?>
 <p:sld xmlns:a="http://schemas.openxmlformats.org/drawingml/2006/main" xmlns:r="http://schemas.openxmlformats.org/officeDocument/2006/relationships" xmlns:p="http://schemas.openxmlformats.org/presentationml/2006/main">
   <p:cSld>
     <p:spTree>
@@ -14502,35 +17799,41 @@
           <a:bodyPr/>
           <a:lstStyle/>
           <a:p>
-            <a:endParaRPr lang="en-GB"/>
+            <a:endParaRPr lang="en-GB" dirty="0"/>
           </a:p>
         </p:txBody>
       </p:sp>
-      <p:sp>
-        <p:nvSpPr>
-          <p:cNvPr id="4" name="Content Placeholder 3">
+      <p:graphicFrame>
+        <p:nvGraphicFramePr>
+          <p:cNvPr id="6" name="Content Placeholder 5">
             <a:extLst>
               <a:ext uri="{FF2B5EF4-FFF2-40B4-BE49-F238E27FC236}">
-                <a16:creationId xmlns:a16="http://schemas.microsoft.com/office/drawing/2014/main" id="{7B4BA9CD-E61F-7689-622D-54A1FC9DBE20}"/>
+                <a16:creationId xmlns:a16="http://schemas.microsoft.com/office/drawing/2014/main" id="{B687BDBD-51C3-0188-6809-44F7C31BC884}"/>
               </a:ext>
             </a:extLst>
           </p:cNvPr>
-          <p:cNvSpPr>
-            <a:spLocks noGrp="1"/>
-          </p:cNvSpPr>
+          <p:cNvGraphicFramePr>
+            <a:graphicFrameLocks noGrp="1"/>
+          </p:cNvGraphicFramePr>
           <p:nvPr>
             <p:ph sz="half" idx="2"/>
+            <p:extLst>
+              <p:ext uri="{D42A27DB-BD31-4B8C-83A1-F6EECF244321}">
+                <p14:modId xmlns:p14="http://schemas.microsoft.com/office/powerpoint/2010/main" val="152624063"/>
+              </p:ext>
+            </p:extLst>
           </p:nvPr>
-        </p:nvSpPr>
-        <p:spPr/>
-        <p:txBody>
-          <a:bodyPr/>
-          <a:lstStyle/>
-          <a:p>
-            <a:endParaRPr lang="en-GB"/>
-          </a:p>
-        </p:txBody>
-      </p:sp>
+        </p:nvGraphicFramePr>
+        <p:xfrm>
+          <a:off x="6172200" y="1825625"/>
+          <a:ext cx="5181600" cy="4351338"/>
+        </p:xfrm>
+        <a:graphic>
+          <a:graphicData uri="http://schemas.openxmlformats.org/drawingml/2006/diagram">
+            <dgm:relIds xmlns:dgm="http://schemas.openxmlformats.org/drawingml/2006/diagram" xmlns:r="http://schemas.openxmlformats.org/officeDocument/2006/relationships" r:dm="rId2" r:lo="rId3" r:qs="rId4" r:cs="rId5"/>
+          </a:graphicData>
+        </a:graphic>
+      </p:graphicFrame>
       <p:sp>
         <p:nvSpPr>
           <p:cNvPr id="5" name="Footer Placeholder 4">
@@ -14573,7 +17876,7 @@
 </p:sld>
 </file>
 
-<file path=ppt/slides/slide27.xml><?xml version="1.0" encoding="utf-8"?>
+<file path=ppt/slides/slide28.xml><?xml version="1.0" encoding="utf-8"?>
 <p:sld xmlns:a="http://schemas.openxmlformats.org/drawingml/2006/main" xmlns:r="http://schemas.openxmlformats.org/officeDocument/2006/relationships" xmlns:p="http://schemas.openxmlformats.org/presentationml/2006/main">
   <p:cSld>
     <p:spTree>
@@ -14662,14 +17965,14 @@
           <p:nvPr>
             <p:extLst>
               <p:ext uri="{D42A27DB-BD31-4B8C-83A1-F6EECF244321}">
-                <p14:modId xmlns:p14="http://schemas.microsoft.com/office/powerpoint/2010/main" val="3945348015"/>
+                <p14:modId xmlns:p14="http://schemas.microsoft.com/office/powerpoint/2010/main" val="3035170387"/>
               </p:ext>
             </p:extLst>
           </p:nvPr>
         </p:nvGraphicFramePr>
         <p:xfrm>
           <a:off x="838200" y="1636091"/>
-          <a:ext cx="10439400" cy="3353745"/>
+          <a:ext cx="10752786" cy="3353745"/>
         </p:xfrm>
         <a:graphic>
           <a:graphicData uri="http://schemas.openxmlformats.org/drawingml/2006/table">
@@ -14678,14 +17981,14 @@
                 <a:tableStyleId>{5C22544A-7EE6-4342-B048-85BDC9FD1C3A}</a:tableStyleId>
               </a:tblPr>
               <a:tblGrid>
-                <a:gridCol w="2949107">
+                <a:gridCol w="2471670">
                   <a:extLst>
                     <a:ext uri="{9D8B030D-6E8A-4147-A177-3AD203B41FA5}">
                       <a16:colId xmlns:a16="http://schemas.microsoft.com/office/drawing/2014/main" val="2095981149"/>
                     </a:ext>
                   </a:extLst>
                 </a:gridCol>
-                <a:gridCol w="7490293">
+                <a:gridCol w="8281116">
                   <a:extLst>
                     <a:ext uri="{9D8B030D-6E8A-4147-A177-3AD203B41FA5}">
                       <a16:colId xmlns:a16="http://schemas.microsoft.com/office/drawing/2014/main" val="3870827945"/>
@@ -14699,14 +18002,14 @@
                     <a:bodyPr/>
                     <a:lstStyle/>
                     <a:p>
-                      <a:pPr algn="ctr"/>
+                      <a:pPr algn="l"/>
                       <a:r>
-                        <a:rPr lang="en-GB" sz="2000" kern="100" dirty="0">
+                        <a:rPr lang="en-GB" sz="1800" kern="100" dirty="0">
                           <a:effectLst/>
                         </a:rPr>
                         <a:t>Key Challenge</a:t>
                       </a:r>
-                      <a:endParaRPr lang="en-GB" sz="2000" kern="100" dirty="0">
+                      <a:endParaRPr lang="en-GB" sz="1800" kern="100" dirty="0">
                         <a:effectLst/>
                         <a:latin typeface="Aptos" panose="020B0004020202020204" pitchFamily="34" charset="0"/>
                         <a:ea typeface="Aptos" panose="020B0004020202020204" pitchFamily="34" charset="0"/>
@@ -14721,13 +18024,16 @@
                     <a:bodyPr/>
                     <a:lstStyle/>
                     <a:p>
-                      <a:pPr algn="ctr"/>
-                      <a:endParaRPr lang="en-GB" sz="1800" kern="100" dirty="0">
-                        <a:effectLst/>
-                        <a:latin typeface="Aptos" panose="020B0004020202020204" pitchFamily="34" charset="0"/>
-                        <a:ea typeface="Aptos" panose="020B0004020202020204" pitchFamily="34" charset="0"/>
-                        <a:cs typeface="Times New Roman" panose="02020603050405020304" pitchFamily="18" charset="0"/>
-                      </a:endParaRPr>
+                      <a:pPr algn="l"/>
+                      <a:r>
+                        <a:rPr lang="en-GB" sz="1800" kern="100" dirty="0">
+                          <a:effectLst/>
+                          <a:latin typeface="Aptos" panose="020B0004020202020204" pitchFamily="34" charset="0"/>
+                          <a:ea typeface="Aptos" panose="020B0004020202020204" pitchFamily="34" charset="0"/>
+                          <a:cs typeface="Times New Roman" panose="02020603050405020304" pitchFamily="18" charset="0"/>
+                        </a:rPr>
+                        <a:t>Future burden of Cardiovascular Disease (CVD)</a:t>
+                      </a:r>
                     </a:p>
                   </a:txBody>
                   <a:tcPr marL="36261" marR="36261" marT="0" marB="0" anchor="ctr"/>
@@ -14744,14 +18050,14 @@
                     <a:bodyPr/>
                     <a:lstStyle/>
                     <a:p>
-                      <a:pPr algn="ctr"/>
+                      <a:pPr algn="l"/>
                       <a:r>
-                        <a:rPr lang="en-GB" sz="2000" kern="100" dirty="0">
+                        <a:rPr lang="en-GB" sz="1800" kern="100" dirty="0">
                           <a:effectLst/>
                         </a:rPr>
                         <a:t>Exam Question</a:t>
                       </a:r>
-                      <a:endParaRPr lang="en-GB" sz="2000" kern="100" dirty="0">
+                      <a:endParaRPr lang="en-GB" sz="1800" kern="100" dirty="0">
                         <a:effectLst/>
                         <a:latin typeface="Aptos" panose="020B0004020202020204" pitchFamily="34" charset="0"/>
                         <a:ea typeface="Aptos" panose="020B0004020202020204" pitchFamily="34" charset="0"/>
@@ -14766,12 +18072,19 @@
                     <a:bodyPr/>
                     <a:lstStyle/>
                     <a:p>
-                      <a:pPr algn="ctr"/>
+                      <a:pPr algn="l"/>
+                      <a:r>
+                        <a:rPr lang="en-GB" sz="1800" dirty="0">
+                          <a:latin typeface="Arial" panose="020B0604020202020204" pitchFamily="34" charset="0"/>
+                          <a:cs typeface="Arial" panose="020B0604020202020204" pitchFamily="34" charset="0"/>
+                        </a:rPr>
+                        <a:t>Forecast the number of new cases of CVD in the UK for each year from 2024 to 2034, stratified by age group and sex.</a:t>
+                      </a:r>
                       <a:endParaRPr lang="en-GB" sz="1800" kern="100" dirty="0">
                         <a:effectLst/>
-                        <a:latin typeface="Aptos" panose="020B0004020202020204" pitchFamily="34" charset="0"/>
+                        <a:latin typeface="Arial" panose="020B0604020202020204" pitchFamily="34" charset="0"/>
                         <a:ea typeface="Aptos" panose="020B0004020202020204" pitchFamily="34" charset="0"/>
-                        <a:cs typeface="Times New Roman" panose="02020603050405020304" pitchFamily="18" charset="0"/>
+                        <a:cs typeface="Arial" panose="020B0604020202020204" pitchFamily="34" charset="0"/>
                       </a:endParaRPr>
                     </a:p>
                   </a:txBody>
@@ -14789,14 +18102,14 @@
                     <a:bodyPr/>
                     <a:lstStyle/>
                     <a:p>
-                      <a:pPr algn="ctr"/>
+                      <a:pPr algn="l"/>
                       <a:r>
-                        <a:rPr lang="en-GB" sz="2000" kern="100" dirty="0">
+                        <a:rPr lang="en-GB" sz="1800" kern="100" dirty="0">
                           <a:effectLst/>
                         </a:rPr>
                         <a:t>Usable Data</a:t>
                       </a:r>
-                      <a:endParaRPr lang="en-GB" sz="2000" kern="100" dirty="0">
+                      <a:endParaRPr lang="en-GB" sz="1800" kern="100" dirty="0">
                         <a:effectLst/>
                         <a:latin typeface="Aptos" panose="020B0004020202020204" pitchFamily="34" charset="0"/>
                         <a:ea typeface="Aptos" panose="020B0004020202020204" pitchFamily="34" charset="0"/>
@@ -14811,13 +18124,41 @@
                     <a:bodyPr/>
                     <a:lstStyle/>
                     <a:p>
-                      <a:pPr algn="ctr"/>
-                      <a:endParaRPr lang="en-GB" sz="1800" kern="100" dirty="0">
-                        <a:effectLst/>
-                        <a:latin typeface="Aptos" panose="020B0004020202020204" pitchFamily="34" charset="0"/>
-                        <a:ea typeface="Aptos" panose="020B0004020202020204" pitchFamily="34" charset="0"/>
-                        <a:cs typeface="Times New Roman" panose="02020603050405020304" pitchFamily="18" charset="0"/>
-                      </a:endParaRPr>
+                      <a:pPr marL="0" indent="0" algn="l">
+                        <a:buFontTx/>
+                        <a:buNone/>
+                      </a:pPr>
+                      <a:r>
+                        <a:rPr lang="en-GB" sz="1800" kern="100" dirty="0">
+                          <a:effectLst/>
+                          <a:latin typeface="Arial" panose="020B0604020202020204" pitchFamily="34" charset="0"/>
+                          <a:ea typeface="Aptos" panose="020B0004020202020204" pitchFamily="34" charset="0"/>
+                          <a:cs typeface="Arial" panose="020B0604020202020204" pitchFamily="34" charset="0"/>
+                        </a:rPr>
+                        <a:t>PHE Data (</a:t>
+                      </a:r>
+                      <a:r>
+                        <a:rPr lang="en-GB" sz="1800" dirty="0">
+                          <a:latin typeface="Arial" panose="020B0604020202020204" pitchFamily="34" charset="0"/>
+                          <a:cs typeface="Arial" panose="020B0604020202020204" pitchFamily="34" charset="0"/>
+                        </a:rPr>
+                        <a:t>Trends in CVD mortality, morbidity, and risk factors</a:t>
+                      </a:r>
+                    </a:p>
+                    <a:p>
+                      <a:pPr marL="0" indent="0" algn="l">
+                        <a:buFontTx/>
+                        <a:buNone/>
+                      </a:pPr>
+                      <a:r>
+                        <a:rPr lang="en-GB" sz="1800" kern="100" dirty="0">
+                          <a:effectLst/>
+                          <a:latin typeface="Arial" panose="020B0604020202020204" pitchFamily="34" charset="0"/>
+                          <a:ea typeface="Aptos" panose="020B0004020202020204" pitchFamily="34" charset="0"/>
+                          <a:cs typeface="Arial" panose="020B0604020202020204" pitchFamily="34" charset="0"/>
+                        </a:rPr>
+                        <a:t>ONS Data (population projections, mortality rate, socioeconomic factors)</a:t>
+                      </a:r>
                     </a:p>
                   </a:txBody>
                   <a:tcPr marL="36261" marR="36261" marT="0" marB="0" anchor="ctr"/>
@@ -14834,14 +18175,14 @@
                     <a:bodyPr/>
                     <a:lstStyle/>
                     <a:p>
-                      <a:pPr algn="ctr"/>
+                      <a:pPr algn="l"/>
                       <a:r>
-                        <a:rPr lang="en-GB" sz="2000" kern="100" dirty="0">
+                        <a:rPr lang="en-GB" sz="1800" kern="100" dirty="0">
                           <a:effectLst/>
                         </a:rPr>
                         <a:t>Output Format</a:t>
                       </a:r>
-                      <a:endParaRPr lang="en-GB" sz="2000" kern="100" dirty="0">
+                      <a:endParaRPr lang="en-GB" sz="1800" kern="100" dirty="0">
                         <a:effectLst/>
                         <a:latin typeface="Aptos" panose="020B0004020202020204" pitchFamily="34" charset="0"/>
                         <a:ea typeface="Aptos" panose="020B0004020202020204" pitchFamily="34" charset="0"/>
@@ -14856,13 +18197,16 @@
                     <a:bodyPr/>
                     <a:lstStyle/>
                     <a:p>
-                      <a:pPr algn="ctr"/>
-                      <a:endParaRPr lang="en-GB" sz="1800" kern="100" dirty="0">
-                        <a:effectLst/>
-                        <a:latin typeface="Aptos" panose="020B0004020202020204" pitchFamily="34" charset="0"/>
-                        <a:ea typeface="Aptos" panose="020B0004020202020204" pitchFamily="34" charset="0"/>
-                        <a:cs typeface="Times New Roman" panose="02020603050405020304" pitchFamily="18" charset="0"/>
-                      </a:endParaRPr>
+                      <a:pPr algn="l"/>
+                      <a:r>
+                        <a:rPr lang="en-GB" sz="1800" kern="100" dirty="0">
+                          <a:effectLst/>
+                          <a:latin typeface="Arial" panose="020B0604020202020204" pitchFamily="34" charset="0"/>
+                          <a:ea typeface="Aptos" panose="020B0004020202020204" pitchFamily="34" charset="0"/>
+                          <a:cs typeface="Arial" panose="020B0604020202020204" pitchFamily="34" charset="0"/>
+                        </a:rPr>
+                        <a:t>Table of forecasted numbers, summary report, deployable app</a:t>
+                      </a:r>
                     </a:p>
                   </a:txBody>
                   <a:tcPr marL="36261" marR="36261" marT="0" marB="0" anchor="ctr"/>
@@ -14879,14 +18223,14 @@
                     <a:bodyPr/>
                     <a:lstStyle/>
                     <a:p>
-                      <a:pPr algn="ctr"/>
+                      <a:pPr algn="l"/>
                       <a:r>
-                        <a:rPr lang="en-GB" sz="2000" kern="100" dirty="0">
+                        <a:rPr lang="en-GB" sz="1800" kern="100" dirty="0">
                           <a:effectLst/>
                         </a:rPr>
                         <a:t>Other Information</a:t>
                       </a:r>
-                      <a:endParaRPr lang="en-GB" sz="2000" kern="100" dirty="0">
+                      <a:endParaRPr lang="en-GB" sz="1800" kern="100" dirty="0">
                         <a:effectLst/>
                         <a:latin typeface="Aptos" panose="020B0004020202020204" pitchFamily="34" charset="0"/>
                         <a:ea typeface="Aptos" panose="020B0004020202020204" pitchFamily="34" charset="0"/>
@@ -14901,12 +18245,19 @@
                     <a:bodyPr/>
                     <a:lstStyle/>
                     <a:p>
-                      <a:pPr algn="ctr"/>
+                      <a:pPr algn="l"/>
+                      <a:r>
+                        <a:rPr lang="en-GB" sz="1800" dirty="0">
+                          <a:latin typeface="Arial" panose="020B0604020202020204" pitchFamily="34" charset="0"/>
+                          <a:cs typeface="Arial" panose="020B0604020202020204" pitchFamily="34" charset="0"/>
+                        </a:rPr>
+                        <a:t>Include coronary heart disease, stroke, and heart failure</a:t>
+                      </a:r>
                       <a:endParaRPr lang="en-GB" sz="1800" kern="100" dirty="0">
                         <a:effectLst/>
-                        <a:latin typeface="Aptos" panose="020B0004020202020204" pitchFamily="34" charset="0"/>
+                        <a:latin typeface="Arial" panose="020B0604020202020204" pitchFamily="34" charset="0"/>
                         <a:ea typeface="Aptos" panose="020B0004020202020204" pitchFamily="34" charset="0"/>
-                        <a:cs typeface="Times New Roman" panose="02020603050405020304" pitchFamily="18" charset="0"/>
+                        <a:cs typeface="Arial" panose="020B0604020202020204" pitchFamily="34" charset="0"/>
                       </a:endParaRPr>
                     </a:p>
                   </a:txBody>
@@ -14935,7 +18286,7 @@
 </p:sld>
 </file>
 
-<file path=ppt/slides/slide28.xml><?xml version="1.0" encoding="utf-8"?>
+<file path=ppt/slides/slide29.xml><?xml version="1.0" encoding="utf-8"?>
 <p:sld xmlns:a="http://schemas.openxmlformats.org/drawingml/2006/main" xmlns:r="http://schemas.openxmlformats.org/officeDocument/2006/relationships" xmlns:p="http://schemas.openxmlformats.org/presentationml/2006/main">
   <p:cSld>
     <p:spTree>
@@ -15174,122 +18525,57 @@
           </a:p>
         </p:txBody>
       </p:sp>
-    </p:spTree>
-    <p:extLst>
-      <p:ext uri="{BB962C8B-B14F-4D97-AF65-F5344CB8AC3E}">
-        <p14:creationId xmlns:p14="http://schemas.microsoft.com/office/powerpoint/2010/main" val="1997262377"/>
-      </p:ext>
-    </p:extLst>
-  </p:cSld>
-  <p:clrMapOvr>
-    <a:masterClrMapping/>
-  </p:clrMapOvr>
-</p:sld>
-</file>
-
-<file path=ppt/slides/slide29.xml><?xml version="1.0" encoding="utf-8"?>
-<p:sld xmlns:a="http://schemas.openxmlformats.org/drawingml/2006/main" xmlns:r="http://schemas.openxmlformats.org/officeDocument/2006/relationships" xmlns:p="http://schemas.openxmlformats.org/presentationml/2006/main">
-  <p:cSld>
-    <p:spTree>
-      <p:nvGrpSpPr>
-        <p:cNvPr id="1" name=""/>
-        <p:cNvGrpSpPr/>
-        <p:nvPr/>
-      </p:nvGrpSpPr>
-      <p:grpSpPr>
-        <a:xfrm>
-          <a:off x="0" y="0"/>
-          <a:ext cx="0" cy="0"/>
-          <a:chOff x="0" y="0"/>
-          <a:chExt cx="0" cy="0"/>
-        </a:xfrm>
-      </p:grpSpPr>
       <p:sp>
         <p:nvSpPr>
-          <p:cNvPr id="2" name="Title 1">
+          <p:cNvPr id="6" name="TextBox 5">
             <a:extLst>
               <a:ext uri="{FF2B5EF4-FFF2-40B4-BE49-F238E27FC236}">
-                <a16:creationId xmlns:a16="http://schemas.microsoft.com/office/drawing/2014/main" id="{9B7176AA-090B-68D8-5112-C3FD2ADD6E4A}"/>
+                <a16:creationId xmlns:a16="http://schemas.microsoft.com/office/drawing/2014/main" id="{50D458B1-1F85-C4CB-5F7B-3CD2D93061C9}"/>
               </a:ext>
             </a:extLst>
           </p:cNvPr>
-          <p:cNvSpPr>
-            <a:spLocks noGrp="1"/>
-          </p:cNvSpPr>
-          <p:nvPr>
-            <p:ph type="title"/>
-          </p:nvPr>
+          <p:cNvSpPr txBox="1"/>
+          <p:nvPr/>
         </p:nvSpPr>
-        <p:spPr/>
+        <p:spPr>
+          <a:xfrm>
+            <a:off x="9034998" y="311705"/>
+            <a:ext cx="3419916" cy="369332"/>
+          </a:xfrm>
+          <a:prstGeom prst="rect">
+            <a:avLst/>
+          </a:prstGeom>
+          <a:noFill/>
+        </p:spPr>
         <p:txBody>
-          <a:bodyPr/>
+          <a:bodyPr wrap="square">
+            <a:spAutoFit/>
+          </a:bodyPr>
           <a:lstStyle/>
           <a:p>
-            <a:r>
-              <a:rPr lang="en-GB" dirty="0"/>
-              <a:t>Key Challenges in Health &amp; Policy</a:t>
-            </a:r>
-          </a:p>
-        </p:txBody>
-      </p:sp>
-      <p:sp>
-        <p:nvSpPr>
-          <p:cNvPr id="3" name="Content Placeholder 2">
-            <a:extLst>
-              <a:ext uri="{FF2B5EF4-FFF2-40B4-BE49-F238E27FC236}">
-                <a16:creationId xmlns:a16="http://schemas.microsoft.com/office/drawing/2014/main" id="{BE92A24C-AF8A-9E94-A7C0-AB61A16A95D6}"/>
-              </a:ext>
-            </a:extLst>
-          </p:cNvPr>
-          <p:cNvSpPr>
-            <a:spLocks noGrp="1"/>
-          </p:cNvSpPr>
-          <p:nvPr>
-            <p:ph idx="1"/>
-          </p:nvPr>
-        </p:nvSpPr>
-        <p:spPr/>
-        <p:txBody>
-          <a:bodyPr/>
-          <a:lstStyle/>
-          <a:p>
-            <a:endParaRPr lang="en-GB"/>
-          </a:p>
-        </p:txBody>
-      </p:sp>
-      <p:sp>
-        <p:nvSpPr>
-          <p:cNvPr id="4" name="Footer Placeholder 3">
-            <a:extLst>
-              <a:ext uri="{FF2B5EF4-FFF2-40B4-BE49-F238E27FC236}">
-                <a16:creationId xmlns:a16="http://schemas.microsoft.com/office/drawing/2014/main" id="{C174749F-B48A-71B4-9DD1-545FEAD93B42}"/>
-              </a:ext>
-            </a:extLst>
-          </p:cNvPr>
-          <p:cNvSpPr>
-            <a:spLocks noGrp="1"/>
-          </p:cNvSpPr>
-          <p:nvPr>
-            <p:ph type="ftr" sz="quarter" idx="11"/>
-          </p:nvPr>
-        </p:nvSpPr>
-        <p:spPr/>
-        <p:txBody>
-          <a:bodyPr/>
-          <a:lstStyle/>
-          <a:p>
-            <a:r>
-              <a:rPr lang="en-US"/>
-              <a:t>Spatial, Health &amp; Environmental Research using Probabilistic Programming Languages</a:t>
-            </a:r>
-            <a:endParaRPr lang="en-US" dirty="0"/>
+            <a:pPr marL="0" indent="0">
+              <a:buNone/>
+            </a:pPr>
+            <a:r>
+              <a:rPr lang="en-GB" b="1" dirty="0">
+                <a:hlinkClick r:id="rId2">
+                  <a:extLst>
+                    <a:ext uri="{A12FA001-AC4F-418D-AE19-62706E023703}">
+                      <ahyp:hlinkClr xmlns:ahyp="http://schemas.microsoft.com/office/drawing/2018/hyperlinkcolor" val="tx"/>
+                    </a:ext>
+                  </a:extLst>
+                </a:hlinkClick>
+              </a:rPr>
+              <a:t>https://shorturl.at/QOSEy</a:t>
+            </a:r>
+            <a:endParaRPr lang="en-GB" b="1" dirty="0"/>
           </a:p>
         </p:txBody>
       </p:sp>
     </p:spTree>
     <p:extLst>
       <p:ext uri="{BB962C8B-B14F-4D97-AF65-F5344CB8AC3E}">
-        <p14:creationId xmlns:p14="http://schemas.microsoft.com/office/powerpoint/2010/main" val="342598139"/>
+        <p14:creationId xmlns:p14="http://schemas.microsoft.com/office/powerpoint/2010/main" val="1997262377"/>
       </p:ext>
     </p:extLst>
   </p:cSld>
@@ -15442,6 +18728,118 @@
   <p:cSld>
     <p:spTree>
       <p:nvGrpSpPr>
+        <p:cNvPr id="1" name=""/>
+        <p:cNvGrpSpPr/>
+        <p:nvPr/>
+      </p:nvGrpSpPr>
+      <p:grpSpPr>
+        <a:xfrm>
+          <a:off x="0" y="0"/>
+          <a:ext cx="0" cy="0"/>
+          <a:chOff x="0" y="0"/>
+          <a:chExt cx="0" cy="0"/>
+        </a:xfrm>
+      </p:grpSpPr>
+      <p:sp>
+        <p:nvSpPr>
+          <p:cNvPr id="2" name="Title 1">
+            <a:extLst>
+              <a:ext uri="{FF2B5EF4-FFF2-40B4-BE49-F238E27FC236}">
+                <a16:creationId xmlns:a16="http://schemas.microsoft.com/office/drawing/2014/main" id="{9B7176AA-090B-68D8-5112-C3FD2ADD6E4A}"/>
+              </a:ext>
+            </a:extLst>
+          </p:cNvPr>
+          <p:cNvSpPr>
+            <a:spLocks noGrp="1"/>
+          </p:cNvSpPr>
+          <p:nvPr>
+            <p:ph type="title"/>
+          </p:nvPr>
+        </p:nvSpPr>
+        <p:spPr/>
+        <p:txBody>
+          <a:bodyPr/>
+          <a:lstStyle/>
+          <a:p>
+            <a:r>
+              <a:rPr lang="en-GB" dirty="0"/>
+              <a:t>Key Challenges in Health &amp; Policy</a:t>
+            </a:r>
+          </a:p>
+        </p:txBody>
+      </p:sp>
+      <p:sp>
+        <p:nvSpPr>
+          <p:cNvPr id="3" name="Content Placeholder 2">
+            <a:extLst>
+              <a:ext uri="{FF2B5EF4-FFF2-40B4-BE49-F238E27FC236}">
+                <a16:creationId xmlns:a16="http://schemas.microsoft.com/office/drawing/2014/main" id="{BE92A24C-AF8A-9E94-A7C0-AB61A16A95D6}"/>
+              </a:ext>
+            </a:extLst>
+          </p:cNvPr>
+          <p:cNvSpPr>
+            <a:spLocks noGrp="1"/>
+          </p:cNvSpPr>
+          <p:nvPr>
+            <p:ph idx="1"/>
+          </p:nvPr>
+        </p:nvSpPr>
+        <p:spPr/>
+        <p:txBody>
+          <a:bodyPr/>
+          <a:lstStyle/>
+          <a:p>
+            <a:endParaRPr lang="en-GB"/>
+          </a:p>
+        </p:txBody>
+      </p:sp>
+      <p:sp>
+        <p:nvSpPr>
+          <p:cNvPr id="4" name="Footer Placeholder 3">
+            <a:extLst>
+              <a:ext uri="{FF2B5EF4-FFF2-40B4-BE49-F238E27FC236}">
+                <a16:creationId xmlns:a16="http://schemas.microsoft.com/office/drawing/2014/main" id="{C174749F-B48A-71B4-9DD1-545FEAD93B42}"/>
+              </a:ext>
+            </a:extLst>
+          </p:cNvPr>
+          <p:cNvSpPr>
+            <a:spLocks noGrp="1"/>
+          </p:cNvSpPr>
+          <p:nvPr>
+            <p:ph type="ftr" sz="quarter" idx="11"/>
+          </p:nvPr>
+        </p:nvSpPr>
+        <p:spPr/>
+        <p:txBody>
+          <a:bodyPr/>
+          <a:lstStyle/>
+          <a:p>
+            <a:r>
+              <a:rPr lang="en-US"/>
+              <a:t>Spatial, Health &amp; Environmental Research using Probabilistic Programming Languages</a:t>
+            </a:r>
+            <a:endParaRPr lang="en-US" dirty="0"/>
+          </a:p>
+        </p:txBody>
+      </p:sp>
+    </p:spTree>
+    <p:extLst>
+      <p:ext uri="{BB962C8B-B14F-4D97-AF65-F5344CB8AC3E}">
+        <p14:creationId xmlns:p14="http://schemas.microsoft.com/office/powerpoint/2010/main" val="342598139"/>
+      </p:ext>
+    </p:extLst>
+  </p:cSld>
+  <p:clrMapOvr>
+    <a:masterClrMapping/>
+  </p:clrMapOvr>
+</p:sld>
+</file>
+
+<file path=ppt/slides/slide31.xml><?xml version="1.0" encoding="utf-8"?>
+<p:sld xmlns:a="http://schemas.openxmlformats.org/drawingml/2006/main" xmlns:r="http://schemas.openxmlformats.org/officeDocument/2006/relationships" xmlns:p="http://schemas.openxmlformats.org/presentationml/2006/main">
+  <p:cSld>
+    <p:spTree>
+      <p:nvGrpSpPr>
         <p:cNvPr id="1" name="">
           <a:extLst>
             <a:ext uri="{FF2B5EF4-FFF2-40B4-BE49-F238E27FC236}">
@@ -15561,7 +18959,7 @@
 </p:sld>
 </file>
 
-<file path=ppt/slides/slide31.xml><?xml version="1.0" encoding="utf-8"?>
+<file path=ppt/slides/slide32.xml><?xml version="1.0" encoding="utf-8"?>
 <p:sld xmlns:a="http://schemas.openxmlformats.org/drawingml/2006/main" xmlns:r="http://schemas.openxmlformats.org/officeDocument/2006/relationships" xmlns:p="http://schemas.openxmlformats.org/presentationml/2006/main">
   <p:cSld>
     <p:spTree>
@@ -15682,7 +19080,7 @@
 </p:sld>
 </file>
 
-<file path=ppt/slides/slide32.xml><?xml version="1.0" encoding="utf-8"?>
+<file path=ppt/slides/slide33.xml><?xml version="1.0" encoding="utf-8"?>
 <p:sld xmlns:a="http://schemas.openxmlformats.org/drawingml/2006/main" xmlns:r="http://schemas.openxmlformats.org/officeDocument/2006/relationships" xmlns:p="http://schemas.openxmlformats.org/presentationml/2006/main">
   <p:cSld>
     <p:spTree>
@@ -15794,7 +19192,7 @@
 </p:sld>
 </file>
 
-<file path=ppt/slides/slide33.xml><?xml version="1.0" encoding="utf-8"?>
+<file path=ppt/slides/slide34.xml><?xml version="1.0" encoding="utf-8"?>
 <p:sld xmlns:a="http://schemas.openxmlformats.org/drawingml/2006/main" xmlns:r="http://schemas.openxmlformats.org/officeDocument/2006/relationships" xmlns:p="http://schemas.openxmlformats.org/presentationml/2006/main">
   <p:cSld>
     <p:spTree>
@@ -16052,7 +19450,7 @@
 </p:sld>
 </file>
 
-<file path=ppt/slides/slide34.xml><?xml version="1.0" encoding="utf-8"?>
+<file path=ppt/slides/slide35.xml><?xml version="1.0" encoding="utf-8"?>
 <p:sld xmlns:a="http://schemas.openxmlformats.org/drawingml/2006/main" xmlns:r="http://schemas.openxmlformats.org/officeDocument/2006/relationships" xmlns:p="http://schemas.openxmlformats.org/presentationml/2006/main">
   <p:cSld>
     <p:spTree>
@@ -16185,7 +19583,7 @@
 </p:sld>
 </file>
 
-<file path=ppt/slides/slide35.xml><?xml version="1.0" encoding="utf-8"?>
+<file path=ppt/slides/slide36.xml><?xml version="1.0" encoding="utf-8"?>
 <p:sld xmlns:a="http://schemas.openxmlformats.org/drawingml/2006/main" xmlns:r="http://schemas.openxmlformats.org/officeDocument/2006/relationships" xmlns:p="http://schemas.openxmlformats.org/presentationml/2006/main">
   <p:cSld>
     <p:spTree>
@@ -16305,7 +19703,7 @@
 </p:sld>
 </file>
 
-<file path=ppt/slides/slide36.xml><?xml version="1.0" encoding="utf-8"?>
+<file path=ppt/slides/slide37.xml><?xml version="1.0" encoding="utf-8"?>
 <p:sld xmlns:a="http://schemas.openxmlformats.org/drawingml/2006/main" xmlns:r="http://schemas.openxmlformats.org/officeDocument/2006/relationships" xmlns:p="http://schemas.openxmlformats.org/presentationml/2006/main">
   <p:cSld>
     <p:spTree>
@@ -16550,6 +19948,53 @@
           </a:p>
         </p:txBody>
       </p:sp>
+      <p:sp>
+        <p:nvSpPr>
+          <p:cNvPr id="6" name="TextBox 5">
+            <a:extLst>
+              <a:ext uri="{FF2B5EF4-FFF2-40B4-BE49-F238E27FC236}">
+                <a16:creationId xmlns:a16="http://schemas.microsoft.com/office/drawing/2014/main" id="{CA6D7310-986C-AACB-DCA9-00C0E03C43E5}"/>
+              </a:ext>
+            </a:extLst>
+          </p:cNvPr>
+          <p:cNvSpPr txBox="1"/>
+          <p:nvPr/>
+        </p:nvSpPr>
+        <p:spPr>
+          <a:xfrm>
+            <a:off x="9034998" y="311705"/>
+            <a:ext cx="3419916" cy="369332"/>
+          </a:xfrm>
+          <a:prstGeom prst="rect">
+            <a:avLst/>
+          </a:prstGeom>
+          <a:noFill/>
+        </p:spPr>
+        <p:txBody>
+          <a:bodyPr wrap="square">
+            <a:spAutoFit/>
+          </a:bodyPr>
+          <a:lstStyle/>
+          <a:p>
+            <a:pPr marL="0" indent="0">
+              <a:buNone/>
+            </a:pPr>
+            <a:r>
+              <a:rPr lang="en-GB" b="1" dirty="0">
+                <a:hlinkClick r:id="rId2">
+                  <a:extLst>
+                    <a:ext uri="{A12FA001-AC4F-418D-AE19-62706E023703}">
+                      <ahyp:hlinkClr xmlns:ahyp="http://schemas.microsoft.com/office/drawing/2018/hyperlinkcolor" val="tx"/>
+                    </a:ext>
+                  </a:extLst>
+                </a:hlinkClick>
+              </a:rPr>
+              <a:t>https://shorturl.at/QOSEy</a:t>
+            </a:r>
+            <a:endParaRPr lang="en-GB" b="1" dirty="0"/>
+          </a:p>
+        </p:txBody>
+      </p:sp>
     </p:spTree>
     <p:extLst>
       <p:ext uri="{BB962C8B-B14F-4D97-AF65-F5344CB8AC3E}">
@@ -16563,7 +20008,131 @@
 </p:sld>
 </file>
 
-<file path=ppt/slides/slide37.xml><?xml version="1.0" encoding="utf-8"?>
+<file path=ppt/slides/slide38.xml><?xml version="1.0" encoding="utf-8"?>
+<p:sld xmlns:a="http://schemas.openxmlformats.org/drawingml/2006/main" xmlns:r="http://schemas.openxmlformats.org/officeDocument/2006/relationships" xmlns:p="http://schemas.openxmlformats.org/presentationml/2006/main">
+  <p:cSld>
+    <p:spTree>
+      <p:nvGrpSpPr>
+        <p:cNvPr id="1" name="">
+          <a:extLst>
+            <a:ext uri="{FF2B5EF4-FFF2-40B4-BE49-F238E27FC236}">
+              <a16:creationId xmlns:a16="http://schemas.microsoft.com/office/drawing/2014/main" id="{D814DF36-AA7A-3037-C13F-92DE0945D656}"/>
+            </a:ext>
+          </a:extLst>
+        </p:cNvPr>
+        <p:cNvGrpSpPr/>
+        <p:nvPr/>
+      </p:nvGrpSpPr>
+      <p:grpSpPr>
+        <a:xfrm>
+          <a:off x="0" y="0"/>
+          <a:ext cx="0" cy="0"/>
+          <a:chOff x="0" y="0"/>
+          <a:chExt cx="0" cy="0"/>
+        </a:xfrm>
+      </p:grpSpPr>
+      <p:sp>
+        <p:nvSpPr>
+          <p:cNvPr id="2" name="Title 1">
+            <a:extLst>
+              <a:ext uri="{FF2B5EF4-FFF2-40B4-BE49-F238E27FC236}">
+                <a16:creationId xmlns:a16="http://schemas.microsoft.com/office/drawing/2014/main" id="{46B5E164-D906-3568-B537-A504ECFA07E4}"/>
+              </a:ext>
+            </a:extLst>
+          </p:cNvPr>
+          <p:cNvSpPr>
+            <a:spLocks noGrp="1"/>
+          </p:cNvSpPr>
+          <p:nvPr>
+            <p:ph type="title"/>
+          </p:nvPr>
+        </p:nvSpPr>
+        <p:spPr/>
+        <p:txBody>
+          <a:bodyPr/>
+          <a:lstStyle/>
+          <a:p>
+            <a:r>
+              <a:rPr lang="en-GB" i="0" dirty="0">
+                <a:solidFill>
+                  <a:srgbClr val="008AA5"/>
+                </a:solidFill>
+                <a:effectLst/>
+              </a:rPr>
+              <a:t>Activity 3 – Priority List</a:t>
+            </a:r>
+            <a:endParaRPr lang="en-GB" dirty="0"/>
+          </a:p>
+        </p:txBody>
+      </p:sp>
+      <p:sp>
+        <p:nvSpPr>
+          <p:cNvPr id="3" name="Text Placeholder 2">
+            <a:extLst>
+              <a:ext uri="{FF2B5EF4-FFF2-40B4-BE49-F238E27FC236}">
+                <a16:creationId xmlns:a16="http://schemas.microsoft.com/office/drawing/2014/main" id="{864EFB51-20B7-858F-ED32-7640494C077F}"/>
+              </a:ext>
+            </a:extLst>
+          </p:cNvPr>
+          <p:cNvSpPr>
+            <a:spLocks noGrp="1"/>
+          </p:cNvSpPr>
+          <p:nvPr>
+            <p:ph type="body" idx="1"/>
+          </p:nvPr>
+        </p:nvSpPr>
+        <p:spPr/>
+        <p:txBody>
+          <a:bodyPr/>
+          <a:lstStyle/>
+          <a:p>
+            <a:endParaRPr lang="en-GB"/>
+          </a:p>
+        </p:txBody>
+      </p:sp>
+      <p:sp>
+        <p:nvSpPr>
+          <p:cNvPr id="4" name="Footer Placeholder 3">
+            <a:extLst>
+              <a:ext uri="{FF2B5EF4-FFF2-40B4-BE49-F238E27FC236}">
+                <a16:creationId xmlns:a16="http://schemas.microsoft.com/office/drawing/2014/main" id="{C1305437-7CC1-0075-AF26-F4A29DAC4D15}"/>
+              </a:ext>
+            </a:extLst>
+          </p:cNvPr>
+          <p:cNvSpPr>
+            <a:spLocks noGrp="1"/>
+          </p:cNvSpPr>
+          <p:nvPr>
+            <p:ph type="ftr" sz="quarter" idx="11"/>
+          </p:nvPr>
+        </p:nvSpPr>
+        <p:spPr/>
+        <p:txBody>
+          <a:bodyPr/>
+          <a:lstStyle/>
+          <a:p>
+            <a:r>
+              <a:rPr lang="en-US"/>
+              <a:t>Spatial, Health &amp; Environmental Research using Probabilistic Programming Languages</a:t>
+            </a:r>
+            <a:endParaRPr lang="en-US" dirty="0"/>
+          </a:p>
+        </p:txBody>
+      </p:sp>
+    </p:spTree>
+    <p:extLst>
+      <p:ext uri="{BB962C8B-B14F-4D97-AF65-F5344CB8AC3E}">
+        <p14:creationId xmlns:p14="http://schemas.microsoft.com/office/powerpoint/2010/main" val="1311423816"/>
+      </p:ext>
+    </p:extLst>
+  </p:cSld>
+  <p:clrMapOvr>
+    <a:masterClrMapping/>
+  </p:clrMapOvr>
+</p:sld>
+</file>
+
+<file path=ppt/slides/slide39.xml><?xml version="1.0" encoding="utf-8"?>
 <p:sld xmlns:a="http://schemas.openxmlformats.org/drawingml/2006/main" xmlns:r="http://schemas.openxmlformats.org/officeDocument/2006/relationships" xmlns:p="http://schemas.openxmlformats.org/presentationml/2006/main">
   <p:cSld>
     <p:spTree>
@@ -16750,147 +20319,6 @@
 </p:sld>
 </file>
 
-<file path=ppt/slides/slide38.xml><?xml version="1.0" encoding="utf-8"?>
-<p:sld xmlns:a="http://schemas.openxmlformats.org/drawingml/2006/main" xmlns:r="http://schemas.openxmlformats.org/officeDocument/2006/relationships" xmlns:p="http://schemas.openxmlformats.org/presentationml/2006/main">
-  <p:cSld>
-    <p:spTree>
-      <p:nvGrpSpPr>
-        <p:cNvPr id="1" name=""/>
-        <p:cNvGrpSpPr/>
-        <p:nvPr/>
-      </p:nvGrpSpPr>
-      <p:grpSpPr>
-        <a:xfrm>
-          <a:off x="0" y="0"/>
-          <a:ext cx="0" cy="0"/>
-          <a:chOff x="0" y="0"/>
-          <a:chExt cx="0" cy="0"/>
-        </a:xfrm>
-      </p:grpSpPr>
-      <p:sp>
-        <p:nvSpPr>
-          <p:cNvPr id="2" name="Title 1">
-            <a:extLst>
-              <a:ext uri="{FF2B5EF4-FFF2-40B4-BE49-F238E27FC236}">
-                <a16:creationId xmlns:a16="http://schemas.microsoft.com/office/drawing/2014/main" id="{BCA9041B-E85F-59B3-6DEC-18EB621363E4}"/>
-              </a:ext>
-            </a:extLst>
-          </p:cNvPr>
-          <p:cNvSpPr>
-            <a:spLocks noGrp="1"/>
-          </p:cNvSpPr>
-          <p:nvPr>
-            <p:ph type="ctrTitle"/>
-          </p:nvPr>
-        </p:nvSpPr>
-        <p:spPr/>
-        <p:txBody>
-          <a:bodyPr/>
-          <a:lstStyle/>
-          <a:p>
-            <a:r>
-              <a:rPr lang="en-GB" dirty="0"/>
-              <a:t>Thank-You!</a:t>
-            </a:r>
-          </a:p>
-        </p:txBody>
-      </p:sp>
-      <p:sp>
-        <p:nvSpPr>
-          <p:cNvPr id="3" name="Subtitle 2">
-            <a:extLst>
-              <a:ext uri="{FF2B5EF4-FFF2-40B4-BE49-F238E27FC236}">
-                <a16:creationId xmlns:a16="http://schemas.microsoft.com/office/drawing/2014/main" id="{1AFE0836-FE70-7C51-B8B1-55757F061D3B}"/>
-              </a:ext>
-            </a:extLst>
-          </p:cNvPr>
-          <p:cNvSpPr>
-            <a:spLocks noGrp="1"/>
-          </p:cNvSpPr>
-          <p:nvPr>
-            <p:ph type="subTitle" idx="1"/>
-          </p:nvPr>
-        </p:nvSpPr>
-        <p:spPr/>
-        <p:txBody>
-          <a:bodyPr/>
-          <a:lstStyle/>
-          <a:p>
-            <a:r>
-              <a:rPr lang="en-GB" dirty="0"/>
-              <a:t>For more information, please visit </a:t>
-            </a:r>
-            <a:r>
-              <a:rPr lang="en-GB" dirty="0">
-                <a:hlinkClick r:id="rId2"/>
-              </a:rPr>
-              <a:t>www.sphere-ppl.org</a:t>
-            </a:r>
-            <a:r>
-              <a:rPr lang="en-GB" dirty="0"/>
-              <a:t> or email the team at </a:t>
-            </a:r>
-            <a:r>
-              <a:rPr lang="en-GB" b="0" i="0" u="sng" dirty="0">
-                <a:effectLst/>
-                <a:latin typeface="Source Sans Pro" panose="020B0503030403020204" pitchFamily="34" charset="0"/>
-                <a:hlinkClick r:id="rId3"/>
-              </a:rPr>
-              <a:t>info@sphere-ppl.org</a:t>
-            </a:r>
-            <a:r>
-              <a:rPr lang="en-GB" b="0" i="0" dirty="0">
-                <a:effectLst/>
-                <a:latin typeface="Source Sans Pro" panose="020B0503030403020204" pitchFamily="34" charset="0"/>
-              </a:rPr>
-              <a:t>.</a:t>
-            </a:r>
-            <a:endParaRPr lang="en-GB" dirty="0"/>
-          </a:p>
-        </p:txBody>
-      </p:sp>
-      <p:sp>
-        <p:nvSpPr>
-          <p:cNvPr id="4" name="Footer Placeholder 3">
-            <a:extLst>
-              <a:ext uri="{FF2B5EF4-FFF2-40B4-BE49-F238E27FC236}">
-                <a16:creationId xmlns:a16="http://schemas.microsoft.com/office/drawing/2014/main" id="{22BF12D6-1B6A-72FC-44EB-E4AADCB0DD16}"/>
-              </a:ext>
-            </a:extLst>
-          </p:cNvPr>
-          <p:cNvSpPr>
-            <a:spLocks noGrp="1"/>
-          </p:cNvSpPr>
-          <p:nvPr>
-            <p:ph type="ftr" sz="quarter" idx="11"/>
-          </p:nvPr>
-        </p:nvSpPr>
-        <p:spPr/>
-        <p:txBody>
-          <a:bodyPr/>
-          <a:lstStyle/>
-          <a:p>
-            <a:r>
-              <a:rPr lang="en-US"/>
-              <a:t>Spatial, Health &amp; Environmental Research using Probabilistic Programming Languages</a:t>
-            </a:r>
-            <a:endParaRPr lang="en-US" dirty="0"/>
-          </a:p>
-        </p:txBody>
-      </p:sp>
-    </p:spTree>
-    <p:extLst>
-      <p:ext uri="{BB962C8B-B14F-4D97-AF65-F5344CB8AC3E}">
-        <p14:creationId xmlns:p14="http://schemas.microsoft.com/office/powerpoint/2010/main" val="3948160722"/>
-      </p:ext>
-    </p:extLst>
-  </p:cSld>
-  <p:clrMapOvr>
-    <a:masterClrMapping/>
-  </p:clrMapOvr>
-</p:sld>
-</file>
-
 <file path=ppt/slides/slide4.xml><?xml version="1.0" encoding="utf-8"?>
 <p:sld xmlns:a="http://schemas.openxmlformats.org/drawingml/2006/main" xmlns:r="http://schemas.openxmlformats.org/officeDocument/2006/relationships" xmlns:p="http://schemas.openxmlformats.org/presentationml/2006/main">
   <p:cSld>
@@ -17053,6 +20481,147 @@
     <p:extLst>
       <p:ext uri="{BB962C8B-B14F-4D97-AF65-F5344CB8AC3E}">
         <p14:creationId xmlns:p14="http://schemas.microsoft.com/office/powerpoint/2010/main" val="3295072805"/>
+      </p:ext>
+    </p:extLst>
+  </p:cSld>
+  <p:clrMapOvr>
+    <a:masterClrMapping/>
+  </p:clrMapOvr>
+</p:sld>
+</file>
+
+<file path=ppt/slides/slide40.xml><?xml version="1.0" encoding="utf-8"?>
+<p:sld xmlns:a="http://schemas.openxmlformats.org/drawingml/2006/main" xmlns:r="http://schemas.openxmlformats.org/officeDocument/2006/relationships" xmlns:p="http://schemas.openxmlformats.org/presentationml/2006/main">
+  <p:cSld>
+    <p:spTree>
+      <p:nvGrpSpPr>
+        <p:cNvPr id="1" name=""/>
+        <p:cNvGrpSpPr/>
+        <p:nvPr/>
+      </p:nvGrpSpPr>
+      <p:grpSpPr>
+        <a:xfrm>
+          <a:off x="0" y="0"/>
+          <a:ext cx="0" cy="0"/>
+          <a:chOff x="0" y="0"/>
+          <a:chExt cx="0" cy="0"/>
+        </a:xfrm>
+      </p:grpSpPr>
+      <p:sp>
+        <p:nvSpPr>
+          <p:cNvPr id="2" name="Title 1">
+            <a:extLst>
+              <a:ext uri="{FF2B5EF4-FFF2-40B4-BE49-F238E27FC236}">
+                <a16:creationId xmlns:a16="http://schemas.microsoft.com/office/drawing/2014/main" id="{BCA9041B-E85F-59B3-6DEC-18EB621363E4}"/>
+              </a:ext>
+            </a:extLst>
+          </p:cNvPr>
+          <p:cNvSpPr>
+            <a:spLocks noGrp="1"/>
+          </p:cNvSpPr>
+          <p:nvPr>
+            <p:ph type="ctrTitle"/>
+          </p:nvPr>
+        </p:nvSpPr>
+        <p:spPr/>
+        <p:txBody>
+          <a:bodyPr/>
+          <a:lstStyle/>
+          <a:p>
+            <a:r>
+              <a:rPr lang="en-GB" dirty="0"/>
+              <a:t>Thank-You!</a:t>
+            </a:r>
+          </a:p>
+        </p:txBody>
+      </p:sp>
+      <p:sp>
+        <p:nvSpPr>
+          <p:cNvPr id="3" name="Subtitle 2">
+            <a:extLst>
+              <a:ext uri="{FF2B5EF4-FFF2-40B4-BE49-F238E27FC236}">
+                <a16:creationId xmlns:a16="http://schemas.microsoft.com/office/drawing/2014/main" id="{1AFE0836-FE70-7C51-B8B1-55757F061D3B}"/>
+              </a:ext>
+            </a:extLst>
+          </p:cNvPr>
+          <p:cNvSpPr>
+            <a:spLocks noGrp="1"/>
+          </p:cNvSpPr>
+          <p:nvPr>
+            <p:ph type="subTitle" idx="1"/>
+          </p:nvPr>
+        </p:nvSpPr>
+        <p:spPr/>
+        <p:txBody>
+          <a:bodyPr/>
+          <a:lstStyle/>
+          <a:p>
+            <a:r>
+              <a:rPr lang="en-GB" dirty="0"/>
+              <a:t>For more information, please visit </a:t>
+            </a:r>
+            <a:r>
+              <a:rPr lang="en-GB" dirty="0">
+                <a:hlinkClick r:id="rId2"/>
+              </a:rPr>
+              <a:t>www.sphere-ppl.org</a:t>
+            </a:r>
+            <a:r>
+              <a:rPr lang="en-GB" dirty="0"/>
+              <a:t> or email the team at </a:t>
+            </a:r>
+            <a:r>
+              <a:rPr lang="en-GB" b="0" i="0" u="sng" dirty="0">
+                <a:effectLst/>
+                <a:latin typeface="Source Sans Pro" panose="020B0503030403020204" pitchFamily="34" charset="0"/>
+                <a:hlinkClick r:id="rId3"/>
+              </a:rPr>
+              <a:t>info@sphere-ppl.org</a:t>
+            </a:r>
+            <a:r>
+              <a:rPr lang="en-GB" b="0" i="0" dirty="0">
+                <a:effectLst/>
+                <a:latin typeface="Source Sans Pro" panose="020B0503030403020204" pitchFamily="34" charset="0"/>
+              </a:rPr>
+              <a:t>.</a:t>
+            </a:r>
+            <a:endParaRPr lang="en-GB" dirty="0"/>
+          </a:p>
+        </p:txBody>
+      </p:sp>
+      <p:sp>
+        <p:nvSpPr>
+          <p:cNvPr id="4" name="Footer Placeholder 3">
+            <a:extLst>
+              <a:ext uri="{FF2B5EF4-FFF2-40B4-BE49-F238E27FC236}">
+                <a16:creationId xmlns:a16="http://schemas.microsoft.com/office/drawing/2014/main" id="{22BF12D6-1B6A-72FC-44EB-E4AADCB0DD16}"/>
+              </a:ext>
+            </a:extLst>
+          </p:cNvPr>
+          <p:cNvSpPr>
+            <a:spLocks noGrp="1"/>
+          </p:cNvSpPr>
+          <p:nvPr>
+            <p:ph type="ftr" sz="quarter" idx="11"/>
+          </p:nvPr>
+        </p:nvSpPr>
+        <p:spPr/>
+        <p:txBody>
+          <a:bodyPr/>
+          <a:lstStyle/>
+          <a:p>
+            <a:r>
+              <a:rPr lang="en-US"/>
+              <a:t>Spatial, Health &amp; Environmental Research using Probabilistic Programming Languages</a:t>
+            </a:r>
+            <a:endParaRPr lang="en-US" dirty="0"/>
+          </a:p>
+        </p:txBody>
+      </p:sp>
+    </p:spTree>
+    <p:extLst>
+      <p:ext uri="{BB962C8B-B14F-4D97-AF65-F5344CB8AC3E}">
+        <p14:creationId xmlns:p14="http://schemas.microsoft.com/office/powerpoint/2010/main" val="3948160722"/>
       </p:ext>
     </p:extLst>
   </p:cSld>
@@ -17572,7 +21141,7 @@
             <p:ph idx="1"/>
             <p:extLst>
               <p:ext uri="{D42A27DB-BD31-4B8C-83A1-F6EECF244321}">
-                <p14:modId xmlns:p14="http://schemas.microsoft.com/office/powerpoint/2010/main" val="767211036"/>
+                <p14:modId xmlns:p14="http://schemas.microsoft.com/office/powerpoint/2010/main" val="625153027"/>
               </p:ext>
             </p:extLst>
           </p:nvPr>
@@ -17676,7 +21245,7 @@
                           </a:solidFill>
                           <a:effectLst/>
                         </a:rPr>
-                        <a:t>8:30-9:00</a:t>
+                        <a:t>9:30-10</a:t>
                       </a:r>
                     </a:p>
                   </a:txBody>
@@ -17765,11 +21334,14 @@
                     <a:bodyPr/>
                     <a:lstStyle/>
                     <a:p>
-                      <a:endParaRPr lang="en-GB" sz="1600">
-                        <a:solidFill>
-                          <a:schemeClr val="tx1"/>
-                        </a:solidFill>
-                      </a:endParaRPr>
+                      <a:r>
+                        <a:rPr lang="en-GB" sz="1600" dirty="0">
+                          <a:solidFill>
+                            <a:schemeClr val="tx1"/>
+                          </a:solidFill>
+                        </a:rPr>
+                        <a:t>MERGE</a:t>
+                      </a:r>
                     </a:p>
                   </a:txBody>
                   <a:tcPr anchor="ctr"/>
@@ -17964,12 +21536,12 @@
                     <a:lstStyle/>
                     <a:p>
                       <a:r>
-                        <a:rPr lang="en-GB" sz="1600">
+                        <a:rPr lang="en-GB" sz="1600" dirty="0">
                           <a:solidFill>
                             <a:schemeClr val="tx1"/>
                           </a:solidFill>
                         </a:rPr>
-                        <a:t>How forecasting and probabilistic programming can improve health outcomes</a:t>
+                        <a:t>How forecasting and probabilistic programming can improve health outcomes (MERGE INTO INTRO)</a:t>
                       </a:r>
                     </a:p>
                   </a:txBody>
@@ -18315,6 +21887,54 @@
               <a:t>Spatial, Health &amp; Environmental Research using Probabilistic Programming Languages</a:t>
             </a:r>
             <a:endParaRPr lang="en-US" dirty="0"/>
+          </a:p>
+        </p:txBody>
+      </p:sp>
+      <p:sp>
+        <p:nvSpPr>
+          <p:cNvPr id="3" name="Rectangle 2">
+            <a:extLst>
+              <a:ext uri="{FF2B5EF4-FFF2-40B4-BE49-F238E27FC236}">
+                <a16:creationId xmlns:a16="http://schemas.microsoft.com/office/drawing/2014/main" id="{43AC1835-ED4A-058B-A1D6-AF0F893FC7E1}"/>
+              </a:ext>
+            </a:extLst>
+          </p:cNvPr>
+          <p:cNvSpPr/>
+          <p:nvPr/>
+        </p:nvSpPr>
+        <p:spPr>
+          <a:xfrm>
+            <a:off x="-13205" y="0"/>
+            <a:ext cx="12218409" cy="923330"/>
+          </a:xfrm>
+          <a:prstGeom prst="rect">
+            <a:avLst/>
+          </a:prstGeom>
+          <a:noFill/>
+        </p:spPr>
+        <p:txBody>
+          <a:bodyPr wrap="none" lIns="91440" tIns="45720" rIns="91440" bIns="45720">
+            <a:spAutoFit/>
+          </a:bodyPr>
+          <a:lstStyle/>
+          <a:p>
+            <a:pPr algn="ctr"/>
+            <a:r>
+              <a:rPr lang="en-GB" sz="5400" b="0" cap="none" spc="0" dirty="0">
+                <a:ln w="0"/>
+                <a:solidFill>
+                  <a:schemeClr val="tx1"/>
+                </a:solidFill>
+                <a:effectLst>
+                  <a:outerShdw blurRad="38100" dist="19050" dir="2700000" algn="tl" rotWithShape="0">
+                    <a:schemeClr val="dk1">
+                      <a:alpha val="40000"/>
+                    </a:schemeClr>
+                  </a:outerShdw>
+                </a:effectLst>
+              </a:rPr>
+              <a:t>START AT 10AM/ Merge WILL INTO INTRO</a:t>
+            </a:r>
           </a:p>
         </p:txBody>
       </p:sp>

--- a/docs/Presentations/DayPlan/Full Presentation.pptx
+++ b/docs/Presentations/DayPlan/Full Presentation.pptx
@@ -17185,7 +17185,7 @@
         <p:spPr>
           <a:xfrm>
             <a:off x="4253345" y="651164"/>
-            <a:ext cx="2101857" cy="369332"/>
+            <a:ext cx="5104154" cy="923330"/>
           </a:xfrm>
           <a:prstGeom prst="rect">
             <a:avLst/>
@@ -17200,7 +17200,19 @@
           <a:p>
             <a:r>
               <a:rPr lang="en-GB" dirty="0"/>
-              <a:t>MORE ABOUT WHY</a:t>
+              <a:t>MORE ABOUT WHY ITS COOL AND </a:t>
+            </a:r>
+          </a:p>
+          <a:p>
+            <a:r>
+              <a:rPr lang="en-GB" dirty="0"/>
+              <a:t>AS CLEAR AS POSSIBLE ABOUT HOW IT FITS INTO</a:t>
+            </a:r>
+          </a:p>
+          <a:p>
+            <a:r>
+              <a:rPr lang="en-GB" dirty="0"/>
+              <a:t>THE PREVIOUS ACTIVITIES AND WHATS NEXT </a:t>
             </a:r>
           </a:p>
         </p:txBody>
@@ -20222,7 +20234,13 @@
             </a:r>
             <a:r>
               <a:rPr lang="en-US" dirty="0">
-                <a:hlinkClick r:id="rId2"/>
+                <a:hlinkClick r:id="rId2">
+                  <a:extLst>
+                    <a:ext uri="{A12FA001-AC4F-418D-AE19-62706E023703}">
+                      <ahyp:hlinkClr xmlns:ahyp="http://schemas.microsoft.com/office/drawing/2018/hyperlinkcolor" val="tx"/>
+                    </a:ext>
+                  </a:extLst>
+                </a:hlinkClick>
               </a:rPr>
               <a:t>Feedback Survey</a:t>
             </a:r>
